--- a/presentation.pptx
+++ b/presentation.pptx
@@ -4,12 +4,17 @@
   <p:sldMasterIdLst>
     <p:sldMasterId id="2147483960" r:id="rId1"/>
   </p:sldMasterIdLst>
+  <p:notesMasterIdLst>
+    <p:notesMasterId r:id="rId9"/>
+  </p:notesMasterIdLst>
   <p:sldIdLst>
     <p:sldId id="256" r:id="rId2"/>
     <p:sldId id="257" r:id="rId3"/>
     <p:sldId id="258" r:id="rId4"/>
     <p:sldId id="259" r:id="rId5"/>
     <p:sldId id="260" r:id="rId6"/>
+    <p:sldId id="262" r:id="rId7"/>
+    <p:sldId id="261" r:id="rId8"/>
   </p:sldIdLst>
   <p:sldSz cx="9144000" cy="6858000" type="screen4x3"/>
   <p:notesSz cx="6858000" cy="9144000"/>
@@ -108,7 +113,3925 @@
       </a:defRPr>
     </a:lvl9pPr>
   </p:defaultTextStyle>
+  <p:extLst>
+    <p:ext uri="{521415D9-36F7-43E2-AB2F-B90AF26B5E84}">
+      <p14:sectionLst xmlns:p14="http://schemas.microsoft.com/office/powerpoint/2010/main">
+        <p14:section name="Default Section" id="{939BBD45-D755-EA46-B752-21FA6925488A}">
+          <p14:sldIdLst>
+            <p14:sldId id="256"/>
+            <p14:sldId id="257"/>
+            <p14:sldId id="258"/>
+            <p14:sldId id="259"/>
+            <p14:sldId id="260"/>
+            <p14:sldId id="262"/>
+            <p14:sldId id="261"/>
+          </p14:sldIdLst>
+        </p14:section>
+      </p14:sectionLst>
+    </p:ext>
+  </p:extLst>
 </p:presentation>
+</file>
+
+<file path=ppt/diagrams/colors1.xml><?xml version="1.0" encoding="utf-8"?>
+<dgm:colorsDef xmlns:dgm="http://schemas.openxmlformats.org/drawingml/2006/diagram" xmlns:a="http://schemas.openxmlformats.org/drawingml/2006/main" uniqueId="urn:microsoft.com/office/officeart/2005/8/colors/accent1_2">
+  <dgm:title val=""/>
+  <dgm:desc val=""/>
+  <dgm:catLst>
+    <dgm:cat type="accent1" pri="11200"/>
+  </dgm:catLst>
+  <dgm:styleLbl name="node0">
+    <dgm:fillClrLst meth="repeat">
+      <a:schemeClr val="accent1"/>
+    </dgm:fillClrLst>
+    <dgm:linClrLst meth="repeat">
+      <a:schemeClr val="lt1"/>
+    </dgm:linClrLst>
+    <dgm:effectClrLst/>
+    <dgm:txLinClrLst/>
+    <dgm:txFillClrLst/>
+    <dgm:txEffectClrLst/>
+  </dgm:styleLbl>
+  <dgm:styleLbl name="alignNode1">
+    <dgm:fillClrLst meth="repeat">
+      <a:schemeClr val="accent1"/>
+    </dgm:fillClrLst>
+    <dgm:linClrLst meth="repeat">
+      <a:schemeClr val="accent1"/>
+    </dgm:linClrLst>
+    <dgm:effectClrLst/>
+    <dgm:txLinClrLst/>
+    <dgm:txFillClrLst/>
+    <dgm:txEffectClrLst/>
+  </dgm:styleLbl>
+  <dgm:styleLbl name="node1">
+    <dgm:fillClrLst meth="repeat">
+      <a:schemeClr val="accent1"/>
+    </dgm:fillClrLst>
+    <dgm:linClrLst meth="repeat">
+      <a:schemeClr val="lt1"/>
+    </dgm:linClrLst>
+    <dgm:effectClrLst/>
+    <dgm:txLinClrLst/>
+    <dgm:txFillClrLst/>
+    <dgm:txEffectClrLst/>
+  </dgm:styleLbl>
+  <dgm:styleLbl name="lnNode1">
+    <dgm:fillClrLst meth="repeat">
+      <a:schemeClr val="accent1"/>
+    </dgm:fillClrLst>
+    <dgm:linClrLst meth="repeat">
+      <a:schemeClr val="lt1"/>
+    </dgm:linClrLst>
+    <dgm:effectClrLst/>
+    <dgm:txLinClrLst/>
+    <dgm:txFillClrLst/>
+    <dgm:txEffectClrLst/>
+  </dgm:styleLbl>
+  <dgm:styleLbl name="vennNode1">
+    <dgm:fillClrLst meth="repeat">
+      <a:schemeClr val="accent1">
+        <a:alpha val="50000"/>
+      </a:schemeClr>
+    </dgm:fillClrLst>
+    <dgm:linClrLst meth="repeat">
+      <a:schemeClr val="lt1"/>
+    </dgm:linClrLst>
+    <dgm:effectClrLst/>
+    <dgm:txLinClrLst/>
+    <dgm:txFillClrLst/>
+    <dgm:txEffectClrLst/>
+  </dgm:styleLbl>
+  <dgm:styleLbl name="node2">
+    <dgm:fillClrLst meth="repeat">
+      <a:schemeClr val="accent1"/>
+    </dgm:fillClrLst>
+    <dgm:linClrLst meth="repeat">
+      <a:schemeClr val="lt1"/>
+    </dgm:linClrLst>
+    <dgm:effectClrLst/>
+    <dgm:txLinClrLst/>
+    <dgm:txFillClrLst/>
+    <dgm:txEffectClrLst/>
+  </dgm:styleLbl>
+  <dgm:styleLbl name="node3">
+    <dgm:fillClrLst meth="repeat">
+      <a:schemeClr val="accent1"/>
+    </dgm:fillClrLst>
+    <dgm:linClrLst meth="repeat">
+      <a:schemeClr val="lt1"/>
+    </dgm:linClrLst>
+    <dgm:effectClrLst/>
+    <dgm:txLinClrLst/>
+    <dgm:txFillClrLst/>
+    <dgm:txEffectClrLst/>
+  </dgm:styleLbl>
+  <dgm:styleLbl name="node4">
+    <dgm:fillClrLst meth="repeat">
+      <a:schemeClr val="accent1"/>
+    </dgm:fillClrLst>
+    <dgm:linClrLst meth="repeat">
+      <a:schemeClr val="lt1"/>
+    </dgm:linClrLst>
+    <dgm:effectClrLst/>
+    <dgm:txLinClrLst/>
+    <dgm:txFillClrLst/>
+    <dgm:txEffectClrLst/>
+  </dgm:styleLbl>
+  <dgm:styleLbl name="fgImgPlace1">
+    <dgm:fillClrLst meth="repeat">
+      <a:schemeClr val="accent1">
+        <a:tint val="50000"/>
+      </a:schemeClr>
+    </dgm:fillClrLst>
+    <dgm:linClrLst meth="repeat">
+      <a:schemeClr val="lt1"/>
+    </dgm:linClrLst>
+    <dgm:effectClrLst/>
+    <dgm:txLinClrLst/>
+    <dgm:txFillClrLst meth="repeat">
+      <a:schemeClr val="lt1"/>
+    </dgm:txFillClrLst>
+    <dgm:txEffectClrLst/>
+  </dgm:styleLbl>
+  <dgm:styleLbl name="alignImgPlace1">
+    <dgm:fillClrLst meth="repeat">
+      <a:schemeClr val="accent1">
+        <a:tint val="50000"/>
+      </a:schemeClr>
+    </dgm:fillClrLst>
+    <dgm:linClrLst meth="repeat">
+      <a:schemeClr val="lt1"/>
+    </dgm:linClrLst>
+    <dgm:effectClrLst/>
+    <dgm:txLinClrLst/>
+    <dgm:txFillClrLst meth="repeat">
+      <a:schemeClr val="lt1"/>
+    </dgm:txFillClrLst>
+    <dgm:txEffectClrLst/>
+  </dgm:styleLbl>
+  <dgm:styleLbl name="bgImgPlace1">
+    <dgm:fillClrLst meth="repeat">
+      <a:schemeClr val="accent1">
+        <a:tint val="50000"/>
+      </a:schemeClr>
+    </dgm:fillClrLst>
+    <dgm:linClrLst meth="repeat">
+      <a:schemeClr val="lt1"/>
+    </dgm:linClrLst>
+    <dgm:effectClrLst/>
+    <dgm:txLinClrLst/>
+    <dgm:txFillClrLst meth="repeat">
+      <a:schemeClr val="lt1"/>
+    </dgm:txFillClrLst>
+    <dgm:txEffectClrLst/>
+  </dgm:styleLbl>
+  <dgm:styleLbl name="sibTrans2D1">
+    <dgm:fillClrLst meth="repeat">
+      <a:schemeClr val="accent1">
+        <a:tint val="60000"/>
+      </a:schemeClr>
+    </dgm:fillClrLst>
+    <dgm:linClrLst meth="repeat">
+      <a:schemeClr val="accent1">
+        <a:tint val="60000"/>
+      </a:schemeClr>
+    </dgm:linClrLst>
+    <dgm:effectClrLst/>
+    <dgm:txLinClrLst/>
+    <dgm:txFillClrLst/>
+    <dgm:txEffectClrLst/>
+  </dgm:styleLbl>
+  <dgm:styleLbl name="fgSibTrans2D1">
+    <dgm:fillClrLst meth="repeat">
+      <a:schemeClr val="accent1">
+        <a:tint val="60000"/>
+      </a:schemeClr>
+    </dgm:fillClrLst>
+    <dgm:linClrLst meth="repeat">
+      <a:schemeClr val="accent1">
+        <a:tint val="60000"/>
+      </a:schemeClr>
+    </dgm:linClrLst>
+    <dgm:effectClrLst/>
+    <dgm:txLinClrLst/>
+    <dgm:txFillClrLst/>
+    <dgm:txEffectClrLst/>
+  </dgm:styleLbl>
+  <dgm:styleLbl name="bgSibTrans2D1">
+    <dgm:fillClrLst meth="repeat">
+      <a:schemeClr val="accent1">
+        <a:tint val="60000"/>
+      </a:schemeClr>
+    </dgm:fillClrLst>
+    <dgm:linClrLst meth="repeat">
+      <a:schemeClr val="accent1">
+        <a:tint val="60000"/>
+      </a:schemeClr>
+    </dgm:linClrLst>
+    <dgm:effectClrLst/>
+    <dgm:txLinClrLst/>
+    <dgm:txFillClrLst/>
+    <dgm:txEffectClrLst/>
+  </dgm:styleLbl>
+  <dgm:styleLbl name="sibTrans1D1">
+    <dgm:fillClrLst meth="repeat">
+      <a:schemeClr val="accent1"/>
+    </dgm:fillClrLst>
+    <dgm:linClrLst meth="repeat">
+      <a:schemeClr val="accent1"/>
+    </dgm:linClrLst>
+    <dgm:effectClrLst/>
+    <dgm:txLinClrLst/>
+    <dgm:txFillClrLst meth="repeat">
+      <a:schemeClr val="tx1"/>
+    </dgm:txFillClrLst>
+    <dgm:txEffectClrLst/>
+  </dgm:styleLbl>
+  <dgm:styleLbl name="callout">
+    <dgm:fillClrLst meth="repeat">
+      <a:schemeClr val="accent1"/>
+    </dgm:fillClrLst>
+    <dgm:linClrLst meth="repeat">
+      <a:schemeClr val="accent1">
+        <a:tint val="50000"/>
+      </a:schemeClr>
+    </dgm:linClrLst>
+    <dgm:effectClrLst/>
+    <dgm:txLinClrLst/>
+    <dgm:txFillClrLst meth="repeat">
+      <a:schemeClr val="tx1"/>
+    </dgm:txFillClrLst>
+    <dgm:txEffectClrLst/>
+  </dgm:styleLbl>
+  <dgm:styleLbl name="asst0">
+    <dgm:fillClrLst meth="repeat">
+      <a:schemeClr val="accent1"/>
+    </dgm:fillClrLst>
+    <dgm:linClrLst meth="repeat">
+      <a:schemeClr val="lt1"/>
+    </dgm:linClrLst>
+    <dgm:effectClrLst/>
+    <dgm:txLinClrLst/>
+    <dgm:txFillClrLst/>
+    <dgm:txEffectClrLst/>
+  </dgm:styleLbl>
+  <dgm:styleLbl name="asst1">
+    <dgm:fillClrLst meth="repeat">
+      <a:schemeClr val="accent1"/>
+    </dgm:fillClrLst>
+    <dgm:linClrLst meth="repeat">
+      <a:schemeClr val="lt1"/>
+    </dgm:linClrLst>
+    <dgm:effectClrLst/>
+    <dgm:txLinClrLst/>
+    <dgm:txFillClrLst/>
+    <dgm:txEffectClrLst/>
+  </dgm:styleLbl>
+  <dgm:styleLbl name="asst2">
+    <dgm:fillClrLst meth="repeat">
+      <a:schemeClr val="accent1"/>
+    </dgm:fillClrLst>
+    <dgm:linClrLst meth="repeat">
+      <a:schemeClr val="lt1"/>
+    </dgm:linClrLst>
+    <dgm:effectClrLst/>
+    <dgm:txLinClrLst/>
+    <dgm:txFillClrLst/>
+    <dgm:txEffectClrLst/>
+  </dgm:styleLbl>
+  <dgm:styleLbl name="asst3">
+    <dgm:fillClrLst meth="repeat">
+      <a:schemeClr val="accent1"/>
+    </dgm:fillClrLst>
+    <dgm:linClrLst meth="repeat">
+      <a:schemeClr val="lt1"/>
+    </dgm:linClrLst>
+    <dgm:effectClrLst/>
+    <dgm:txLinClrLst/>
+    <dgm:txFillClrLst/>
+    <dgm:txEffectClrLst/>
+  </dgm:styleLbl>
+  <dgm:styleLbl name="asst4">
+    <dgm:fillClrLst meth="repeat">
+      <a:schemeClr val="accent1"/>
+    </dgm:fillClrLst>
+    <dgm:linClrLst meth="repeat">
+      <a:schemeClr val="lt1"/>
+    </dgm:linClrLst>
+    <dgm:effectClrLst/>
+    <dgm:txLinClrLst/>
+    <dgm:txFillClrLst/>
+    <dgm:txEffectClrLst/>
+  </dgm:styleLbl>
+  <dgm:styleLbl name="parChTrans2D1">
+    <dgm:fillClrLst meth="repeat">
+      <a:schemeClr val="accent1">
+        <a:tint val="60000"/>
+      </a:schemeClr>
+    </dgm:fillClrLst>
+    <dgm:linClrLst meth="repeat">
+      <a:schemeClr val="accent1">
+        <a:tint val="60000"/>
+      </a:schemeClr>
+    </dgm:linClrLst>
+    <dgm:effectClrLst/>
+    <dgm:txLinClrLst/>
+    <dgm:txFillClrLst meth="repeat">
+      <a:schemeClr val="lt1"/>
+    </dgm:txFillClrLst>
+    <dgm:txEffectClrLst/>
+  </dgm:styleLbl>
+  <dgm:styleLbl name="parChTrans2D2">
+    <dgm:fillClrLst meth="repeat">
+      <a:schemeClr val="accent1"/>
+    </dgm:fillClrLst>
+    <dgm:linClrLst meth="repeat">
+      <a:schemeClr val="accent1"/>
+    </dgm:linClrLst>
+    <dgm:effectClrLst/>
+    <dgm:txLinClrLst/>
+    <dgm:txFillClrLst meth="repeat">
+      <a:schemeClr val="lt1"/>
+    </dgm:txFillClrLst>
+    <dgm:txEffectClrLst/>
+  </dgm:styleLbl>
+  <dgm:styleLbl name="parChTrans2D3">
+    <dgm:fillClrLst meth="repeat">
+      <a:schemeClr val="accent1"/>
+    </dgm:fillClrLst>
+    <dgm:linClrLst meth="repeat">
+      <a:schemeClr val="accent1"/>
+    </dgm:linClrLst>
+    <dgm:effectClrLst/>
+    <dgm:txLinClrLst/>
+    <dgm:txFillClrLst meth="repeat">
+      <a:schemeClr val="lt1"/>
+    </dgm:txFillClrLst>
+    <dgm:txEffectClrLst/>
+  </dgm:styleLbl>
+  <dgm:styleLbl name="parChTrans2D4">
+    <dgm:fillClrLst meth="repeat">
+      <a:schemeClr val="accent1"/>
+    </dgm:fillClrLst>
+    <dgm:linClrLst meth="repeat">
+      <a:schemeClr val="accent1"/>
+    </dgm:linClrLst>
+    <dgm:effectClrLst/>
+    <dgm:txLinClrLst/>
+    <dgm:txFillClrLst meth="repeat">
+      <a:schemeClr val="lt1"/>
+    </dgm:txFillClrLst>
+    <dgm:txEffectClrLst/>
+  </dgm:styleLbl>
+  <dgm:styleLbl name="parChTrans1D1">
+    <dgm:fillClrLst meth="repeat">
+      <a:schemeClr val="accent1"/>
+    </dgm:fillClrLst>
+    <dgm:linClrLst meth="repeat">
+      <a:schemeClr val="accent1">
+        <a:shade val="60000"/>
+      </a:schemeClr>
+    </dgm:linClrLst>
+    <dgm:effectClrLst/>
+    <dgm:txLinClrLst/>
+    <dgm:txFillClrLst meth="repeat">
+      <a:schemeClr val="tx1"/>
+    </dgm:txFillClrLst>
+    <dgm:txEffectClrLst/>
+  </dgm:styleLbl>
+  <dgm:styleLbl name="parChTrans1D2">
+    <dgm:fillClrLst meth="repeat">
+      <a:schemeClr val="accent1"/>
+    </dgm:fillClrLst>
+    <dgm:linClrLst meth="repeat">
+      <a:schemeClr val="accent1">
+        <a:shade val="60000"/>
+      </a:schemeClr>
+    </dgm:linClrLst>
+    <dgm:effectClrLst/>
+    <dgm:txLinClrLst/>
+    <dgm:txFillClrLst meth="repeat">
+      <a:schemeClr val="tx1"/>
+    </dgm:txFillClrLst>
+    <dgm:txEffectClrLst/>
+  </dgm:styleLbl>
+  <dgm:styleLbl name="parChTrans1D3">
+    <dgm:fillClrLst meth="repeat">
+      <a:schemeClr val="accent1"/>
+    </dgm:fillClrLst>
+    <dgm:linClrLst meth="repeat">
+      <a:schemeClr val="accent1">
+        <a:shade val="80000"/>
+      </a:schemeClr>
+    </dgm:linClrLst>
+    <dgm:effectClrLst/>
+    <dgm:txLinClrLst/>
+    <dgm:txFillClrLst meth="repeat">
+      <a:schemeClr val="tx1"/>
+    </dgm:txFillClrLst>
+    <dgm:txEffectClrLst/>
+  </dgm:styleLbl>
+  <dgm:styleLbl name="parChTrans1D4">
+    <dgm:fillClrLst meth="repeat">
+      <a:schemeClr val="accent1"/>
+    </dgm:fillClrLst>
+    <dgm:linClrLst meth="repeat">
+      <a:schemeClr val="accent1">
+        <a:shade val="80000"/>
+      </a:schemeClr>
+    </dgm:linClrLst>
+    <dgm:effectClrLst/>
+    <dgm:txLinClrLst/>
+    <dgm:txFillClrLst meth="repeat">
+      <a:schemeClr val="tx1"/>
+    </dgm:txFillClrLst>
+    <dgm:txEffectClrLst/>
+  </dgm:styleLbl>
+  <dgm:styleLbl name="fgAcc1">
+    <dgm:fillClrLst meth="repeat">
+      <a:schemeClr val="lt1">
+        <a:alpha val="90000"/>
+      </a:schemeClr>
+    </dgm:fillClrLst>
+    <dgm:linClrLst meth="repeat">
+      <a:schemeClr val="accent1"/>
+    </dgm:linClrLst>
+    <dgm:effectClrLst/>
+    <dgm:txLinClrLst/>
+    <dgm:txFillClrLst meth="repeat">
+      <a:schemeClr val="dk1"/>
+    </dgm:txFillClrLst>
+    <dgm:txEffectClrLst/>
+  </dgm:styleLbl>
+  <dgm:styleLbl name="conFgAcc1">
+    <dgm:fillClrLst meth="repeat">
+      <a:schemeClr val="lt1">
+        <a:alpha val="90000"/>
+      </a:schemeClr>
+    </dgm:fillClrLst>
+    <dgm:linClrLst meth="repeat">
+      <a:schemeClr val="accent1"/>
+    </dgm:linClrLst>
+    <dgm:effectClrLst/>
+    <dgm:txLinClrLst/>
+    <dgm:txFillClrLst meth="repeat">
+      <a:schemeClr val="dk1"/>
+    </dgm:txFillClrLst>
+    <dgm:txEffectClrLst/>
+  </dgm:styleLbl>
+  <dgm:styleLbl name="alignAcc1">
+    <dgm:fillClrLst meth="repeat">
+      <a:schemeClr val="lt1">
+        <a:alpha val="90000"/>
+      </a:schemeClr>
+    </dgm:fillClrLst>
+    <dgm:linClrLst meth="repeat">
+      <a:schemeClr val="accent1"/>
+    </dgm:linClrLst>
+    <dgm:effectClrLst/>
+    <dgm:txLinClrLst/>
+    <dgm:txFillClrLst meth="repeat">
+      <a:schemeClr val="dk1"/>
+    </dgm:txFillClrLst>
+    <dgm:txEffectClrLst/>
+  </dgm:styleLbl>
+  <dgm:styleLbl name="trAlignAcc1">
+    <dgm:fillClrLst meth="repeat">
+      <a:schemeClr val="lt1">
+        <a:alpha val="40000"/>
+      </a:schemeClr>
+    </dgm:fillClrLst>
+    <dgm:linClrLst meth="repeat">
+      <a:schemeClr val="accent1"/>
+    </dgm:linClrLst>
+    <dgm:effectClrLst/>
+    <dgm:txLinClrLst/>
+    <dgm:txFillClrLst meth="repeat">
+      <a:schemeClr val="dk1"/>
+    </dgm:txFillClrLst>
+    <dgm:txEffectClrLst/>
+  </dgm:styleLbl>
+  <dgm:styleLbl name="bgAcc1">
+    <dgm:fillClrLst meth="repeat">
+      <a:schemeClr val="lt1">
+        <a:alpha val="90000"/>
+      </a:schemeClr>
+    </dgm:fillClrLst>
+    <dgm:linClrLst meth="repeat">
+      <a:schemeClr val="accent1"/>
+    </dgm:linClrLst>
+    <dgm:effectClrLst/>
+    <dgm:txLinClrLst/>
+    <dgm:txFillClrLst meth="repeat">
+      <a:schemeClr val="dk1"/>
+    </dgm:txFillClrLst>
+    <dgm:txEffectClrLst/>
+  </dgm:styleLbl>
+  <dgm:styleLbl name="solidFgAcc1">
+    <dgm:fillClrLst meth="repeat">
+      <a:schemeClr val="lt1"/>
+    </dgm:fillClrLst>
+    <dgm:linClrLst meth="repeat">
+      <a:schemeClr val="accent1"/>
+    </dgm:linClrLst>
+    <dgm:effectClrLst/>
+    <dgm:txLinClrLst/>
+    <dgm:txFillClrLst meth="repeat">
+      <a:schemeClr val="dk1"/>
+    </dgm:txFillClrLst>
+    <dgm:txEffectClrLst/>
+  </dgm:styleLbl>
+  <dgm:styleLbl name="solidAlignAcc1">
+    <dgm:fillClrLst meth="repeat">
+      <a:schemeClr val="lt1"/>
+    </dgm:fillClrLst>
+    <dgm:linClrLst meth="repeat">
+      <a:schemeClr val="accent1"/>
+    </dgm:linClrLst>
+    <dgm:effectClrLst/>
+    <dgm:txLinClrLst/>
+    <dgm:txFillClrLst meth="repeat">
+      <a:schemeClr val="dk1"/>
+    </dgm:txFillClrLst>
+    <dgm:txEffectClrLst/>
+  </dgm:styleLbl>
+  <dgm:styleLbl name="solidBgAcc1">
+    <dgm:fillClrLst meth="repeat">
+      <a:schemeClr val="lt1"/>
+    </dgm:fillClrLst>
+    <dgm:linClrLst meth="repeat">
+      <a:schemeClr val="accent1"/>
+    </dgm:linClrLst>
+    <dgm:effectClrLst/>
+    <dgm:txLinClrLst/>
+    <dgm:txFillClrLst meth="repeat">
+      <a:schemeClr val="dk1"/>
+    </dgm:txFillClrLst>
+    <dgm:txEffectClrLst/>
+  </dgm:styleLbl>
+  <dgm:styleLbl name="fgAccFollowNode1">
+    <dgm:fillClrLst meth="repeat">
+      <a:schemeClr val="accent1">
+        <a:alpha val="90000"/>
+        <a:tint val="40000"/>
+      </a:schemeClr>
+    </dgm:fillClrLst>
+    <dgm:linClrLst meth="repeat">
+      <a:schemeClr val="accent1">
+        <a:alpha val="90000"/>
+        <a:tint val="40000"/>
+      </a:schemeClr>
+    </dgm:linClrLst>
+    <dgm:effectClrLst/>
+    <dgm:txLinClrLst/>
+    <dgm:txFillClrLst meth="repeat">
+      <a:schemeClr val="dk1"/>
+    </dgm:txFillClrLst>
+    <dgm:txEffectClrLst/>
+  </dgm:styleLbl>
+  <dgm:styleLbl name="alignAccFollowNode1">
+    <dgm:fillClrLst meth="repeat">
+      <a:schemeClr val="accent1">
+        <a:alpha val="90000"/>
+        <a:tint val="40000"/>
+      </a:schemeClr>
+    </dgm:fillClrLst>
+    <dgm:linClrLst meth="repeat">
+      <a:schemeClr val="accent1">
+        <a:alpha val="90000"/>
+        <a:tint val="40000"/>
+      </a:schemeClr>
+    </dgm:linClrLst>
+    <dgm:effectClrLst/>
+    <dgm:txLinClrLst/>
+    <dgm:txFillClrLst meth="repeat">
+      <a:schemeClr val="dk1"/>
+    </dgm:txFillClrLst>
+    <dgm:txEffectClrLst/>
+  </dgm:styleLbl>
+  <dgm:styleLbl name="bgAccFollowNode1">
+    <dgm:fillClrLst meth="repeat">
+      <a:schemeClr val="accent1">
+        <a:alpha val="90000"/>
+        <a:tint val="40000"/>
+      </a:schemeClr>
+    </dgm:fillClrLst>
+    <dgm:linClrLst meth="repeat">
+      <a:schemeClr val="accent1">
+        <a:alpha val="90000"/>
+        <a:tint val="40000"/>
+      </a:schemeClr>
+    </dgm:linClrLst>
+    <dgm:effectClrLst/>
+    <dgm:txLinClrLst/>
+    <dgm:txFillClrLst meth="repeat">
+      <a:schemeClr val="dk1"/>
+    </dgm:txFillClrLst>
+    <dgm:txEffectClrLst/>
+  </dgm:styleLbl>
+  <dgm:styleLbl name="fgAcc0">
+    <dgm:fillClrLst meth="repeat">
+      <a:schemeClr val="lt1">
+        <a:alpha val="90000"/>
+      </a:schemeClr>
+    </dgm:fillClrLst>
+    <dgm:linClrLst meth="repeat">
+      <a:schemeClr val="accent1"/>
+    </dgm:linClrLst>
+    <dgm:effectClrLst/>
+    <dgm:txLinClrLst/>
+    <dgm:txFillClrLst meth="repeat">
+      <a:schemeClr val="dk1"/>
+    </dgm:txFillClrLst>
+    <dgm:txEffectClrLst/>
+  </dgm:styleLbl>
+  <dgm:styleLbl name="fgAcc2">
+    <dgm:fillClrLst meth="repeat">
+      <a:schemeClr val="lt1">
+        <a:alpha val="90000"/>
+      </a:schemeClr>
+    </dgm:fillClrLst>
+    <dgm:linClrLst meth="repeat">
+      <a:schemeClr val="accent1"/>
+    </dgm:linClrLst>
+    <dgm:effectClrLst/>
+    <dgm:txLinClrLst/>
+    <dgm:txFillClrLst meth="repeat">
+      <a:schemeClr val="dk1"/>
+    </dgm:txFillClrLst>
+    <dgm:txEffectClrLst/>
+  </dgm:styleLbl>
+  <dgm:styleLbl name="fgAcc3">
+    <dgm:fillClrLst meth="repeat">
+      <a:schemeClr val="lt1">
+        <a:alpha val="90000"/>
+      </a:schemeClr>
+    </dgm:fillClrLst>
+    <dgm:linClrLst meth="repeat">
+      <a:schemeClr val="accent1"/>
+    </dgm:linClrLst>
+    <dgm:effectClrLst/>
+    <dgm:txLinClrLst/>
+    <dgm:txFillClrLst meth="repeat">
+      <a:schemeClr val="dk1"/>
+    </dgm:txFillClrLst>
+    <dgm:txEffectClrLst/>
+  </dgm:styleLbl>
+  <dgm:styleLbl name="fgAcc4">
+    <dgm:fillClrLst meth="repeat">
+      <a:schemeClr val="lt1">
+        <a:alpha val="90000"/>
+      </a:schemeClr>
+    </dgm:fillClrLst>
+    <dgm:linClrLst meth="repeat">
+      <a:schemeClr val="accent1"/>
+    </dgm:linClrLst>
+    <dgm:effectClrLst/>
+    <dgm:txLinClrLst/>
+    <dgm:txFillClrLst meth="repeat">
+      <a:schemeClr val="dk1"/>
+    </dgm:txFillClrLst>
+    <dgm:txEffectClrLst/>
+  </dgm:styleLbl>
+  <dgm:styleLbl name="bgShp">
+    <dgm:fillClrLst meth="repeat">
+      <a:schemeClr val="accent1">
+        <a:tint val="40000"/>
+      </a:schemeClr>
+    </dgm:fillClrLst>
+    <dgm:linClrLst meth="repeat">
+      <a:schemeClr val="accent1"/>
+    </dgm:linClrLst>
+    <dgm:effectClrLst/>
+    <dgm:txLinClrLst/>
+    <dgm:txFillClrLst meth="repeat">
+      <a:schemeClr val="dk1"/>
+    </dgm:txFillClrLst>
+    <dgm:txEffectClrLst/>
+  </dgm:styleLbl>
+  <dgm:styleLbl name="dkBgShp">
+    <dgm:fillClrLst meth="repeat">
+      <a:schemeClr val="accent1">
+        <a:shade val="80000"/>
+      </a:schemeClr>
+    </dgm:fillClrLst>
+    <dgm:linClrLst meth="repeat">
+      <a:schemeClr val="accent1"/>
+    </dgm:linClrLst>
+    <dgm:effectClrLst/>
+    <dgm:txLinClrLst/>
+    <dgm:txFillClrLst meth="repeat">
+      <a:schemeClr val="lt1"/>
+    </dgm:txFillClrLst>
+    <dgm:txEffectClrLst/>
+  </dgm:styleLbl>
+  <dgm:styleLbl name="trBgShp">
+    <dgm:fillClrLst meth="repeat">
+      <a:schemeClr val="accent1">
+        <a:tint val="50000"/>
+        <a:alpha val="40000"/>
+      </a:schemeClr>
+    </dgm:fillClrLst>
+    <dgm:linClrLst meth="repeat">
+      <a:schemeClr val="accent1"/>
+    </dgm:linClrLst>
+    <dgm:effectClrLst/>
+    <dgm:txLinClrLst/>
+    <dgm:txFillClrLst meth="repeat">
+      <a:schemeClr val="lt1"/>
+    </dgm:txFillClrLst>
+    <dgm:txEffectClrLst/>
+  </dgm:styleLbl>
+  <dgm:styleLbl name="fgShp">
+    <dgm:fillClrLst meth="repeat">
+      <a:schemeClr val="accent1">
+        <a:tint val="60000"/>
+      </a:schemeClr>
+    </dgm:fillClrLst>
+    <dgm:linClrLst meth="repeat">
+      <a:schemeClr val="lt1"/>
+    </dgm:linClrLst>
+    <dgm:effectClrLst/>
+    <dgm:txLinClrLst/>
+    <dgm:txFillClrLst meth="repeat">
+      <a:schemeClr val="dk1"/>
+    </dgm:txFillClrLst>
+    <dgm:txEffectClrLst/>
+  </dgm:styleLbl>
+  <dgm:styleLbl name="revTx">
+    <dgm:fillClrLst meth="repeat">
+      <a:schemeClr val="lt1">
+        <a:alpha val="0"/>
+      </a:schemeClr>
+    </dgm:fillClrLst>
+    <dgm:linClrLst meth="repeat">
+      <a:schemeClr val="dk1">
+        <a:alpha val="0"/>
+      </a:schemeClr>
+    </dgm:linClrLst>
+    <dgm:effectClrLst/>
+    <dgm:txLinClrLst/>
+    <dgm:txFillClrLst meth="repeat">
+      <a:schemeClr val="tx1"/>
+    </dgm:txFillClrLst>
+    <dgm:txEffectClrLst/>
+  </dgm:styleLbl>
+</dgm:colorsDef>
+</file>
+
+<file path=ppt/diagrams/data1.xml><?xml version="1.0" encoding="utf-8"?>
+<dgm:dataModel xmlns:dgm="http://schemas.openxmlformats.org/drawingml/2006/diagram" xmlns:a="http://schemas.openxmlformats.org/drawingml/2006/main">
+  <dgm:ptLst>
+    <dgm:pt modelId="{E80862A8-5725-4545-9A53-18F239D6ECB8}" type="doc">
+      <dgm:prSet loTypeId="urn:microsoft.com/office/officeart/2005/8/layout/process1" loCatId="" qsTypeId="urn:microsoft.com/office/officeart/2005/8/quickstyle/simple4" qsCatId="simple" csTypeId="urn:microsoft.com/office/officeart/2005/8/colors/accent1_2" csCatId="accent1" phldr="1"/>
+      <dgm:spPr/>
+    </dgm:pt>
+    <dgm:pt modelId="{1021F738-2D94-CE49-BC19-3915CDC16FC9}">
+      <dgm:prSet phldrT="[Text]"/>
+      <dgm:spPr/>
+      <dgm:t>
+        <a:bodyPr/>
+        <a:lstStyle/>
+        <a:p>
+          <a:r>
+            <a:rPr lang="en-US" dirty="0" smtClean="0"/>
+            <a:t>Data</a:t>
+          </a:r>
+          <a:endParaRPr lang="en-US" dirty="0"/>
+        </a:p>
+      </dgm:t>
+    </dgm:pt>
+    <dgm:pt modelId="{3B79E8EC-7304-3643-AD7B-3A27619D26F1}" type="parTrans" cxnId="{3AD8DC70-BB65-1547-B9F7-B3C3F5C024EE}">
+      <dgm:prSet/>
+      <dgm:spPr/>
+      <dgm:t>
+        <a:bodyPr/>
+        <a:lstStyle/>
+        <a:p>
+          <a:endParaRPr lang="en-US"/>
+        </a:p>
+      </dgm:t>
+    </dgm:pt>
+    <dgm:pt modelId="{E278A756-8535-7C4E-96CF-032F38F9B65C}" type="sibTrans" cxnId="{3AD8DC70-BB65-1547-B9F7-B3C3F5C024EE}">
+      <dgm:prSet/>
+      <dgm:spPr/>
+      <dgm:t>
+        <a:bodyPr/>
+        <a:lstStyle/>
+        <a:p>
+          <a:endParaRPr lang="en-US"/>
+        </a:p>
+      </dgm:t>
+    </dgm:pt>
+    <dgm:pt modelId="{0127FBBC-9AAD-B940-9BAD-9EF68D24C42D}">
+      <dgm:prSet phldrT="[Text]"/>
+      <dgm:spPr/>
+      <dgm:t>
+        <a:bodyPr/>
+        <a:lstStyle/>
+        <a:p>
+          <a:r>
+            <a:rPr lang="en-US" dirty="0" smtClean="0"/>
+            <a:t>Preprocessing</a:t>
+          </a:r>
+          <a:endParaRPr lang="en-US" dirty="0"/>
+        </a:p>
+      </dgm:t>
+    </dgm:pt>
+    <dgm:pt modelId="{DA925A7D-FBBE-564E-BB5F-D8CC733C5D9E}" type="parTrans" cxnId="{0A5B69BC-0697-A645-A076-CFDD276A60FD}">
+      <dgm:prSet/>
+      <dgm:spPr/>
+      <dgm:t>
+        <a:bodyPr/>
+        <a:lstStyle/>
+        <a:p>
+          <a:endParaRPr lang="en-US"/>
+        </a:p>
+      </dgm:t>
+    </dgm:pt>
+    <dgm:pt modelId="{CB7255D4-88DF-C94A-96DC-8EC48BD5A9D0}" type="sibTrans" cxnId="{0A5B69BC-0697-A645-A076-CFDD276A60FD}">
+      <dgm:prSet/>
+      <dgm:spPr/>
+      <dgm:t>
+        <a:bodyPr/>
+        <a:lstStyle/>
+        <a:p>
+          <a:endParaRPr lang="en-US"/>
+        </a:p>
+      </dgm:t>
+    </dgm:pt>
+    <dgm:pt modelId="{80C5CA5B-2B3A-EC4D-A3F3-7C28DDF45E3B}">
+      <dgm:prSet phldrT="[Text]"/>
+      <dgm:spPr/>
+      <dgm:t>
+        <a:bodyPr anchor="t"/>
+        <a:lstStyle/>
+        <a:p>
+          <a:pPr algn="ctr"/>
+          <a:r>
+            <a:rPr lang="en-US" dirty="0" smtClean="0"/>
+            <a:t>Multiclass to Binary Classification</a:t>
+          </a:r>
+          <a:endParaRPr lang="en-US" dirty="0"/>
+        </a:p>
+      </dgm:t>
+    </dgm:pt>
+    <dgm:pt modelId="{FCC1ABCA-5240-124D-9446-890BBE5DBE39}" type="parTrans" cxnId="{104E6398-FD07-FC4D-A57F-3E5213B36092}">
+      <dgm:prSet/>
+      <dgm:spPr/>
+      <dgm:t>
+        <a:bodyPr/>
+        <a:lstStyle/>
+        <a:p>
+          <a:endParaRPr lang="en-US"/>
+        </a:p>
+      </dgm:t>
+    </dgm:pt>
+    <dgm:pt modelId="{BD0C3E31-173D-5C4E-9CBA-BD282B0FD062}" type="sibTrans" cxnId="{104E6398-FD07-FC4D-A57F-3E5213B36092}">
+      <dgm:prSet/>
+      <dgm:spPr/>
+      <dgm:t>
+        <a:bodyPr/>
+        <a:lstStyle/>
+        <a:p>
+          <a:endParaRPr lang="en-US"/>
+        </a:p>
+      </dgm:t>
+    </dgm:pt>
+    <dgm:pt modelId="{D0308F77-035C-694C-935E-98623A93ECC0}">
+      <dgm:prSet/>
+      <dgm:spPr>
+        <a:solidFill>
+          <a:schemeClr val="tx2"/>
+        </a:solidFill>
+      </dgm:spPr>
+      <dgm:t>
+        <a:bodyPr/>
+        <a:lstStyle/>
+        <a:p>
+          <a:r>
+            <a:rPr lang="en-US" dirty="0" smtClean="0"/>
+            <a:t>Neural Network</a:t>
+          </a:r>
+          <a:endParaRPr lang="en-US" dirty="0"/>
+        </a:p>
+      </dgm:t>
+    </dgm:pt>
+    <dgm:pt modelId="{8F4FE7C2-1673-144F-952B-C251E4023137}" type="parTrans" cxnId="{A093718D-4582-1F46-A4CE-1C9D23838069}">
+      <dgm:prSet/>
+      <dgm:spPr/>
+      <dgm:t>
+        <a:bodyPr/>
+        <a:lstStyle/>
+        <a:p>
+          <a:endParaRPr lang="en-US"/>
+        </a:p>
+      </dgm:t>
+    </dgm:pt>
+    <dgm:pt modelId="{22EEECD8-F5FC-6745-8C4E-58586965F90E}" type="sibTrans" cxnId="{A093718D-4582-1F46-A4CE-1C9D23838069}">
+      <dgm:prSet/>
+      <dgm:spPr/>
+      <dgm:t>
+        <a:bodyPr/>
+        <a:lstStyle/>
+        <a:p>
+          <a:endParaRPr lang="en-US"/>
+        </a:p>
+      </dgm:t>
+    </dgm:pt>
+    <dgm:pt modelId="{35CB3398-163A-5F43-A0F9-49B1E9372EE4}">
+      <dgm:prSet/>
+      <dgm:spPr>
+        <a:solidFill>
+          <a:schemeClr val="tx2"/>
+        </a:solidFill>
+      </dgm:spPr>
+      <dgm:t>
+        <a:bodyPr/>
+        <a:lstStyle/>
+        <a:p>
+          <a:r>
+            <a:rPr lang="en-US" dirty="0" smtClean="0"/>
+            <a:t>Decision Tree</a:t>
+          </a:r>
+          <a:endParaRPr lang="en-US" dirty="0"/>
+        </a:p>
+      </dgm:t>
+    </dgm:pt>
+    <dgm:pt modelId="{E4262D77-D4FB-4746-8A7E-1517E00306E6}" type="parTrans" cxnId="{722E3179-184D-D646-B78D-15259361ED52}">
+      <dgm:prSet/>
+      <dgm:spPr/>
+      <dgm:t>
+        <a:bodyPr/>
+        <a:lstStyle/>
+        <a:p>
+          <a:endParaRPr lang="en-US"/>
+        </a:p>
+      </dgm:t>
+    </dgm:pt>
+    <dgm:pt modelId="{6D72F878-6B9E-594B-8895-48B551CCE203}" type="sibTrans" cxnId="{722E3179-184D-D646-B78D-15259361ED52}">
+      <dgm:prSet/>
+      <dgm:spPr/>
+      <dgm:t>
+        <a:bodyPr/>
+        <a:lstStyle/>
+        <a:p>
+          <a:endParaRPr lang="en-US"/>
+        </a:p>
+      </dgm:t>
+    </dgm:pt>
+    <dgm:pt modelId="{D98A6B62-39DD-094E-86D8-5A7CEB327F53}">
+      <dgm:prSet/>
+      <dgm:spPr/>
+      <dgm:t>
+        <a:bodyPr/>
+        <a:lstStyle/>
+        <a:p>
+          <a:r>
+            <a:rPr lang="en-US" dirty="0" smtClean="0"/>
+            <a:t>Output</a:t>
+          </a:r>
+          <a:endParaRPr lang="en-US" dirty="0"/>
+        </a:p>
+      </dgm:t>
+    </dgm:pt>
+    <dgm:pt modelId="{F8D36AF6-5A71-B845-9CBE-73FBDE4104F0}" type="parTrans" cxnId="{CAD58B56-B52D-2444-A7FE-ABBDD7AF046B}">
+      <dgm:prSet/>
+      <dgm:spPr/>
+      <dgm:t>
+        <a:bodyPr/>
+        <a:lstStyle/>
+        <a:p>
+          <a:endParaRPr lang="en-US"/>
+        </a:p>
+      </dgm:t>
+    </dgm:pt>
+    <dgm:pt modelId="{9404BF3A-5596-8E4C-8A23-780D9A0CF132}" type="sibTrans" cxnId="{CAD58B56-B52D-2444-A7FE-ABBDD7AF046B}">
+      <dgm:prSet/>
+      <dgm:spPr/>
+      <dgm:t>
+        <a:bodyPr/>
+        <a:lstStyle/>
+        <a:p>
+          <a:endParaRPr lang="en-US"/>
+        </a:p>
+      </dgm:t>
+    </dgm:pt>
+    <dgm:pt modelId="{279F2E45-E70C-C641-9636-9CE2AF7FDEC9}" type="pres">
+      <dgm:prSet presAssocID="{E80862A8-5725-4545-9A53-18F239D6ECB8}" presName="Name0" presStyleCnt="0">
+        <dgm:presLayoutVars>
+          <dgm:dir/>
+          <dgm:resizeHandles val="exact"/>
+        </dgm:presLayoutVars>
+      </dgm:prSet>
+      <dgm:spPr/>
+    </dgm:pt>
+    <dgm:pt modelId="{17D9DCC9-D1EF-EA48-92A0-5154D8075CC4}" type="pres">
+      <dgm:prSet presAssocID="{1021F738-2D94-CE49-BC19-3915CDC16FC9}" presName="node" presStyleLbl="node1" presStyleIdx="0" presStyleCnt="6" custScaleX="140884" custScaleY="128688" custLinFactX="100000" custLinFactNeighborX="117482" custLinFactNeighborY="-6712">
+        <dgm:presLayoutVars>
+          <dgm:bulletEnabled val="1"/>
+        </dgm:presLayoutVars>
+      </dgm:prSet>
+      <dgm:spPr/>
+    </dgm:pt>
+    <dgm:pt modelId="{CA9F4E73-76B8-1448-8431-4407E83E0AA7}" type="pres">
+      <dgm:prSet presAssocID="{E278A756-8535-7C4E-96CF-032F38F9B65C}" presName="sibTrans" presStyleLbl="sibTrans2D1" presStyleIdx="0" presStyleCnt="5"/>
+      <dgm:spPr/>
+    </dgm:pt>
+    <dgm:pt modelId="{B2AA2F0E-2479-7B48-B7D2-88CA9C2FE4B3}" type="pres">
+      <dgm:prSet presAssocID="{E278A756-8535-7C4E-96CF-032F38F9B65C}" presName="connectorText" presStyleLbl="sibTrans2D1" presStyleIdx="0" presStyleCnt="5"/>
+      <dgm:spPr/>
+    </dgm:pt>
+    <dgm:pt modelId="{988F5D35-CE2B-5141-B2A5-BBCA1BB5C73C}" type="pres">
+      <dgm:prSet presAssocID="{0127FBBC-9AAD-B940-9BAD-9EF68D24C42D}" presName="node" presStyleLbl="node1" presStyleIdx="1" presStyleCnt="6" custScaleX="138851" custScaleY="242800" custLinFactX="100000" custLinFactNeighborX="117482" custLinFactNeighborY="-6712">
+        <dgm:presLayoutVars>
+          <dgm:bulletEnabled val="1"/>
+        </dgm:presLayoutVars>
+      </dgm:prSet>
+      <dgm:spPr/>
+    </dgm:pt>
+    <dgm:pt modelId="{F6B8B0CF-3806-0042-913A-1906B052DB93}" type="pres">
+      <dgm:prSet presAssocID="{CB7255D4-88DF-C94A-96DC-8EC48BD5A9D0}" presName="sibTrans" presStyleLbl="sibTrans2D1" presStyleIdx="1" presStyleCnt="5"/>
+      <dgm:spPr/>
+    </dgm:pt>
+    <dgm:pt modelId="{12EA155A-16F9-4A42-81B1-923B05C8AEB2}" type="pres">
+      <dgm:prSet presAssocID="{CB7255D4-88DF-C94A-96DC-8EC48BD5A9D0}" presName="connectorText" presStyleLbl="sibTrans2D1" presStyleIdx="1" presStyleCnt="5"/>
+      <dgm:spPr/>
+    </dgm:pt>
+    <dgm:pt modelId="{E16BB441-E95B-B942-995A-FC42B77FBFF9}" type="pres">
+      <dgm:prSet presAssocID="{80C5CA5B-2B3A-EC4D-A3F3-7C28DDF45E3B}" presName="node" presStyleLbl="node1" presStyleIdx="2" presStyleCnt="6" custScaleX="148384" custScaleY="376784" custLinFactNeighborX="20462" custLinFactNeighborY="-6712">
+        <dgm:presLayoutVars>
+          <dgm:bulletEnabled val="1"/>
+        </dgm:presLayoutVars>
+      </dgm:prSet>
+      <dgm:spPr/>
+      <dgm:t>
+        <a:bodyPr/>
+        <a:lstStyle/>
+        <a:p>
+          <a:endParaRPr lang="en-US"/>
+        </a:p>
+      </dgm:t>
+    </dgm:pt>
+    <dgm:pt modelId="{931FD1A5-9187-0D43-99E4-A6A68CB76666}" type="pres">
+      <dgm:prSet presAssocID="{BD0C3E31-173D-5C4E-9CBA-BD282B0FD062}" presName="sibTrans" presStyleLbl="sibTrans2D1" presStyleIdx="2" presStyleCnt="5" custScaleX="5099" custScaleY="270640" custLinFactX="300000" custLinFactY="572567" custLinFactNeighborX="344519" custLinFactNeighborY="600000"/>
+      <dgm:spPr/>
+    </dgm:pt>
+    <dgm:pt modelId="{A8BCEA1B-3883-CF4A-993A-558ECAAC6391}" type="pres">
+      <dgm:prSet presAssocID="{BD0C3E31-173D-5C4E-9CBA-BD282B0FD062}" presName="connectorText" presStyleLbl="sibTrans2D1" presStyleIdx="2" presStyleCnt="5"/>
+      <dgm:spPr/>
+    </dgm:pt>
+    <dgm:pt modelId="{1CFAB640-FD55-3043-AA6E-E78EB6FEC7EF}" type="pres">
+      <dgm:prSet presAssocID="{35CB3398-163A-5F43-A0F9-49B1E9372EE4}" presName="node" presStyleLbl="node1" presStyleIdx="3" presStyleCnt="6" custScaleX="128517" custLinFactNeighborX="-36085" custLinFactNeighborY="-64309">
+        <dgm:presLayoutVars>
+          <dgm:bulletEnabled val="1"/>
+        </dgm:presLayoutVars>
+      </dgm:prSet>
+      <dgm:spPr/>
+    </dgm:pt>
+    <dgm:pt modelId="{54255A23-D334-1341-9BF5-15EF2E4F42D3}" type="pres">
+      <dgm:prSet presAssocID="{6D72F878-6B9E-594B-8895-48B551CCE203}" presName="sibTrans" presStyleLbl="sibTrans2D1" presStyleIdx="3" presStyleCnt="5" custLinFactX="2790384" custLinFactY="500000" custLinFactNeighborX="2800000" custLinFactNeighborY="507544"/>
+      <dgm:spPr/>
+    </dgm:pt>
+    <dgm:pt modelId="{F463B1ED-175C-4744-8E16-09B07A452237}" type="pres">
+      <dgm:prSet presAssocID="{6D72F878-6B9E-594B-8895-48B551CCE203}" presName="connectorText" presStyleLbl="sibTrans2D1" presStyleIdx="3" presStyleCnt="5"/>
+      <dgm:spPr/>
+    </dgm:pt>
+    <dgm:pt modelId="{B8F4102D-5B82-F340-BE7A-6E93499F2EE0}" type="pres">
+      <dgm:prSet presAssocID="{D0308F77-035C-694C-935E-98623A93ECC0}" presName="node" presStyleLbl="node1" presStyleIdx="4" presStyleCnt="6" custScaleX="128517" custLinFactX="-101220" custLinFactNeighborX="-200000" custLinFactNeighborY="59508">
+        <dgm:presLayoutVars>
+          <dgm:bulletEnabled val="1"/>
+        </dgm:presLayoutVars>
+      </dgm:prSet>
+      <dgm:spPr/>
+      <dgm:t>
+        <a:bodyPr/>
+        <a:lstStyle/>
+        <a:p>
+          <a:endParaRPr lang="en-US"/>
+        </a:p>
+      </dgm:t>
+    </dgm:pt>
+    <dgm:pt modelId="{716EE824-E94E-8943-A53F-C89738FFF0C0}" type="pres">
+      <dgm:prSet presAssocID="{22EEECD8-F5FC-6745-8C4E-58586965F90E}" presName="sibTrans" presStyleLbl="sibTrans2D1" presStyleIdx="4" presStyleCnt="5" custLinFactY="-30248" custLinFactNeighborX="-40327" custLinFactNeighborY="-100000"/>
+      <dgm:spPr/>
+    </dgm:pt>
+    <dgm:pt modelId="{BA9F671C-6098-A74A-8382-59560BCD835E}" type="pres">
+      <dgm:prSet presAssocID="{22EEECD8-F5FC-6745-8C4E-58586965F90E}" presName="connectorText" presStyleLbl="sibTrans2D1" presStyleIdx="4" presStyleCnt="5"/>
+      <dgm:spPr/>
+    </dgm:pt>
+    <dgm:pt modelId="{7581BEEB-9B47-1743-B461-ECCF4E799500}" type="pres">
+      <dgm:prSet presAssocID="{D98A6B62-39DD-094E-86D8-5A7CEB327F53}" presName="node" presStyleLbl="node1" presStyleIdx="5" presStyleCnt="6" custScaleX="183724" custScaleY="183673" custLinFactX="-82206" custLinFactNeighborX="-100000" custLinFactNeighborY="14225">
+        <dgm:presLayoutVars>
+          <dgm:bulletEnabled val="1"/>
+        </dgm:presLayoutVars>
+      </dgm:prSet>
+      <dgm:spPr/>
+    </dgm:pt>
+  </dgm:ptLst>
+  <dgm:cxnLst>
+    <dgm:cxn modelId="{B97FC369-A3D3-1D48-A819-26E827DC1083}" type="presOf" srcId="{E278A756-8535-7C4E-96CF-032F38F9B65C}" destId="{CA9F4E73-76B8-1448-8431-4407E83E0AA7}" srcOrd="0" destOrd="0" presId="urn:microsoft.com/office/officeart/2005/8/layout/process1"/>
+    <dgm:cxn modelId="{62F407B4-72C1-B441-8533-F8392140302F}" type="presOf" srcId="{CB7255D4-88DF-C94A-96DC-8EC48BD5A9D0}" destId="{F6B8B0CF-3806-0042-913A-1906B052DB93}" srcOrd="0" destOrd="0" presId="urn:microsoft.com/office/officeart/2005/8/layout/process1"/>
+    <dgm:cxn modelId="{3EC1B6E0-D131-5C49-9305-AA3B5A808D08}" type="presOf" srcId="{BD0C3E31-173D-5C4E-9CBA-BD282B0FD062}" destId="{931FD1A5-9187-0D43-99E4-A6A68CB76666}" srcOrd="0" destOrd="0" presId="urn:microsoft.com/office/officeart/2005/8/layout/process1"/>
+    <dgm:cxn modelId="{6C063459-0D9E-8442-874C-39AA5AB2F963}" type="presOf" srcId="{D0308F77-035C-694C-935E-98623A93ECC0}" destId="{B8F4102D-5B82-F340-BE7A-6E93499F2EE0}" srcOrd="0" destOrd="0" presId="urn:microsoft.com/office/officeart/2005/8/layout/process1"/>
+    <dgm:cxn modelId="{9EB0E5D7-DCA3-9045-BB22-5C46854E9266}" type="presOf" srcId="{80C5CA5B-2B3A-EC4D-A3F3-7C28DDF45E3B}" destId="{E16BB441-E95B-B942-995A-FC42B77FBFF9}" srcOrd="0" destOrd="0" presId="urn:microsoft.com/office/officeart/2005/8/layout/process1"/>
+    <dgm:cxn modelId="{0A5B69BC-0697-A645-A076-CFDD276A60FD}" srcId="{E80862A8-5725-4545-9A53-18F239D6ECB8}" destId="{0127FBBC-9AAD-B940-9BAD-9EF68D24C42D}" srcOrd="1" destOrd="0" parTransId="{DA925A7D-FBBE-564E-BB5F-D8CC733C5D9E}" sibTransId="{CB7255D4-88DF-C94A-96DC-8EC48BD5A9D0}"/>
+    <dgm:cxn modelId="{54434593-CA2C-1145-9CAE-F8DF37C559BF}" type="presOf" srcId="{0127FBBC-9AAD-B940-9BAD-9EF68D24C42D}" destId="{988F5D35-CE2B-5141-B2A5-BBCA1BB5C73C}" srcOrd="0" destOrd="0" presId="urn:microsoft.com/office/officeart/2005/8/layout/process1"/>
+    <dgm:cxn modelId="{52F7EC8C-CA1F-C745-9A15-8DB0786CEF2F}" type="presOf" srcId="{6D72F878-6B9E-594B-8895-48B551CCE203}" destId="{54255A23-D334-1341-9BF5-15EF2E4F42D3}" srcOrd="0" destOrd="0" presId="urn:microsoft.com/office/officeart/2005/8/layout/process1"/>
+    <dgm:cxn modelId="{3AD8DC70-BB65-1547-B9F7-B3C3F5C024EE}" srcId="{E80862A8-5725-4545-9A53-18F239D6ECB8}" destId="{1021F738-2D94-CE49-BC19-3915CDC16FC9}" srcOrd="0" destOrd="0" parTransId="{3B79E8EC-7304-3643-AD7B-3A27619D26F1}" sibTransId="{E278A756-8535-7C4E-96CF-032F38F9B65C}"/>
+    <dgm:cxn modelId="{5B45CC6D-ADE5-8A4A-ABB7-FFF53E5BD016}" type="presOf" srcId="{35CB3398-163A-5F43-A0F9-49B1E9372EE4}" destId="{1CFAB640-FD55-3043-AA6E-E78EB6FEC7EF}" srcOrd="0" destOrd="0" presId="urn:microsoft.com/office/officeart/2005/8/layout/process1"/>
+    <dgm:cxn modelId="{A093718D-4582-1F46-A4CE-1C9D23838069}" srcId="{E80862A8-5725-4545-9A53-18F239D6ECB8}" destId="{D0308F77-035C-694C-935E-98623A93ECC0}" srcOrd="4" destOrd="0" parTransId="{8F4FE7C2-1673-144F-952B-C251E4023137}" sibTransId="{22EEECD8-F5FC-6745-8C4E-58586965F90E}"/>
+    <dgm:cxn modelId="{A0025506-070D-7B48-A0C4-861563C57CE7}" type="presOf" srcId="{E80862A8-5725-4545-9A53-18F239D6ECB8}" destId="{279F2E45-E70C-C641-9636-9CE2AF7FDEC9}" srcOrd="0" destOrd="0" presId="urn:microsoft.com/office/officeart/2005/8/layout/process1"/>
+    <dgm:cxn modelId="{CAD58B56-B52D-2444-A7FE-ABBDD7AF046B}" srcId="{E80862A8-5725-4545-9A53-18F239D6ECB8}" destId="{D98A6B62-39DD-094E-86D8-5A7CEB327F53}" srcOrd="5" destOrd="0" parTransId="{F8D36AF6-5A71-B845-9CBE-73FBDE4104F0}" sibTransId="{9404BF3A-5596-8E4C-8A23-780D9A0CF132}"/>
+    <dgm:cxn modelId="{602CA058-2962-7D4D-BCCF-EA151E456451}" type="presOf" srcId="{BD0C3E31-173D-5C4E-9CBA-BD282B0FD062}" destId="{A8BCEA1B-3883-CF4A-993A-558ECAAC6391}" srcOrd="1" destOrd="0" presId="urn:microsoft.com/office/officeart/2005/8/layout/process1"/>
+    <dgm:cxn modelId="{722E3179-184D-D646-B78D-15259361ED52}" srcId="{E80862A8-5725-4545-9A53-18F239D6ECB8}" destId="{35CB3398-163A-5F43-A0F9-49B1E9372EE4}" srcOrd="3" destOrd="0" parTransId="{E4262D77-D4FB-4746-8A7E-1517E00306E6}" sibTransId="{6D72F878-6B9E-594B-8895-48B551CCE203}"/>
+    <dgm:cxn modelId="{104E6398-FD07-FC4D-A57F-3E5213B36092}" srcId="{E80862A8-5725-4545-9A53-18F239D6ECB8}" destId="{80C5CA5B-2B3A-EC4D-A3F3-7C28DDF45E3B}" srcOrd="2" destOrd="0" parTransId="{FCC1ABCA-5240-124D-9446-890BBE5DBE39}" sibTransId="{BD0C3E31-173D-5C4E-9CBA-BD282B0FD062}"/>
+    <dgm:cxn modelId="{BD1338F6-AF99-4B4C-8E34-8AED95FD5D52}" type="presOf" srcId="{D98A6B62-39DD-094E-86D8-5A7CEB327F53}" destId="{7581BEEB-9B47-1743-B461-ECCF4E799500}" srcOrd="0" destOrd="0" presId="urn:microsoft.com/office/officeart/2005/8/layout/process1"/>
+    <dgm:cxn modelId="{2038E3BD-8457-F347-BEC3-407CEDBBF6E2}" type="presOf" srcId="{CB7255D4-88DF-C94A-96DC-8EC48BD5A9D0}" destId="{12EA155A-16F9-4A42-81B1-923B05C8AEB2}" srcOrd="1" destOrd="0" presId="urn:microsoft.com/office/officeart/2005/8/layout/process1"/>
+    <dgm:cxn modelId="{3E73A175-CACF-7449-84C0-C2012F6AE057}" type="presOf" srcId="{22EEECD8-F5FC-6745-8C4E-58586965F90E}" destId="{716EE824-E94E-8943-A53F-C89738FFF0C0}" srcOrd="0" destOrd="0" presId="urn:microsoft.com/office/officeart/2005/8/layout/process1"/>
+    <dgm:cxn modelId="{B07AC6C9-1382-884D-B6DD-BFF176E1F2F7}" type="presOf" srcId="{6D72F878-6B9E-594B-8895-48B551CCE203}" destId="{F463B1ED-175C-4744-8E16-09B07A452237}" srcOrd="1" destOrd="0" presId="urn:microsoft.com/office/officeart/2005/8/layout/process1"/>
+    <dgm:cxn modelId="{0C03975C-7415-AA4E-BDC2-22FFB9913920}" type="presOf" srcId="{E278A756-8535-7C4E-96CF-032F38F9B65C}" destId="{B2AA2F0E-2479-7B48-B7D2-88CA9C2FE4B3}" srcOrd="1" destOrd="0" presId="urn:microsoft.com/office/officeart/2005/8/layout/process1"/>
+    <dgm:cxn modelId="{9E922F9A-035E-3546-8CA5-8330A45729B1}" type="presOf" srcId="{1021F738-2D94-CE49-BC19-3915CDC16FC9}" destId="{17D9DCC9-D1EF-EA48-92A0-5154D8075CC4}" srcOrd="0" destOrd="0" presId="urn:microsoft.com/office/officeart/2005/8/layout/process1"/>
+    <dgm:cxn modelId="{21B36293-5947-FC47-84A5-B8C109755B5F}" type="presOf" srcId="{22EEECD8-F5FC-6745-8C4E-58586965F90E}" destId="{BA9F671C-6098-A74A-8382-59560BCD835E}" srcOrd="1" destOrd="0" presId="urn:microsoft.com/office/officeart/2005/8/layout/process1"/>
+    <dgm:cxn modelId="{082EA3B8-855F-6446-B95E-EA6E22BB6912}" type="presParOf" srcId="{279F2E45-E70C-C641-9636-9CE2AF7FDEC9}" destId="{17D9DCC9-D1EF-EA48-92A0-5154D8075CC4}" srcOrd="0" destOrd="0" presId="urn:microsoft.com/office/officeart/2005/8/layout/process1"/>
+    <dgm:cxn modelId="{5D550FFA-5AA6-4540-8D2A-325BD69DA2BA}" type="presParOf" srcId="{279F2E45-E70C-C641-9636-9CE2AF7FDEC9}" destId="{CA9F4E73-76B8-1448-8431-4407E83E0AA7}" srcOrd="1" destOrd="0" presId="urn:microsoft.com/office/officeart/2005/8/layout/process1"/>
+    <dgm:cxn modelId="{72FE2546-03F5-9349-A89E-ACB1B8C9FF12}" type="presParOf" srcId="{CA9F4E73-76B8-1448-8431-4407E83E0AA7}" destId="{B2AA2F0E-2479-7B48-B7D2-88CA9C2FE4B3}" srcOrd="0" destOrd="0" presId="urn:microsoft.com/office/officeart/2005/8/layout/process1"/>
+    <dgm:cxn modelId="{FE15D4C7-A82F-4D4D-8256-94871DB87081}" type="presParOf" srcId="{279F2E45-E70C-C641-9636-9CE2AF7FDEC9}" destId="{988F5D35-CE2B-5141-B2A5-BBCA1BB5C73C}" srcOrd="2" destOrd="0" presId="urn:microsoft.com/office/officeart/2005/8/layout/process1"/>
+    <dgm:cxn modelId="{9578D812-7759-F94B-8646-26739FAE7E8A}" type="presParOf" srcId="{279F2E45-E70C-C641-9636-9CE2AF7FDEC9}" destId="{F6B8B0CF-3806-0042-913A-1906B052DB93}" srcOrd="3" destOrd="0" presId="urn:microsoft.com/office/officeart/2005/8/layout/process1"/>
+    <dgm:cxn modelId="{E8BEA77E-BECA-054F-8AC2-5F61EBBED6F3}" type="presParOf" srcId="{F6B8B0CF-3806-0042-913A-1906B052DB93}" destId="{12EA155A-16F9-4A42-81B1-923B05C8AEB2}" srcOrd="0" destOrd="0" presId="urn:microsoft.com/office/officeart/2005/8/layout/process1"/>
+    <dgm:cxn modelId="{7E69B09E-2BB7-DA4D-9D25-6DE80C4C54F5}" type="presParOf" srcId="{279F2E45-E70C-C641-9636-9CE2AF7FDEC9}" destId="{E16BB441-E95B-B942-995A-FC42B77FBFF9}" srcOrd="4" destOrd="0" presId="urn:microsoft.com/office/officeart/2005/8/layout/process1"/>
+    <dgm:cxn modelId="{1820A006-E29D-C244-BA13-9F49908DF0D8}" type="presParOf" srcId="{279F2E45-E70C-C641-9636-9CE2AF7FDEC9}" destId="{931FD1A5-9187-0D43-99E4-A6A68CB76666}" srcOrd="5" destOrd="0" presId="urn:microsoft.com/office/officeart/2005/8/layout/process1"/>
+    <dgm:cxn modelId="{52476FEC-A15C-1A40-9D5E-B1DB3B6039E1}" type="presParOf" srcId="{931FD1A5-9187-0D43-99E4-A6A68CB76666}" destId="{A8BCEA1B-3883-CF4A-993A-558ECAAC6391}" srcOrd="0" destOrd="0" presId="urn:microsoft.com/office/officeart/2005/8/layout/process1"/>
+    <dgm:cxn modelId="{685109DB-40D8-A14B-9696-2733C0867D60}" type="presParOf" srcId="{279F2E45-E70C-C641-9636-9CE2AF7FDEC9}" destId="{1CFAB640-FD55-3043-AA6E-E78EB6FEC7EF}" srcOrd="6" destOrd="0" presId="urn:microsoft.com/office/officeart/2005/8/layout/process1"/>
+    <dgm:cxn modelId="{EAD9D05D-5A5B-6349-B6AE-6F0B46B3AC46}" type="presParOf" srcId="{279F2E45-E70C-C641-9636-9CE2AF7FDEC9}" destId="{54255A23-D334-1341-9BF5-15EF2E4F42D3}" srcOrd="7" destOrd="0" presId="urn:microsoft.com/office/officeart/2005/8/layout/process1"/>
+    <dgm:cxn modelId="{83B4FA62-708A-0640-A364-0BACABAFFFC4}" type="presParOf" srcId="{54255A23-D334-1341-9BF5-15EF2E4F42D3}" destId="{F463B1ED-175C-4744-8E16-09B07A452237}" srcOrd="0" destOrd="0" presId="urn:microsoft.com/office/officeart/2005/8/layout/process1"/>
+    <dgm:cxn modelId="{25927C87-E3C8-854B-B3F7-D36A56A0CBDA}" type="presParOf" srcId="{279F2E45-E70C-C641-9636-9CE2AF7FDEC9}" destId="{B8F4102D-5B82-F340-BE7A-6E93499F2EE0}" srcOrd="8" destOrd="0" presId="urn:microsoft.com/office/officeart/2005/8/layout/process1"/>
+    <dgm:cxn modelId="{87B2E5F7-5E7D-C44F-AF7F-DBA08B4423AC}" type="presParOf" srcId="{279F2E45-E70C-C641-9636-9CE2AF7FDEC9}" destId="{716EE824-E94E-8943-A53F-C89738FFF0C0}" srcOrd="9" destOrd="0" presId="urn:microsoft.com/office/officeart/2005/8/layout/process1"/>
+    <dgm:cxn modelId="{44CAFF8D-8DFD-9845-8EEB-073CF3A9AB8F}" type="presParOf" srcId="{716EE824-E94E-8943-A53F-C89738FFF0C0}" destId="{BA9F671C-6098-A74A-8382-59560BCD835E}" srcOrd="0" destOrd="0" presId="urn:microsoft.com/office/officeart/2005/8/layout/process1"/>
+    <dgm:cxn modelId="{296E0DBC-6143-8B4A-ABE6-841750C57E91}" type="presParOf" srcId="{279F2E45-E70C-C641-9636-9CE2AF7FDEC9}" destId="{7581BEEB-9B47-1743-B461-ECCF4E799500}" srcOrd="10" destOrd="0" presId="urn:microsoft.com/office/officeart/2005/8/layout/process1"/>
+  </dgm:cxnLst>
+  <dgm:bg/>
+  <dgm:whole/>
+  <dgm:extLst>
+    <a:ext uri="http://schemas.microsoft.com/office/drawing/2008/diagram">
+      <dsp:dataModelExt xmlns:dsp="http://schemas.microsoft.com/office/drawing/2008/diagram" relId="rId6" minVer="http://schemas.openxmlformats.org/drawingml/2006/diagram"/>
+    </a:ext>
+  </dgm:extLst>
+</dgm:dataModel>
+</file>
+
+<file path=ppt/diagrams/drawing1.xml><?xml version="1.0" encoding="utf-8"?>
+<dsp:drawing xmlns:dgm="http://schemas.openxmlformats.org/drawingml/2006/diagram" xmlns:dsp="http://schemas.microsoft.com/office/drawing/2008/diagram" xmlns:a="http://schemas.openxmlformats.org/drawingml/2006/main">
+  <dsp:spTree>
+    <dsp:nvGrpSpPr>
+      <dsp:cNvPr id="0" name=""/>
+      <dsp:cNvGrpSpPr/>
+    </dsp:nvGrpSpPr>
+    <dsp:grpSpPr/>
+    <dsp:sp modelId="{17D9DCC9-D1EF-EA48-92A0-5154D8075CC4}">
+      <dsp:nvSpPr>
+        <dsp:cNvPr id="0" name=""/>
+        <dsp:cNvSpPr/>
+      </dsp:nvSpPr>
+      <dsp:spPr>
+        <a:xfrm>
+          <a:off x="1095077" y="1971906"/>
+          <a:ext cx="1047519" cy="574103"/>
+        </a:xfrm>
+        <a:prstGeom prst="roundRect">
+          <a:avLst>
+            <a:gd name="adj" fmla="val 10000"/>
+          </a:avLst>
+        </a:prstGeom>
+        <a:gradFill rotWithShape="0">
+          <a:gsLst>
+            <a:gs pos="0">
+              <a:schemeClr val="accent1">
+                <a:hueOff val="0"/>
+                <a:satOff val="0"/>
+                <a:lumOff val="0"/>
+                <a:alphaOff val="0"/>
+                <a:shade val="70000"/>
+                <a:satMod val="150000"/>
+              </a:schemeClr>
+            </a:gs>
+            <a:gs pos="34000">
+              <a:schemeClr val="accent1">
+                <a:hueOff val="0"/>
+                <a:satOff val="0"/>
+                <a:lumOff val="0"/>
+                <a:alphaOff val="0"/>
+                <a:shade val="70000"/>
+                <a:satMod val="140000"/>
+              </a:schemeClr>
+            </a:gs>
+            <a:gs pos="70000">
+              <a:schemeClr val="accent1">
+                <a:hueOff val="0"/>
+                <a:satOff val="0"/>
+                <a:lumOff val="0"/>
+                <a:alphaOff val="0"/>
+                <a:tint val="100000"/>
+                <a:shade val="90000"/>
+                <a:satMod val="140000"/>
+              </a:schemeClr>
+            </a:gs>
+            <a:gs pos="100000">
+              <a:schemeClr val="accent1">
+                <a:hueOff val="0"/>
+                <a:satOff val="0"/>
+                <a:lumOff val="0"/>
+                <a:alphaOff val="0"/>
+                <a:tint val="100000"/>
+                <a:shade val="100000"/>
+                <a:satMod val="100000"/>
+              </a:schemeClr>
+            </a:gs>
+          </a:gsLst>
+          <a:path path="circle">
+            <a:fillToRect l="100000" t="100000" r="100000" b="100000"/>
+          </a:path>
+        </a:gradFill>
+        <a:ln>
+          <a:noFill/>
+        </a:ln>
+        <a:effectLst>
+          <a:outerShdw blurRad="38100" dist="25400" dir="2700000" algn="br" rotWithShape="0">
+            <a:srgbClr val="000000">
+              <a:alpha val="60000"/>
+            </a:srgbClr>
+          </a:outerShdw>
+        </a:effectLst>
+      </dsp:spPr>
+      <dsp:style>
+        <a:lnRef idx="0">
+          <a:scrgbClr r="0" g="0" b="0"/>
+        </a:lnRef>
+        <a:fillRef idx="3">
+          <a:scrgbClr r="0" g="0" b="0"/>
+        </a:fillRef>
+        <a:effectRef idx="2">
+          <a:scrgbClr r="0" g="0" b="0"/>
+        </a:effectRef>
+        <a:fontRef idx="minor">
+          <a:schemeClr val="lt1"/>
+        </a:fontRef>
+      </dsp:style>
+      <dsp:txBody>
+        <a:bodyPr spcFirstLastPara="0" vert="horz" wrap="square" lIns="38100" tIns="38100" rIns="38100" bIns="38100" numCol="1" spcCol="1270" anchor="ctr" anchorCtr="0">
+          <a:noAutofit/>
+        </a:bodyPr>
+        <a:lstStyle/>
+        <a:p>
+          <a:pPr lvl="0" algn="ctr" defTabSz="444500">
+            <a:lnSpc>
+              <a:spcPct val="90000"/>
+            </a:lnSpc>
+            <a:spcBef>
+              <a:spcPct val="0"/>
+            </a:spcBef>
+            <a:spcAft>
+              <a:spcPct val="35000"/>
+            </a:spcAft>
+          </a:pPr>
+          <a:r>
+            <a:rPr lang="en-US" sz="1000" kern="1200" dirty="0" smtClean="0"/>
+            <a:t>Data</a:t>
+          </a:r>
+          <a:endParaRPr lang="en-US" sz="1000" kern="1200" dirty="0"/>
+        </a:p>
+      </dsp:txBody>
+      <dsp:txXfrm>
+        <a:off x="1111892" y="1988721"/>
+        <a:ext cx="1013889" cy="540473"/>
+      </dsp:txXfrm>
+    </dsp:sp>
+    <dsp:sp modelId="{CA9F4E73-76B8-1448-8431-4407E83E0AA7}">
+      <dsp:nvSpPr>
+        <dsp:cNvPr id="0" name=""/>
+        <dsp:cNvSpPr/>
+      </dsp:nvSpPr>
+      <dsp:spPr>
+        <a:xfrm>
+          <a:off x="2216950" y="2166759"/>
+          <a:ext cx="157629" cy="184396"/>
+        </a:xfrm>
+        <a:prstGeom prst="rightArrow">
+          <a:avLst>
+            <a:gd name="adj1" fmla="val 60000"/>
+            <a:gd name="adj2" fmla="val 50000"/>
+          </a:avLst>
+        </a:prstGeom>
+        <a:gradFill rotWithShape="0">
+          <a:gsLst>
+            <a:gs pos="0">
+              <a:schemeClr val="accent1">
+                <a:tint val="60000"/>
+                <a:hueOff val="0"/>
+                <a:satOff val="0"/>
+                <a:lumOff val="0"/>
+                <a:alphaOff val="0"/>
+                <a:shade val="70000"/>
+                <a:satMod val="150000"/>
+              </a:schemeClr>
+            </a:gs>
+            <a:gs pos="34000">
+              <a:schemeClr val="accent1">
+                <a:tint val="60000"/>
+                <a:hueOff val="0"/>
+                <a:satOff val="0"/>
+                <a:lumOff val="0"/>
+                <a:alphaOff val="0"/>
+                <a:shade val="70000"/>
+                <a:satMod val="140000"/>
+              </a:schemeClr>
+            </a:gs>
+            <a:gs pos="70000">
+              <a:schemeClr val="accent1">
+                <a:tint val="60000"/>
+                <a:hueOff val="0"/>
+                <a:satOff val="0"/>
+                <a:lumOff val="0"/>
+                <a:alphaOff val="0"/>
+                <a:tint val="100000"/>
+                <a:shade val="90000"/>
+                <a:satMod val="140000"/>
+              </a:schemeClr>
+            </a:gs>
+            <a:gs pos="100000">
+              <a:schemeClr val="accent1">
+                <a:tint val="60000"/>
+                <a:hueOff val="0"/>
+                <a:satOff val="0"/>
+                <a:lumOff val="0"/>
+                <a:alphaOff val="0"/>
+                <a:tint val="100000"/>
+                <a:shade val="100000"/>
+                <a:satMod val="100000"/>
+              </a:schemeClr>
+            </a:gs>
+          </a:gsLst>
+          <a:path path="circle">
+            <a:fillToRect l="100000" t="100000" r="100000" b="100000"/>
+          </a:path>
+        </a:gradFill>
+        <a:ln>
+          <a:noFill/>
+        </a:ln>
+        <a:effectLst>
+          <a:outerShdw blurRad="38100" dist="25400" dir="2700000" algn="br" rotWithShape="0">
+            <a:srgbClr val="000000">
+              <a:alpha val="60000"/>
+            </a:srgbClr>
+          </a:outerShdw>
+        </a:effectLst>
+      </dsp:spPr>
+      <dsp:style>
+        <a:lnRef idx="0">
+          <a:scrgbClr r="0" g="0" b="0"/>
+        </a:lnRef>
+        <a:fillRef idx="3">
+          <a:scrgbClr r="0" g="0" b="0"/>
+        </a:fillRef>
+        <a:effectRef idx="2">
+          <a:scrgbClr r="0" g="0" b="0"/>
+        </a:effectRef>
+        <a:fontRef idx="minor">
+          <a:schemeClr val="lt1"/>
+        </a:fontRef>
+      </dsp:style>
+      <dsp:txBody>
+        <a:bodyPr spcFirstLastPara="0" vert="horz" wrap="square" lIns="0" tIns="0" rIns="0" bIns="0" numCol="1" spcCol="1270" anchor="ctr" anchorCtr="0">
+          <a:noAutofit/>
+        </a:bodyPr>
+        <a:lstStyle/>
+        <a:p>
+          <a:pPr lvl="0" algn="ctr" defTabSz="311150">
+            <a:lnSpc>
+              <a:spcPct val="90000"/>
+            </a:lnSpc>
+            <a:spcBef>
+              <a:spcPct val="0"/>
+            </a:spcBef>
+            <a:spcAft>
+              <a:spcPct val="35000"/>
+            </a:spcAft>
+          </a:pPr>
+          <a:endParaRPr lang="en-US" sz="700" kern="1200"/>
+        </a:p>
+      </dsp:txBody>
+      <dsp:txXfrm>
+        <a:off x="2216950" y="2203638"/>
+        <a:ext cx="110340" cy="110638"/>
+      </dsp:txXfrm>
+    </dsp:sp>
+    <dsp:sp modelId="{988F5D35-CE2B-5141-B2A5-BBCA1BB5C73C}">
+      <dsp:nvSpPr>
+        <dsp:cNvPr id="0" name=""/>
+        <dsp:cNvSpPr/>
+      </dsp:nvSpPr>
+      <dsp:spPr>
+        <a:xfrm>
+          <a:off x="2440010" y="1717368"/>
+          <a:ext cx="1032403" cy="1083179"/>
+        </a:xfrm>
+        <a:prstGeom prst="roundRect">
+          <a:avLst>
+            <a:gd name="adj" fmla="val 10000"/>
+          </a:avLst>
+        </a:prstGeom>
+        <a:gradFill rotWithShape="0">
+          <a:gsLst>
+            <a:gs pos="0">
+              <a:schemeClr val="accent1">
+                <a:hueOff val="0"/>
+                <a:satOff val="0"/>
+                <a:lumOff val="0"/>
+                <a:alphaOff val="0"/>
+                <a:shade val="70000"/>
+                <a:satMod val="150000"/>
+              </a:schemeClr>
+            </a:gs>
+            <a:gs pos="34000">
+              <a:schemeClr val="accent1">
+                <a:hueOff val="0"/>
+                <a:satOff val="0"/>
+                <a:lumOff val="0"/>
+                <a:alphaOff val="0"/>
+                <a:shade val="70000"/>
+                <a:satMod val="140000"/>
+              </a:schemeClr>
+            </a:gs>
+            <a:gs pos="70000">
+              <a:schemeClr val="accent1">
+                <a:hueOff val="0"/>
+                <a:satOff val="0"/>
+                <a:lumOff val="0"/>
+                <a:alphaOff val="0"/>
+                <a:tint val="100000"/>
+                <a:shade val="90000"/>
+                <a:satMod val="140000"/>
+              </a:schemeClr>
+            </a:gs>
+            <a:gs pos="100000">
+              <a:schemeClr val="accent1">
+                <a:hueOff val="0"/>
+                <a:satOff val="0"/>
+                <a:lumOff val="0"/>
+                <a:alphaOff val="0"/>
+                <a:tint val="100000"/>
+                <a:shade val="100000"/>
+                <a:satMod val="100000"/>
+              </a:schemeClr>
+            </a:gs>
+          </a:gsLst>
+          <a:path path="circle">
+            <a:fillToRect l="100000" t="100000" r="100000" b="100000"/>
+          </a:path>
+        </a:gradFill>
+        <a:ln>
+          <a:noFill/>
+        </a:ln>
+        <a:effectLst>
+          <a:outerShdw blurRad="38100" dist="25400" dir="2700000" algn="br" rotWithShape="0">
+            <a:srgbClr val="000000">
+              <a:alpha val="60000"/>
+            </a:srgbClr>
+          </a:outerShdw>
+        </a:effectLst>
+      </dsp:spPr>
+      <dsp:style>
+        <a:lnRef idx="0">
+          <a:scrgbClr r="0" g="0" b="0"/>
+        </a:lnRef>
+        <a:fillRef idx="3">
+          <a:scrgbClr r="0" g="0" b="0"/>
+        </a:fillRef>
+        <a:effectRef idx="2">
+          <a:scrgbClr r="0" g="0" b="0"/>
+        </a:effectRef>
+        <a:fontRef idx="minor">
+          <a:schemeClr val="lt1"/>
+        </a:fontRef>
+      </dsp:style>
+      <dsp:txBody>
+        <a:bodyPr spcFirstLastPara="0" vert="horz" wrap="square" lIns="38100" tIns="38100" rIns="38100" bIns="38100" numCol="1" spcCol="1270" anchor="ctr" anchorCtr="0">
+          <a:noAutofit/>
+        </a:bodyPr>
+        <a:lstStyle/>
+        <a:p>
+          <a:pPr lvl="0" algn="ctr" defTabSz="444500">
+            <a:lnSpc>
+              <a:spcPct val="90000"/>
+            </a:lnSpc>
+            <a:spcBef>
+              <a:spcPct val="0"/>
+            </a:spcBef>
+            <a:spcAft>
+              <a:spcPct val="35000"/>
+            </a:spcAft>
+          </a:pPr>
+          <a:r>
+            <a:rPr lang="en-US" sz="1000" kern="1200" dirty="0" smtClean="0"/>
+            <a:t>Preprocessing</a:t>
+          </a:r>
+          <a:endParaRPr lang="en-US" sz="1000" kern="1200" dirty="0"/>
+        </a:p>
+      </dsp:txBody>
+      <dsp:txXfrm>
+        <a:off x="2470248" y="1747606"/>
+        <a:ext cx="971927" cy="1022703"/>
+      </dsp:txXfrm>
+    </dsp:sp>
+    <dsp:sp modelId="{F6B8B0CF-3806-0042-913A-1906B052DB93}">
+      <dsp:nvSpPr>
+        <dsp:cNvPr id="0" name=""/>
+        <dsp:cNvSpPr/>
+      </dsp:nvSpPr>
+      <dsp:spPr>
+        <a:xfrm>
+          <a:off x="3571908" y="2166759"/>
+          <a:ext cx="210927" cy="184396"/>
+        </a:xfrm>
+        <a:prstGeom prst="rightArrow">
+          <a:avLst>
+            <a:gd name="adj1" fmla="val 60000"/>
+            <a:gd name="adj2" fmla="val 50000"/>
+          </a:avLst>
+        </a:prstGeom>
+        <a:gradFill rotWithShape="0">
+          <a:gsLst>
+            <a:gs pos="0">
+              <a:schemeClr val="accent1">
+                <a:tint val="60000"/>
+                <a:hueOff val="0"/>
+                <a:satOff val="0"/>
+                <a:lumOff val="0"/>
+                <a:alphaOff val="0"/>
+                <a:shade val="70000"/>
+                <a:satMod val="150000"/>
+              </a:schemeClr>
+            </a:gs>
+            <a:gs pos="34000">
+              <a:schemeClr val="accent1">
+                <a:tint val="60000"/>
+                <a:hueOff val="0"/>
+                <a:satOff val="0"/>
+                <a:lumOff val="0"/>
+                <a:alphaOff val="0"/>
+                <a:shade val="70000"/>
+                <a:satMod val="140000"/>
+              </a:schemeClr>
+            </a:gs>
+            <a:gs pos="70000">
+              <a:schemeClr val="accent1">
+                <a:tint val="60000"/>
+                <a:hueOff val="0"/>
+                <a:satOff val="0"/>
+                <a:lumOff val="0"/>
+                <a:alphaOff val="0"/>
+                <a:tint val="100000"/>
+                <a:shade val="90000"/>
+                <a:satMod val="140000"/>
+              </a:schemeClr>
+            </a:gs>
+            <a:gs pos="100000">
+              <a:schemeClr val="accent1">
+                <a:tint val="60000"/>
+                <a:hueOff val="0"/>
+                <a:satOff val="0"/>
+                <a:lumOff val="0"/>
+                <a:alphaOff val="0"/>
+                <a:tint val="100000"/>
+                <a:shade val="100000"/>
+                <a:satMod val="100000"/>
+              </a:schemeClr>
+            </a:gs>
+          </a:gsLst>
+          <a:path path="circle">
+            <a:fillToRect l="100000" t="100000" r="100000" b="100000"/>
+          </a:path>
+        </a:gradFill>
+        <a:ln>
+          <a:noFill/>
+        </a:ln>
+        <a:effectLst>
+          <a:outerShdw blurRad="38100" dist="25400" dir="2700000" algn="br" rotWithShape="0">
+            <a:srgbClr val="000000">
+              <a:alpha val="60000"/>
+            </a:srgbClr>
+          </a:outerShdw>
+        </a:effectLst>
+      </dsp:spPr>
+      <dsp:style>
+        <a:lnRef idx="0">
+          <a:scrgbClr r="0" g="0" b="0"/>
+        </a:lnRef>
+        <a:fillRef idx="3">
+          <a:scrgbClr r="0" g="0" b="0"/>
+        </a:fillRef>
+        <a:effectRef idx="2">
+          <a:scrgbClr r="0" g="0" b="0"/>
+        </a:effectRef>
+        <a:fontRef idx="minor">
+          <a:schemeClr val="lt1"/>
+        </a:fontRef>
+      </dsp:style>
+      <dsp:txBody>
+        <a:bodyPr spcFirstLastPara="0" vert="horz" wrap="square" lIns="0" tIns="0" rIns="0" bIns="0" numCol="1" spcCol="1270" anchor="ctr" anchorCtr="0">
+          <a:noAutofit/>
+        </a:bodyPr>
+        <a:lstStyle/>
+        <a:p>
+          <a:pPr lvl="0" algn="ctr" defTabSz="311150">
+            <a:lnSpc>
+              <a:spcPct val="90000"/>
+            </a:lnSpc>
+            <a:spcBef>
+              <a:spcPct val="0"/>
+            </a:spcBef>
+            <a:spcAft>
+              <a:spcPct val="35000"/>
+            </a:spcAft>
+          </a:pPr>
+          <a:endParaRPr lang="en-US" sz="700" kern="1200"/>
+        </a:p>
+      </dsp:txBody>
+      <dsp:txXfrm>
+        <a:off x="3571908" y="2203638"/>
+        <a:ext cx="155608" cy="110638"/>
+      </dsp:txXfrm>
+    </dsp:sp>
+    <dsp:sp modelId="{E16BB441-E95B-B942-995A-FC42B77FBFF9}">
+      <dsp:nvSpPr>
+        <dsp:cNvPr id="0" name=""/>
+        <dsp:cNvSpPr/>
+      </dsp:nvSpPr>
+      <dsp:spPr>
+        <a:xfrm>
+          <a:off x="3870390" y="1418503"/>
+          <a:ext cx="1103284" cy="1680909"/>
+        </a:xfrm>
+        <a:prstGeom prst="roundRect">
+          <a:avLst>
+            <a:gd name="adj" fmla="val 10000"/>
+          </a:avLst>
+        </a:prstGeom>
+        <a:gradFill rotWithShape="0">
+          <a:gsLst>
+            <a:gs pos="0">
+              <a:schemeClr val="accent1">
+                <a:hueOff val="0"/>
+                <a:satOff val="0"/>
+                <a:lumOff val="0"/>
+                <a:alphaOff val="0"/>
+                <a:shade val="70000"/>
+                <a:satMod val="150000"/>
+              </a:schemeClr>
+            </a:gs>
+            <a:gs pos="34000">
+              <a:schemeClr val="accent1">
+                <a:hueOff val="0"/>
+                <a:satOff val="0"/>
+                <a:lumOff val="0"/>
+                <a:alphaOff val="0"/>
+                <a:shade val="70000"/>
+                <a:satMod val="140000"/>
+              </a:schemeClr>
+            </a:gs>
+            <a:gs pos="70000">
+              <a:schemeClr val="accent1">
+                <a:hueOff val="0"/>
+                <a:satOff val="0"/>
+                <a:lumOff val="0"/>
+                <a:alphaOff val="0"/>
+                <a:tint val="100000"/>
+                <a:shade val="90000"/>
+                <a:satMod val="140000"/>
+              </a:schemeClr>
+            </a:gs>
+            <a:gs pos="100000">
+              <a:schemeClr val="accent1">
+                <a:hueOff val="0"/>
+                <a:satOff val="0"/>
+                <a:lumOff val="0"/>
+                <a:alphaOff val="0"/>
+                <a:tint val="100000"/>
+                <a:shade val="100000"/>
+                <a:satMod val="100000"/>
+              </a:schemeClr>
+            </a:gs>
+          </a:gsLst>
+          <a:path path="circle">
+            <a:fillToRect l="100000" t="100000" r="100000" b="100000"/>
+          </a:path>
+        </a:gradFill>
+        <a:ln>
+          <a:noFill/>
+        </a:ln>
+        <a:effectLst>
+          <a:outerShdw blurRad="38100" dist="25400" dir="2700000" algn="br" rotWithShape="0">
+            <a:srgbClr val="000000">
+              <a:alpha val="60000"/>
+            </a:srgbClr>
+          </a:outerShdw>
+        </a:effectLst>
+      </dsp:spPr>
+      <dsp:style>
+        <a:lnRef idx="0">
+          <a:scrgbClr r="0" g="0" b="0"/>
+        </a:lnRef>
+        <a:fillRef idx="3">
+          <a:scrgbClr r="0" g="0" b="0"/>
+        </a:fillRef>
+        <a:effectRef idx="2">
+          <a:scrgbClr r="0" g="0" b="0"/>
+        </a:effectRef>
+        <a:fontRef idx="minor">
+          <a:schemeClr val="lt1"/>
+        </a:fontRef>
+      </dsp:style>
+      <dsp:txBody>
+        <a:bodyPr spcFirstLastPara="0" vert="horz" wrap="square" lIns="38100" tIns="38100" rIns="38100" bIns="38100" numCol="1" spcCol="1270" anchor="t" anchorCtr="0">
+          <a:noAutofit/>
+        </a:bodyPr>
+        <a:lstStyle/>
+        <a:p>
+          <a:pPr lvl="0" algn="ctr" defTabSz="444500">
+            <a:lnSpc>
+              <a:spcPct val="90000"/>
+            </a:lnSpc>
+            <a:spcBef>
+              <a:spcPct val="0"/>
+            </a:spcBef>
+            <a:spcAft>
+              <a:spcPct val="35000"/>
+            </a:spcAft>
+          </a:pPr>
+          <a:r>
+            <a:rPr lang="en-US" sz="1000" kern="1200" dirty="0" smtClean="0"/>
+            <a:t>Multiclass to Binary Classification</a:t>
+          </a:r>
+          <a:endParaRPr lang="en-US" sz="1000" kern="1200" dirty="0"/>
+        </a:p>
+      </dsp:txBody>
+      <dsp:txXfrm>
+        <a:off x="3902704" y="1450817"/>
+        <a:ext cx="1038656" cy="1616281"/>
+      </dsp:txXfrm>
+    </dsp:sp>
+    <dsp:sp modelId="{931FD1A5-9187-0D43-99E4-A6A68CB76666}">
+      <dsp:nvSpPr>
+        <dsp:cNvPr id="0" name=""/>
+        <dsp:cNvSpPr/>
+      </dsp:nvSpPr>
+      <dsp:spPr>
+        <a:xfrm rot="5746863">
+          <a:off x="7223377" y="3746528"/>
+          <a:ext cx="21908" cy="499050"/>
+        </a:xfrm>
+        <a:prstGeom prst="rightArrow">
+          <a:avLst>
+            <a:gd name="adj1" fmla="val 60000"/>
+            <a:gd name="adj2" fmla="val 50000"/>
+          </a:avLst>
+        </a:prstGeom>
+        <a:gradFill rotWithShape="0">
+          <a:gsLst>
+            <a:gs pos="0">
+              <a:schemeClr val="accent1">
+                <a:tint val="60000"/>
+                <a:hueOff val="0"/>
+                <a:satOff val="0"/>
+                <a:lumOff val="0"/>
+                <a:alphaOff val="0"/>
+                <a:shade val="70000"/>
+                <a:satMod val="150000"/>
+              </a:schemeClr>
+            </a:gs>
+            <a:gs pos="34000">
+              <a:schemeClr val="accent1">
+                <a:tint val="60000"/>
+                <a:hueOff val="0"/>
+                <a:satOff val="0"/>
+                <a:lumOff val="0"/>
+                <a:alphaOff val="0"/>
+                <a:shade val="70000"/>
+                <a:satMod val="140000"/>
+              </a:schemeClr>
+            </a:gs>
+            <a:gs pos="70000">
+              <a:schemeClr val="accent1">
+                <a:tint val="60000"/>
+                <a:hueOff val="0"/>
+                <a:satOff val="0"/>
+                <a:lumOff val="0"/>
+                <a:alphaOff val="0"/>
+                <a:tint val="100000"/>
+                <a:shade val="90000"/>
+                <a:satMod val="140000"/>
+              </a:schemeClr>
+            </a:gs>
+            <a:gs pos="100000">
+              <a:schemeClr val="accent1">
+                <a:tint val="60000"/>
+                <a:hueOff val="0"/>
+                <a:satOff val="0"/>
+                <a:lumOff val="0"/>
+                <a:alphaOff val="0"/>
+                <a:tint val="100000"/>
+                <a:shade val="100000"/>
+                <a:satMod val="100000"/>
+              </a:schemeClr>
+            </a:gs>
+          </a:gsLst>
+          <a:path path="circle">
+            <a:fillToRect l="100000" t="100000" r="100000" b="100000"/>
+          </a:path>
+        </a:gradFill>
+        <a:ln>
+          <a:noFill/>
+        </a:ln>
+        <a:effectLst>
+          <a:outerShdw blurRad="38100" dist="25400" dir="2700000" algn="br" rotWithShape="0">
+            <a:srgbClr val="000000">
+              <a:alpha val="60000"/>
+            </a:srgbClr>
+          </a:outerShdw>
+        </a:effectLst>
+      </dsp:spPr>
+      <dsp:style>
+        <a:lnRef idx="0">
+          <a:scrgbClr r="0" g="0" b="0"/>
+        </a:lnRef>
+        <a:fillRef idx="3">
+          <a:scrgbClr r="0" g="0" b="0"/>
+        </a:fillRef>
+        <a:effectRef idx="2">
+          <a:scrgbClr r="0" g="0" b="0"/>
+        </a:effectRef>
+        <a:fontRef idx="minor">
+          <a:schemeClr val="lt1"/>
+        </a:fontRef>
+      </dsp:style>
+      <dsp:txBody>
+        <a:bodyPr spcFirstLastPara="0" vert="horz" wrap="square" lIns="0" tIns="0" rIns="0" bIns="0" numCol="1" spcCol="1270" anchor="ctr" anchorCtr="0">
+          <a:noAutofit/>
+        </a:bodyPr>
+        <a:lstStyle/>
+        <a:p>
+          <a:pPr lvl="0" algn="ctr" defTabSz="355600">
+            <a:lnSpc>
+              <a:spcPct val="90000"/>
+            </a:lnSpc>
+            <a:spcBef>
+              <a:spcPct val="0"/>
+            </a:spcBef>
+            <a:spcAft>
+              <a:spcPct val="35000"/>
+            </a:spcAft>
+          </a:pPr>
+          <a:endParaRPr lang="en-US" sz="800" kern="1200"/>
+        </a:p>
+      </dsp:txBody>
+      <dsp:txXfrm rot="10800000">
+        <a:off x="7226994" y="3843069"/>
+        <a:ext cx="15336" cy="299430"/>
+      </dsp:txXfrm>
+    </dsp:sp>
+    <dsp:sp modelId="{1CFAB640-FD55-3043-AA6E-E78EB6FEC7EF}">
+      <dsp:nvSpPr>
+        <dsp:cNvPr id="0" name=""/>
+        <dsp:cNvSpPr/>
+      </dsp:nvSpPr>
+      <dsp:spPr>
+        <a:xfrm>
+          <a:off x="3970263" y="1778946"/>
+          <a:ext cx="955566" cy="446120"/>
+        </a:xfrm>
+        <a:prstGeom prst="roundRect">
+          <a:avLst>
+            <a:gd name="adj" fmla="val 10000"/>
+          </a:avLst>
+        </a:prstGeom>
+        <a:solidFill>
+          <a:schemeClr val="tx2"/>
+        </a:solidFill>
+        <a:ln>
+          <a:noFill/>
+        </a:ln>
+        <a:effectLst>
+          <a:outerShdw blurRad="38100" dist="25400" dir="2700000" algn="br" rotWithShape="0">
+            <a:srgbClr val="000000">
+              <a:alpha val="60000"/>
+            </a:srgbClr>
+          </a:outerShdw>
+        </a:effectLst>
+      </dsp:spPr>
+      <dsp:style>
+        <a:lnRef idx="0">
+          <a:scrgbClr r="0" g="0" b="0"/>
+        </a:lnRef>
+        <a:fillRef idx="3">
+          <a:scrgbClr r="0" g="0" b="0"/>
+        </a:fillRef>
+        <a:effectRef idx="2">
+          <a:scrgbClr r="0" g="0" b="0"/>
+        </a:effectRef>
+        <a:fontRef idx="minor">
+          <a:schemeClr val="lt1"/>
+        </a:fontRef>
+      </dsp:style>
+      <dsp:txBody>
+        <a:bodyPr spcFirstLastPara="0" vert="horz" wrap="square" lIns="38100" tIns="38100" rIns="38100" bIns="38100" numCol="1" spcCol="1270" anchor="ctr" anchorCtr="0">
+          <a:noAutofit/>
+        </a:bodyPr>
+        <a:lstStyle/>
+        <a:p>
+          <a:pPr lvl="0" algn="ctr" defTabSz="444500">
+            <a:lnSpc>
+              <a:spcPct val="90000"/>
+            </a:lnSpc>
+            <a:spcBef>
+              <a:spcPct val="0"/>
+            </a:spcBef>
+            <a:spcAft>
+              <a:spcPct val="35000"/>
+            </a:spcAft>
+          </a:pPr>
+          <a:r>
+            <a:rPr lang="en-US" sz="1000" kern="1200" dirty="0" smtClean="0"/>
+            <a:t>Decision Tree</a:t>
+          </a:r>
+          <a:endParaRPr lang="en-US" sz="1000" kern="1200" dirty="0"/>
+        </a:p>
+      </dsp:txBody>
+      <dsp:txXfrm>
+        <a:off x="3983329" y="1792012"/>
+        <a:ext cx="929434" cy="419988"/>
+      </dsp:txXfrm>
+    </dsp:sp>
+    <dsp:sp modelId="{54255A23-D334-1341-9BF5-15EF2E4F42D3}">
+      <dsp:nvSpPr>
+        <dsp:cNvPr id="0" name=""/>
+        <dsp:cNvSpPr/>
+      </dsp:nvSpPr>
+      <dsp:spPr>
+        <a:xfrm rot="5319913">
+          <a:off x="7575366" y="4045462"/>
+          <a:ext cx="56329" cy="184396"/>
+        </a:xfrm>
+        <a:prstGeom prst="rightArrow">
+          <a:avLst>
+            <a:gd name="adj1" fmla="val 60000"/>
+            <a:gd name="adj2" fmla="val 50000"/>
+          </a:avLst>
+        </a:prstGeom>
+        <a:gradFill rotWithShape="0">
+          <a:gsLst>
+            <a:gs pos="0">
+              <a:schemeClr val="accent1">
+                <a:tint val="60000"/>
+                <a:hueOff val="0"/>
+                <a:satOff val="0"/>
+                <a:lumOff val="0"/>
+                <a:alphaOff val="0"/>
+                <a:shade val="70000"/>
+                <a:satMod val="150000"/>
+              </a:schemeClr>
+            </a:gs>
+            <a:gs pos="34000">
+              <a:schemeClr val="accent1">
+                <a:tint val="60000"/>
+                <a:hueOff val="0"/>
+                <a:satOff val="0"/>
+                <a:lumOff val="0"/>
+                <a:alphaOff val="0"/>
+                <a:shade val="70000"/>
+                <a:satMod val="140000"/>
+              </a:schemeClr>
+            </a:gs>
+            <a:gs pos="70000">
+              <a:schemeClr val="accent1">
+                <a:tint val="60000"/>
+                <a:hueOff val="0"/>
+                <a:satOff val="0"/>
+                <a:lumOff val="0"/>
+                <a:alphaOff val="0"/>
+                <a:tint val="100000"/>
+                <a:shade val="90000"/>
+                <a:satMod val="140000"/>
+              </a:schemeClr>
+            </a:gs>
+            <a:gs pos="100000">
+              <a:schemeClr val="accent1">
+                <a:tint val="60000"/>
+                <a:hueOff val="0"/>
+                <a:satOff val="0"/>
+                <a:lumOff val="0"/>
+                <a:alphaOff val="0"/>
+                <a:tint val="100000"/>
+                <a:shade val="100000"/>
+                <a:satMod val="100000"/>
+              </a:schemeClr>
+            </a:gs>
+          </a:gsLst>
+          <a:path path="circle">
+            <a:fillToRect l="100000" t="100000" r="100000" b="100000"/>
+          </a:path>
+        </a:gradFill>
+        <a:ln>
+          <a:noFill/>
+        </a:ln>
+        <a:effectLst>
+          <a:outerShdw blurRad="38100" dist="25400" dir="2700000" algn="br" rotWithShape="0">
+            <a:srgbClr val="000000">
+              <a:alpha val="60000"/>
+            </a:srgbClr>
+          </a:outerShdw>
+        </a:effectLst>
+      </dsp:spPr>
+      <dsp:style>
+        <a:lnRef idx="0">
+          <a:scrgbClr r="0" g="0" b="0"/>
+        </a:lnRef>
+        <a:fillRef idx="3">
+          <a:scrgbClr r="0" g="0" b="0"/>
+        </a:fillRef>
+        <a:effectRef idx="2">
+          <a:scrgbClr r="0" g="0" b="0"/>
+        </a:effectRef>
+        <a:fontRef idx="minor">
+          <a:schemeClr val="lt1"/>
+        </a:fontRef>
+      </dsp:style>
+      <dsp:txBody>
+        <a:bodyPr spcFirstLastPara="0" vert="horz" wrap="square" lIns="0" tIns="0" rIns="0" bIns="0" numCol="1" spcCol="1270" anchor="ctr" anchorCtr="0">
+          <a:noAutofit/>
+        </a:bodyPr>
+        <a:lstStyle/>
+        <a:p>
+          <a:pPr lvl="0" algn="ctr" defTabSz="311150">
+            <a:lnSpc>
+              <a:spcPct val="90000"/>
+            </a:lnSpc>
+            <a:spcBef>
+              <a:spcPct val="0"/>
+            </a:spcBef>
+            <a:spcAft>
+              <a:spcPct val="35000"/>
+            </a:spcAft>
+          </a:pPr>
+          <a:endParaRPr lang="en-US" sz="700" kern="1200"/>
+        </a:p>
+      </dsp:txBody>
+      <dsp:txXfrm>
+        <a:off x="7583619" y="4073894"/>
+        <a:ext cx="39430" cy="110638"/>
+      </dsp:txXfrm>
+    </dsp:sp>
+    <dsp:sp modelId="{B8F4102D-5B82-F340-BE7A-6E93499F2EE0}">
+      <dsp:nvSpPr>
+        <dsp:cNvPr id="0" name=""/>
+        <dsp:cNvSpPr/>
+      </dsp:nvSpPr>
+      <dsp:spPr>
+        <a:xfrm>
+          <a:off x="3983134" y="2331318"/>
+          <a:ext cx="955566" cy="446120"/>
+        </a:xfrm>
+        <a:prstGeom prst="roundRect">
+          <a:avLst>
+            <a:gd name="adj" fmla="val 10000"/>
+          </a:avLst>
+        </a:prstGeom>
+        <a:solidFill>
+          <a:schemeClr val="tx2"/>
+        </a:solidFill>
+        <a:ln>
+          <a:noFill/>
+        </a:ln>
+        <a:effectLst>
+          <a:outerShdw blurRad="38100" dist="25400" dir="2700000" algn="br" rotWithShape="0">
+            <a:srgbClr val="000000">
+              <a:alpha val="60000"/>
+            </a:srgbClr>
+          </a:outerShdw>
+        </a:effectLst>
+      </dsp:spPr>
+      <dsp:style>
+        <a:lnRef idx="0">
+          <a:scrgbClr r="0" g="0" b="0"/>
+        </a:lnRef>
+        <a:fillRef idx="3">
+          <a:scrgbClr r="0" g="0" b="0"/>
+        </a:fillRef>
+        <a:effectRef idx="2">
+          <a:scrgbClr r="0" g="0" b="0"/>
+        </a:effectRef>
+        <a:fontRef idx="minor">
+          <a:schemeClr val="lt1"/>
+        </a:fontRef>
+      </dsp:style>
+      <dsp:txBody>
+        <a:bodyPr spcFirstLastPara="0" vert="horz" wrap="square" lIns="38100" tIns="38100" rIns="38100" bIns="38100" numCol="1" spcCol="1270" anchor="ctr" anchorCtr="0">
+          <a:noAutofit/>
+        </a:bodyPr>
+        <a:lstStyle/>
+        <a:p>
+          <a:pPr lvl="0" algn="ctr" defTabSz="444500">
+            <a:lnSpc>
+              <a:spcPct val="90000"/>
+            </a:lnSpc>
+            <a:spcBef>
+              <a:spcPct val="0"/>
+            </a:spcBef>
+            <a:spcAft>
+              <a:spcPct val="35000"/>
+            </a:spcAft>
+          </a:pPr>
+          <a:r>
+            <a:rPr lang="en-US" sz="1000" kern="1200" dirty="0" smtClean="0"/>
+            <a:t>Neural Network</a:t>
+          </a:r>
+          <a:endParaRPr lang="en-US" sz="1000" kern="1200" dirty="0"/>
+        </a:p>
+      </dsp:txBody>
+      <dsp:txXfrm>
+        <a:off x="3996200" y="2344384"/>
+        <a:ext cx="929434" cy="419988"/>
+      </dsp:txXfrm>
+    </dsp:sp>
+    <dsp:sp modelId="{716EE824-E94E-8943-A53F-C89738FFF0C0}">
+      <dsp:nvSpPr>
+        <dsp:cNvPr id="0" name=""/>
+        <dsp:cNvSpPr/>
+      </dsp:nvSpPr>
+      <dsp:spPr>
+        <a:xfrm rot="21235282">
+          <a:off x="4963407" y="2130751"/>
+          <a:ext cx="392393" cy="184396"/>
+        </a:xfrm>
+        <a:prstGeom prst="rightArrow">
+          <a:avLst>
+            <a:gd name="adj1" fmla="val 60000"/>
+            <a:gd name="adj2" fmla="val 50000"/>
+          </a:avLst>
+        </a:prstGeom>
+        <a:gradFill rotWithShape="0">
+          <a:gsLst>
+            <a:gs pos="0">
+              <a:schemeClr val="accent1">
+                <a:tint val="60000"/>
+                <a:hueOff val="0"/>
+                <a:satOff val="0"/>
+                <a:lumOff val="0"/>
+                <a:alphaOff val="0"/>
+                <a:shade val="70000"/>
+                <a:satMod val="150000"/>
+              </a:schemeClr>
+            </a:gs>
+            <a:gs pos="34000">
+              <a:schemeClr val="accent1">
+                <a:tint val="60000"/>
+                <a:hueOff val="0"/>
+                <a:satOff val="0"/>
+                <a:lumOff val="0"/>
+                <a:alphaOff val="0"/>
+                <a:shade val="70000"/>
+                <a:satMod val="140000"/>
+              </a:schemeClr>
+            </a:gs>
+            <a:gs pos="70000">
+              <a:schemeClr val="accent1">
+                <a:tint val="60000"/>
+                <a:hueOff val="0"/>
+                <a:satOff val="0"/>
+                <a:lumOff val="0"/>
+                <a:alphaOff val="0"/>
+                <a:tint val="100000"/>
+                <a:shade val="90000"/>
+                <a:satMod val="140000"/>
+              </a:schemeClr>
+            </a:gs>
+            <a:gs pos="100000">
+              <a:schemeClr val="accent1">
+                <a:tint val="60000"/>
+                <a:hueOff val="0"/>
+                <a:satOff val="0"/>
+                <a:lumOff val="0"/>
+                <a:alphaOff val="0"/>
+                <a:tint val="100000"/>
+                <a:shade val="100000"/>
+                <a:satMod val="100000"/>
+              </a:schemeClr>
+            </a:gs>
+          </a:gsLst>
+          <a:path path="circle">
+            <a:fillToRect l="100000" t="100000" r="100000" b="100000"/>
+          </a:path>
+        </a:gradFill>
+        <a:ln>
+          <a:noFill/>
+        </a:ln>
+        <a:effectLst>
+          <a:outerShdw blurRad="38100" dist="25400" dir="2700000" algn="br" rotWithShape="0">
+            <a:srgbClr val="000000">
+              <a:alpha val="60000"/>
+            </a:srgbClr>
+          </a:outerShdw>
+        </a:effectLst>
+      </dsp:spPr>
+      <dsp:style>
+        <a:lnRef idx="0">
+          <a:scrgbClr r="0" g="0" b="0"/>
+        </a:lnRef>
+        <a:fillRef idx="3">
+          <a:scrgbClr r="0" g="0" b="0"/>
+        </a:fillRef>
+        <a:effectRef idx="2">
+          <a:scrgbClr r="0" g="0" b="0"/>
+        </a:effectRef>
+        <a:fontRef idx="minor">
+          <a:schemeClr val="lt1"/>
+        </a:fontRef>
+      </dsp:style>
+      <dsp:txBody>
+        <a:bodyPr spcFirstLastPara="0" vert="horz" wrap="square" lIns="0" tIns="0" rIns="0" bIns="0" numCol="1" spcCol="1270" anchor="ctr" anchorCtr="0">
+          <a:noAutofit/>
+        </a:bodyPr>
+        <a:lstStyle/>
+        <a:p>
+          <a:pPr lvl="0" algn="ctr" defTabSz="311150">
+            <a:lnSpc>
+              <a:spcPct val="90000"/>
+            </a:lnSpc>
+            <a:spcBef>
+              <a:spcPct val="0"/>
+            </a:spcBef>
+            <a:spcAft>
+              <a:spcPct val="35000"/>
+            </a:spcAft>
+          </a:pPr>
+          <a:endParaRPr lang="en-US" sz="700" kern="1200"/>
+        </a:p>
+      </dsp:txBody>
+      <dsp:txXfrm>
+        <a:off x="4963563" y="2170559"/>
+        <a:ext cx="337074" cy="110638"/>
+      </dsp:txXfrm>
+    </dsp:sp>
+    <dsp:sp modelId="{7581BEEB-9B47-1743-B461-ECCF4E799500}">
+      <dsp:nvSpPr>
+        <dsp:cNvPr id="0" name=""/>
+        <dsp:cNvSpPr/>
+      </dsp:nvSpPr>
+      <dsp:spPr>
+        <a:xfrm>
+          <a:off x="5674903" y="1942660"/>
+          <a:ext cx="1366049" cy="819402"/>
+        </a:xfrm>
+        <a:prstGeom prst="roundRect">
+          <a:avLst>
+            <a:gd name="adj" fmla="val 10000"/>
+          </a:avLst>
+        </a:prstGeom>
+        <a:gradFill rotWithShape="0">
+          <a:gsLst>
+            <a:gs pos="0">
+              <a:schemeClr val="accent1">
+                <a:hueOff val="0"/>
+                <a:satOff val="0"/>
+                <a:lumOff val="0"/>
+                <a:alphaOff val="0"/>
+                <a:shade val="70000"/>
+                <a:satMod val="150000"/>
+              </a:schemeClr>
+            </a:gs>
+            <a:gs pos="34000">
+              <a:schemeClr val="accent1">
+                <a:hueOff val="0"/>
+                <a:satOff val="0"/>
+                <a:lumOff val="0"/>
+                <a:alphaOff val="0"/>
+                <a:shade val="70000"/>
+                <a:satMod val="140000"/>
+              </a:schemeClr>
+            </a:gs>
+            <a:gs pos="70000">
+              <a:schemeClr val="accent1">
+                <a:hueOff val="0"/>
+                <a:satOff val="0"/>
+                <a:lumOff val="0"/>
+                <a:alphaOff val="0"/>
+                <a:tint val="100000"/>
+                <a:shade val="90000"/>
+                <a:satMod val="140000"/>
+              </a:schemeClr>
+            </a:gs>
+            <a:gs pos="100000">
+              <a:schemeClr val="accent1">
+                <a:hueOff val="0"/>
+                <a:satOff val="0"/>
+                <a:lumOff val="0"/>
+                <a:alphaOff val="0"/>
+                <a:tint val="100000"/>
+                <a:shade val="100000"/>
+                <a:satMod val="100000"/>
+              </a:schemeClr>
+            </a:gs>
+          </a:gsLst>
+          <a:path path="circle">
+            <a:fillToRect l="100000" t="100000" r="100000" b="100000"/>
+          </a:path>
+        </a:gradFill>
+        <a:ln>
+          <a:noFill/>
+        </a:ln>
+        <a:effectLst>
+          <a:outerShdw blurRad="38100" dist="25400" dir="2700000" algn="br" rotWithShape="0">
+            <a:srgbClr val="000000">
+              <a:alpha val="60000"/>
+            </a:srgbClr>
+          </a:outerShdw>
+        </a:effectLst>
+      </dsp:spPr>
+      <dsp:style>
+        <a:lnRef idx="0">
+          <a:scrgbClr r="0" g="0" b="0"/>
+        </a:lnRef>
+        <a:fillRef idx="3">
+          <a:scrgbClr r="0" g="0" b="0"/>
+        </a:fillRef>
+        <a:effectRef idx="2">
+          <a:scrgbClr r="0" g="0" b="0"/>
+        </a:effectRef>
+        <a:fontRef idx="minor">
+          <a:schemeClr val="lt1"/>
+        </a:fontRef>
+      </dsp:style>
+      <dsp:txBody>
+        <a:bodyPr spcFirstLastPara="0" vert="horz" wrap="square" lIns="38100" tIns="38100" rIns="38100" bIns="38100" numCol="1" spcCol="1270" anchor="ctr" anchorCtr="0">
+          <a:noAutofit/>
+        </a:bodyPr>
+        <a:lstStyle/>
+        <a:p>
+          <a:pPr lvl="0" algn="ctr" defTabSz="444500">
+            <a:lnSpc>
+              <a:spcPct val="90000"/>
+            </a:lnSpc>
+            <a:spcBef>
+              <a:spcPct val="0"/>
+            </a:spcBef>
+            <a:spcAft>
+              <a:spcPct val="35000"/>
+            </a:spcAft>
+          </a:pPr>
+          <a:r>
+            <a:rPr lang="en-US" sz="1000" kern="1200" dirty="0" smtClean="0"/>
+            <a:t>Output</a:t>
+          </a:r>
+          <a:endParaRPr lang="en-US" sz="1000" kern="1200" dirty="0"/>
+        </a:p>
+      </dsp:txBody>
+      <dsp:txXfrm>
+        <a:off x="5698902" y="1966659"/>
+        <a:ext cx="1318051" cy="771404"/>
+      </dsp:txXfrm>
+    </dsp:sp>
+  </dsp:spTree>
+</dsp:drawing>
+</file>
+
+<file path=ppt/diagrams/layout1.xml><?xml version="1.0" encoding="utf-8"?>
+<dgm:layoutDef xmlns:dgm="http://schemas.openxmlformats.org/drawingml/2006/diagram" xmlns:a="http://schemas.openxmlformats.org/drawingml/2006/main" uniqueId="urn:microsoft.com/office/officeart/2005/8/layout/process1">
+  <dgm:title val=""/>
+  <dgm:desc val=""/>
+  <dgm:catLst>
+    <dgm:cat type="process" pri="1000"/>
+    <dgm:cat type="convert" pri="15000"/>
+  </dgm:catLst>
+  <dgm:sampData useDef="1">
+    <dgm:dataModel>
+      <dgm:ptLst/>
+      <dgm:bg/>
+      <dgm:whole/>
+    </dgm:dataModel>
+  </dgm:sampData>
+  <dgm:styleData>
+    <dgm:dataModel>
+      <dgm:ptLst>
+        <dgm:pt modelId="0" type="doc"/>
+        <dgm:pt modelId="1"/>
+        <dgm:pt modelId="2"/>
+      </dgm:ptLst>
+      <dgm:cxnLst>
+        <dgm:cxn modelId="3" srcId="0" destId="1" srcOrd="0" destOrd="0"/>
+        <dgm:cxn modelId="4" srcId="0" destId="2" srcOrd="1" destOrd="0"/>
+      </dgm:cxnLst>
+      <dgm:bg/>
+      <dgm:whole/>
+    </dgm:dataModel>
+  </dgm:styleData>
+  <dgm:clrData>
+    <dgm:dataModel>
+      <dgm:ptLst>
+        <dgm:pt modelId="0" type="doc"/>
+        <dgm:pt modelId="1"/>
+        <dgm:pt modelId="2"/>
+        <dgm:pt modelId="3"/>
+        <dgm:pt modelId="4"/>
+      </dgm:ptLst>
+      <dgm:cxnLst>
+        <dgm:cxn modelId="5" srcId="0" destId="1" srcOrd="0" destOrd="0"/>
+        <dgm:cxn modelId="6" srcId="0" destId="2" srcOrd="1" destOrd="0"/>
+        <dgm:cxn modelId="7" srcId="0" destId="3" srcOrd="2" destOrd="0"/>
+        <dgm:cxn modelId="8" srcId="0" destId="4" srcOrd="3" destOrd="0"/>
+      </dgm:cxnLst>
+      <dgm:bg/>
+      <dgm:whole/>
+    </dgm:dataModel>
+  </dgm:clrData>
+  <dgm:layoutNode name="Name0">
+    <dgm:varLst>
+      <dgm:dir/>
+      <dgm:resizeHandles val="exact"/>
+    </dgm:varLst>
+    <dgm:choose name="Name1">
+      <dgm:if name="Name2" func="var" arg="dir" op="equ" val="norm">
+        <dgm:alg type="lin"/>
+      </dgm:if>
+      <dgm:else name="Name3">
+        <dgm:alg type="lin">
+          <dgm:param type="linDir" val="fromR"/>
+        </dgm:alg>
+      </dgm:else>
+    </dgm:choose>
+    <dgm:shape xmlns:r="http://schemas.openxmlformats.org/officeDocument/2006/relationships" r:blip="">
+      <dgm:adjLst/>
+    </dgm:shape>
+    <dgm:presOf/>
+    <dgm:constrLst>
+      <dgm:constr type="w" for="ch" ptType="node" refType="w"/>
+      <dgm:constr type="h" for="ch" ptType="node" op="equ"/>
+      <dgm:constr type="primFontSz" for="ch" ptType="node" op="equ" val="65"/>
+      <dgm:constr type="w" for="ch" ptType="sibTrans" refType="w" refFor="ch" refPtType="node" op="equ" fact="0.4"/>
+      <dgm:constr type="h" for="ch" ptType="sibTrans" op="equ"/>
+      <dgm:constr type="primFontSz" for="des" forName="connectorText" op="equ" val="55"/>
+      <dgm:constr type="primFontSz" for="des" forName="connectorText" refType="primFontSz" refFor="ch" refPtType="node" op="lte" fact="0.8"/>
+    </dgm:constrLst>
+    <dgm:ruleLst/>
+    <dgm:forEach name="nodesForEach" axis="ch" ptType="node">
+      <dgm:layoutNode name="node">
+        <dgm:varLst>
+          <dgm:bulletEnabled val="1"/>
+        </dgm:varLst>
+        <dgm:alg type="tx"/>
+        <dgm:shape xmlns:r="http://schemas.openxmlformats.org/officeDocument/2006/relationships" type="roundRect" r:blip="">
+          <dgm:adjLst>
+            <dgm:adj idx="1" val="0.1"/>
+          </dgm:adjLst>
+        </dgm:shape>
+        <dgm:presOf axis="desOrSelf" ptType="node"/>
+        <dgm:constrLst>
+          <dgm:constr type="h" refType="w" fact="0.6"/>
+          <dgm:constr type="tMarg" refType="primFontSz" fact="0.3"/>
+          <dgm:constr type="bMarg" refType="primFontSz" fact="0.3"/>
+          <dgm:constr type="lMarg" refType="primFontSz" fact="0.3"/>
+          <dgm:constr type="rMarg" refType="primFontSz" fact="0.3"/>
+        </dgm:constrLst>
+        <dgm:ruleLst>
+          <dgm:rule type="primFontSz" val="18" fact="NaN" max="NaN"/>
+          <dgm:rule type="h" val="NaN" fact="1.5" max="NaN"/>
+          <dgm:rule type="primFontSz" val="5" fact="NaN" max="NaN"/>
+          <dgm:rule type="h" val="INF" fact="NaN" max="NaN"/>
+        </dgm:ruleLst>
+      </dgm:layoutNode>
+      <dgm:forEach name="sibTransForEach" axis="followSib" ptType="sibTrans" cnt="1">
+        <dgm:layoutNode name="sibTrans">
+          <dgm:alg type="conn">
+            <dgm:param type="begPts" val="auto"/>
+            <dgm:param type="endPts" val="auto"/>
+          </dgm:alg>
+          <dgm:shape xmlns:r="http://schemas.openxmlformats.org/officeDocument/2006/relationships" type="conn" r:blip="">
+            <dgm:adjLst/>
+          </dgm:shape>
+          <dgm:presOf axis="self"/>
+          <dgm:constrLst>
+            <dgm:constr type="h" refType="w" fact="0.62"/>
+            <dgm:constr type="connDist"/>
+            <dgm:constr type="begPad" refType="connDist" fact="0.25"/>
+            <dgm:constr type="endPad" refType="connDist" fact="0.22"/>
+          </dgm:constrLst>
+          <dgm:ruleLst/>
+          <dgm:layoutNode name="connectorText">
+            <dgm:alg type="tx">
+              <dgm:param type="autoTxRot" val="grav"/>
+            </dgm:alg>
+            <dgm:shape xmlns:r="http://schemas.openxmlformats.org/officeDocument/2006/relationships" type="conn" r:blip="" hideGeom="1">
+              <dgm:adjLst/>
+            </dgm:shape>
+            <dgm:presOf axis="self"/>
+            <dgm:constrLst>
+              <dgm:constr type="lMarg"/>
+              <dgm:constr type="rMarg"/>
+              <dgm:constr type="tMarg"/>
+              <dgm:constr type="bMarg"/>
+            </dgm:constrLst>
+            <dgm:ruleLst>
+              <dgm:rule type="primFontSz" val="5" fact="NaN" max="NaN"/>
+            </dgm:ruleLst>
+          </dgm:layoutNode>
+        </dgm:layoutNode>
+      </dgm:forEach>
+    </dgm:forEach>
+  </dgm:layoutNode>
+</dgm:layoutDef>
+</file>
+
+<file path=ppt/diagrams/quickStyle1.xml><?xml version="1.0" encoding="utf-8"?>
+<dgm:styleDef xmlns:dgm="http://schemas.openxmlformats.org/drawingml/2006/diagram" xmlns:a="http://schemas.openxmlformats.org/drawingml/2006/main" uniqueId="urn:microsoft.com/office/officeart/2005/8/quickstyle/simple4">
+  <dgm:title val=""/>
+  <dgm:desc val=""/>
+  <dgm:catLst>
+    <dgm:cat type="simple" pri="10400"/>
+  </dgm:catLst>
+  <dgm:scene3d>
+    <a:camera prst="orthographicFront"/>
+    <a:lightRig rig="threePt" dir="t"/>
+  </dgm:scene3d>
+  <dgm:styleLbl name="node0">
+    <dgm:scene3d>
+      <a:camera prst="orthographicFront"/>
+      <a:lightRig rig="threePt" dir="t"/>
+    </dgm:scene3d>
+    <dgm:sp3d/>
+    <dgm:txPr/>
+    <dgm:style>
+      <a:lnRef idx="0">
+        <a:scrgbClr r="0" g="0" b="0"/>
+      </a:lnRef>
+      <a:fillRef idx="3">
+        <a:scrgbClr r="0" g="0" b="0"/>
+      </a:fillRef>
+      <a:effectRef idx="2">
+        <a:scrgbClr r="0" g="0" b="0"/>
+      </a:effectRef>
+      <a:fontRef idx="minor">
+        <a:schemeClr val="lt1"/>
+      </a:fontRef>
+    </dgm:style>
+  </dgm:styleLbl>
+  <dgm:styleLbl name="lnNode1">
+    <dgm:scene3d>
+      <a:camera prst="orthographicFront"/>
+      <a:lightRig rig="threePt" dir="t"/>
+    </dgm:scene3d>
+    <dgm:sp3d/>
+    <dgm:txPr/>
+    <dgm:style>
+      <a:lnRef idx="1">
+        <a:scrgbClr r="0" g="0" b="0"/>
+      </a:lnRef>
+      <a:fillRef idx="3">
+        <a:scrgbClr r="0" g="0" b="0"/>
+      </a:fillRef>
+      <a:effectRef idx="2">
+        <a:scrgbClr r="0" g="0" b="0"/>
+      </a:effectRef>
+      <a:fontRef idx="minor">
+        <a:schemeClr val="lt1"/>
+      </a:fontRef>
+    </dgm:style>
+  </dgm:styleLbl>
+  <dgm:styleLbl name="vennNode1">
+    <dgm:scene3d>
+      <a:camera prst="orthographicFront"/>
+      <a:lightRig rig="threePt" dir="t"/>
+    </dgm:scene3d>
+    <dgm:sp3d/>
+    <dgm:txPr/>
+    <dgm:style>
+      <a:lnRef idx="0">
+        <a:scrgbClr r="0" g="0" b="0"/>
+      </a:lnRef>
+      <a:fillRef idx="3">
+        <a:scrgbClr r="0" g="0" b="0"/>
+      </a:fillRef>
+      <a:effectRef idx="0">
+        <a:scrgbClr r="0" g="0" b="0"/>
+      </a:effectRef>
+      <a:fontRef idx="minor">
+        <a:schemeClr val="tx1"/>
+      </a:fontRef>
+    </dgm:style>
+  </dgm:styleLbl>
+  <dgm:styleLbl name="alignNode1">
+    <dgm:scene3d>
+      <a:camera prst="orthographicFront"/>
+      <a:lightRig rig="threePt" dir="t"/>
+    </dgm:scene3d>
+    <dgm:sp3d/>
+    <dgm:txPr/>
+    <dgm:style>
+      <a:lnRef idx="1">
+        <a:scrgbClr r="0" g="0" b="0"/>
+      </a:lnRef>
+      <a:fillRef idx="3">
+        <a:scrgbClr r="0" g="0" b="0"/>
+      </a:fillRef>
+      <a:effectRef idx="2">
+        <a:scrgbClr r="0" g="0" b="0"/>
+      </a:effectRef>
+      <a:fontRef idx="minor">
+        <a:schemeClr val="lt1"/>
+      </a:fontRef>
+    </dgm:style>
+  </dgm:styleLbl>
+  <dgm:styleLbl name="node1">
+    <dgm:scene3d>
+      <a:camera prst="orthographicFront"/>
+      <a:lightRig rig="threePt" dir="t"/>
+    </dgm:scene3d>
+    <dgm:sp3d/>
+    <dgm:txPr/>
+    <dgm:style>
+      <a:lnRef idx="0">
+        <a:scrgbClr r="0" g="0" b="0"/>
+      </a:lnRef>
+      <a:fillRef idx="3">
+        <a:scrgbClr r="0" g="0" b="0"/>
+      </a:fillRef>
+      <a:effectRef idx="2">
+        <a:scrgbClr r="0" g="0" b="0"/>
+      </a:effectRef>
+      <a:fontRef idx="minor">
+        <a:schemeClr val="lt1"/>
+      </a:fontRef>
+    </dgm:style>
+  </dgm:styleLbl>
+  <dgm:styleLbl name="node2">
+    <dgm:scene3d>
+      <a:camera prst="orthographicFront"/>
+      <a:lightRig rig="threePt" dir="t"/>
+    </dgm:scene3d>
+    <dgm:sp3d/>
+    <dgm:txPr/>
+    <dgm:style>
+      <a:lnRef idx="0">
+        <a:scrgbClr r="0" g="0" b="0"/>
+      </a:lnRef>
+      <a:fillRef idx="3">
+        <a:scrgbClr r="0" g="0" b="0"/>
+      </a:fillRef>
+      <a:effectRef idx="2">
+        <a:scrgbClr r="0" g="0" b="0"/>
+      </a:effectRef>
+      <a:fontRef idx="minor">
+        <a:schemeClr val="lt1"/>
+      </a:fontRef>
+    </dgm:style>
+  </dgm:styleLbl>
+  <dgm:styleLbl name="node3">
+    <dgm:scene3d>
+      <a:camera prst="orthographicFront"/>
+      <a:lightRig rig="threePt" dir="t"/>
+    </dgm:scene3d>
+    <dgm:sp3d/>
+    <dgm:txPr/>
+    <dgm:style>
+      <a:lnRef idx="0">
+        <a:scrgbClr r="0" g="0" b="0"/>
+      </a:lnRef>
+      <a:fillRef idx="3">
+        <a:scrgbClr r="0" g="0" b="0"/>
+      </a:fillRef>
+      <a:effectRef idx="2">
+        <a:scrgbClr r="0" g="0" b="0"/>
+      </a:effectRef>
+      <a:fontRef idx="minor">
+        <a:schemeClr val="lt1"/>
+      </a:fontRef>
+    </dgm:style>
+  </dgm:styleLbl>
+  <dgm:styleLbl name="node4">
+    <dgm:scene3d>
+      <a:camera prst="orthographicFront"/>
+      <a:lightRig rig="threePt" dir="t"/>
+    </dgm:scene3d>
+    <dgm:sp3d/>
+    <dgm:txPr/>
+    <dgm:style>
+      <a:lnRef idx="0">
+        <a:scrgbClr r="0" g="0" b="0"/>
+      </a:lnRef>
+      <a:fillRef idx="3">
+        <a:scrgbClr r="0" g="0" b="0"/>
+      </a:fillRef>
+      <a:effectRef idx="2">
+        <a:scrgbClr r="0" g="0" b="0"/>
+      </a:effectRef>
+      <a:fontRef idx="minor">
+        <a:schemeClr val="lt1"/>
+      </a:fontRef>
+    </dgm:style>
+  </dgm:styleLbl>
+  <dgm:styleLbl name="fgImgPlace1">
+    <dgm:scene3d>
+      <a:camera prst="orthographicFront"/>
+      <a:lightRig rig="threePt" dir="t"/>
+    </dgm:scene3d>
+    <dgm:sp3d/>
+    <dgm:txPr/>
+    <dgm:style>
+      <a:lnRef idx="0">
+        <a:scrgbClr r="0" g="0" b="0"/>
+      </a:lnRef>
+      <a:fillRef idx="1">
+        <a:scrgbClr r="0" g="0" b="0"/>
+      </a:fillRef>
+      <a:effectRef idx="2">
+        <a:scrgbClr r="0" g="0" b="0"/>
+      </a:effectRef>
+      <a:fontRef idx="minor"/>
+    </dgm:style>
+  </dgm:styleLbl>
+  <dgm:styleLbl name="alignImgPlace1">
+    <dgm:scene3d>
+      <a:camera prst="orthographicFront"/>
+      <a:lightRig rig="threePt" dir="t"/>
+    </dgm:scene3d>
+    <dgm:sp3d/>
+    <dgm:txPr/>
+    <dgm:style>
+      <a:lnRef idx="0">
+        <a:scrgbClr r="0" g="0" b="0"/>
+      </a:lnRef>
+      <a:fillRef idx="1">
+        <a:scrgbClr r="0" g="0" b="0"/>
+      </a:fillRef>
+      <a:effectRef idx="2">
+        <a:scrgbClr r="0" g="0" b="0"/>
+      </a:effectRef>
+      <a:fontRef idx="minor"/>
+    </dgm:style>
+  </dgm:styleLbl>
+  <dgm:styleLbl name="bgImgPlace1">
+    <dgm:scene3d>
+      <a:camera prst="orthographicFront"/>
+      <a:lightRig rig="threePt" dir="t"/>
+    </dgm:scene3d>
+    <dgm:sp3d/>
+    <dgm:txPr/>
+    <dgm:style>
+      <a:lnRef idx="0">
+        <a:scrgbClr r="0" g="0" b="0"/>
+      </a:lnRef>
+      <a:fillRef idx="1">
+        <a:scrgbClr r="0" g="0" b="0"/>
+      </a:fillRef>
+      <a:effectRef idx="2">
+        <a:scrgbClr r="0" g="0" b="0"/>
+      </a:effectRef>
+      <a:fontRef idx="minor"/>
+    </dgm:style>
+  </dgm:styleLbl>
+  <dgm:styleLbl name="sibTrans2D1">
+    <dgm:scene3d>
+      <a:camera prst="orthographicFront"/>
+      <a:lightRig rig="threePt" dir="t"/>
+    </dgm:scene3d>
+    <dgm:sp3d/>
+    <dgm:txPr/>
+    <dgm:style>
+      <a:lnRef idx="0">
+        <a:scrgbClr r="0" g="0" b="0"/>
+      </a:lnRef>
+      <a:fillRef idx="3">
+        <a:scrgbClr r="0" g="0" b="0"/>
+      </a:fillRef>
+      <a:effectRef idx="2">
+        <a:scrgbClr r="0" g="0" b="0"/>
+      </a:effectRef>
+      <a:fontRef idx="minor">
+        <a:schemeClr val="lt1"/>
+      </a:fontRef>
+    </dgm:style>
+  </dgm:styleLbl>
+  <dgm:styleLbl name="fgSibTrans2D1">
+    <dgm:scene3d>
+      <a:camera prst="orthographicFront"/>
+      <a:lightRig rig="threePt" dir="t"/>
+    </dgm:scene3d>
+    <dgm:sp3d/>
+    <dgm:txPr/>
+    <dgm:style>
+      <a:lnRef idx="0">
+        <a:scrgbClr r="0" g="0" b="0"/>
+      </a:lnRef>
+      <a:fillRef idx="3">
+        <a:scrgbClr r="0" g="0" b="0"/>
+      </a:fillRef>
+      <a:effectRef idx="2">
+        <a:scrgbClr r="0" g="0" b="0"/>
+      </a:effectRef>
+      <a:fontRef idx="minor">
+        <a:schemeClr val="lt1"/>
+      </a:fontRef>
+    </dgm:style>
+  </dgm:styleLbl>
+  <dgm:styleLbl name="bgSibTrans2D1">
+    <dgm:scene3d>
+      <a:camera prst="orthographicFront"/>
+      <a:lightRig rig="threePt" dir="t"/>
+    </dgm:scene3d>
+    <dgm:sp3d/>
+    <dgm:txPr/>
+    <dgm:style>
+      <a:lnRef idx="0">
+        <a:scrgbClr r="0" g="0" b="0"/>
+      </a:lnRef>
+      <a:fillRef idx="3">
+        <a:scrgbClr r="0" g="0" b="0"/>
+      </a:fillRef>
+      <a:effectRef idx="2">
+        <a:scrgbClr r="0" g="0" b="0"/>
+      </a:effectRef>
+      <a:fontRef idx="minor">
+        <a:schemeClr val="lt1"/>
+      </a:fontRef>
+    </dgm:style>
+  </dgm:styleLbl>
+  <dgm:styleLbl name="sibTrans1D1">
+    <dgm:scene3d>
+      <a:camera prst="orthographicFront"/>
+      <a:lightRig rig="threePt" dir="t"/>
+    </dgm:scene3d>
+    <dgm:sp3d/>
+    <dgm:txPr/>
+    <dgm:style>
+      <a:lnRef idx="1">
+        <a:scrgbClr r="0" g="0" b="0"/>
+      </a:lnRef>
+      <a:fillRef idx="0">
+        <a:scrgbClr r="0" g="0" b="0"/>
+      </a:fillRef>
+      <a:effectRef idx="0">
+        <a:scrgbClr r="0" g="0" b="0"/>
+      </a:effectRef>
+      <a:fontRef idx="minor"/>
+    </dgm:style>
+  </dgm:styleLbl>
+  <dgm:styleLbl name="callout">
+    <dgm:scene3d>
+      <a:camera prst="orthographicFront"/>
+      <a:lightRig rig="threePt" dir="t"/>
+    </dgm:scene3d>
+    <dgm:sp3d/>
+    <dgm:txPr/>
+    <dgm:style>
+      <a:lnRef idx="2">
+        <a:scrgbClr r="0" g="0" b="0"/>
+      </a:lnRef>
+      <a:fillRef idx="1">
+        <a:scrgbClr r="0" g="0" b="0"/>
+      </a:fillRef>
+      <a:effectRef idx="1">
+        <a:scrgbClr r="0" g="0" b="0"/>
+      </a:effectRef>
+      <a:fontRef idx="minor"/>
+    </dgm:style>
+  </dgm:styleLbl>
+  <dgm:styleLbl name="asst0">
+    <dgm:scene3d>
+      <a:camera prst="orthographicFront"/>
+      <a:lightRig rig="threePt" dir="t"/>
+    </dgm:scene3d>
+    <dgm:sp3d/>
+    <dgm:txPr/>
+    <dgm:style>
+      <a:lnRef idx="0">
+        <a:scrgbClr r="0" g="0" b="0"/>
+      </a:lnRef>
+      <a:fillRef idx="3">
+        <a:scrgbClr r="0" g="0" b="0"/>
+      </a:fillRef>
+      <a:effectRef idx="2">
+        <a:scrgbClr r="0" g="0" b="0"/>
+      </a:effectRef>
+      <a:fontRef idx="minor">
+        <a:schemeClr val="lt1"/>
+      </a:fontRef>
+    </dgm:style>
+  </dgm:styleLbl>
+  <dgm:styleLbl name="asst1">
+    <dgm:scene3d>
+      <a:camera prst="orthographicFront"/>
+      <a:lightRig rig="threePt" dir="t"/>
+    </dgm:scene3d>
+    <dgm:sp3d/>
+    <dgm:txPr/>
+    <dgm:style>
+      <a:lnRef idx="0">
+        <a:scrgbClr r="0" g="0" b="0"/>
+      </a:lnRef>
+      <a:fillRef idx="3">
+        <a:scrgbClr r="0" g="0" b="0"/>
+      </a:fillRef>
+      <a:effectRef idx="2">
+        <a:scrgbClr r="0" g="0" b="0"/>
+      </a:effectRef>
+      <a:fontRef idx="minor">
+        <a:schemeClr val="lt1"/>
+      </a:fontRef>
+    </dgm:style>
+  </dgm:styleLbl>
+  <dgm:styleLbl name="asst2">
+    <dgm:scene3d>
+      <a:camera prst="orthographicFront"/>
+      <a:lightRig rig="threePt" dir="t"/>
+    </dgm:scene3d>
+    <dgm:sp3d/>
+    <dgm:txPr/>
+    <dgm:style>
+      <a:lnRef idx="0">
+        <a:scrgbClr r="0" g="0" b="0"/>
+      </a:lnRef>
+      <a:fillRef idx="3">
+        <a:scrgbClr r="0" g="0" b="0"/>
+      </a:fillRef>
+      <a:effectRef idx="2">
+        <a:scrgbClr r="0" g="0" b="0"/>
+      </a:effectRef>
+      <a:fontRef idx="minor">
+        <a:schemeClr val="lt1"/>
+      </a:fontRef>
+    </dgm:style>
+  </dgm:styleLbl>
+  <dgm:styleLbl name="asst3">
+    <dgm:scene3d>
+      <a:camera prst="orthographicFront"/>
+      <a:lightRig rig="threePt" dir="t"/>
+    </dgm:scene3d>
+    <dgm:sp3d/>
+    <dgm:txPr/>
+    <dgm:style>
+      <a:lnRef idx="0">
+        <a:scrgbClr r="0" g="0" b="0"/>
+      </a:lnRef>
+      <a:fillRef idx="3">
+        <a:scrgbClr r="0" g="0" b="0"/>
+      </a:fillRef>
+      <a:effectRef idx="2">
+        <a:scrgbClr r="0" g="0" b="0"/>
+      </a:effectRef>
+      <a:fontRef idx="minor">
+        <a:schemeClr val="lt1"/>
+      </a:fontRef>
+    </dgm:style>
+  </dgm:styleLbl>
+  <dgm:styleLbl name="asst4">
+    <dgm:scene3d>
+      <a:camera prst="orthographicFront"/>
+      <a:lightRig rig="threePt" dir="t"/>
+    </dgm:scene3d>
+    <dgm:sp3d/>
+    <dgm:txPr/>
+    <dgm:style>
+      <a:lnRef idx="0">
+        <a:scrgbClr r="0" g="0" b="0"/>
+      </a:lnRef>
+      <a:fillRef idx="3">
+        <a:scrgbClr r="0" g="0" b="0"/>
+      </a:fillRef>
+      <a:effectRef idx="2">
+        <a:scrgbClr r="0" g="0" b="0"/>
+      </a:effectRef>
+      <a:fontRef idx="minor">
+        <a:schemeClr val="lt1"/>
+      </a:fontRef>
+    </dgm:style>
+  </dgm:styleLbl>
+  <dgm:styleLbl name="parChTrans2D1">
+    <dgm:scene3d>
+      <a:camera prst="orthographicFront"/>
+      <a:lightRig rig="threePt" dir="t"/>
+    </dgm:scene3d>
+    <dgm:sp3d/>
+    <dgm:txPr/>
+    <dgm:style>
+      <a:lnRef idx="0">
+        <a:scrgbClr r="0" g="0" b="0"/>
+      </a:lnRef>
+      <a:fillRef idx="3">
+        <a:scrgbClr r="0" g="0" b="0"/>
+      </a:fillRef>
+      <a:effectRef idx="2">
+        <a:scrgbClr r="0" g="0" b="0"/>
+      </a:effectRef>
+      <a:fontRef idx="minor">
+        <a:schemeClr val="lt1"/>
+      </a:fontRef>
+    </dgm:style>
+  </dgm:styleLbl>
+  <dgm:styleLbl name="parChTrans2D2">
+    <dgm:scene3d>
+      <a:camera prst="orthographicFront"/>
+      <a:lightRig rig="threePt" dir="t"/>
+    </dgm:scene3d>
+    <dgm:sp3d/>
+    <dgm:txPr/>
+    <dgm:style>
+      <a:lnRef idx="0">
+        <a:scrgbClr r="0" g="0" b="0"/>
+      </a:lnRef>
+      <a:fillRef idx="3">
+        <a:scrgbClr r="0" g="0" b="0"/>
+      </a:fillRef>
+      <a:effectRef idx="2">
+        <a:scrgbClr r="0" g="0" b="0"/>
+      </a:effectRef>
+      <a:fontRef idx="minor">
+        <a:schemeClr val="lt1"/>
+      </a:fontRef>
+    </dgm:style>
+  </dgm:styleLbl>
+  <dgm:styleLbl name="parChTrans2D3">
+    <dgm:scene3d>
+      <a:camera prst="orthographicFront"/>
+      <a:lightRig rig="threePt" dir="t"/>
+    </dgm:scene3d>
+    <dgm:sp3d/>
+    <dgm:txPr/>
+    <dgm:style>
+      <a:lnRef idx="1">
+        <a:scrgbClr r="0" g="0" b="0"/>
+      </a:lnRef>
+      <a:fillRef idx="3">
+        <a:scrgbClr r="0" g="0" b="0"/>
+      </a:fillRef>
+      <a:effectRef idx="2">
+        <a:scrgbClr r="0" g="0" b="0"/>
+      </a:effectRef>
+      <a:fontRef idx="minor">
+        <a:schemeClr val="lt1"/>
+      </a:fontRef>
+    </dgm:style>
+  </dgm:styleLbl>
+  <dgm:styleLbl name="parChTrans2D4">
+    <dgm:scene3d>
+      <a:camera prst="orthographicFront"/>
+      <a:lightRig rig="threePt" dir="t"/>
+    </dgm:scene3d>
+    <dgm:sp3d/>
+    <dgm:txPr/>
+    <dgm:style>
+      <a:lnRef idx="1">
+        <a:scrgbClr r="0" g="0" b="0"/>
+      </a:lnRef>
+      <a:fillRef idx="3">
+        <a:scrgbClr r="0" g="0" b="0"/>
+      </a:fillRef>
+      <a:effectRef idx="2">
+        <a:scrgbClr r="0" g="0" b="0"/>
+      </a:effectRef>
+      <a:fontRef idx="minor">
+        <a:schemeClr val="lt1"/>
+      </a:fontRef>
+    </dgm:style>
+  </dgm:styleLbl>
+  <dgm:styleLbl name="parChTrans1D1">
+    <dgm:scene3d>
+      <a:camera prst="orthographicFront"/>
+      <a:lightRig rig="threePt" dir="t"/>
+    </dgm:scene3d>
+    <dgm:sp3d/>
+    <dgm:txPr/>
+    <dgm:style>
+      <a:lnRef idx="1">
+        <a:scrgbClr r="0" g="0" b="0"/>
+      </a:lnRef>
+      <a:fillRef idx="0">
+        <a:scrgbClr r="0" g="0" b="0"/>
+      </a:fillRef>
+      <a:effectRef idx="0">
+        <a:scrgbClr r="0" g="0" b="0"/>
+      </a:effectRef>
+      <a:fontRef idx="minor"/>
+    </dgm:style>
+  </dgm:styleLbl>
+  <dgm:styleLbl name="parChTrans1D2">
+    <dgm:scene3d>
+      <a:camera prst="orthographicFront"/>
+      <a:lightRig rig="threePt" dir="t"/>
+    </dgm:scene3d>
+    <dgm:sp3d/>
+    <dgm:txPr/>
+    <dgm:style>
+      <a:lnRef idx="1">
+        <a:scrgbClr r="0" g="0" b="0"/>
+      </a:lnRef>
+      <a:fillRef idx="0">
+        <a:scrgbClr r="0" g="0" b="0"/>
+      </a:fillRef>
+      <a:effectRef idx="0">
+        <a:scrgbClr r="0" g="0" b="0"/>
+      </a:effectRef>
+      <a:fontRef idx="minor"/>
+    </dgm:style>
+  </dgm:styleLbl>
+  <dgm:styleLbl name="parChTrans1D3">
+    <dgm:scene3d>
+      <a:camera prst="orthographicFront"/>
+      <a:lightRig rig="threePt" dir="t"/>
+    </dgm:scene3d>
+    <dgm:sp3d/>
+    <dgm:txPr/>
+    <dgm:style>
+      <a:lnRef idx="1">
+        <a:scrgbClr r="0" g="0" b="0"/>
+      </a:lnRef>
+      <a:fillRef idx="0">
+        <a:scrgbClr r="0" g="0" b="0"/>
+      </a:fillRef>
+      <a:effectRef idx="0">
+        <a:scrgbClr r="0" g="0" b="0"/>
+      </a:effectRef>
+      <a:fontRef idx="minor"/>
+    </dgm:style>
+  </dgm:styleLbl>
+  <dgm:styleLbl name="parChTrans1D4">
+    <dgm:scene3d>
+      <a:camera prst="orthographicFront"/>
+      <a:lightRig rig="threePt" dir="t"/>
+    </dgm:scene3d>
+    <dgm:sp3d/>
+    <dgm:txPr/>
+    <dgm:style>
+      <a:lnRef idx="1">
+        <a:scrgbClr r="0" g="0" b="0"/>
+      </a:lnRef>
+      <a:fillRef idx="0">
+        <a:scrgbClr r="0" g="0" b="0"/>
+      </a:fillRef>
+      <a:effectRef idx="0">
+        <a:scrgbClr r="0" g="0" b="0"/>
+      </a:effectRef>
+      <a:fontRef idx="minor"/>
+    </dgm:style>
+  </dgm:styleLbl>
+  <dgm:styleLbl name="fgAcc1">
+    <dgm:scene3d>
+      <a:camera prst="orthographicFront"/>
+      <a:lightRig rig="threePt" dir="t"/>
+    </dgm:scene3d>
+    <dgm:sp3d/>
+    <dgm:txPr/>
+    <dgm:style>
+      <a:lnRef idx="1">
+        <a:scrgbClr r="0" g="0" b="0"/>
+      </a:lnRef>
+      <a:fillRef idx="1">
+        <a:scrgbClr r="0" g="0" b="0"/>
+      </a:fillRef>
+      <a:effectRef idx="0">
+        <a:scrgbClr r="0" g="0" b="0"/>
+      </a:effectRef>
+      <a:fontRef idx="minor"/>
+    </dgm:style>
+  </dgm:styleLbl>
+  <dgm:styleLbl name="conFgAcc1">
+    <dgm:scene3d>
+      <a:camera prst="orthographicFront"/>
+      <a:lightRig rig="threePt" dir="t"/>
+    </dgm:scene3d>
+    <dgm:sp3d/>
+    <dgm:txPr/>
+    <dgm:style>
+      <a:lnRef idx="1">
+        <a:scrgbClr r="0" g="0" b="0"/>
+      </a:lnRef>
+      <a:fillRef idx="1">
+        <a:scrgbClr r="0" g="0" b="0"/>
+      </a:fillRef>
+      <a:effectRef idx="0">
+        <a:scrgbClr r="0" g="0" b="0"/>
+      </a:effectRef>
+      <a:fontRef idx="minor"/>
+    </dgm:style>
+  </dgm:styleLbl>
+  <dgm:styleLbl name="alignAcc1">
+    <dgm:scene3d>
+      <a:camera prst="orthographicFront"/>
+      <a:lightRig rig="threePt" dir="t"/>
+    </dgm:scene3d>
+    <dgm:sp3d/>
+    <dgm:txPr/>
+    <dgm:style>
+      <a:lnRef idx="1">
+        <a:scrgbClr r="0" g="0" b="0"/>
+      </a:lnRef>
+      <a:fillRef idx="1">
+        <a:scrgbClr r="0" g="0" b="0"/>
+      </a:fillRef>
+      <a:effectRef idx="0">
+        <a:scrgbClr r="0" g="0" b="0"/>
+      </a:effectRef>
+      <a:fontRef idx="minor"/>
+    </dgm:style>
+  </dgm:styleLbl>
+  <dgm:styleLbl name="trAlignAcc1">
+    <dgm:scene3d>
+      <a:camera prst="orthographicFront"/>
+      <a:lightRig rig="threePt" dir="t"/>
+    </dgm:scene3d>
+    <dgm:sp3d/>
+    <dgm:txPr/>
+    <dgm:style>
+      <a:lnRef idx="1">
+        <a:scrgbClr r="0" g="0" b="0"/>
+      </a:lnRef>
+      <a:fillRef idx="1">
+        <a:scrgbClr r="0" g="0" b="0"/>
+      </a:fillRef>
+      <a:effectRef idx="0">
+        <a:scrgbClr r="0" g="0" b="0"/>
+      </a:effectRef>
+      <a:fontRef idx="minor"/>
+    </dgm:style>
+  </dgm:styleLbl>
+  <dgm:styleLbl name="bgAcc1">
+    <dgm:scene3d>
+      <a:camera prst="orthographicFront"/>
+      <a:lightRig rig="threePt" dir="t"/>
+    </dgm:scene3d>
+    <dgm:sp3d/>
+    <dgm:txPr/>
+    <dgm:style>
+      <a:lnRef idx="1">
+        <a:scrgbClr r="0" g="0" b="0"/>
+      </a:lnRef>
+      <a:fillRef idx="1">
+        <a:scrgbClr r="0" g="0" b="0"/>
+      </a:fillRef>
+      <a:effectRef idx="0">
+        <a:scrgbClr r="0" g="0" b="0"/>
+      </a:effectRef>
+      <a:fontRef idx="minor"/>
+    </dgm:style>
+  </dgm:styleLbl>
+  <dgm:styleLbl name="solidFgAcc1">
+    <dgm:scene3d>
+      <a:camera prst="orthographicFront"/>
+      <a:lightRig rig="threePt" dir="t"/>
+    </dgm:scene3d>
+    <dgm:sp3d/>
+    <dgm:txPr/>
+    <dgm:style>
+      <a:lnRef idx="1">
+        <a:scrgbClr r="0" g="0" b="0"/>
+      </a:lnRef>
+      <a:fillRef idx="1">
+        <a:scrgbClr r="0" g="0" b="0"/>
+      </a:fillRef>
+      <a:effectRef idx="0">
+        <a:scrgbClr r="0" g="0" b="0"/>
+      </a:effectRef>
+      <a:fontRef idx="minor"/>
+    </dgm:style>
+  </dgm:styleLbl>
+  <dgm:styleLbl name="solidAlignAcc1">
+    <dgm:scene3d>
+      <a:camera prst="orthographicFront"/>
+      <a:lightRig rig="threePt" dir="t"/>
+    </dgm:scene3d>
+    <dgm:sp3d/>
+    <dgm:txPr/>
+    <dgm:style>
+      <a:lnRef idx="1">
+        <a:scrgbClr r="0" g="0" b="0"/>
+      </a:lnRef>
+      <a:fillRef idx="1">
+        <a:scrgbClr r="0" g="0" b="0"/>
+      </a:fillRef>
+      <a:effectRef idx="0">
+        <a:scrgbClr r="0" g="0" b="0"/>
+      </a:effectRef>
+      <a:fontRef idx="minor"/>
+    </dgm:style>
+  </dgm:styleLbl>
+  <dgm:styleLbl name="solidBgAcc1">
+    <dgm:scene3d>
+      <a:camera prst="orthographicFront"/>
+      <a:lightRig rig="threePt" dir="t"/>
+    </dgm:scene3d>
+    <dgm:sp3d/>
+    <dgm:txPr/>
+    <dgm:style>
+      <a:lnRef idx="1">
+        <a:scrgbClr r="0" g="0" b="0"/>
+      </a:lnRef>
+      <a:fillRef idx="1">
+        <a:scrgbClr r="0" g="0" b="0"/>
+      </a:fillRef>
+      <a:effectRef idx="0">
+        <a:scrgbClr r="0" g="0" b="0"/>
+      </a:effectRef>
+      <a:fontRef idx="minor"/>
+    </dgm:style>
+  </dgm:styleLbl>
+  <dgm:styleLbl name="fgAccFollowNode1">
+    <dgm:scene3d>
+      <a:camera prst="orthographicFront"/>
+      <a:lightRig rig="threePt" dir="t"/>
+    </dgm:scene3d>
+    <dgm:sp3d/>
+    <dgm:txPr/>
+    <dgm:style>
+      <a:lnRef idx="1">
+        <a:scrgbClr r="0" g="0" b="0"/>
+      </a:lnRef>
+      <a:fillRef idx="1">
+        <a:scrgbClr r="0" g="0" b="0"/>
+      </a:fillRef>
+      <a:effectRef idx="0">
+        <a:scrgbClr r="0" g="0" b="0"/>
+      </a:effectRef>
+      <a:fontRef idx="minor"/>
+    </dgm:style>
+  </dgm:styleLbl>
+  <dgm:styleLbl name="alignAccFollowNode1">
+    <dgm:scene3d>
+      <a:camera prst="orthographicFront"/>
+      <a:lightRig rig="threePt" dir="t"/>
+    </dgm:scene3d>
+    <dgm:sp3d/>
+    <dgm:txPr/>
+    <dgm:style>
+      <a:lnRef idx="1">
+        <a:scrgbClr r="0" g="0" b="0"/>
+      </a:lnRef>
+      <a:fillRef idx="1">
+        <a:scrgbClr r="0" g="0" b="0"/>
+      </a:fillRef>
+      <a:effectRef idx="0">
+        <a:scrgbClr r="0" g="0" b="0"/>
+      </a:effectRef>
+      <a:fontRef idx="minor"/>
+    </dgm:style>
+  </dgm:styleLbl>
+  <dgm:styleLbl name="bgAccFollowNode1">
+    <dgm:scene3d>
+      <a:camera prst="orthographicFront"/>
+      <a:lightRig rig="threePt" dir="t"/>
+    </dgm:scene3d>
+    <dgm:sp3d/>
+    <dgm:txPr/>
+    <dgm:style>
+      <a:lnRef idx="1">
+        <a:scrgbClr r="0" g="0" b="0"/>
+      </a:lnRef>
+      <a:fillRef idx="1">
+        <a:scrgbClr r="0" g="0" b="0"/>
+      </a:fillRef>
+      <a:effectRef idx="0">
+        <a:scrgbClr r="0" g="0" b="0"/>
+      </a:effectRef>
+      <a:fontRef idx="minor"/>
+    </dgm:style>
+  </dgm:styleLbl>
+  <dgm:styleLbl name="fgAcc0">
+    <dgm:scene3d>
+      <a:camera prst="orthographicFront"/>
+      <a:lightRig rig="threePt" dir="t"/>
+    </dgm:scene3d>
+    <dgm:sp3d/>
+    <dgm:txPr/>
+    <dgm:style>
+      <a:lnRef idx="1">
+        <a:scrgbClr r="0" g="0" b="0"/>
+      </a:lnRef>
+      <a:fillRef idx="1">
+        <a:scrgbClr r="0" g="0" b="0"/>
+      </a:fillRef>
+      <a:effectRef idx="0">
+        <a:scrgbClr r="0" g="0" b="0"/>
+      </a:effectRef>
+      <a:fontRef idx="minor"/>
+    </dgm:style>
+  </dgm:styleLbl>
+  <dgm:styleLbl name="fgAcc2">
+    <dgm:scene3d>
+      <a:camera prst="orthographicFront"/>
+      <a:lightRig rig="threePt" dir="t"/>
+    </dgm:scene3d>
+    <dgm:sp3d/>
+    <dgm:txPr/>
+    <dgm:style>
+      <a:lnRef idx="1">
+        <a:scrgbClr r="0" g="0" b="0"/>
+      </a:lnRef>
+      <a:fillRef idx="1">
+        <a:scrgbClr r="0" g="0" b="0"/>
+      </a:fillRef>
+      <a:effectRef idx="0">
+        <a:scrgbClr r="0" g="0" b="0"/>
+      </a:effectRef>
+      <a:fontRef idx="minor"/>
+    </dgm:style>
+  </dgm:styleLbl>
+  <dgm:styleLbl name="fgAcc3">
+    <dgm:scene3d>
+      <a:camera prst="orthographicFront"/>
+      <a:lightRig rig="threePt" dir="t"/>
+    </dgm:scene3d>
+    <dgm:sp3d/>
+    <dgm:txPr/>
+    <dgm:style>
+      <a:lnRef idx="1">
+        <a:scrgbClr r="0" g="0" b="0"/>
+      </a:lnRef>
+      <a:fillRef idx="1">
+        <a:scrgbClr r="0" g="0" b="0"/>
+      </a:fillRef>
+      <a:effectRef idx="0">
+        <a:scrgbClr r="0" g="0" b="0"/>
+      </a:effectRef>
+      <a:fontRef idx="minor"/>
+    </dgm:style>
+  </dgm:styleLbl>
+  <dgm:styleLbl name="fgAcc4">
+    <dgm:scene3d>
+      <a:camera prst="orthographicFront"/>
+      <a:lightRig rig="threePt" dir="t"/>
+    </dgm:scene3d>
+    <dgm:sp3d/>
+    <dgm:txPr/>
+    <dgm:style>
+      <a:lnRef idx="1">
+        <a:scrgbClr r="0" g="0" b="0"/>
+      </a:lnRef>
+      <a:fillRef idx="1">
+        <a:scrgbClr r="0" g="0" b="0"/>
+      </a:fillRef>
+      <a:effectRef idx="0">
+        <a:scrgbClr r="0" g="0" b="0"/>
+      </a:effectRef>
+      <a:fontRef idx="minor"/>
+    </dgm:style>
+  </dgm:styleLbl>
+  <dgm:styleLbl name="bgShp">
+    <dgm:scene3d>
+      <a:camera prst="orthographicFront"/>
+      <a:lightRig rig="threePt" dir="t"/>
+    </dgm:scene3d>
+    <dgm:sp3d/>
+    <dgm:txPr/>
+    <dgm:style>
+      <a:lnRef idx="0">
+        <a:scrgbClr r="0" g="0" b="0"/>
+      </a:lnRef>
+      <a:fillRef idx="1">
+        <a:scrgbClr r="0" g="0" b="0"/>
+      </a:fillRef>
+      <a:effectRef idx="2">
+        <a:scrgbClr r="0" g="0" b="0"/>
+      </a:effectRef>
+      <a:fontRef idx="minor"/>
+    </dgm:style>
+  </dgm:styleLbl>
+  <dgm:styleLbl name="dkBgShp">
+    <dgm:scene3d>
+      <a:camera prst="orthographicFront"/>
+      <a:lightRig rig="threePt" dir="t"/>
+    </dgm:scene3d>
+    <dgm:sp3d/>
+    <dgm:txPr/>
+    <dgm:style>
+      <a:lnRef idx="0">
+        <a:scrgbClr r="0" g="0" b="0"/>
+      </a:lnRef>
+      <a:fillRef idx="1">
+        <a:scrgbClr r="0" g="0" b="0"/>
+      </a:fillRef>
+      <a:effectRef idx="2">
+        <a:scrgbClr r="0" g="0" b="0"/>
+      </a:effectRef>
+      <a:fontRef idx="minor"/>
+    </dgm:style>
+  </dgm:styleLbl>
+  <dgm:styleLbl name="trBgShp">
+    <dgm:scene3d>
+      <a:camera prst="orthographicFront"/>
+      <a:lightRig rig="threePt" dir="t"/>
+    </dgm:scene3d>
+    <dgm:sp3d/>
+    <dgm:txPr/>
+    <dgm:style>
+      <a:lnRef idx="0">
+        <a:scrgbClr r="0" g="0" b="0"/>
+      </a:lnRef>
+      <a:fillRef idx="1">
+        <a:scrgbClr r="0" g="0" b="0"/>
+      </a:fillRef>
+      <a:effectRef idx="0">
+        <a:scrgbClr r="0" g="0" b="0"/>
+      </a:effectRef>
+      <a:fontRef idx="minor"/>
+    </dgm:style>
+  </dgm:styleLbl>
+  <dgm:styleLbl name="fgShp">
+    <dgm:scene3d>
+      <a:camera prst="orthographicFront"/>
+      <a:lightRig rig="threePt" dir="t"/>
+    </dgm:scene3d>
+    <dgm:sp3d/>
+    <dgm:txPr/>
+    <dgm:style>
+      <a:lnRef idx="0">
+        <a:scrgbClr r="0" g="0" b="0"/>
+      </a:lnRef>
+      <a:fillRef idx="3">
+        <a:scrgbClr r="0" g="0" b="0"/>
+      </a:fillRef>
+      <a:effectRef idx="2">
+        <a:scrgbClr r="0" g="0" b="0"/>
+      </a:effectRef>
+      <a:fontRef idx="minor"/>
+    </dgm:style>
+  </dgm:styleLbl>
+  <dgm:styleLbl name="revTx">
+    <dgm:scene3d>
+      <a:camera prst="orthographicFront"/>
+      <a:lightRig rig="threePt" dir="t"/>
+    </dgm:scene3d>
+    <dgm:sp3d/>
+    <dgm:txPr/>
+    <dgm:style>
+      <a:lnRef idx="0">
+        <a:scrgbClr r="0" g="0" b="0"/>
+      </a:lnRef>
+      <a:fillRef idx="0">
+        <a:scrgbClr r="0" g="0" b="0"/>
+      </a:fillRef>
+      <a:effectRef idx="0">
+        <a:scrgbClr r="0" g="0" b="0"/>
+      </a:effectRef>
+      <a:fontRef idx="minor"/>
+    </dgm:style>
+  </dgm:styleLbl>
+</dgm:styleDef>
+</file>
+
+<file path=ppt/notesMasters/notesMaster1.xml><?xml version="1.0" encoding="utf-8"?>
+<p:notesMaster xmlns:a="http://schemas.openxmlformats.org/drawingml/2006/main" xmlns:r="http://schemas.openxmlformats.org/officeDocument/2006/relationships" xmlns:p="http://schemas.openxmlformats.org/presentationml/2006/main">
+  <p:cSld>
+    <p:bg>
+      <p:bgRef idx="1001">
+        <a:schemeClr val="bg1"/>
+      </p:bgRef>
+    </p:bg>
+    <p:spTree>
+      <p:nvGrpSpPr>
+        <p:cNvPr id="1" name=""/>
+        <p:cNvGrpSpPr/>
+        <p:nvPr/>
+      </p:nvGrpSpPr>
+      <p:grpSpPr>
+        <a:xfrm>
+          <a:off x="0" y="0"/>
+          <a:ext cx="0" cy="0"/>
+          <a:chOff x="0" y="0"/>
+          <a:chExt cx="0" cy="0"/>
+        </a:xfrm>
+      </p:grpSpPr>
+      <p:sp>
+        <p:nvSpPr>
+          <p:cNvPr id="2" name="Header Placeholder 1"/>
+          <p:cNvSpPr>
+            <a:spLocks noGrp="1"/>
+          </p:cNvSpPr>
+          <p:nvPr>
+            <p:ph type="hdr" sz="quarter"/>
+          </p:nvPr>
+        </p:nvSpPr>
+        <p:spPr>
+          <a:xfrm>
+            <a:off x="0" y="0"/>
+            <a:ext cx="2971800" cy="457200"/>
+          </a:xfrm>
+          <a:prstGeom prst="rect">
+            <a:avLst/>
+          </a:prstGeom>
+        </p:spPr>
+        <p:txBody>
+          <a:bodyPr vert="horz" lIns="91440" tIns="45720" rIns="91440" bIns="45720" rtlCol="0"/>
+          <a:lstStyle>
+            <a:lvl1pPr algn="l">
+              <a:defRPr sz="1200"/>
+            </a:lvl1pPr>
+          </a:lstStyle>
+          <a:p>
+            <a:endParaRPr lang="en-US"/>
+          </a:p>
+        </p:txBody>
+      </p:sp>
+      <p:sp>
+        <p:nvSpPr>
+          <p:cNvPr id="3" name="Date Placeholder 2"/>
+          <p:cNvSpPr>
+            <a:spLocks noGrp="1"/>
+          </p:cNvSpPr>
+          <p:nvPr>
+            <p:ph type="dt" idx="1"/>
+          </p:nvPr>
+        </p:nvSpPr>
+        <p:spPr>
+          <a:xfrm>
+            <a:off x="3884613" y="0"/>
+            <a:ext cx="2971800" cy="457200"/>
+          </a:xfrm>
+          <a:prstGeom prst="rect">
+            <a:avLst/>
+          </a:prstGeom>
+        </p:spPr>
+        <p:txBody>
+          <a:bodyPr vert="horz" lIns="91440" tIns="45720" rIns="91440" bIns="45720" rtlCol="0"/>
+          <a:lstStyle>
+            <a:lvl1pPr algn="r">
+              <a:defRPr sz="1200"/>
+            </a:lvl1pPr>
+          </a:lstStyle>
+          <a:p>
+            <a:fld id="{20314F4A-DE5A-5F4D-86AF-1D5A1B6C1BA3}" type="datetimeFigureOut">
+              <a:rPr lang="en-US" smtClean="0"/>
+              <a:t>5/3/16</a:t>
+            </a:fld>
+            <a:endParaRPr lang="en-US"/>
+          </a:p>
+        </p:txBody>
+      </p:sp>
+      <p:sp>
+        <p:nvSpPr>
+          <p:cNvPr id="4" name="Slide Image Placeholder 3"/>
+          <p:cNvSpPr>
+            <a:spLocks noGrp="1" noRot="1" noChangeAspect="1"/>
+          </p:cNvSpPr>
+          <p:nvPr>
+            <p:ph type="sldImg" idx="2"/>
+          </p:nvPr>
+        </p:nvSpPr>
+        <p:spPr>
+          <a:xfrm>
+            <a:off x="1143000" y="685800"/>
+            <a:ext cx="4572000" cy="3429000"/>
+          </a:xfrm>
+          <a:prstGeom prst="rect">
+            <a:avLst/>
+          </a:prstGeom>
+          <a:noFill/>
+          <a:ln w="12700">
+            <a:solidFill>
+              <a:prstClr val="black"/>
+            </a:solidFill>
+          </a:ln>
+        </p:spPr>
+        <p:txBody>
+          <a:bodyPr vert="horz" lIns="91440" tIns="45720" rIns="91440" bIns="45720" rtlCol="0" anchor="ctr"/>
+          <a:lstStyle/>
+          <a:p>
+            <a:endParaRPr lang="en-US"/>
+          </a:p>
+        </p:txBody>
+      </p:sp>
+      <p:sp>
+        <p:nvSpPr>
+          <p:cNvPr id="5" name="Notes Placeholder 4"/>
+          <p:cNvSpPr>
+            <a:spLocks noGrp="1"/>
+          </p:cNvSpPr>
+          <p:nvPr>
+            <p:ph type="body" sz="quarter" idx="3"/>
+          </p:nvPr>
+        </p:nvSpPr>
+        <p:spPr>
+          <a:xfrm>
+            <a:off x="685800" y="4343400"/>
+            <a:ext cx="5486400" cy="4114800"/>
+          </a:xfrm>
+          <a:prstGeom prst="rect">
+            <a:avLst/>
+          </a:prstGeom>
+        </p:spPr>
+        <p:txBody>
+          <a:bodyPr vert="horz" lIns="91440" tIns="45720" rIns="91440" bIns="45720" rtlCol="0"/>
+          <a:lstStyle/>
+          <a:p>
+            <a:pPr lvl="0"/>
+            <a:r>
+              <a:rPr lang="en-US" smtClean="0"/>
+              <a:t>Click to edit Master text styles</a:t>
+            </a:r>
+          </a:p>
+          <a:p>
+            <a:pPr lvl="1"/>
+            <a:r>
+              <a:rPr lang="en-US" smtClean="0"/>
+              <a:t>Second level</a:t>
+            </a:r>
+          </a:p>
+          <a:p>
+            <a:pPr lvl="2"/>
+            <a:r>
+              <a:rPr lang="en-US" smtClean="0"/>
+              <a:t>Third level</a:t>
+            </a:r>
+          </a:p>
+          <a:p>
+            <a:pPr lvl="3"/>
+            <a:r>
+              <a:rPr lang="en-US" smtClean="0"/>
+              <a:t>Fourth level</a:t>
+            </a:r>
+          </a:p>
+          <a:p>
+            <a:pPr lvl="4"/>
+            <a:r>
+              <a:rPr lang="en-US" smtClean="0"/>
+              <a:t>Fifth level</a:t>
+            </a:r>
+            <a:endParaRPr lang="en-US"/>
+          </a:p>
+        </p:txBody>
+      </p:sp>
+      <p:sp>
+        <p:nvSpPr>
+          <p:cNvPr id="6" name="Footer Placeholder 5"/>
+          <p:cNvSpPr>
+            <a:spLocks noGrp="1"/>
+          </p:cNvSpPr>
+          <p:nvPr>
+            <p:ph type="ftr" sz="quarter" idx="4"/>
+          </p:nvPr>
+        </p:nvSpPr>
+        <p:spPr>
+          <a:xfrm>
+            <a:off x="0" y="8685213"/>
+            <a:ext cx="2971800" cy="457200"/>
+          </a:xfrm>
+          <a:prstGeom prst="rect">
+            <a:avLst/>
+          </a:prstGeom>
+        </p:spPr>
+        <p:txBody>
+          <a:bodyPr vert="horz" lIns="91440" tIns="45720" rIns="91440" bIns="45720" rtlCol="0" anchor="b"/>
+          <a:lstStyle>
+            <a:lvl1pPr algn="l">
+              <a:defRPr sz="1200"/>
+            </a:lvl1pPr>
+          </a:lstStyle>
+          <a:p>
+            <a:endParaRPr lang="en-US"/>
+          </a:p>
+        </p:txBody>
+      </p:sp>
+      <p:sp>
+        <p:nvSpPr>
+          <p:cNvPr id="7" name="Slide Number Placeholder 6"/>
+          <p:cNvSpPr>
+            <a:spLocks noGrp="1"/>
+          </p:cNvSpPr>
+          <p:nvPr>
+            <p:ph type="sldNum" sz="quarter" idx="5"/>
+          </p:nvPr>
+        </p:nvSpPr>
+        <p:spPr>
+          <a:xfrm>
+            <a:off x="3884613" y="8685213"/>
+            <a:ext cx="2971800" cy="457200"/>
+          </a:xfrm>
+          <a:prstGeom prst="rect">
+            <a:avLst/>
+          </a:prstGeom>
+        </p:spPr>
+        <p:txBody>
+          <a:bodyPr vert="horz" lIns="91440" tIns="45720" rIns="91440" bIns="45720" rtlCol="0" anchor="b"/>
+          <a:lstStyle>
+            <a:lvl1pPr algn="r">
+              <a:defRPr sz="1200"/>
+            </a:lvl1pPr>
+          </a:lstStyle>
+          <a:p>
+            <a:fld id="{FF8EFE7A-F764-6C47-B644-A3645F569A8C}" type="slidenum">
+              <a:rPr lang="en-US" smtClean="0"/>
+              <a:t>‹#›</a:t>
+            </a:fld>
+            <a:endParaRPr lang="en-US"/>
+          </a:p>
+        </p:txBody>
+      </p:sp>
+    </p:spTree>
+    <p:extLst>
+      <p:ext uri="{BB962C8B-B14F-4D97-AF65-F5344CB8AC3E}">
+        <p14:creationId xmlns:p14="http://schemas.microsoft.com/office/powerpoint/2010/main" val="3710355803"/>
+      </p:ext>
+    </p:extLst>
+  </p:cSld>
+  <p:clrMap bg1="lt1" tx1="dk1" bg2="lt2" tx2="dk2" accent1="accent1" accent2="accent2" accent3="accent3" accent4="accent4" accent5="accent5" accent6="accent6" hlink="hlink" folHlink="folHlink"/>
+  <p:notesStyle>
+    <a:lvl1pPr marL="0" algn="l" defTabSz="457200" rtl="0" eaLnBrk="1" latinLnBrk="0" hangingPunct="1">
+      <a:defRPr sz="1200" kern="1200">
+        <a:solidFill>
+          <a:schemeClr val="tx1"/>
+        </a:solidFill>
+        <a:latin typeface="+mn-lt"/>
+        <a:ea typeface="+mn-ea"/>
+        <a:cs typeface="+mn-cs"/>
+      </a:defRPr>
+    </a:lvl1pPr>
+    <a:lvl2pPr marL="457200" algn="l" defTabSz="457200" rtl="0" eaLnBrk="1" latinLnBrk="0" hangingPunct="1">
+      <a:defRPr sz="1200" kern="1200">
+        <a:solidFill>
+          <a:schemeClr val="tx1"/>
+        </a:solidFill>
+        <a:latin typeface="+mn-lt"/>
+        <a:ea typeface="+mn-ea"/>
+        <a:cs typeface="+mn-cs"/>
+      </a:defRPr>
+    </a:lvl2pPr>
+    <a:lvl3pPr marL="914400" algn="l" defTabSz="457200" rtl="0" eaLnBrk="1" latinLnBrk="0" hangingPunct="1">
+      <a:defRPr sz="1200" kern="1200">
+        <a:solidFill>
+          <a:schemeClr val="tx1"/>
+        </a:solidFill>
+        <a:latin typeface="+mn-lt"/>
+        <a:ea typeface="+mn-ea"/>
+        <a:cs typeface="+mn-cs"/>
+      </a:defRPr>
+    </a:lvl3pPr>
+    <a:lvl4pPr marL="1371600" algn="l" defTabSz="457200" rtl="0" eaLnBrk="1" latinLnBrk="0" hangingPunct="1">
+      <a:defRPr sz="1200" kern="1200">
+        <a:solidFill>
+          <a:schemeClr val="tx1"/>
+        </a:solidFill>
+        <a:latin typeface="+mn-lt"/>
+        <a:ea typeface="+mn-ea"/>
+        <a:cs typeface="+mn-cs"/>
+      </a:defRPr>
+    </a:lvl4pPr>
+    <a:lvl5pPr marL="1828800" algn="l" defTabSz="457200" rtl="0" eaLnBrk="1" latinLnBrk="0" hangingPunct="1">
+      <a:defRPr sz="1200" kern="1200">
+        <a:solidFill>
+          <a:schemeClr val="tx1"/>
+        </a:solidFill>
+        <a:latin typeface="+mn-lt"/>
+        <a:ea typeface="+mn-ea"/>
+        <a:cs typeface="+mn-cs"/>
+      </a:defRPr>
+    </a:lvl5pPr>
+    <a:lvl6pPr marL="2286000" algn="l" defTabSz="457200" rtl="0" eaLnBrk="1" latinLnBrk="0" hangingPunct="1">
+      <a:defRPr sz="1200" kern="1200">
+        <a:solidFill>
+          <a:schemeClr val="tx1"/>
+        </a:solidFill>
+        <a:latin typeface="+mn-lt"/>
+        <a:ea typeface="+mn-ea"/>
+        <a:cs typeface="+mn-cs"/>
+      </a:defRPr>
+    </a:lvl6pPr>
+    <a:lvl7pPr marL="2743200" algn="l" defTabSz="457200" rtl="0" eaLnBrk="1" latinLnBrk="0" hangingPunct="1">
+      <a:defRPr sz="1200" kern="1200">
+        <a:solidFill>
+          <a:schemeClr val="tx1"/>
+        </a:solidFill>
+        <a:latin typeface="+mn-lt"/>
+        <a:ea typeface="+mn-ea"/>
+        <a:cs typeface="+mn-cs"/>
+      </a:defRPr>
+    </a:lvl7pPr>
+    <a:lvl8pPr marL="3200400" algn="l" defTabSz="457200" rtl="0" eaLnBrk="1" latinLnBrk="0" hangingPunct="1">
+      <a:defRPr sz="1200" kern="1200">
+        <a:solidFill>
+          <a:schemeClr val="tx1"/>
+        </a:solidFill>
+        <a:latin typeface="+mn-lt"/>
+        <a:ea typeface="+mn-ea"/>
+        <a:cs typeface="+mn-cs"/>
+      </a:defRPr>
+    </a:lvl8pPr>
+    <a:lvl9pPr marL="3657600" algn="l" defTabSz="457200" rtl="0" eaLnBrk="1" latinLnBrk="0" hangingPunct="1">
+      <a:defRPr sz="1200" kern="1200">
+        <a:solidFill>
+          <a:schemeClr val="tx1"/>
+        </a:solidFill>
+        <a:latin typeface="+mn-lt"/>
+        <a:ea typeface="+mn-ea"/>
+        <a:cs typeface="+mn-cs"/>
+      </a:defRPr>
+    </a:lvl9pPr>
+  </p:notesStyle>
+</p:notesMaster>
 </file>
 
 <file path=ppt/slideLayouts/slideLayout1.xml><?xml version="1.0" encoding="utf-8"?>
@@ -3892,7 +7815,7 @@
       </p:sp>
       <p:pic>
         <p:nvPicPr>
-          <p:cNvPr id="7" name="Content Placeholder 6" descr="Screen Shot 2016-05-03 at 9.43.48 AM.png"/>
+          <p:cNvPr id="11" name="Content Placeholder 10" descr="Screen Shot 2016-05-03 at 10.41.06 AM.png"/>
           <p:cNvPicPr>
             <a:picLocks noGrp="1" noChangeAspect="1"/>
           </p:cNvPicPr>
@@ -3901,22 +7824,17 @@
           </p:nvPr>
         </p:nvPicPr>
         <p:blipFill rotWithShape="1">
-          <a:blip r:embed="rId2" cstate="print">
+          <a:blip r:embed="rId2">
             <a:extLst>
               <a:ext uri="{28A0092B-C50C-407E-A947-70E740481C1C}">
                 <a14:useLocalDpi xmlns:a14="http://schemas.microsoft.com/office/drawing/2010/main" val="0"/>
               </a:ext>
             </a:extLst>
           </a:blip>
-          <a:srcRect t="1" r="2043" b="-15686"/>
+          <a:srcRect r="15608" b="-19715"/>
           <a:stretch/>
         </p:blipFill>
-        <p:spPr>
-          <a:xfrm>
-            <a:off x="4648200" y="1673352"/>
-            <a:ext cx="4038600" cy="4718304"/>
-          </a:xfrm>
-        </p:spPr>
+        <p:spPr/>
       </p:pic>
     </p:spTree>
     <p:extLst>
@@ -3997,10 +7915,10 @@
               <a:buNone/>
             </a:pPr>
             <a:r>
-              <a:rPr lang="en-US" smtClean="0"/>
+              <a:rPr lang="en-US" dirty="0" smtClean="0"/>
               <a:t>2400 Queries </a:t>
             </a:r>
-            <a:endParaRPr lang="en-US"/>
+            <a:endParaRPr lang="en-US" dirty="0"/>
           </a:p>
         </p:txBody>
       </p:sp>
@@ -4008,6 +7926,267 @@
     <p:extLst>
       <p:ext uri="{BB962C8B-B14F-4D97-AF65-F5344CB8AC3E}">
         <p14:creationId xmlns:p14="http://schemas.microsoft.com/office/powerpoint/2010/main" val="4216553504"/>
+      </p:ext>
+    </p:extLst>
+  </p:cSld>
+  <p:clrMapOvr>
+    <a:masterClrMapping/>
+  </p:clrMapOvr>
+</p:sld>
+</file>
+
+<file path=ppt/slides/slide6.xml><?xml version="1.0" encoding="utf-8"?>
+<p:sld xmlns:a="http://schemas.openxmlformats.org/drawingml/2006/main" xmlns:r="http://schemas.openxmlformats.org/officeDocument/2006/relationships" xmlns:p="http://schemas.openxmlformats.org/presentationml/2006/main">
+  <p:cSld>
+    <p:spTree>
+      <p:nvGrpSpPr>
+        <p:cNvPr id="1" name=""/>
+        <p:cNvGrpSpPr/>
+        <p:nvPr/>
+      </p:nvGrpSpPr>
+      <p:grpSpPr>
+        <a:xfrm>
+          <a:off x="0" y="0"/>
+          <a:ext cx="0" cy="0"/>
+          <a:chOff x="0" y="0"/>
+          <a:chExt cx="0" cy="0"/>
+        </a:xfrm>
+      </p:grpSpPr>
+      <p:sp>
+        <p:nvSpPr>
+          <p:cNvPr id="2" name="Title 1"/>
+          <p:cNvSpPr>
+            <a:spLocks noGrp="1"/>
+          </p:cNvSpPr>
+          <p:nvPr>
+            <p:ph type="title"/>
+          </p:nvPr>
+        </p:nvSpPr>
+        <p:spPr/>
+        <p:txBody>
+          <a:bodyPr/>
+          <a:lstStyle/>
+          <a:p>
+            <a:r>
+              <a:rPr lang="en-US" dirty="0" smtClean="0"/>
+              <a:t>Process</a:t>
+            </a:r>
+            <a:endParaRPr lang="en-US" dirty="0"/>
+          </a:p>
+        </p:txBody>
+      </p:sp>
+      <p:graphicFrame>
+        <p:nvGraphicFramePr>
+          <p:cNvPr id="3" name="Diagram 2"/>
+          <p:cNvGraphicFramePr/>
+          <p:nvPr>
+            <p:extLst>
+              <p:ext uri="{D42A27DB-BD31-4B8C-83A1-F6EECF244321}">
+                <p14:modId xmlns:p14="http://schemas.microsoft.com/office/powerpoint/2010/main" val="2425851994"/>
+              </p:ext>
+            </p:extLst>
+          </p:nvPr>
+        </p:nvGraphicFramePr>
+        <p:xfrm>
+          <a:off x="465714" y="1592362"/>
+          <a:ext cx="7951732" cy="4577803"/>
+        </p:xfrm>
+        <a:graphic>
+          <a:graphicData uri="http://schemas.openxmlformats.org/drawingml/2006/diagram">
+            <dgm:relIds xmlns:dgm="http://schemas.openxmlformats.org/drawingml/2006/diagram" xmlns:r="http://schemas.openxmlformats.org/officeDocument/2006/relationships" r:dm="rId2" r:lo="rId3" r:qs="rId4" r:cs="rId5"/>
+          </a:graphicData>
+        </a:graphic>
+      </p:graphicFrame>
+    </p:spTree>
+    <p:extLst>
+      <p:ext uri="{BB962C8B-B14F-4D97-AF65-F5344CB8AC3E}">
+        <p14:creationId xmlns:p14="http://schemas.microsoft.com/office/powerpoint/2010/main" val="2095355622"/>
+      </p:ext>
+    </p:extLst>
+  </p:cSld>
+  <p:clrMapOvr>
+    <a:masterClrMapping/>
+  </p:clrMapOvr>
+</p:sld>
+</file>
+
+<file path=ppt/slides/slide7.xml><?xml version="1.0" encoding="utf-8"?>
+<p:sld xmlns:a="http://schemas.openxmlformats.org/drawingml/2006/main" xmlns:r="http://schemas.openxmlformats.org/officeDocument/2006/relationships" xmlns:p="http://schemas.openxmlformats.org/presentationml/2006/main">
+  <p:cSld>
+    <p:spTree>
+      <p:nvGrpSpPr>
+        <p:cNvPr id="1" name=""/>
+        <p:cNvGrpSpPr/>
+        <p:nvPr/>
+      </p:nvGrpSpPr>
+      <p:grpSpPr>
+        <a:xfrm>
+          <a:off x="0" y="0"/>
+          <a:ext cx="0" cy="0"/>
+          <a:chOff x="0" y="0"/>
+          <a:chExt cx="0" cy="0"/>
+        </a:xfrm>
+      </p:grpSpPr>
+      <p:sp>
+        <p:nvSpPr>
+          <p:cNvPr id="4" name="Title 3"/>
+          <p:cNvSpPr>
+            <a:spLocks noGrp="1"/>
+          </p:cNvSpPr>
+          <p:nvPr>
+            <p:ph type="title"/>
+          </p:nvPr>
+        </p:nvSpPr>
+        <p:spPr/>
+        <p:txBody>
+          <a:bodyPr/>
+          <a:lstStyle/>
+          <a:p>
+            <a:r>
+              <a:rPr lang="en-US" dirty="0" smtClean="0"/>
+              <a:t>Algorithms</a:t>
+            </a:r>
+            <a:endParaRPr lang="en-US" dirty="0"/>
+          </a:p>
+        </p:txBody>
+      </p:sp>
+      <p:sp>
+        <p:nvSpPr>
+          <p:cNvPr id="5" name="Text Placeholder 4"/>
+          <p:cNvSpPr>
+            <a:spLocks noGrp="1"/>
+          </p:cNvSpPr>
+          <p:nvPr>
+            <p:ph type="body" idx="1"/>
+          </p:nvPr>
+        </p:nvSpPr>
+        <p:spPr/>
+        <p:txBody>
+          <a:bodyPr>
+            <a:normAutofit/>
+          </a:bodyPr>
+          <a:lstStyle/>
+          <a:p>
+            <a:r>
+              <a:rPr lang="en-US" sz="2800" dirty="0" smtClean="0"/>
+              <a:t>Decision Tree</a:t>
+            </a:r>
+            <a:endParaRPr lang="en-US" sz="2800" dirty="0"/>
+          </a:p>
+        </p:txBody>
+      </p:sp>
+      <p:sp>
+        <p:nvSpPr>
+          <p:cNvPr id="6" name="Content Placeholder 5"/>
+          <p:cNvSpPr>
+            <a:spLocks noGrp="1"/>
+          </p:cNvSpPr>
+          <p:nvPr>
+            <p:ph sz="half" idx="2"/>
+          </p:nvPr>
+        </p:nvSpPr>
+        <p:spPr/>
+        <p:txBody>
+          <a:bodyPr/>
+          <a:lstStyle/>
+          <a:p>
+            <a:pPr marL="0" indent="0">
+              <a:buNone/>
+            </a:pPr>
+            <a:r>
+              <a:rPr lang="en-US" dirty="0" err="1" smtClean="0">
+                <a:latin typeface="Andale Mono"/>
+                <a:cs typeface="Andale Mono"/>
+              </a:rPr>
+              <a:t>rpart</a:t>
+            </a:r>
+            <a:r>
+              <a:rPr lang="en-US" smtClean="0"/>
+              <a:t> package</a:t>
+            </a:r>
+            <a:endParaRPr lang="en-US" dirty="0" smtClean="0"/>
+          </a:p>
+        </p:txBody>
+      </p:sp>
+      <p:sp>
+        <p:nvSpPr>
+          <p:cNvPr id="7" name="Text Placeholder 6"/>
+          <p:cNvSpPr>
+            <a:spLocks noGrp="1"/>
+          </p:cNvSpPr>
+          <p:nvPr>
+            <p:ph type="body" sz="quarter" idx="3"/>
+          </p:nvPr>
+        </p:nvSpPr>
+        <p:spPr/>
+        <p:txBody>
+          <a:bodyPr>
+            <a:normAutofit/>
+          </a:bodyPr>
+          <a:lstStyle/>
+          <a:p>
+            <a:r>
+              <a:rPr lang="en-US" sz="2800" dirty="0" smtClean="0"/>
+              <a:t>Neural Network</a:t>
+            </a:r>
+          </a:p>
+        </p:txBody>
+      </p:sp>
+      <p:sp>
+        <p:nvSpPr>
+          <p:cNvPr id="8" name="Content Placeholder 7"/>
+          <p:cNvSpPr>
+            <a:spLocks noGrp="1"/>
+          </p:cNvSpPr>
+          <p:nvPr>
+            <p:ph sz="quarter" idx="4"/>
+          </p:nvPr>
+        </p:nvSpPr>
+        <p:spPr/>
+        <p:txBody>
+          <a:bodyPr/>
+          <a:lstStyle/>
+          <a:p>
+            <a:pPr marL="0" indent="0">
+              <a:buNone/>
+            </a:pPr>
+            <a:r>
+              <a:rPr lang="en-US" dirty="0" err="1" smtClean="0">
+                <a:latin typeface="Andale Mono"/>
+                <a:cs typeface="Andale Mono"/>
+              </a:rPr>
+              <a:t>nnet</a:t>
+            </a:r>
+            <a:r>
+              <a:rPr lang="en-US" dirty="0" smtClean="0"/>
+              <a:t> package </a:t>
+            </a:r>
+          </a:p>
+          <a:p>
+            <a:pPr marL="0" indent="0">
+              <a:buNone/>
+            </a:pPr>
+            <a:r>
+              <a:rPr lang="en-US" dirty="0" smtClean="0"/>
+              <a:t>5-fold Cross Validation</a:t>
+            </a:r>
+          </a:p>
+          <a:p>
+            <a:pPr marL="0" indent="0">
+              <a:buNone/>
+            </a:pPr>
+            <a:r>
+              <a:rPr lang="en-US" dirty="0" smtClean="0"/>
+              <a:t>Runs for 100 iterations (default) or until error is no longer decreasing</a:t>
+            </a:r>
+            <a:endParaRPr lang="en-US" dirty="0"/>
+          </a:p>
+        </p:txBody>
+      </p:sp>
+    </p:spTree>
+    <p:extLst>
+      <p:ext uri="{BB962C8B-B14F-4D97-AF65-F5344CB8AC3E}">
+        <p14:creationId xmlns:p14="http://schemas.microsoft.com/office/powerpoint/2010/main" val="37337337"/>
       </p:ext>
     </p:extLst>
   </p:cSld>
@@ -4303,4 +8482,324 @@
   <a:objectDefaults/>
   <a:extraClrSchemeLst/>
 </a:theme>
+</file>
+
+<file path=ppt/theme/theme2.xml><?xml version="1.0" encoding="utf-8"?>
+<a:theme xmlns:a="http://schemas.openxmlformats.org/drawingml/2006/main" name="Office Theme">
+  <a:themeElements>
+    <a:clrScheme name="Office">
+      <a:dk1>
+        <a:sysClr val="windowText" lastClr="000000"/>
+      </a:dk1>
+      <a:lt1>
+        <a:sysClr val="window" lastClr="FFFFFF"/>
+      </a:lt1>
+      <a:dk2>
+        <a:srgbClr val="1F497D"/>
+      </a:dk2>
+      <a:lt2>
+        <a:srgbClr val="EEECE1"/>
+      </a:lt2>
+      <a:accent1>
+        <a:srgbClr val="4F81BD"/>
+      </a:accent1>
+      <a:accent2>
+        <a:srgbClr val="C0504D"/>
+      </a:accent2>
+      <a:accent3>
+        <a:srgbClr val="9BBB59"/>
+      </a:accent3>
+      <a:accent4>
+        <a:srgbClr val="8064A2"/>
+      </a:accent4>
+      <a:accent5>
+        <a:srgbClr val="4BACC6"/>
+      </a:accent5>
+      <a:accent6>
+        <a:srgbClr val="F79646"/>
+      </a:accent6>
+      <a:hlink>
+        <a:srgbClr val="0000FF"/>
+      </a:hlink>
+      <a:folHlink>
+        <a:srgbClr val="800080"/>
+      </a:folHlink>
+    </a:clrScheme>
+    <a:fontScheme name="Office">
+      <a:majorFont>
+        <a:latin typeface="Calibri"/>
+        <a:ea typeface=""/>
+        <a:cs typeface=""/>
+        <a:font script="Jpan" typeface="ＭＳ Ｐゴシック"/>
+        <a:font script="Hang" typeface="맑은 고딕"/>
+        <a:font script="Hans" typeface="宋体"/>
+        <a:font script="Hant" typeface="新細明體"/>
+        <a:font script="Arab" typeface="Times New Roman"/>
+        <a:font script="Hebr" typeface="Times New Roman"/>
+        <a:font script="Thai" typeface="Angsana New"/>
+        <a:font script="Ethi" typeface="Nyala"/>
+        <a:font script="Beng" typeface="Vrinda"/>
+        <a:font script="Gujr" typeface="Shruti"/>
+        <a:font script="Khmr" typeface="MoolBoran"/>
+        <a:font script="Knda" typeface="Tunga"/>
+        <a:font script="Guru" typeface="Raavi"/>
+        <a:font script="Cans" typeface="Euphemia"/>
+        <a:font script="Cher" typeface="Plantagenet Cherokee"/>
+        <a:font script="Yiii" typeface="Microsoft Yi Baiti"/>
+        <a:font script="Tibt" typeface="Microsoft Himalaya"/>
+        <a:font script="Thaa" typeface="MV Boli"/>
+        <a:font script="Deva" typeface="Mangal"/>
+        <a:font script="Telu" typeface="Gautami"/>
+        <a:font script="Taml" typeface="Latha"/>
+        <a:font script="Syrc" typeface="Estrangelo Edessa"/>
+        <a:font script="Orya" typeface="Kalinga"/>
+        <a:font script="Mlym" typeface="Kartika"/>
+        <a:font script="Laoo" typeface="DokChampa"/>
+        <a:font script="Sinh" typeface="Iskoola Pota"/>
+        <a:font script="Mong" typeface="Mongolian Baiti"/>
+        <a:font script="Viet" typeface="Times New Roman"/>
+        <a:font script="Uigh" typeface="Microsoft Uighur"/>
+        <a:font script="Geor" typeface="Sylfaen"/>
+      </a:majorFont>
+      <a:minorFont>
+        <a:latin typeface="Calibri"/>
+        <a:ea typeface=""/>
+        <a:cs typeface=""/>
+        <a:font script="Jpan" typeface="ＭＳ Ｐゴシック"/>
+        <a:font script="Hang" typeface="맑은 고딕"/>
+        <a:font script="Hans" typeface="宋体"/>
+        <a:font script="Hant" typeface="新細明體"/>
+        <a:font script="Arab" typeface="Arial"/>
+        <a:font script="Hebr" typeface="Arial"/>
+        <a:font script="Thai" typeface="Cordia New"/>
+        <a:font script="Ethi" typeface="Nyala"/>
+        <a:font script="Beng" typeface="Vrinda"/>
+        <a:font script="Gujr" typeface="Shruti"/>
+        <a:font script="Khmr" typeface="DaunPenh"/>
+        <a:font script="Knda" typeface="Tunga"/>
+        <a:font script="Guru" typeface="Raavi"/>
+        <a:font script="Cans" typeface="Euphemia"/>
+        <a:font script="Cher" typeface="Plantagenet Cherokee"/>
+        <a:font script="Yiii" typeface="Microsoft Yi Baiti"/>
+        <a:font script="Tibt" typeface="Microsoft Himalaya"/>
+        <a:font script="Thaa" typeface="MV Boli"/>
+        <a:font script="Deva" typeface="Mangal"/>
+        <a:font script="Telu" typeface="Gautami"/>
+        <a:font script="Taml" typeface="Latha"/>
+        <a:font script="Syrc" typeface="Estrangelo Edessa"/>
+        <a:font script="Orya" typeface="Kalinga"/>
+        <a:font script="Mlym" typeface="Kartika"/>
+        <a:font script="Laoo" typeface="DokChampa"/>
+        <a:font script="Sinh" typeface="Iskoola Pota"/>
+        <a:font script="Mong" typeface="Mongolian Baiti"/>
+        <a:font script="Viet" typeface="Arial"/>
+        <a:font script="Uigh" typeface="Microsoft Uighur"/>
+        <a:font script="Geor" typeface="Sylfaen"/>
+      </a:minorFont>
+    </a:fontScheme>
+    <a:fmtScheme name="Office">
+      <a:fillStyleLst>
+        <a:solidFill>
+          <a:schemeClr val="phClr"/>
+        </a:solidFill>
+        <a:gradFill rotWithShape="1">
+          <a:gsLst>
+            <a:gs pos="0">
+              <a:schemeClr val="phClr">
+                <a:tint val="50000"/>
+                <a:satMod val="300000"/>
+              </a:schemeClr>
+            </a:gs>
+            <a:gs pos="35000">
+              <a:schemeClr val="phClr">
+                <a:tint val="37000"/>
+                <a:satMod val="300000"/>
+              </a:schemeClr>
+            </a:gs>
+            <a:gs pos="100000">
+              <a:schemeClr val="phClr">
+                <a:tint val="15000"/>
+                <a:satMod val="350000"/>
+              </a:schemeClr>
+            </a:gs>
+          </a:gsLst>
+          <a:lin ang="16200000" scaled="1"/>
+        </a:gradFill>
+        <a:gradFill rotWithShape="1">
+          <a:gsLst>
+            <a:gs pos="0">
+              <a:schemeClr val="phClr">
+                <a:tint val="100000"/>
+                <a:shade val="100000"/>
+                <a:satMod val="130000"/>
+              </a:schemeClr>
+            </a:gs>
+            <a:gs pos="100000">
+              <a:schemeClr val="phClr">
+                <a:tint val="50000"/>
+                <a:shade val="100000"/>
+                <a:satMod val="350000"/>
+              </a:schemeClr>
+            </a:gs>
+          </a:gsLst>
+          <a:lin ang="16200000" scaled="0"/>
+        </a:gradFill>
+      </a:fillStyleLst>
+      <a:lnStyleLst>
+        <a:ln w="9525" cap="flat" cmpd="sng" algn="ctr">
+          <a:solidFill>
+            <a:schemeClr val="phClr">
+              <a:shade val="95000"/>
+              <a:satMod val="105000"/>
+            </a:schemeClr>
+          </a:solidFill>
+          <a:prstDash val="solid"/>
+        </a:ln>
+        <a:ln w="25400" cap="flat" cmpd="sng" algn="ctr">
+          <a:solidFill>
+            <a:schemeClr val="phClr"/>
+          </a:solidFill>
+          <a:prstDash val="solid"/>
+        </a:ln>
+        <a:ln w="38100" cap="flat" cmpd="sng" algn="ctr">
+          <a:solidFill>
+            <a:schemeClr val="phClr"/>
+          </a:solidFill>
+          <a:prstDash val="solid"/>
+        </a:ln>
+      </a:lnStyleLst>
+      <a:effectStyleLst>
+        <a:effectStyle>
+          <a:effectLst>
+            <a:outerShdw blurRad="40000" dist="20000" dir="5400000" rotWithShape="0">
+              <a:srgbClr val="000000">
+                <a:alpha val="38000"/>
+              </a:srgbClr>
+            </a:outerShdw>
+          </a:effectLst>
+        </a:effectStyle>
+        <a:effectStyle>
+          <a:effectLst>
+            <a:outerShdw blurRad="40000" dist="23000" dir="5400000" rotWithShape="0">
+              <a:srgbClr val="000000">
+                <a:alpha val="35000"/>
+              </a:srgbClr>
+            </a:outerShdw>
+          </a:effectLst>
+        </a:effectStyle>
+        <a:effectStyle>
+          <a:effectLst>
+            <a:outerShdw blurRad="40000" dist="23000" dir="5400000" rotWithShape="0">
+              <a:srgbClr val="000000">
+                <a:alpha val="35000"/>
+              </a:srgbClr>
+            </a:outerShdw>
+          </a:effectLst>
+          <a:scene3d>
+            <a:camera prst="orthographicFront">
+              <a:rot lat="0" lon="0" rev="0"/>
+            </a:camera>
+            <a:lightRig rig="threePt" dir="t">
+              <a:rot lat="0" lon="0" rev="1200000"/>
+            </a:lightRig>
+          </a:scene3d>
+          <a:sp3d>
+            <a:bevelT w="63500" h="25400"/>
+          </a:sp3d>
+        </a:effectStyle>
+      </a:effectStyleLst>
+      <a:bgFillStyleLst>
+        <a:solidFill>
+          <a:schemeClr val="phClr"/>
+        </a:solidFill>
+        <a:gradFill rotWithShape="1">
+          <a:gsLst>
+            <a:gs pos="0">
+              <a:schemeClr val="phClr">
+                <a:tint val="40000"/>
+                <a:satMod val="350000"/>
+              </a:schemeClr>
+            </a:gs>
+            <a:gs pos="40000">
+              <a:schemeClr val="phClr">
+                <a:tint val="45000"/>
+                <a:shade val="99000"/>
+                <a:satMod val="350000"/>
+              </a:schemeClr>
+            </a:gs>
+            <a:gs pos="100000">
+              <a:schemeClr val="phClr">
+                <a:shade val="20000"/>
+                <a:satMod val="255000"/>
+              </a:schemeClr>
+            </a:gs>
+          </a:gsLst>
+          <a:path path="circle">
+            <a:fillToRect l="50000" t="-80000" r="50000" b="180000"/>
+          </a:path>
+        </a:gradFill>
+        <a:gradFill rotWithShape="1">
+          <a:gsLst>
+            <a:gs pos="0">
+              <a:schemeClr val="phClr">
+                <a:tint val="80000"/>
+                <a:satMod val="300000"/>
+              </a:schemeClr>
+            </a:gs>
+            <a:gs pos="100000">
+              <a:schemeClr val="phClr">
+                <a:shade val="30000"/>
+                <a:satMod val="200000"/>
+              </a:schemeClr>
+            </a:gs>
+          </a:gsLst>
+          <a:path path="circle">
+            <a:fillToRect l="50000" t="50000" r="50000" b="50000"/>
+          </a:path>
+        </a:gradFill>
+      </a:bgFillStyleLst>
+    </a:fmtScheme>
+  </a:themeElements>
+  <a:objectDefaults>
+    <a:spDef>
+      <a:spPr/>
+      <a:bodyPr/>
+      <a:lstStyle/>
+      <a:style>
+        <a:lnRef idx="1">
+          <a:schemeClr val="accent1"/>
+        </a:lnRef>
+        <a:fillRef idx="3">
+          <a:schemeClr val="accent1"/>
+        </a:fillRef>
+        <a:effectRef idx="2">
+          <a:schemeClr val="accent1"/>
+        </a:effectRef>
+        <a:fontRef idx="minor">
+          <a:schemeClr val="lt1"/>
+        </a:fontRef>
+      </a:style>
+    </a:spDef>
+    <a:lnDef>
+      <a:spPr/>
+      <a:bodyPr/>
+      <a:lstStyle/>
+      <a:style>
+        <a:lnRef idx="2">
+          <a:schemeClr val="accent1"/>
+        </a:lnRef>
+        <a:fillRef idx="0">
+          <a:schemeClr val="accent1"/>
+        </a:fillRef>
+        <a:effectRef idx="1">
+          <a:schemeClr val="accent1"/>
+        </a:effectRef>
+        <a:fontRef idx="minor">
+          <a:schemeClr val="tx1"/>
+        </a:fontRef>
+      </a:style>
+    </a:lnDef>
+  </a:objectDefaults>
+  <a:extraClrSchemeLst/>
+</a:theme>
 </file>
--- a/presentation.pptx
+++ b/presentation.pptx
@@ -13,8 +13,8 @@
     <p:sldId id="258" r:id="rId4"/>
     <p:sldId id="259" r:id="rId5"/>
     <p:sldId id="260" r:id="rId6"/>
-    <p:sldId id="262" r:id="rId7"/>
-    <p:sldId id="261" r:id="rId8"/>
+    <p:sldId id="261" r:id="rId7"/>
+    <p:sldId id="262" r:id="rId8"/>
   </p:sldIdLst>
   <p:sldSz cx="9144000" cy="6858000" type="screen4x3"/>
   <p:notesSz cx="6858000" cy="9144000"/>
@@ -123,3565 +123,14 @@
             <p14:sldId id="258"/>
             <p14:sldId id="259"/>
             <p14:sldId id="260"/>
+            <p14:sldId id="261"/>
             <p14:sldId id="262"/>
-            <p14:sldId id="261"/>
           </p14:sldIdLst>
         </p14:section>
       </p14:sectionLst>
     </p:ext>
   </p:extLst>
 </p:presentation>
-</file>
-
-<file path=ppt/diagrams/colors1.xml><?xml version="1.0" encoding="utf-8"?>
-<dgm:colorsDef xmlns:dgm="http://schemas.openxmlformats.org/drawingml/2006/diagram" xmlns:a="http://schemas.openxmlformats.org/drawingml/2006/main" uniqueId="urn:microsoft.com/office/officeart/2005/8/colors/accent1_2">
-  <dgm:title val=""/>
-  <dgm:desc val=""/>
-  <dgm:catLst>
-    <dgm:cat type="accent1" pri="11200"/>
-  </dgm:catLst>
-  <dgm:styleLbl name="node0">
-    <dgm:fillClrLst meth="repeat">
-      <a:schemeClr val="accent1"/>
-    </dgm:fillClrLst>
-    <dgm:linClrLst meth="repeat">
-      <a:schemeClr val="lt1"/>
-    </dgm:linClrLst>
-    <dgm:effectClrLst/>
-    <dgm:txLinClrLst/>
-    <dgm:txFillClrLst/>
-    <dgm:txEffectClrLst/>
-  </dgm:styleLbl>
-  <dgm:styleLbl name="alignNode1">
-    <dgm:fillClrLst meth="repeat">
-      <a:schemeClr val="accent1"/>
-    </dgm:fillClrLst>
-    <dgm:linClrLst meth="repeat">
-      <a:schemeClr val="accent1"/>
-    </dgm:linClrLst>
-    <dgm:effectClrLst/>
-    <dgm:txLinClrLst/>
-    <dgm:txFillClrLst/>
-    <dgm:txEffectClrLst/>
-  </dgm:styleLbl>
-  <dgm:styleLbl name="node1">
-    <dgm:fillClrLst meth="repeat">
-      <a:schemeClr val="accent1"/>
-    </dgm:fillClrLst>
-    <dgm:linClrLst meth="repeat">
-      <a:schemeClr val="lt1"/>
-    </dgm:linClrLst>
-    <dgm:effectClrLst/>
-    <dgm:txLinClrLst/>
-    <dgm:txFillClrLst/>
-    <dgm:txEffectClrLst/>
-  </dgm:styleLbl>
-  <dgm:styleLbl name="lnNode1">
-    <dgm:fillClrLst meth="repeat">
-      <a:schemeClr val="accent1"/>
-    </dgm:fillClrLst>
-    <dgm:linClrLst meth="repeat">
-      <a:schemeClr val="lt1"/>
-    </dgm:linClrLst>
-    <dgm:effectClrLst/>
-    <dgm:txLinClrLst/>
-    <dgm:txFillClrLst/>
-    <dgm:txEffectClrLst/>
-  </dgm:styleLbl>
-  <dgm:styleLbl name="vennNode1">
-    <dgm:fillClrLst meth="repeat">
-      <a:schemeClr val="accent1">
-        <a:alpha val="50000"/>
-      </a:schemeClr>
-    </dgm:fillClrLst>
-    <dgm:linClrLst meth="repeat">
-      <a:schemeClr val="lt1"/>
-    </dgm:linClrLst>
-    <dgm:effectClrLst/>
-    <dgm:txLinClrLst/>
-    <dgm:txFillClrLst/>
-    <dgm:txEffectClrLst/>
-  </dgm:styleLbl>
-  <dgm:styleLbl name="node2">
-    <dgm:fillClrLst meth="repeat">
-      <a:schemeClr val="accent1"/>
-    </dgm:fillClrLst>
-    <dgm:linClrLst meth="repeat">
-      <a:schemeClr val="lt1"/>
-    </dgm:linClrLst>
-    <dgm:effectClrLst/>
-    <dgm:txLinClrLst/>
-    <dgm:txFillClrLst/>
-    <dgm:txEffectClrLst/>
-  </dgm:styleLbl>
-  <dgm:styleLbl name="node3">
-    <dgm:fillClrLst meth="repeat">
-      <a:schemeClr val="accent1"/>
-    </dgm:fillClrLst>
-    <dgm:linClrLst meth="repeat">
-      <a:schemeClr val="lt1"/>
-    </dgm:linClrLst>
-    <dgm:effectClrLst/>
-    <dgm:txLinClrLst/>
-    <dgm:txFillClrLst/>
-    <dgm:txEffectClrLst/>
-  </dgm:styleLbl>
-  <dgm:styleLbl name="node4">
-    <dgm:fillClrLst meth="repeat">
-      <a:schemeClr val="accent1"/>
-    </dgm:fillClrLst>
-    <dgm:linClrLst meth="repeat">
-      <a:schemeClr val="lt1"/>
-    </dgm:linClrLst>
-    <dgm:effectClrLst/>
-    <dgm:txLinClrLst/>
-    <dgm:txFillClrLst/>
-    <dgm:txEffectClrLst/>
-  </dgm:styleLbl>
-  <dgm:styleLbl name="fgImgPlace1">
-    <dgm:fillClrLst meth="repeat">
-      <a:schemeClr val="accent1">
-        <a:tint val="50000"/>
-      </a:schemeClr>
-    </dgm:fillClrLst>
-    <dgm:linClrLst meth="repeat">
-      <a:schemeClr val="lt1"/>
-    </dgm:linClrLst>
-    <dgm:effectClrLst/>
-    <dgm:txLinClrLst/>
-    <dgm:txFillClrLst meth="repeat">
-      <a:schemeClr val="lt1"/>
-    </dgm:txFillClrLst>
-    <dgm:txEffectClrLst/>
-  </dgm:styleLbl>
-  <dgm:styleLbl name="alignImgPlace1">
-    <dgm:fillClrLst meth="repeat">
-      <a:schemeClr val="accent1">
-        <a:tint val="50000"/>
-      </a:schemeClr>
-    </dgm:fillClrLst>
-    <dgm:linClrLst meth="repeat">
-      <a:schemeClr val="lt1"/>
-    </dgm:linClrLst>
-    <dgm:effectClrLst/>
-    <dgm:txLinClrLst/>
-    <dgm:txFillClrLst meth="repeat">
-      <a:schemeClr val="lt1"/>
-    </dgm:txFillClrLst>
-    <dgm:txEffectClrLst/>
-  </dgm:styleLbl>
-  <dgm:styleLbl name="bgImgPlace1">
-    <dgm:fillClrLst meth="repeat">
-      <a:schemeClr val="accent1">
-        <a:tint val="50000"/>
-      </a:schemeClr>
-    </dgm:fillClrLst>
-    <dgm:linClrLst meth="repeat">
-      <a:schemeClr val="lt1"/>
-    </dgm:linClrLst>
-    <dgm:effectClrLst/>
-    <dgm:txLinClrLst/>
-    <dgm:txFillClrLst meth="repeat">
-      <a:schemeClr val="lt1"/>
-    </dgm:txFillClrLst>
-    <dgm:txEffectClrLst/>
-  </dgm:styleLbl>
-  <dgm:styleLbl name="sibTrans2D1">
-    <dgm:fillClrLst meth="repeat">
-      <a:schemeClr val="accent1">
-        <a:tint val="60000"/>
-      </a:schemeClr>
-    </dgm:fillClrLst>
-    <dgm:linClrLst meth="repeat">
-      <a:schemeClr val="accent1">
-        <a:tint val="60000"/>
-      </a:schemeClr>
-    </dgm:linClrLst>
-    <dgm:effectClrLst/>
-    <dgm:txLinClrLst/>
-    <dgm:txFillClrLst/>
-    <dgm:txEffectClrLst/>
-  </dgm:styleLbl>
-  <dgm:styleLbl name="fgSibTrans2D1">
-    <dgm:fillClrLst meth="repeat">
-      <a:schemeClr val="accent1">
-        <a:tint val="60000"/>
-      </a:schemeClr>
-    </dgm:fillClrLst>
-    <dgm:linClrLst meth="repeat">
-      <a:schemeClr val="accent1">
-        <a:tint val="60000"/>
-      </a:schemeClr>
-    </dgm:linClrLst>
-    <dgm:effectClrLst/>
-    <dgm:txLinClrLst/>
-    <dgm:txFillClrLst/>
-    <dgm:txEffectClrLst/>
-  </dgm:styleLbl>
-  <dgm:styleLbl name="bgSibTrans2D1">
-    <dgm:fillClrLst meth="repeat">
-      <a:schemeClr val="accent1">
-        <a:tint val="60000"/>
-      </a:schemeClr>
-    </dgm:fillClrLst>
-    <dgm:linClrLst meth="repeat">
-      <a:schemeClr val="accent1">
-        <a:tint val="60000"/>
-      </a:schemeClr>
-    </dgm:linClrLst>
-    <dgm:effectClrLst/>
-    <dgm:txLinClrLst/>
-    <dgm:txFillClrLst/>
-    <dgm:txEffectClrLst/>
-  </dgm:styleLbl>
-  <dgm:styleLbl name="sibTrans1D1">
-    <dgm:fillClrLst meth="repeat">
-      <a:schemeClr val="accent1"/>
-    </dgm:fillClrLst>
-    <dgm:linClrLst meth="repeat">
-      <a:schemeClr val="accent1"/>
-    </dgm:linClrLst>
-    <dgm:effectClrLst/>
-    <dgm:txLinClrLst/>
-    <dgm:txFillClrLst meth="repeat">
-      <a:schemeClr val="tx1"/>
-    </dgm:txFillClrLst>
-    <dgm:txEffectClrLst/>
-  </dgm:styleLbl>
-  <dgm:styleLbl name="callout">
-    <dgm:fillClrLst meth="repeat">
-      <a:schemeClr val="accent1"/>
-    </dgm:fillClrLst>
-    <dgm:linClrLst meth="repeat">
-      <a:schemeClr val="accent1">
-        <a:tint val="50000"/>
-      </a:schemeClr>
-    </dgm:linClrLst>
-    <dgm:effectClrLst/>
-    <dgm:txLinClrLst/>
-    <dgm:txFillClrLst meth="repeat">
-      <a:schemeClr val="tx1"/>
-    </dgm:txFillClrLst>
-    <dgm:txEffectClrLst/>
-  </dgm:styleLbl>
-  <dgm:styleLbl name="asst0">
-    <dgm:fillClrLst meth="repeat">
-      <a:schemeClr val="accent1"/>
-    </dgm:fillClrLst>
-    <dgm:linClrLst meth="repeat">
-      <a:schemeClr val="lt1"/>
-    </dgm:linClrLst>
-    <dgm:effectClrLst/>
-    <dgm:txLinClrLst/>
-    <dgm:txFillClrLst/>
-    <dgm:txEffectClrLst/>
-  </dgm:styleLbl>
-  <dgm:styleLbl name="asst1">
-    <dgm:fillClrLst meth="repeat">
-      <a:schemeClr val="accent1"/>
-    </dgm:fillClrLst>
-    <dgm:linClrLst meth="repeat">
-      <a:schemeClr val="lt1"/>
-    </dgm:linClrLst>
-    <dgm:effectClrLst/>
-    <dgm:txLinClrLst/>
-    <dgm:txFillClrLst/>
-    <dgm:txEffectClrLst/>
-  </dgm:styleLbl>
-  <dgm:styleLbl name="asst2">
-    <dgm:fillClrLst meth="repeat">
-      <a:schemeClr val="accent1"/>
-    </dgm:fillClrLst>
-    <dgm:linClrLst meth="repeat">
-      <a:schemeClr val="lt1"/>
-    </dgm:linClrLst>
-    <dgm:effectClrLst/>
-    <dgm:txLinClrLst/>
-    <dgm:txFillClrLst/>
-    <dgm:txEffectClrLst/>
-  </dgm:styleLbl>
-  <dgm:styleLbl name="asst3">
-    <dgm:fillClrLst meth="repeat">
-      <a:schemeClr val="accent1"/>
-    </dgm:fillClrLst>
-    <dgm:linClrLst meth="repeat">
-      <a:schemeClr val="lt1"/>
-    </dgm:linClrLst>
-    <dgm:effectClrLst/>
-    <dgm:txLinClrLst/>
-    <dgm:txFillClrLst/>
-    <dgm:txEffectClrLst/>
-  </dgm:styleLbl>
-  <dgm:styleLbl name="asst4">
-    <dgm:fillClrLst meth="repeat">
-      <a:schemeClr val="accent1"/>
-    </dgm:fillClrLst>
-    <dgm:linClrLst meth="repeat">
-      <a:schemeClr val="lt1"/>
-    </dgm:linClrLst>
-    <dgm:effectClrLst/>
-    <dgm:txLinClrLst/>
-    <dgm:txFillClrLst/>
-    <dgm:txEffectClrLst/>
-  </dgm:styleLbl>
-  <dgm:styleLbl name="parChTrans2D1">
-    <dgm:fillClrLst meth="repeat">
-      <a:schemeClr val="accent1">
-        <a:tint val="60000"/>
-      </a:schemeClr>
-    </dgm:fillClrLst>
-    <dgm:linClrLst meth="repeat">
-      <a:schemeClr val="accent1">
-        <a:tint val="60000"/>
-      </a:schemeClr>
-    </dgm:linClrLst>
-    <dgm:effectClrLst/>
-    <dgm:txLinClrLst/>
-    <dgm:txFillClrLst meth="repeat">
-      <a:schemeClr val="lt1"/>
-    </dgm:txFillClrLst>
-    <dgm:txEffectClrLst/>
-  </dgm:styleLbl>
-  <dgm:styleLbl name="parChTrans2D2">
-    <dgm:fillClrLst meth="repeat">
-      <a:schemeClr val="accent1"/>
-    </dgm:fillClrLst>
-    <dgm:linClrLst meth="repeat">
-      <a:schemeClr val="accent1"/>
-    </dgm:linClrLst>
-    <dgm:effectClrLst/>
-    <dgm:txLinClrLst/>
-    <dgm:txFillClrLst meth="repeat">
-      <a:schemeClr val="lt1"/>
-    </dgm:txFillClrLst>
-    <dgm:txEffectClrLst/>
-  </dgm:styleLbl>
-  <dgm:styleLbl name="parChTrans2D3">
-    <dgm:fillClrLst meth="repeat">
-      <a:schemeClr val="accent1"/>
-    </dgm:fillClrLst>
-    <dgm:linClrLst meth="repeat">
-      <a:schemeClr val="accent1"/>
-    </dgm:linClrLst>
-    <dgm:effectClrLst/>
-    <dgm:txLinClrLst/>
-    <dgm:txFillClrLst meth="repeat">
-      <a:schemeClr val="lt1"/>
-    </dgm:txFillClrLst>
-    <dgm:txEffectClrLst/>
-  </dgm:styleLbl>
-  <dgm:styleLbl name="parChTrans2D4">
-    <dgm:fillClrLst meth="repeat">
-      <a:schemeClr val="accent1"/>
-    </dgm:fillClrLst>
-    <dgm:linClrLst meth="repeat">
-      <a:schemeClr val="accent1"/>
-    </dgm:linClrLst>
-    <dgm:effectClrLst/>
-    <dgm:txLinClrLst/>
-    <dgm:txFillClrLst meth="repeat">
-      <a:schemeClr val="lt1"/>
-    </dgm:txFillClrLst>
-    <dgm:txEffectClrLst/>
-  </dgm:styleLbl>
-  <dgm:styleLbl name="parChTrans1D1">
-    <dgm:fillClrLst meth="repeat">
-      <a:schemeClr val="accent1"/>
-    </dgm:fillClrLst>
-    <dgm:linClrLst meth="repeat">
-      <a:schemeClr val="accent1">
-        <a:shade val="60000"/>
-      </a:schemeClr>
-    </dgm:linClrLst>
-    <dgm:effectClrLst/>
-    <dgm:txLinClrLst/>
-    <dgm:txFillClrLst meth="repeat">
-      <a:schemeClr val="tx1"/>
-    </dgm:txFillClrLst>
-    <dgm:txEffectClrLst/>
-  </dgm:styleLbl>
-  <dgm:styleLbl name="parChTrans1D2">
-    <dgm:fillClrLst meth="repeat">
-      <a:schemeClr val="accent1"/>
-    </dgm:fillClrLst>
-    <dgm:linClrLst meth="repeat">
-      <a:schemeClr val="accent1">
-        <a:shade val="60000"/>
-      </a:schemeClr>
-    </dgm:linClrLst>
-    <dgm:effectClrLst/>
-    <dgm:txLinClrLst/>
-    <dgm:txFillClrLst meth="repeat">
-      <a:schemeClr val="tx1"/>
-    </dgm:txFillClrLst>
-    <dgm:txEffectClrLst/>
-  </dgm:styleLbl>
-  <dgm:styleLbl name="parChTrans1D3">
-    <dgm:fillClrLst meth="repeat">
-      <a:schemeClr val="accent1"/>
-    </dgm:fillClrLst>
-    <dgm:linClrLst meth="repeat">
-      <a:schemeClr val="accent1">
-        <a:shade val="80000"/>
-      </a:schemeClr>
-    </dgm:linClrLst>
-    <dgm:effectClrLst/>
-    <dgm:txLinClrLst/>
-    <dgm:txFillClrLst meth="repeat">
-      <a:schemeClr val="tx1"/>
-    </dgm:txFillClrLst>
-    <dgm:txEffectClrLst/>
-  </dgm:styleLbl>
-  <dgm:styleLbl name="parChTrans1D4">
-    <dgm:fillClrLst meth="repeat">
-      <a:schemeClr val="accent1"/>
-    </dgm:fillClrLst>
-    <dgm:linClrLst meth="repeat">
-      <a:schemeClr val="accent1">
-        <a:shade val="80000"/>
-      </a:schemeClr>
-    </dgm:linClrLst>
-    <dgm:effectClrLst/>
-    <dgm:txLinClrLst/>
-    <dgm:txFillClrLst meth="repeat">
-      <a:schemeClr val="tx1"/>
-    </dgm:txFillClrLst>
-    <dgm:txEffectClrLst/>
-  </dgm:styleLbl>
-  <dgm:styleLbl name="fgAcc1">
-    <dgm:fillClrLst meth="repeat">
-      <a:schemeClr val="lt1">
-        <a:alpha val="90000"/>
-      </a:schemeClr>
-    </dgm:fillClrLst>
-    <dgm:linClrLst meth="repeat">
-      <a:schemeClr val="accent1"/>
-    </dgm:linClrLst>
-    <dgm:effectClrLst/>
-    <dgm:txLinClrLst/>
-    <dgm:txFillClrLst meth="repeat">
-      <a:schemeClr val="dk1"/>
-    </dgm:txFillClrLst>
-    <dgm:txEffectClrLst/>
-  </dgm:styleLbl>
-  <dgm:styleLbl name="conFgAcc1">
-    <dgm:fillClrLst meth="repeat">
-      <a:schemeClr val="lt1">
-        <a:alpha val="90000"/>
-      </a:schemeClr>
-    </dgm:fillClrLst>
-    <dgm:linClrLst meth="repeat">
-      <a:schemeClr val="accent1"/>
-    </dgm:linClrLst>
-    <dgm:effectClrLst/>
-    <dgm:txLinClrLst/>
-    <dgm:txFillClrLst meth="repeat">
-      <a:schemeClr val="dk1"/>
-    </dgm:txFillClrLst>
-    <dgm:txEffectClrLst/>
-  </dgm:styleLbl>
-  <dgm:styleLbl name="alignAcc1">
-    <dgm:fillClrLst meth="repeat">
-      <a:schemeClr val="lt1">
-        <a:alpha val="90000"/>
-      </a:schemeClr>
-    </dgm:fillClrLst>
-    <dgm:linClrLst meth="repeat">
-      <a:schemeClr val="accent1"/>
-    </dgm:linClrLst>
-    <dgm:effectClrLst/>
-    <dgm:txLinClrLst/>
-    <dgm:txFillClrLst meth="repeat">
-      <a:schemeClr val="dk1"/>
-    </dgm:txFillClrLst>
-    <dgm:txEffectClrLst/>
-  </dgm:styleLbl>
-  <dgm:styleLbl name="trAlignAcc1">
-    <dgm:fillClrLst meth="repeat">
-      <a:schemeClr val="lt1">
-        <a:alpha val="40000"/>
-      </a:schemeClr>
-    </dgm:fillClrLst>
-    <dgm:linClrLst meth="repeat">
-      <a:schemeClr val="accent1"/>
-    </dgm:linClrLst>
-    <dgm:effectClrLst/>
-    <dgm:txLinClrLst/>
-    <dgm:txFillClrLst meth="repeat">
-      <a:schemeClr val="dk1"/>
-    </dgm:txFillClrLst>
-    <dgm:txEffectClrLst/>
-  </dgm:styleLbl>
-  <dgm:styleLbl name="bgAcc1">
-    <dgm:fillClrLst meth="repeat">
-      <a:schemeClr val="lt1">
-        <a:alpha val="90000"/>
-      </a:schemeClr>
-    </dgm:fillClrLst>
-    <dgm:linClrLst meth="repeat">
-      <a:schemeClr val="accent1"/>
-    </dgm:linClrLst>
-    <dgm:effectClrLst/>
-    <dgm:txLinClrLst/>
-    <dgm:txFillClrLst meth="repeat">
-      <a:schemeClr val="dk1"/>
-    </dgm:txFillClrLst>
-    <dgm:txEffectClrLst/>
-  </dgm:styleLbl>
-  <dgm:styleLbl name="solidFgAcc1">
-    <dgm:fillClrLst meth="repeat">
-      <a:schemeClr val="lt1"/>
-    </dgm:fillClrLst>
-    <dgm:linClrLst meth="repeat">
-      <a:schemeClr val="accent1"/>
-    </dgm:linClrLst>
-    <dgm:effectClrLst/>
-    <dgm:txLinClrLst/>
-    <dgm:txFillClrLst meth="repeat">
-      <a:schemeClr val="dk1"/>
-    </dgm:txFillClrLst>
-    <dgm:txEffectClrLst/>
-  </dgm:styleLbl>
-  <dgm:styleLbl name="solidAlignAcc1">
-    <dgm:fillClrLst meth="repeat">
-      <a:schemeClr val="lt1"/>
-    </dgm:fillClrLst>
-    <dgm:linClrLst meth="repeat">
-      <a:schemeClr val="accent1"/>
-    </dgm:linClrLst>
-    <dgm:effectClrLst/>
-    <dgm:txLinClrLst/>
-    <dgm:txFillClrLst meth="repeat">
-      <a:schemeClr val="dk1"/>
-    </dgm:txFillClrLst>
-    <dgm:txEffectClrLst/>
-  </dgm:styleLbl>
-  <dgm:styleLbl name="solidBgAcc1">
-    <dgm:fillClrLst meth="repeat">
-      <a:schemeClr val="lt1"/>
-    </dgm:fillClrLst>
-    <dgm:linClrLst meth="repeat">
-      <a:schemeClr val="accent1"/>
-    </dgm:linClrLst>
-    <dgm:effectClrLst/>
-    <dgm:txLinClrLst/>
-    <dgm:txFillClrLst meth="repeat">
-      <a:schemeClr val="dk1"/>
-    </dgm:txFillClrLst>
-    <dgm:txEffectClrLst/>
-  </dgm:styleLbl>
-  <dgm:styleLbl name="fgAccFollowNode1">
-    <dgm:fillClrLst meth="repeat">
-      <a:schemeClr val="accent1">
-        <a:alpha val="90000"/>
-        <a:tint val="40000"/>
-      </a:schemeClr>
-    </dgm:fillClrLst>
-    <dgm:linClrLst meth="repeat">
-      <a:schemeClr val="accent1">
-        <a:alpha val="90000"/>
-        <a:tint val="40000"/>
-      </a:schemeClr>
-    </dgm:linClrLst>
-    <dgm:effectClrLst/>
-    <dgm:txLinClrLst/>
-    <dgm:txFillClrLst meth="repeat">
-      <a:schemeClr val="dk1"/>
-    </dgm:txFillClrLst>
-    <dgm:txEffectClrLst/>
-  </dgm:styleLbl>
-  <dgm:styleLbl name="alignAccFollowNode1">
-    <dgm:fillClrLst meth="repeat">
-      <a:schemeClr val="accent1">
-        <a:alpha val="90000"/>
-        <a:tint val="40000"/>
-      </a:schemeClr>
-    </dgm:fillClrLst>
-    <dgm:linClrLst meth="repeat">
-      <a:schemeClr val="accent1">
-        <a:alpha val="90000"/>
-        <a:tint val="40000"/>
-      </a:schemeClr>
-    </dgm:linClrLst>
-    <dgm:effectClrLst/>
-    <dgm:txLinClrLst/>
-    <dgm:txFillClrLst meth="repeat">
-      <a:schemeClr val="dk1"/>
-    </dgm:txFillClrLst>
-    <dgm:txEffectClrLst/>
-  </dgm:styleLbl>
-  <dgm:styleLbl name="bgAccFollowNode1">
-    <dgm:fillClrLst meth="repeat">
-      <a:schemeClr val="accent1">
-        <a:alpha val="90000"/>
-        <a:tint val="40000"/>
-      </a:schemeClr>
-    </dgm:fillClrLst>
-    <dgm:linClrLst meth="repeat">
-      <a:schemeClr val="accent1">
-        <a:alpha val="90000"/>
-        <a:tint val="40000"/>
-      </a:schemeClr>
-    </dgm:linClrLst>
-    <dgm:effectClrLst/>
-    <dgm:txLinClrLst/>
-    <dgm:txFillClrLst meth="repeat">
-      <a:schemeClr val="dk1"/>
-    </dgm:txFillClrLst>
-    <dgm:txEffectClrLst/>
-  </dgm:styleLbl>
-  <dgm:styleLbl name="fgAcc0">
-    <dgm:fillClrLst meth="repeat">
-      <a:schemeClr val="lt1">
-        <a:alpha val="90000"/>
-      </a:schemeClr>
-    </dgm:fillClrLst>
-    <dgm:linClrLst meth="repeat">
-      <a:schemeClr val="accent1"/>
-    </dgm:linClrLst>
-    <dgm:effectClrLst/>
-    <dgm:txLinClrLst/>
-    <dgm:txFillClrLst meth="repeat">
-      <a:schemeClr val="dk1"/>
-    </dgm:txFillClrLst>
-    <dgm:txEffectClrLst/>
-  </dgm:styleLbl>
-  <dgm:styleLbl name="fgAcc2">
-    <dgm:fillClrLst meth="repeat">
-      <a:schemeClr val="lt1">
-        <a:alpha val="90000"/>
-      </a:schemeClr>
-    </dgm:fillClrLst>
-    <dgm:linClrLst meth="repeat">
-      <a:schemeClr val="accent1"/>
-    </dgm:linClrLst>
-    <dgm:effectClrLst/>
-    <dgm:txLinClrLst/>
-    <dgm:txFillClrLst meth="repeat">
-      <a:schemeClr val="dk1"/>
-    </dgm:txFillClrLst>
-    <dgm:txEffectClrLst/>
-  </dgm:styleLbl>
-  <dgm:styleLbl name="fgAcc3">
-    <dgm:fillClrLst meth="repeat">
-      <a:schemeClr val="lt1">
-        <a:alpha val="90000"/>
-      </a:schemeClr>
-    </dgm:fillClrLst>
-    <dgm:linClrLst meth="repeat">
-      <a:schemeClr val="accent1"/>
-    </dgm:linClrLst>
-    <dgm:effectClrLst/>
-    <dgm:txLinClrLst/>
-    <dgm:txFillClrLst meth="repeat">
-      <a:schemeClr val="dk1"/>
-    </dgm:txFillClrLst>
-    <dgm:txEffectClrLst/>
-  </dgm:styleLbl>
-  <dgm:styleLbl name="fgAcc4">
-    <dgm:fillClrLst meth="repeat">
-      <a:schemeClr val="lt1">
-        <a:alpha val="90000"/>
-      </a:schemeClr>
-    </dgm:fillClrLst>
-    <dgm:linClrLst meth="repeat">
-      <a:schemeClr val="accent1"/>
-    </dgm:linClrLst>
-    <dgm:effectClrLst/>
-    <dgm:txLinClrLst/>
-    <dgm:txFillClrLst meth="repeat">
-      <a:schemeClr val="dk1"/>
-    </dgm:txFillClrLst>
-    <dgm:txEffectClrLst/>
-  </dgm:styleLbl>
-  <dgm:styleLbl name="bgShp">
-    <dgm:fillClrLst meth="repeat">
-      <a:schemeClr val="accent1">
-        <a:tint val="40000"/>
-      </a:schemeClr>
-    </dgm:fillClrLst>
-    <dgm:linClrLst meth="repeat">
-      <a:schemeClr val="accent1"/>
-    </dgm:linClrLst>
-    <dgm:effectClrLst/>
-    <dgm:txLinClrLst/>
-    <dgm:txFillClrLst meth="repeat">
-      <a:schemeClr val="dk1"/>
-    </dgm:txFillClrLst>
-    <dgm:txEffectClrLst/>
-  </dgm:styleLbl>
-  <dgm:styleLbl name="dkBgShp">
-    <dgm:fillClrLst meth="repeat">
-      <a:schemeClr val="accent1">
-        <a:shade val="80000"/>
-      </a:schemeClr>
-    </dgm:fillClrLst>
-    <dgm:linClrLst meth="repeat">
-      <a:schemeClr val="accent1"/>
-    </dgm:linClrLst>
-    <dgm:effectClrLst/>
-    <dgm:txLinClrLst/>
-    <dgm:txFillClrLst meth="repeat">
-      <a:schemeClr val="lt1"/>
-    </dgm:txFillClrLst>
-    <dgm:txEffectClrLst/>
-  </dgm:styleLbl>
-  <dgm:styleLbl name="trBgShp">
-    <dgm:fillClrLst meth="repeat">
-      <a:schemeClr val="accent1">
-        <a:tint val="50000"/>
-        <a:alpha val="40000"/>
-      </a:schemeClr>
-    </dgm:fillClrLst>
-    <dgm:linClrLst meth="repeat">
-      <a:schemeClr val="accent1"/>
-    </dgm:linClrLst>
-    <dgm:effectClrLst/>
-    <dgm:txLinClrLst/>
-    <dgm:txFillClrLst meth="repeat">
-      <a:schemeClr val="lt1"/>
-    </dgm:txFillClrLst>
-    <dgm:txEffectClrLst/>
-  </dgm:styleLbl>
-  <dgm:styleLbl name="fgShp">
-    <dgm:fillClrLst meth="repeat">
-      <a:schemeClr val="accent1">
-        <a:tint val="60000"/>
-      </a:schemeClr>
-    </dgm:fillClrLst>
-    <dgm:linClrLst meth="repeat">
-      <a:schemeClr val="lt1"/>
-    </dgm:linClrLst>
-    <dgm:effectClrLst/>
-    <dgm:txLinClrLst/>
-    <dgm:txFillClrLst meth="repeat">
-      <a:schemeClr val="dk1"/>
-    </dgm:txFillClrLst>
-    <dgm:txEffectClrLst/>
-  </dgm:styleLbl>
-  <dgm:styleLbl name="revTx">
-    <dgm:fillClrLst meth="repeat">
-      <a:schemeClr val="lt1">
-        <a:alpha val="0"/>
-      </a:schemeClr>
-    </dgm:fillClrLst>
-    <dgm:linClrLst meth="repeat">
-      <a:schemeClr val="dk1">
-        <a:alpha val="0"/>
-      </a:schemeClr>
-    </dgm:linClrLst>
-    <dgm:effectClrLst/>
-    <dgm:txLinClrLst/>
-    <dgm:txFillClrLst meth="repeat">
-      <a:schemeClr val="tx1"/>
-    </dgm:txFillClrLst>
-    <dgm:txEffectClrLst/>
-  </dgm:styleLbl>
-</dgm:colorsDef>
-</file>
-
-<file path=ppt/diagrams/data1.xml><?xml version="1.0" encoding="utf-8"?>
-<dgm:dataModel xmlns:dgm="http://schemas.openxmlformats.org/drawingml/2006/diagram" xmlns:a="http://schemas.openxmlformats.org/drawingml/2006/main">
-  <dgm:ptLst>
-    <dgm:pt modelId="{E80862A8-5725-4545-9A53-18F239D6ECB8}" type="doc">
-      <dgm:prSet loTypeId="urn:microsoft.com/office/officeart/2005/8/layout/process1" loCatId="" qsTypeId="urn:microsoft.com/office/officeart/2005/8/quickstyle/simple4" qsCatId="simple" csTypeId="urn:microsoft.com/office/officeart/2005/8/colors/accent1_2" csCatId="accent1" phldr="1"/>
-      <dgm:spPr/>
-    </dgm:pt>
-    <dgm:pt modelId="{1021F738-2D94-CE49-BC19-3915CDC16FC9}">
-      <dgm:prSet phldrT="[Text]"/>
-      <dgm:spPr/>
-      <dgm:t>
-        <a:bodyPr/>
-        <a:lstStyle/>
-        <a:p>
-          <a:r>
-            <a:rPr lang="en-US" dirty="0" smtClean="0"/>
-            <a:t>Data</a:t>
-          </a:r>
-          <a:endParaRPr lang="en-US" dirty="0"/>
-        </a:p>
-      </dgm:t>
-    </dgm:pt>
-    <dgm:pt modelId="{3B79E8EC-7304-3643-AD7B-3A27619D26F1}" type="parTrans" cxnId="{3AD8DC70-BB65-1547-B9F7-B3C3F5C024EE}">
-      <dgm:prSet/>
-      <dgm:spPr/>
-      <dgm:t>
-        <a:bodyPr/>
-        <a:lstStyle/>
-        <a:p>
-          <a:endParaRPr lang="en-US"/>
-        </a:p>
-      </dgm:t>
-    </dgm:pt>
-    <dgm:pt modelId="{E278A756-8535-7C4E-96CF-032F38F9B65C}" type="sibTrans" cxnId="{3AD8DC70-BB65-1547-B9F7-B3C3F5C024EE}">
-      <dgm:prSet/>
-      <dgm:spPr/>
-      <dgm:t>
-        <a:bodyPr/>
-        <a:lstStyle/>
-        <a:p>
-          <a:endParaRPr lang="en-US"/>
-        </a:p>
-      </dgm:t>
-    </dgm:pt>
-    <dgm:pt modelId="{0127FBBC-9AAD-B940-9BAD-9EF68D24C42D}">
-      <dgm:prSet phldrT="[Text]"/>
-      <dgm:spPr/>
-      <dgm:t>
-        <a:bodyPr/>
-        <a:lstStyle/>
-        <a:p>
-          <a:r>
-            <a:rPr lang="en-US" dirty="0" smtClean="0"/>
-            <a:t>Preprocessing</a:t>
-          </a:r>
-          <a:endParaRPr lang="en-US" dirty="0"/>
-        </a:p>
-      </dgm:t>
-    </dgm:pt>
-    <dgm:pt modelId="{DA925A7D-FBBE-564E-BB5F-D8CC733C5D9E}" type="parTrans" cxnId="{0A5B69BC-0697-A645-A076-CFDD276A60FD}">
-      <dgm:prSet/>
-      <dgm:spPr/>
-      <dgm:t>
-        <a:bodyPr/>
-        <a:lstStyle/>
-        <a:p>
-          <a:endParaRPr lang="en-US"/>
-        </a:p>
-      </dgm:t>
-    </dgm:pt>
-    <dgm:pt modelId="{CB7255D4-88DF-C94A-96DC-8EC48BD5A9D0}" type="sibTrans" cxnId="{0A5B69BC-0697-A645-A076-CFDD276A60FD}">
-      <dgm:prSet/>
-      <dgm:spPr/>
-      <dgm:t>
-        <a:bodyPr/>
-        <a:lstStyle/>
-        <a:p>
-          <a:endParaRPr lang="en-US"/>
-        </a:p>
-      </dgm:t>
-    </dgm:pt>
-    <dgm:pt modelId="{80C5CA5B-2B3A-EC4D-A3F3-7C28DDF45E3B}">
-      <dgm:prSet phldrT="[Text]"/>
-      <dgm:spPr/>
-      <dgm:t>
-        <a:bodyPr anchor="t"/>
-        <a:lstStyle/>
-        <a:p>
-          <a:pPr algn="ctr"/>
-          <a:r>
-            <a:rPr lang="en-US" dirty="0" smtClean="0"/>
-            <a:t>Multiclass to Binary Classification</a:t>
-          </a:r>
-          <a:endParaRPr lang="en-US" dirty="0"/>
-        </a:p>
-      </dgm:t>
-    </dgm:pt>
-    <dgm:pt modelId="{FCC1ABCA-5240-124D-9446-890BBE5DBE39}" type="parTrans" cxnId="{104E6398-FD07-FC4D-A57F-3E5213B36092}">
-      <dgm:prSet/>
-      <dgm:spPr/>
-      <dgm:t>
-        <a:bodyPr/>
-        <a:lstStyle/>
-        <a:p>
-          <a:endParaRPr lang="en-US"/>
-        </a:p>
-      </dgm:t>
-    </dgm:pt>
-    <dgm:pt modelId="{BD0C3E31-173D-5C4E-9CBA-BD282B0FD062}" type="sibTrans" cxnId="{104E6398-FD07-FC4D-A57F-3E5213B36092}">
-      <dgm:prSet/>
-      <dgm:spPr/>
-      <dgm:t>
-        <a:bodyPr/>
-        <a:lstStyle/>
-        <a:p>
-          <a:endParaRPr lang="en-US"/>
-        </a:p>
-      </dgm:t>
-    </dgm:pt>
-    <dgm:pt modelId="{D0308F77-035C-694C-935E-98623A93ECC0}">
-      <dgm:prSet/>
-      <dgm:spPr>
-        <a:solidFill>
-          <a:schemeClr val="tx2"/>
-        </a:solidFill>
-      </dgm:spPr>
-      <dgm:t>
-        <a:bodyPr/>
-        <a:lstStyle/>
-        <a:p>
-          <a:r>
-            <a:rPr lang="en-US" dirty="0" smtClean="0"/>
-            <a:t>Neural Network</a:t>
-          </a:r>
-          <a:endParaRPr lang="en-US" dirty="0"/>
-        </a:p>
-      </dgm:t>
-    </dgm:pt>
-    <dgm:pt modelId="{8F4FE7C2-1673-144F-952B-C251E4023137}" type="parTrans" cxnId="{A093718D-4582-1F46-A4CE-1C9D23838069}">
-      <dgm:prSet/>
-      <dgm:spPr/>
-      <dgm:t>
-        <a:bodyPr/>
-        <a:lstStyle/>
-        <a:p>
-          <a:endParaRPr lang="en-US"/>
-        </a:p>
-      </dgm:t>
-    </dgm:pt>
-    <dgm:pt modelId="{22EEECD8-F5FC-6745-8C4E-58586965F90E}" type="sibTrans" cxnId="{A093718D-4582-1F46-A4CE-1C9D23838069}">
-      <dgm:prSet/>
-      <dgm:spPr/>
-      <dgm:t>
-        <a:bodyPr/>
-        <a:lstStyle/>
-        <a:p>
-          <a:endParaRPr lang="en-US"/>
-        </a:p>
-      </dgm:t>
-    </dgm:pt>
-    <dgm:pt modelId="{35CB3398-163A-5F43-A0F9-49B1E9372EE4}">
-      <dgm:prSet/>
-      <dgm:spPr>
-        <a:solidFill>
-          <a:schemeClr val="tx2"/>
-        </a:solidFill>
-      </dgm:spPr>
-      <dgm:t>
-        <a:bodyPr/>
-        <a:lstStyle/>
-        <a:p>
-          <a:r>
-            <a:rPr lang="en-US" dirty="0" smtClean="0"/>
-            <a:t>Decision Tree</a:t>
-          </a:r>
-          <a:endParaRPr lang="en-US" dirty="0"/>
-        </a:p>
-      </dgm:t>
-    </dgm:pt>
-    <dgm:pt modelId="{E4262D77-D4FB-4746-8A7E-1517E00306E6}" type="parTrans" cxnId="{722E3179-184D-D646-B78D-15259361ED52}">
-      <dgm:prSet/>
-      <dgm:spPr/>
-      <dgm:t>
-        <a:bodyPr/>
-        <a:lstStyle/>
-        <a:p>
-          <a:endParaRPr lang="en-US"/>
-        </a:p>
-      </dgm:t>
-    </dgm:pt>
-    <dgm:pt modelId="{6D72F878-6B9E-594B-8895-48B551CCE203}" type="sibTrans" cxnId="{722E3179-184D-D646-B78D-15259361ED52}">
-      <dgm:prSet/>
-      <dgm:spPr/>
-      <dgm:t>
-        <a:bodyPr/>
-        <a:lstStyle/>
-        <a:p>
-          <a:endParaRPr lang="en-US"/>
-        </a:p>
-      </dgm:t>
-    </dgm:pt>
-    <dgm:pt modelId="{D98A6B62-39DD-094E-86D8-5A7CEB327F53}">
-      <dgm:prSet/>
-      <dgm:spPr/>
-      <dgm:t>
-        <a:bodyPr/>
-        <a:lstStyle/>
-        <a:p>
-          <a:r>
-            <a:rPr lang="en-US" dirty="0" smtClean="0"/>
-            <a:t>Output</a:t>
-          </a:r>
-          <a:endParaRPr lang="en-US" dirty="0"/>
-        </a:p>
-      </dgm:t>
-    </dgm:pt>
-    <dgm:pt modelId="{F8D36AF6-5A71-B845-9CBE-73FBDE4104F0}" type="parTrans" cxnId="{CAD58B56-B52D-2444-A7FE-ABBDD7AF046B}">
-      <dgm:prSet/>
-      <dgm:spPr/>
-      <dgm:t>
-        <a:bodyPr/>
-        <a:lstStyle/>
-        <a:p>
-          <a:endParaRPr lang="en-US"/>
-        </a:p>
-      </dgm:t>
-    </dgm:pt>
-    <dgm:pt modelId="{9404BF3A-5596-8E4C-8A23-780D9A0CF132}" type="sibTrans" cxnId="{CAD58B56-B52D-2444-A7FE-ABBDD7AF046B}">
-      <dgm:prSet/>
-      <dgm:spPr/>
-      <dgm:t>
-        <a:bodyPr/>
-        <a:lstStyle/>
-        <a:p>
-          <a:endParaRPr lang="en-US"/>
-        </a:p>
-      </dgm:t>
-    </dgm:pt>
-    <dgm:pt modelId="{279F2E45-E70C-C641-9636-9CE2AF7FDEC9}" type="pres">
-      <dgm:prSet presAssocID="{E80862A8-5725-4545-9A53-18F239D6ECB8}" presName="Name0" presStyleCnt="0">
-        <dgm:presLayoutVars>
-          <dgm:dir/>
-          <dgm:resizeHandles val="exact"/>
-        </dgm:presLayoutVars>
-      </dgm:prSet>
-      <dgm:spPr/>
-    </dgm:pt>
-    <dgm:pt modelId="{17D9DCC9-D1EF-EA48-92A0-5154D8075CC4}" type="pres">
-      <dgm:prSet presAssocID="{1021F738-2D94-CE49-BC19-3915CDC16FC9}" presName="node" presStyleLbl="node1" presStyleIdx="0" presStyleCnt="6" custScaleX="140884" custScaleY="128688" custLinFactX="100000" custLinFactNeighborX="117482" custLinFactNeighborY="-6712">
-        <dgm:presLayoutVars>
-          <dgm:bulletEnabled val="1"/>
-        </dgm:presLayoutVars>
-      </dgm:prSet>
-      <dgm:spPr/>
-    </dgm:pt>
-    <dgm:pt modelId="{CA9F4E73-76B8-1448-8431-4407E83E0AA7}" type="pres">
-      <dgm:prSet presAssocID="{E278A756-8535-7C4E-96CF-032F38F9B65C}" presName="sibTrans" presStyleLbl="sibTrans2D1" presStyleIdx="0" presStyleCnt="5"/>
-      <dgm:spPr/>
-    </dgm:pt>
-    <dgm:pt modelId="{B2AA2F0E-2479-7B48-B7D2-88CA9C2FE4B3}" type="pres">
-      <dgm:prSet presAssocID="{E278A756-8535-7C4E-96CF-032F38F9B65C}" presName="connectorText" presStyleLbl="sibTrans2D1" presStyleIdx="0" presStyleCnt="5"/>
-      <dgm:spPr/>
-    </dgm:pt>
-    <dgm:pt modelId="{988F5D35-CE2B-5141-B2A5-BBCA1BB5C73C}" type="pres">
-      <dgm:prSet presAssocID="{0127FBBC-9AAD-B940-9BAD-9EF68D24C42D}" presName="node" presStyleLbl="node1" presStyleIdx="1" presStyleCnt="6" custScaleX="138851" custScaleY="242800" custLinFactX="100000" custLinFactNeighborX="117482" custLinFactNeighborY="-6712">
-        <dgm:presLayoutVars>
-          <dgm:bulletEnabled val="1"/>
-        </dgm:presLayoutVars>
-      </dgm:prSet>
-      <dgm:spPr/>
-    </dgm:pt>
-    <dgm:pt modelId="{F6B8B0CF-3806-0042-913A-1906B052DB93}" type="pres">
-      <dgm:prSet presAssocID="{CB7255D4-88DF-C94A-96DC-8EC48BD5A9D0}" presName="sibTrans" presStyleLbl="sibTrans2D1" presStyleIdx="1" presStyleCnt="5"/>
-      <dgm:spPr/>
-    </dgm:pt>
-    <dgm:pt modelId="{12EA155A-16F9-4A42-81B1-923B05C8AEB2}" type="pres">
-      <dgm:prSet presAssocID="{CB7255D4-88DF-C94A-96DC-8EC48BD5A9D0}" presName="connectorText" presStyleLbl="sibTrans2D1" presStyleIdx="1" presStyleCnt="5"/>
-      <dgm:spPr/>
-    </dgm:pt>
-    <dgm:pt modelId="{E16BB441-E95B-B942-995A-FC42B77FBFF9}" type="pres">
-      <dgm:prSet presAssocID="{80C5CA5B-2B3A-EC4D-A3F3-7C28DDF45E3B}" presName="node" presStyleLbl="node1" presStyleIdx="2" presStyleCnt="6" custScaleX="148384" custScaleY="376784" custLinFactNeighborX="20462" custLinFactNeighborY="-6712">
-        <dgm:presLayoutVars>
-          <dgm:bulletEnabled val="1"/>
-        </dgm:presLayoutVars>
-      </dgm:prSet>
-      <dgm:spPr/>
-      <dgm:t>
-        <a:bodyPr/>
-        <a:lstStyle/>
-        <a:p>
-          <a:endParaRPr lang="en-US"/>
-        </a:p>
-      </dgm:t>
-    </dgm:pt>
-    <dgm:pt modelId="{931FD1A5-9187-0D43-99E4-A6A68CB76666}" type="pres">
-      <dgm:prSet presAssocID="{BD0C3E31-173D-5C4E-9CBA-BD282B0FD062}" presName="sibTrans" presStyleLbl="sibTrans2D1" presStyleIdx="2" presStyleCnt="5" custScaleX="5099" custScaleY="270640" custLinFactX="300000" custLinFactY="572567" custLinFactNeighborX="344519" custLinFactNeighborY="600000"/>
-      <dgm:spPr/>
-    </dgm:pt>
-    <dgm:pt modelId="{A8BCEA1B-3883-CF4A-993A-558ECAAC6391}" type="pres">
-      <dgm:prSet presAssocID="{BD0C3E31-173D-5C4E-9CBA-BD282B0FD062}" presName="connectorText" presStyleLbl="sibTrans2D1" presStyleIdx="2" presStyleCnt="5"/>
-      <dgm:spPr/>
-    </dgm:pt>
-    <dgm:pt modelId="{1CFAB640-FD55-3043-AA6E-E78EB6FEC7EF}" type="pres">
-      <dgm:prSet presAssocID="{35CB3398-163A-5F43-A0F9-49B1E9372EE4}" presName="node" presStyleLbl="node1" presStyleIdx="3" presStyleCnt="6" custScaleX="128517" custLinFactNeighborX="-36085" custLinFactNeighborY="-64309">
-        <dgm:presLayoutVars>
-          <dgm:bulletEnabled val="1"/>
-        </dgm:presLayoutVars>
-      </dgm:prSet>
-      <dgm:spPr/>
-    </dgm:pt>
-    <dgm:pt modelId="{54255A23-D334-1341-9BF5-15EF2E4F42D3}" type="pres">
-      <dgm:prSet presAssocID="{6D72F878-6B9E-594B-8895-48B551CCE203}" presName="sibTrans" presStyleLbl="sibTrans2D1" presStyleIdx="3" presStyleCnt="5" custLinFactX="2790384" custLinFactY="500000" custLinFactNeighborX="2800000" custLinFactNeighborY="507544"/>
-      <dgm:spPr/>
-    </dgm:pt>
-    <dgm:pt modelId="{F463B1ED-175C-4744-8E16-09B07A452237}" type="pres">
-      <dgm:prSet presAssocID="{6D72F878-6B9E-594B-8895-48B551CCE203}" presName="connectorText" presStyleLbl="sibTrans2D1" presStyleIdx="3" presStyleCnt="5"/>
-      <dgm:spPr/>
-    </dgm:pt>
-    <dgm:pt modelId="{B8F4102D-5B82-F340-BE7A-6E93499F2EE0}" type="pres">
-      <dgm:prSet presAssocID="{D0308F77-035C-694C-935E-98623A93ECC0}" presName="node" presStyleLbl="node1" presStyleIdx="4" presStyleCnt="6" custScaleX="128517" custLinFactX="-101220" custLinFactNeighborX="-200000" custLinFactNeighborY="59508">
-        <dgm:presLayoutVars>
-          <dgm:bulletEnabled val="1"/>
-        </dgm:presLayoutVars>
-      </dgm:prSet>
-      <dgm:spPr/>
-      <dgm:t>
-        <a:bodyPr/>
-        <a:lstStyle/>
-        <a:p>
-          <a:endParaRPr lang="en-US"/>
-        </a:p>
-      </dgm:t>
-    </dgm:pt>
-    <dgm:pt modelId="{716EE824-E94E-8943-A53F-C89738FFF0C0}" type="pres">
-      <dgm:prSet presAssocID="{22EEECD8-F5FC-6745-8C4E-58586965F90E}" presName="sibTrans" presStyleLbl="sibTrans2D1" presStyleIdx="4" presStyleCnt="5" custLinFactY="-30248" custLinFactNeighborX="-40327" custLinFactNeighborY="-100000"/>
-      <dgm:spPr/>
-    </dgm:pt>
-    <dgm:pt modelId="{BA9F671C-6098-A74A-8382-59560BCD835E}" type="pres">
-      <dgm:prSet presAssocID="{22EEECD8-F5FC-6745-8C4E-58586965F90E}" presName="connectorText" presStyleLbl="sibTrans2D1" presStyleIdx="4" presStyleCnt="5"/>
-      <dgm:spPr/>
-    </dgm:pt>
-    <dgm:pt modelId="{7581BEEB-9B47-1743-B461-ECCF4E799500}" type="pres">
-      <dgm:prSet presAssocID="{D98A6B62-39DD-094E-86D8-5A7CEB327F53}" presName="node" presStyleLbl="node1" presStyleIdx="5" presStyleCnt="6" custScaleX="183724" custScaleY="183673" custLinFactX="-82206" custLinFactNeighborX="-100000" custLinFactNeighborY="14225">
-        <dgm:presLayoutVars>
-          <dgm:bulletEnabled val="1"/>
-        </dgm:presLayoutVars>
-      </dgm:prSet>
-      <dgm:spPr/>
-    </dgm:pt>
-  </dgm:ptLst>
-  <dgm:cxnLst>
-    <dgm:cxn modelId="{B97FC369-A3D3-1D48-A819-26E827DC1083}" type="presOf" srcId="{E278A756-8535-7C4E-96CF-032F38F9B65C}" destId="{CA9F4E73-76B8-1448-8431-4407E83E0AA7}" srcOrd="0" destOrd="0" presId="urn:microsoft.com/office/officeart/2005/8/layout/process1"/>
-    <dgm:cxn modelId="{62F407B4-72C1-B441-8533-F8392140302F}" type="presOf" srcId="{CB7255D4-88DF-C94A-96DC-8EC48BD5A9D0}" destId="{F6B8B0CF-3806-0042-913A-1906B052DB93}" srcOrd="0" destOrd="0" presId="urn:microsoft.com/office/officeart/2005/8/layout/process1"/>
-    <dgm:cxn modelId="{3EC1B6E0-D131-5C49-9305-AA3B5A808D08}" type="presOf" srcId="{BD0C3E31-173D-5C4E-9CBA-BD282B0FD062}" destId="{931FD1A5-9187-0D43-99E4-A6A68CB76666}" srcOrd="0" destOrd="0" presId="urn:microsoft.com/office/officeart/2005/8/layout/process1"/>
-    <dgm:cxn modelId="{6C063459-0D9E-8442-874C-39AA5AB2F963}" type="presOf" srcId="{D0308F77-035C-694C-935E-98623A93ECC0}" destId="{B8F4102D-5B82-F340-BE7A-6E93499F2EE0}" srcOrd="0" destOrd="0" presId="urn:microsoft.com/office/officeart/2005/8/layout/process1"/>
-    <dgm:cxn modelId="{9EB0E5D7-DCA3-9045-BB22-5C46854E9266}" type="presOf" srcId="{80C5CA5B-2B3A-EC4D-A3F3-7C28DDF45E3B}" destId="{E16BB441-E95B-B942-995A-FC42B77FBFF9}" srcOrd="0" destOrd="0" presId="urn:microsoft.com/office/officeart/2005/8/layout/process1"/>
-    <dgm:cxn modelId="{0A5B69BC-0697-A645-A076-CFDD276A60FD}" srcId="{E80862A8-5725-4545-9A53-18F239D6ECB8}" destId="{0127FBBC-9AAD-B940-9BAD-9EF68D24C42D}" srcOrd="1" destOrd="0" parTransId="{DA925A7D-FBBE-564E-BB5F-D8CC733C5D9E}" sibTransId="{CB7255D4-88DF-C94A-96DC-8EC48BD5A9D0}"/>
-    <dgm:cxn modelId="{54434593-CA2C-1145-9CAE-F8DF37C559BF}" type="presOf" srcId="{0127FBBC-9AAD-B940-9BAD-9EF68D24C42D}" destId="{988F5D35-CE2B-5141-B2A5-BBCA1BB5C73C}" srcOrd="0" destOrd="0" presId="urn:microsoft.com/office/officeart/2005/8/layout/process1"/>
-    <dgm:cxn modelId="{52F7EC8C-CA1F-C745-9A15-8DB0786CEF2F}" type="presOf" srcId="{6D72F878-6B9E-594B-8895-48B551CCE203}" destId="{54255A23-D334-1341-9BF5-15EF2E4F42D3}" srcOrd="0" destOrd="0" presId="urn:microsoft.com/office/officeart/2005/8/layout/process1"/>
-    <dgm:cxn modelId="{3AD8DC70-BB65-1547-B9F7-B3C3F5C024EE}" srcId="{E80862A8-5725-4545-9A53-18F239D6ECB8}" destId="{1021F738-2D94-CE49-BC19-3915CDC16FC9}" srcOrd="0" destOrd="0" parTransId="{3B79E8EC-7304-3643-AD7B-3A27619D26F1}" sibTransId="{E278A756-8535-7C4E-96CF-032F38F9B65C}"/>
-    <dgm:cxn modelId="{5B45CC6D-ADE5-8A4A-ABB7-FFF53E5BD016}" type="presOf" srcId="{35CB3398-163A-5F43-A0F9-49B1E9372EE4}" destId="{1CFAB640-FD55-3043-AA6E-E78EB6FEC7EF}" srcOrd="0" destOrd="0" presId="urn:microsoft.com/office/officeart/2005/8/layout/process1"/>
-    <dgm:cxn modelId="{A093718D-4582-1F46-A4CE-1C9D23838069}" srcId="{E80862A8-5725-4545-9A53-18F239D6ECB8}" destId="{D0308F77-035C-694C-935E-98623A93ECC0}" srcOrd="4" destOrd="0" parTransId="{8F4FE7C2-1673-144F-952B-C251E4023137}" sibTransId="{22EEECD8-F5FC-6745-8C4E-58586965F90E}"/>
-    <dgm:cxn modelId="{A0025506-070D-7B48-A0C4-861563C57CE7}" type="presOf" srcId="{E80862A8-5725-4545-9A53-18F239D6ECB8}" destId="{279F2E45-E70C-C641-9636-9CE2AF7FDEC9}" srcOrd="0" destOrd="0" presId="urn:microsoft.com/office/officeart/2005/8/layout/process1"/>
-    <dgm:cxn modelId="{CAD58B56-B52D-2444-A7FE-ABBDD7AF046B}" srcId="{E80862A8-5725-4545-9A53-18F239D6ECB8}" destId="{D98A6B62-39DD-094E-86D8-5A7CEB327F53}" srcOrd="5" destOrd="0" parTransId="{F8D36AF6-5A71-B845-9CBE-73FBDE4104F0}" sibTransId="{9404BF3A-5596-8E4C-8A23-780D9A0CF132}"/>
-    <dgm:cxn modelId="{602CA058-2962-7D4D-BCCF-EA151E456451}" type="presOf" srcId="{BD0C3E31-173D-5C4E-9CBA-BD282B0FD062}" destId="{A8BCEA1B-3883-CF4A-993A-558ECAAC6391}" srcOrd="1" destOrd="0" presId="urn:microsoft.com/office/officeart/2005/8/layout/process1"/>
-    <dgm:cxn modelId="{722E3179-184D-D646-B78D-15259361ED52}" srcId="{E80862A8-5725-4545-9A53-18F239D6ECB8}" destId="{35CB3398-163A-5F43-A0F9-49B1E9372EE4}" srcOrd="3" destOrd="0" parTransId="{E4262D77-D4FB-4746-8A7E-1517E00306E6}" sibTransId="{6D72F878-6B9E-594B-8895-48B551CCE203}"/>
-    <dgm:cxn modelId="{104E6398-FD07-FC4D-A57F-3E5213B36092}" srcId="{E80862A8-5725-4545-9A53-18F239D6ECB8}" destId="{80C5CA5B-2B3A-EC4D-A3F3-7C28DDF45E3B}" srcOrd="2" destOrd="0" parTransId="{FCC1ABCA-5240-124D-9446-890BBE5DBE39}" sibTransId="{BD0C3E31-173D-5C4E-9CBA-BD282B0FD062}"/>
-    <dgm:cxn modelId="{BD1338F6-AF99-4B4C-8E34-8AED95FD5D52}" type="presOf" srcId="{D98A6B62-39DD-094E-86D8-5A7CEB327F53}" destId="{7581BEEB-9B47-1743-B461-ECCF4E799500}" srcOrd="0" destOrd="0" presId="urn:microsoft.com/office/officeart/2005/8/layout/process1"/>
-    <dgm:cxn modelId="{2038E3BD-8457-F347-BEC3-407CEDBBF6E2}" type="presOf" srcId="{CB7255D4-88DF-C94A-96DC-8EC48BD5A9D0}" destId="{12EA155A-16F9-4A42-81B1-923B05C8AEB2}" srcOrd="1" destOrd="0" presId="urn:microsoft.com/office/officeart/2005/8/layout/process1"/>
-    <dgm:cxn modelId="{3E73A175-CACF-7449-84C0-C2012F6AE057}" type="presOf" srcId="{22EEECD8-F5FC-6745-8C4E-58586965F90E}" destId="{716EE824-E94E-8943-A53F-C89738FFF0C0}" srcOrd="0" destOrd="0" presId="urn:microsoft.com/office/officeart/2005/8/layout/process1"/>
-    <dgm:cxn modelId="{B07AC6C9-1382-884D-B6DD-BFF176E1F2F7}" type="presOf" srcId="{6D72F878-6B9E-594B-8895-48B551CCE203}" destId="{F463B1ED-175C-4744-8E16-09B07A452237}" srcOrd="1" destOrd="0" presId="urn:microsoft.com/office/officeart/2005/8/layout/process1"/>
-    <dgm:cxn modelId="{0C03975C-7415-AA4E-BDC2-22FFB9913920}" type="presOf" srcId="{E278A756-8535-7C4E-96CF-032F38F9B65C}" destId="{B2AA2F0E-2479-7B48-B7D2-88CA9C2FE4B3}" srcOrd="1" destOrd="0" presId="urn:microsoft.com/office/officeart/2005/8/layout/process1"/>
-    <dgm:cxn modelId="{9E922F9A-035E-3546-8CA5-8330A45729B1}" type="presOf" srcId="{1021F738-2D94-CE49-BC19-3915CDC16FC9}" destId="{17D9DCC9-D1EF-EA48-92A0-5154D8075CC4}" srcOrd="0" destOrd="0" presId="urn:microsoft.com/office/officeart/2005/8/layout/process1"/>
-    <dgm:cxn modelId="{21B36293-5947-FC47-84A5-B8C109755B5F}" type="presOf" srcId="{22EEECD8-F5FC-6745-8C4E-58586965F90E}" destId="{BA9F671C-6098-A74A-8382-59560BCD835E}" srcOrd="1" destOrd="0" presId="urn:microsoft.com/office/officeart/2005/8/layout/process1"/>
-    <dgm:cxn modelId="{082EA3B8-855F-6446-B95E-EA6E22BB6912}" type="presParOf" srcId="{279F2E45-E70C-C641-9636-9CE2AF7FDEC9}" destId="{17D9DCC9-D1EF-EA48-92A0-5154D8075CC4}" srcOrd="0" destOrd="0" presId="urn:microsoft.com/office/officeart/2005/8/layout/process1"/>
-    <dgm:cxn modelId="{5D550FFA-5AA6-4540-8D2A-325BD69DA2BA}" type="presParOf" srcId="{279F2E45-E70C-C641-9636-9CE2AF7FDEC9}" destId="{CA9F4E73-76B8-1448-8431-4407E83E0AA7}" srcOrd="1" destOrd="0" presId="urn:microsoft.com/office/officeart/2005/8/layout/process1"/>
-    <dgm:cxn modelId="{72FE2546-03F5-9349-A89E-ACB1B8C9FF12}" type="presParOf" srcId="{CA9F4E73-76B8-1448-8431-4407E83E0AA7}" destId="{B2AA2F0E-2479-7B48-B7D2-88CA9C2FE4B3}" srcOrd="0" destOrd="0" presId="urn:microsoft.com/office/officeart/2005/8/layout/process1"/>
-    <dgm:cxn modelId="{FE15D4C7-A82F-4D4D-8256-94871DB87081}" type="presParOf" srcId="{279F2E45-E70C-C641-9636-9CE2AF7FDEC9}" destId="{988F5D35-CE2B-5141-B2A5-BBCA1BB5C73C}" srcOrd="2" destOrd="0" presId="urn:microsoft.com/office/officeart/2005/8/layout/process1"/>
-    <dgm:cxn modelId="{9578D812-7759-F94B-8646-26739FAE7E8A}" type="presParOf" srcId="{279F2E45-E70C-C641-9636-9CE2AF7FDEC9}" destId="{F6B8B0CF-3806-0042-913A-1906B052DB93}" srcOrd="3" destOrd="0" presId="urn:microsoft.com/office/officeart/2005/8/layout/process1"/>
-    <dgm:cxn modelId="{E8BEA77E-BECA-054F-8AC2-5F61EBBED6F3}" type="presParOf" srcId="{F6B8B0CF-3806-0042-913A-1906B052DB93}" destId="{12EA155A-16F9-4A42-81B1-923B05C8AEB2}" srcOrd="0" destOrd="0" presId="urn:microsoft.com/office/officeart/2005/8/layout/process1"/>
-    <dgm:cxn modelId="{7E69B09E-2BB7-DA4D-9D25-6DE80C4C54F5}" type="presParOf" srcId="{279F2E45-E70C-C641-9636-9CE2AF7FDEC9}" destId="{E16BB441-E95B-B942-995A-FC42B77FBFF9}" srcOrd="4" destOrd="0" presId="urn:microsoft.com/office/officeart/2005/8/layout/process1"/>
-    <dgm:cxn modelId="{1820A006-E29D-C244-BA13-9F49908DF0D8}" type="presParOf" srcId="{279F2E45-E70C-C641-9636-9CE2AF7FDEC9}" destId="{931FD1A5-9187-0D43-99E4-A6A68CB76666}" srcOrd="5" destOrd="0" presId="urn:microsoft.com/office/officeart/2005/8/layout/process1"/>
-    <dgm:cxn modelId="{52476FEC-A15C-1A40-9D5E-B1DB3B6039E1}" type="presParOf" srcId="{931FD1A5-9187-0D43-99E4-A6A68CB76666}" destId="{A8BCEA1B-3883-CF4A-993A-558ECAAC6391}" srcOrd="0" destOrd="0" presId="urn:microsoft.com/office/officeart/2005/8/layout/process1"/>
-    <dgm:cxn modelId="{685109DB-40D8-A14B-9696-2733C0867D60}" type="presParOf" srcId="{279F2E45-E70C-C641-9636-9CE2AF7FDEC9}" destId="{1CFAB640-FD55-3043-AA6E-E78EB6FEC7EF}" srcOrd="6" destOrd="0" presId="urn:microsoft.com/office/officeart/2005/8/layout/process1"/>
-    <dgm:cxn modelId="{EAD9D05D-5A5B-6349-B6AE-6F0B46B3AC46}" type="presParOf" srcId="{279F2E45-E70C-C641-9636-9CE2AF7FDEC9}" destId="{54255A23-D334-1341-9BF5-15EF2E4F42D3}" srcOrd="7" destOrd="0" presId="urn:microsoft.com/office/officeart/2005/8/layout/process1"/>
-    <dgm:cxn modelId="{83B4FA62-708A-0640-A364-0BACABAFFFC4}" type="presParOf" srcId="{54255A23-D334-1341-9BF5-15EF2E4F42D3}" destId="{F463B1ED-175C-4744-8E16-09B07A452237}" srcOrd="0" destOrd="0" presId="urn:microsoft.com/office/officeart/2005/8/layout/process1"/>
-    <dgm:cxn modelId="{25927C87-E3C8-854B-B3F7-D36A56A0CBDA}" type="presParOf" srcId="{279F2E45-E70C-C641-9636-9CE2AF7FDEC9}" destId="{B8F4102D-5B82-F340-BE7A-6E93499F2EE0}" srcOrd="8" destOrd="0" presId="urn:microsoft.com/office/officeart/2005/8/layout/process1"/>
-    <dgm:cxn modelId="{87B2E5F7-5E7D-C44F-AF7F-DBA08B4423AC}" type="presParOf" srcId="{279F2E45-E70C-C641-9636-9CE2AF7FDEC9}" destId="{716EE824-E94E-8943-A53F-C89738FFF0C0}" srcOrd="9" destOrd="0" presId="urn:microsoft.com/office/officeart/2005/8/layout/process1"/>
-    <dgm:cxn modelId="{44CAFF8D-8DFD-9845-8EEB-073CF3A9AB8F}" type="presParOf" srcId="{716EE824-E94E-8943-A53F-C89738FFF0C0}" destId="{BA9F671C-6098-A74A-8382-59560BCD835E}" srcOrd="0" destOrd="0" presId="urn:microsoft.com/office/officeart/2005/8/layout/process1"/>
-    <dgm:cxn modelId="{296E0DBC-6143-8B4A-ABE6-841750C57E91}" type="presParOf" srcId="{279F2E45-E70C-C641-9636-9CE2AF7FDEC9}" destId="{7581BEEB-9B47-1743-B461-ECCF4E799500}" srcOrd="10" destOrd="0" presId="urn:microsoft.com/office/officeart/2005/8/layout/process1"/>
-  </dgm:cxnLst>
-  <dgm:bg/>
-  <dgm:whole/>
-  <dgm:extLst>
-    <a:ext uri="http://schemas.microsoft.com/office/drawing/2008/diagram">
-      <dsp:dataModelExt xmlns:dsp="http://schemas.microsoft.com/office/drawing/2008/diagram" relId="rId6" minVer="http://schemas.openxmlformats.org/drawingml/2006/diagram"/>
-    </a:ext>
-  </dgm:extLst>
-</dgm:dataModel>
-</file>
-
-<file path=ppt/diagrams/drawing1.xml><?xml version="1.0" encoding="utf-8"?>
-<dsp:drawing xmlns:dgm="http://schemas.openxmlformats.org/drawingml/2006/diagram" xmlns:dsp="http://schemas.microsoft.com/office/drawing/2008/diagram" xmlns:a="http://schemas.openxmlformats.org/drawingml/2006/main">
-  <dsp:spTree>
-    <dsp:nvGrpSpPr>
-      <dsp:cNvPr id="0" name=""/>
-      <dsp:cNvGrpSpPr/>
-    </dsp:nvGrpSpPr>
-    <dsp:grpSpPr/>
-    <dsp:sp modelId="{17D9DCC9-D1EF-EA48-92A0-5154D8075CC4}">
-      <dsp:nvSpPr>
-        <dsp:cNvPr id="0" name=""/>
-        <dsp:cNvSpPr/>
-      </dsp:nvSpPr>
-      <dsp:spPr>
-        <a:xfrm>
-          <a:off x="1095077" y="1971906"/>
-          <a:ext cx="1047519" cy="574103"/>
-        </a:xfrm>
-        <a:prstGeom prst="roundRect">
-          <a:avLst>
-            <a:gd name="adj" fmla="val 10000"/>
-          </a:avLst>
-        </a:prstGeom>
-        <a:gradFill rotWithShape="0">
-          <a:gsLst>
-            <a:gs pos="0">
-              <a:schemeClr val="accent1">
-                <a:hueOff val="0"/>
-                <a:satOff val="0"/>
-                <a:lumOff val="0"/>
-                <a:alphaOff val="0"/>
-                <a:shade val="70000"/>
-                <a:satMod val="150000"/>
-              </a:schemeClr>
-            </a:gs>
-            <a:gs pos="34000">
-              <a:schemeClr val="accent1">
-                <a:hueOff val="0"/>
-                <a:satOff val="0"/>
-                <a:lumOff val="0"/>
-                <a:alphaOff val="0"/>
-                <a:shade val="70000"/>
-                <a:satMod val="140000"/>
-              </a:schemeClr>
-            </a:gs>
-            <a:gs pos="70000">
-              <a:schemeClr val="accent1">
-                <a:hueOff val="0"/>
-                <a:satOff val="0"/>
-                <a:lumOff val="0"/>
-                <a:alphaOff val="0"/>
-                <a:tint val="100000"/>
-                <a:shade val="90000"/>
-                <a:satMod val="140000"/>
-              </a:schemeClr>
-            </a:gs>
-            <a:gs pos="100000">
-              <a:schemeClr val="accent1">
-                <a:hueOff val="0"/>
-                <a:satOff val="0"/>
-                <a:lumOff val="0"/>
-                <a:alphaOff val="0"/>
-                <a:tint val="100000"/>
-                <a:shade val="100000"/>
-                <a:satMod val="100000"/>
-              </a:schemeClr>
-            </a:gs>
-          </a:gsLst>
-          <a:path path="circle">
-            <a:fillToRect l="100000" t="100000" r="100000" b="100000"/>
-          </a:path>
-        </a:gradFill>
-        <a:ln>
-          <a:noFill/>
-        </a:ln>
-        <a:effectLst>
-          <a:outerShdw blurRad="38100" dist="25400" dir="2700000" algn="br" rotWithShape="0">
-            <a:srgbClr val="000000">
-              <a:alpha val="60000"/>
-            </a:srgbClr>
-          </a:outerShdw>
-        </a:effectLst>
-      </dsp:spPr>
-      <dsp:style>
-        <a:lnRef idx="0">
-          <a:scrgbClr r="0" g="0" b="0"/>
-        </a:lnRef>
-        <a:fillRef idx="3">
-          <a:scrgbClr r="0" g="0" b="0"/>
-        </a:fillRef>
-        <a:effectRef idx="2">
-          <a:scrgbClr r="0" g="0" b="0"/>
-        </a:effectRef>
-        <a:fontRef idx="minor">
-          <a:schemeClr val="lt1"/>
-        </a:fontRef>
-      </dsp:style>
-      <dsp:txBody>
-        <a:bodyPr spcFirstLastPara="0" vert="horz" wrap="square" lIns="38100" tIns="38100" rIns="38100" bIns="38100" numCol="1" spcCol="1270" anchor="ctr" anchorCtr="0">
-          <a:noAutofit/>
-        </a:bodyPr>
-        <a:lstStyle/>
-        <a:p>
-          <a:pPr lvl="0" algn="ctr" defTabSz="444500">
-            <a:lnSpc>
-              <a:spcPct val="90000"/>
-            </a:lnSpc>
-            <a:spcBef>
-              <a:spcPct val="0"/>
-            </a:spcBef>
-            <a:spcAft>
-              <a:spcPct val="35000"/>
-            </a:spcAft>
-          </a:pPr>
-          <a:r>
-            <a:rPr lang="en-US" sz="1000" kern="1200" dirty="0" smtClean="0"/>
-            <a:t>Data</a:t>
-          </a:r>
-          <a:endParaRPr lang="en-US" sz="1000" kern="1200" dirty="0"/>
-        </a:p>
-      </dsp:txBody>
-      <dsp:txXfrm>
-        <a:off x="1111892" y="1988721"/>
-        <a:ext cx="1013889" cy="540473"/>
-      </dsp:txXfrm>
-    </dsp:sp>
-    <dsp:sp modelId="{CA9F4E73-76B8-1448-8431-4407E83E0AA7}">
-      <dsp:nvSpPr>
-        <dsp:cNvPr id="0" name=""/>
-        <dsp:cNvSpPr/>
-      </dsp:nvSpPr>
-      <dsp:spPr>
-        <a:xfrm>
-          <a:off x="2216950" y="2166759"/>
-          <a:ext cx="157629" cy="184396"/>
-        </a:xfrm>
-        <a:prstGeom prst="rightArrow">
-          <a:avLst>
-            <a:gd name="adj1" fmla="val 60000"/>
-            <a:gd name="adj2" fmla="val 50000"/>
-          </a:avLst>
-        </a:prstGeom>
-        <a:gradFill rotWithShape="0">
-          <a:gsLst>
-            <a:gs pos="0">
-              <a:schemeClr val="accent1">
-                <a:tint val="60000"/>
-                <a:hueOff val="0"/>
-                <a:satOff val="0"/>
-                <a:lumOff val="0"/>
-                <a:alphaOff val="0"/>
-                <a:shade val="70000"/>
-                <a:satMod val="150000"/>
-              </a:schemeClr>
-            </a:gs>
-            <a:gs pos="34000">
-              <a:schemeClr val="accent1">
-                <a:tint val="60000"/>
-                <a:hueOff val="0"/>
-                <a:satOff val="0"/>
-                <a:lumOff val="0"/>
-                <a:alphaOff val="0"/>
-                <a:shade val="70000"/>
-                <a:satMod val="140000"/>
-              </a:schemeClr>
-            </a:gs>
-            <a:gs pos="70000">
-              <a:schemeClr val="accent1">
-                <a:tint val="60000"/>
-                <a:hueOff val="0"/>
-                <a:satOff val="0"/>
-                <a:lumOff val="0"/>
-                <a:alphaOff val="0"/>
-                <a:tint val="100000"/>
-                <a:shade val="90000"/>
-                <a:satMod val="140000"/>
-              </a:schemeClr>
-            </a:gs>
-            <a:gs pos="100000">
-              <a:schemeClr val="accent1">
-                <a:tint val="60000"/>
-                <a:hueOff val="0"/>
-                <a:satOff val="0"/>
-                <a:lumOff val="0"/>
-                <a:alphaOff val="0"/>
-                <a:tint val="100000"/>
-                <a:shade val="100000"/>
-                <a:satMod val="100000"/>
-              </a:schemeClr>
-            </a:gs>
-          </a:gsLst>
-          <a:path path="circle">
-            <a:fillToRect l="100000" t="100000" r="100000" b="100000"/>
-          </a:path>
-        </a:gradFill>
-        <a:ln>
-          <a:noFill/>
-        </a:ln>
-        <a:effectLst>
-          <a:outerShdw blurRad="38100" dist="25400" dir="2700000" algn="br" rotWithShape="0">
-            <a:srgbClr val="000000">
-              <a:alpha val="60000"/>
-            </a:srgbClr>
-          </a:outerShdw>
-        </a:effectLst>
-      </dsp:spPr>
-      <dsp:style>
-        <a:lnRef idx="0">
-          <a:scrgbClr r="0" g="0" b="0"/>
-        </a:lnRef>
-        <a:fillRef idx="3">
-          <a:scrgbClr r="0" g="0" b="0"/>
-        </a:fillRef>
-        <a:effectRef idx="2">
-          <a:scrgbClr r="0" g="0" b="0"/>
-        </a:effectRef>
-        <a:fontRef idx="minor">
-          <a:schemeClr val="lt1"/>
-        </a:fontRef>
-      </dsp:style>
-      <dsp:txBody>
-        <a:bodyPr spcFirstLastPara="0" vert="horz" wrap="square" lIns="0" tIns="0" rIns="0" bIns="0" numCol="1" spcCol="1270" anchor="ctr" anchorCtr="0">
-          <a:noAutofit/>
-        </a:bodyPr>
-        <a:lstStyle/>
-        <a:p>
-          <a:pPr lvl="0" algn="ctr" defTabSz="311150">
-            <a:lnSpc>
-              <a:spcPct val="90000"/>
-            </a:lnSpc>
-            <a:spcBef>
-              <a:spcPct val="0"/>
-            </a:spcBef>
-            <a:spcAft>
-              <a:spcPct val="35000"/>
-            </a:spcAft>
-          </a:pPr>
-          <a:endParaRPr lang="en-US" sz="700" kern="1200"/>
-        </a:p>
-      </dsp:txBody>
-      <dsp:txXfrm>
-        <a:off x="2216950" y="2203638"/>
-        <a:ext cx="110340" cy="110638"/>
-      </dsp:txXfrm>
-    </dsp:sp>
-    <dsp:sp modelId="{988F5D35-CE2B-5141-B2A5-BBCA1BB5C73C}">
-      <dsp:nvSpPr>
-        <dsp:cNvPr id="0" name=""/>
-        <dsp:cNvSpPr/>
-      </dsp:nvSpPr>
-      <dsp:spPr>
-        <a:xfrm>
-          <a:off x="2440010" y="1717368"/>
-          <a:ext cx="1032403" cy="1083179"/>
-        </a:xfrm>
-        <a:prstGeom prst="roundRect">
-          <a:avLst>
-            <a:gd name="adj" fmla="val 10000"/>
-          </a:avLst>
-        </a:prstGeom>
-        <a:gradFill rotWithShape="0">
-          <a:gsLst>
-            <a:gs pos="0">
-              <a:schemeClr val="accent1">
-                <a:hueOff val="0"/>
-                <a:satOff val="0"/>
-                <a:lumOff val="0"/>
-                <a:alphaOff val="0"/>
-                <a:shade val="70000"/>
-                <a:satMod val="150000"/>
-              </a:schemeClr>
-            </a:gs>
-            <a:gs pos="34000">
-              <a:schemeClr val="accent1">
-                <a:hueOff val="0"/>
-                <a:satOff val="0"/>
-                <a:lumOff val="0"/>
-                <a:alphaOff val="0"/>
-                <a:shade val="70000"/>
-                <a:satMod val="140000"/>
-              </a:schemeClr>
-            </a:gs>
-            <a:gs pos="70000">
-              <a:schemeClr val="accent1">
-                <a:hueOff val="0"/>
-                <a:satOff val="0"/>
-                <a:lumOff val="0"/>
-                <a:alphaOff val="0"/>
-                <a:tint val="100000"/>
-                <a:shade val="90000"/>
-                <a:satMod val="140000"/>
-              </a:schemeClr>
-            </a:gs>
-            <a:gs pos="100000">
-              <a:schemeClr val="accent1">
-                <a:hueOff val="0"/>
-                <a:satOff val="0"/>
-                <a:lumOff val="0"/>
-                <a:alphaOff val="0"/>
-                <a:tint val="100000"/>
-                <a:shade val="100000"/>
-                <a:satMod val="100000"/>
-              </a:schemeClr>
-            </a:gs>
-          </a:gsLst>
-          <a:path path="circle">
-            <a:fillToRect l="100000" t="100000" r="100000" b="100000"/>
-          </a:path>
-        </a:gradFill>
-        <a:ln>
-          <a:noFill/>
-        </a:ln>
-        <a:effectLst>
-          <a:outerShdw blurRad="38100" dist="25400" dir="2700000" algn="br" rotWithShape="0">
-            <a:srgbClr val="000000">
-              <a:alpha val="60000"/>
-            </a:srgbClr>
-          </a:outerShdw>
-        </a:effectLst>
-      </dsp:spPr>
-      <dsp:style>
-        <a:lnRef idx="0">
-          <a:scrgbClr r="0" g="0" b="0"/>
-        </a:lnRef>
-        <a:fillRef idx="3">
-          <a:scrgbClr r="0" g="0" b="0"/>
-        </a:fillRef>
-        <a:effectRef idx="2">
-          <a:scrgbClr r="0" g="0" b="0"/>
-        </a:effectRef>
-        <a:fontRef idx="minor">
-          <a:schemeClr val="lt1"/>
-        </a:fontRef>
-      </dsp:style>
-      <dsp:txBody>
-        <a:bodyPr spcFirstLastPara="0" vert="horz" wrap="square" lIns="38100" tIns="38100" rIns="38100" bIns="38100" numCol="1" spcCol="1270" anchor="ctr" anchorCtr="0">
-          <a:noAutofit/>
-        </a:bodyPr>
-        <a:lstStyle/>
-        <a:p>
-          <a:pPr lvl="0" algn="ctr" defTabSz="444500">
-            <a:lnSpc>
-              <a:spcPct val="90000"/>
-            </a:lnSpc>
-            <a:spcBef>
-              <a:spcPct val="0"/>
-            </a:spcBef>
-            <a:spcAft>
-              <a:spcPct val="35000"/>
-            </a:spcAft>
-          </a:pPr>
-          <a:r>
-            <a:rPr lang="en-US" sz="1000" kern="1200" dirty="0" smtClean="0"/>
-            <a:t>Preprocessing</a:t>
-          </a:r>
-          <a:endParaRPr lang="en-US" sz="1000" kern="1200" dirty="0"/>
-        </a:p>
-      </dsp:txBody>
-      <dsp:txXfrm>
-        <a:off x="2470248" y="1747606"/>
-        <a:ext cx="971927" cy="1022703"/>
-      </dsp:txXfrm>
-    </dsp:sp>
-    <dsp:sp modelId="{F6B8B0CF-3806-0042-913A-1906B052DB93}">
-      <dsp:nvSpPr>
-        <dsp:cNvPr id="0" name=""/>
-        <dsp:cNvSpPr/>
-      </dsp:nvSpPr>
-      <dsp:spPr>
-        <a:xfrm>
-          <a:off x="3571908" y="2166759"/>
-          <a:ext cx="210927" cy="184396"/>
-        </a:xfrm>
-        <a:prstGeom prst="rightArrow">
-          <a:avLst>
-            <a:gd name="adj1" fmla="val 60000"/>
-            <a:gd name="adj2" fmla="val 50000"/>
-          </a:avLst>
-        </a:prstGeom>
-        <a:gradFill rotWithShape="0">
-          <a:gsLst>
-            <a:gs pos="0">
-              <a:schemeClr val="accent1">
-                <a:tint val="60000"/>
-                <a:hueOff val="0"/>
-                <a:satOff val="0"/>
-                <a:lumOff val="0"/>
-                <a:alphaOff val="0"/>
-                <a:shade val="70000"/>
-                <a:satMod val="150000"/>
-              </a:schemeClr>
-            </a:gs>
-            <a:gs pos="34000">
-              <a:schemeClr val="accent1">
-                <a:tint val="60000"/>
-                <a:hueOff val="0"/>
-                <a:satOff val="0"/>
-                <a:lumOff val="0"/>
-                <a:alphaOff val="0"/>
-                <a:shade val="70000"/>
-                <a:satMod val="140000"/>
-              </a:schemeClr>
-            </a:gs>
-            <a:gs pos="70000">
-              <a:schemeClr val="accent1">
-                <a:tint val="60000"/>
-                <a:hueOff val="0"/>
-                <a:satOff val="0"/>
-                <a:lumOff val="0"/>
-                <a:alphaOff val="0"/>
-                <a:tint val="100000"/>
-                <a:shade val="90000"/>
-                <a:satMod val="140000"/>
-              </a:schemeClr>
-            </a:gs>
-            <a:gs pos="100000">
-              <a:schemeClr val="accent1">
-                <a:tint val="60000"/>
-                <a:hueOff val="0"/>
-                <a:satOff val="0"/>
-                <a:lumOff val="0"/>
-                <a:alphaOff val="0"/>
-                <a:tint val="100000"/>
-                <a:shade val="100000"/>
-                <a:satMod val="100000"/>
-              </a:schemeClr>
-            </a:gs>
-          </a:gsLst>
-          <a:path path="circle">
-            <a:fillToRect l="100000" t="100000" r="100000" b="100000"/>
-          </a:path>
-        </a:gradFill>
-        <a:ln>
-          <a:noFill/>
-        </a:ln>
-        <a:effectLst>
-          <a:outerShdw blurRad="38100" dist="25400" dir="2700000" algn="br" rotWithShape="0">
-            <a:srgbClr val="000000">
-              <a:alpha val="60000"/>
-            </a:srgbClr>
-          </a:outerShdw>
-        </a:effectLst>
-      </dsp:spPr>
-      <dsp:style>
-        <a:lnRef idx="0">
-          <a:scrgbClr r="0" g="0" b="0"/>
-        </a:lnRef>
-        <a:fillRef idx="3">
-          <a:scrgbClr r="0" g="0" b="0"/>
-        </a:fillRef>
-        <a:effectRef idx="2">
-          <a:scrgbClr r="0" g="0" b="0"/>
-        </a:effectRef>
-        <a:fontRef idx="minor">
-          <a:schemeClr val="lt1"/>
-        </a:fontRef>
-      </dsp:style>
-      <dsp:txBody>
-        <a:bodyPr spcFirstLastPara="0" vert="horz" wrap="square" lIns="0" tIns="0" rIns="0" bIns="0" numCol="1" spcCol="1270" anchor="ctr" anchorCtr="0">
-          <a:noAutofit/>
-        </a:bodyPr>
-        <a:lstStyle/>
-        <a:p>
-          <a:pPr lvl="0" algn="ctr" defTabSz="311150">
-            <a:lnSpc>
-              <a:spcPct val="90000"/>
-            </a:lnSpc>
-            <a:spcBef>
-              <a:spcPct val="0"/>
-            </a:spcBef>
-            <a:spcAft>
-              <a:spcPct val="35000"/>
-            </a:spcAft>
-          </a:pPr>
-          <a:endParaRPr lang="en-US" sz="700" kern="1200"/>
-        </a:p>
-      </dsp:txBody>
-      <dsp:txXfrm>
-        <a:off x="3571908" y="2203638"/>
-        <a:ext cx="155608" cy="110638"/>
-      </dsp:txXfrm>
-    </dsp:sp>
-    <dsp:sp modelId="{E16BB441-E95B-B942-995A-FC42B77FBFF9}">
-      <dsp:nvSpPr>
-        <dsp:cNvPr id="0" name=""/>
-        <dsp:cNvSpPr/>
-      </dsp:nvSpPr>
-      <dsp:spPr>
-        <a:xfrm>
-          <a:off x="3870390" y="1418503"/>
-          <a:ext cx="1103284" cy="1680909"/>
-        </a:xfrm>
-        <a:prstGeom prst="roundRect">
-          <a:avLst>
-            <a:gd name="adj" fmla="val 10000"/>
-          </a:avLst>
-        </a:prstGeom>
-        <a:gradFill rotWithShape="0">
-          <a:gsLst>
-            <a:gs pos="0">
-              <a:schemeClr val="accent1">
-                <a:hueOff val="0"/>
-                <a:satOff val="0"/>
-                <a:lumOff val="0"/>
-                <a:alphaOff val="0"/>
-                <a:shade val="70000"/>
-                <a:satMod val="150000"/>
-              </a:schemeClr>
-            </a:gs>
-            <a:gs pos="34000">
-              <a:schemeClr val="accent1">
-                <a:hueOff val="0"/>
-                <a:satOff val="0"/>
-                <a:lumOff val="0"/>
-                <a:alphaOff val="0"/>
-                <a:shade val="70000"/>
-                <a:satMod val="140000"/>
-              </a:schemeClr>
-            </a:gs>
-            <a:gs pos="70000">
-              <a:schemeClr val="accent1">
-                <a:hueOff val="0"/>
-                <a:satOff val="0"/>
-                <a:lumOff val="0"/>
-                <a:alphaOff val="0"/>
-                <a:tint val="100000"/>
-                <a:shade val="90000"/>
-                <a:satMod val="140000"/>
-              </a:schemeClr>
-            </a:gs>
-            <a:gs pos="100000">
-              <a:schemeClr val="accent1">
-                <a:hueOff val="0"/>
-                <a:satOff val="0"/>
-                <a:lumOff val="0"/>
-                <a:alphaOff val="0"/>
-                <a:tint val="100000"/>
-                <a:shade val="100000"/>
-                <a:satMod val="100000"/>
-              </a:schemeClr>
-            </a:gs>
-          </a:gsLst>
-          <a:path path="circle">
-            <a:fillToRect l="100000" t="100000" r="100000" b="100000"/>
-          </a:path>
-        </a:gradFill>
-        <a:ln>
-          <a:noFill/>
-        </a:ln>
-        <a:effectLst>
-          <a:outerShdw blurRad="38100" dist="25400" dir="2700000" algn="br" rotWithShape="0">
-            <a:srgbClr val="000000">
-              <a:alpha val="60000"/>
-            </a:srgbClr>
-          </a:outerShdw>
-        </a:effectLst>
-      </dsp:spPr>
-      <dsp:style>
-        <a:lnRef idx="0">
-          <a:scrgbClr r="0" g="0" b="0"/>
-        </a:lnRef>
-        <a:fillRef idx="3">
-          <a:scrgbClr r="0" g="0" b="0"/>
-        </a:fillRef>
-        <a:effectRef idx="2">
-          <a:scrgbClr r="0" g="0" b="0"/>
-        </a:effectRef>
-        <a:fontRef idx="minor">
-          <a:schemeClr val="lt1"/>
-        </a:fontRef>
-      </dsp:style>
-      <dsp:txBody>
-        <a:bodyPr spcFirstLastPara="0" vert="horz" wrap="square" lIns="38100" tIns="38100" rIns="38100" bIns="38100" numCol="1" spcCol="1270" anchor="t" anchorCtr="0">
-          <a:noAutofit/>
-        </a:bodyPr>
-        <a:lstStyle/>
-        <a:p>
-          <a:pPr lvl="0" algn="ctr" defTabSz="444500">
-            <a:lnSpc>
-              <a:spcPct val="90000"/>
-            </a:lnSpc>
-            <a:spcBef>
-              <a:spcPct val="0"/>
-            </a:spcBef>
-            <a:spcAft>
-              <a:spcPct val="35000"/>
-            </a:spcAft>
-          </a:pPr>
-          <a:r>
-            <a:rPr lang="en-US" sz="1000" kern="1200" dirty="0" smtClean="0"/>
-            <a:t>Multiclass to Binary Classification</a:t>
-          </a:r>
-          <a:endParaRPr lang="en-US" sz="1000" kern="1200" dirty="0"/>
-        </a:p>
-      </dsp:txBody>
-      <dsp:txXfrm>
-        <a:off x="3902704" y="1450817"/>
-        <a:ext cx="1038656" cy="1616281"/>
-      </dsp:txXfrm>
-    </dsp:sp>
-    <dsp:sp modelId="{931FD1A5-9187-0D43-99E4-A6A68CB76666}">
-      <dsp:nvSpPr>
-        <dsp:cNvPr id="0" name=""/>
-        <dsp:cNvSpPr/>
-      </dsp:nvSpPr>
-      <dsp:spPr>
-        <a:xfrm rot="5746863">
-          <a:off x="7223377" y="3746528"/>
-          <a:ext cx="21908" cy="499050"/>
-        </a:xfrm>
-        <a:prstGeom prst="rightArrow">
-          <a:avLst>
-            <a:gd name="adj1" fmla="val 60000"/>
-            <a:gd name="adj2" fmla="val 50000"/>
-          </a:avLst>
-        </a:prstGeom>
-        <a:gradFill rotWithShape="0">
-          <a:gsLst>
-            <a:gs pos="0">
-              <a:schemeClr val="accent1">
-                <a:tint val="60000"/>
-                <a:hueOff val="0"/>
-                <a:satOff val="0"/>
-                <a:lumOff val="0"/>
-                <a:alphaOff val="0"/>
-                <a:shade val="70000"/>
-                <a:satMod val="150000"/>
-              </a:schemeClr>
-            </a:gs>
-            <a:gs pos="34000">
-              <a:schemeClr val="accent1">
-                <a:tint val="60000"/>
-                <a:hueOff val="0"/>
-                <a:satOff val="0"/>
-                <a:lumOff val="0"/>
-                <a:alphaOff val="0"/>
-                <a:shade val="70000"/>
-                <a:satMod val="140000"/>
-              </a:schemeClr>
-            </a:gs>
-            <a:gs pos="70000">
-              <a:schemeClr val="accent1">
-                <a:tint val="60000"/>
-                <a:hueOff val="0"/>
-                <a:satOff val="0"/>
-                <a:lumOff val="0"/>
-                <a:alphaOff val="0"/>
-                <a:tint val="100000"/>
-                <a:shade val="90000"/>
-                <a:satMod val="140000"/>
-              </a:schemeClr>
-            </a:gs>
-            <a:gs pos="100000">
-              <a:schemeClr val="accent1">
-                <a:tint val="60000"/>
-                <a:hueOff val="0"/>
-                <a:satOff val="0"/>
-                <a:lumOff val="0"/>
-                <a:alphaOff val="0"/>
-                <a:tint val="100000"/>
-                <a:shade val="100000"/>
-                <a:satMod val="100000"/>
-              </a:schemeClr>
-            </a:gs>
-          </a:gsLst>
-          <a:path path="circle">
-            <a:fillToRect l="100000" t="100000" r="100000" b="100000"/>
-          </a:path>
-        </a:gradFill>
-        <a:ln>
-          <a:noFill/>
-        </a:ln>
-        <a:effectLst>
-          <a:outerShdw blurRad="38100" dist="25400" dir="2700000" algn="br" rotWithShape="0">
-            <a:srgbClr val="000000">
-              <a:alpha val="60000"/>
-            </a:srgbClr>
-          </a:outerShdw>
-        </a:effectLst>
-      </dsp:spPr>
-      <dsp:style>
-        <a:lnRef idx="0">
-          <a:scrgbClr r="0" g="0" b="0"/>
-        </a:lnRef>
-        <a:fillRef idx="3">
-          <a:scrgbClr r="0" g="0" b="0"/>
-        </a:fillRef>
-        <a:effectRef idx="2">
-          <a:scrgbClr r="0" g="0" b="0"/>
-        </a:effectRef>
-        <a:fontRef idx="minor">
-          <a:schemeClr val="lt1"/>
-        </a:fontRef>
-      </dsp:style>
-      <dsp:txBody>
-        <a:bodyPr spcFirstLastPara="0" vert="horz" wrap="square" lIns="0" tIns="0" rIns="0" bIns="0" numCol="1" spcCol="1270" anchor="ctr" anchorCtr="0">
-          <a:noAutofit/>
-        </a:bodyPr>
-        <a:lstStyle/>
-        <a:p>
-          <a:pPr lvl="0" algn="ctr" defTabSz="355600">
-            <a:lnSpc>
-              <a:spcPct val="90000"/>
-            </a:lnSpc>
-            <a:spcBef>
-              <a:spcPct val="0"/>
-            </a:spcBef>
-            <a:spcAft>
-              <a:spcPct val="35000"/>
-            </a:spcAft>
-          </a:pPr>
-          <a:endParaRPr lang="en-US" sz="800" kern="1200"/>
-        </a:p>
-      </dsp:txBody>
-      <dsp:txXfrm rot="10800000">
-        <a:off x="7226994" y="3843069"/>
-        <a:ext cx="15336" cy="299430"/>
-      </dsp:txXfrm>
-    </dsp:sp>
-    <dsp:sp modelId="{1CFAB640-FD55-3043-AA6E-E78EB6FEC7EF}">
-      <dsp:nvSpPr>
-        <dsp:cNvPr id="0" name=""/>
-        <dsp:cNvSpPr/>
-      </dsp:nvSpPr>
-      <dsp:spPr>
-        <a:xfrm>
-          <a:off x="3970263" y="1778946"/>
-          <a:ext cx="955566" cy="446120"/>
-        </a:xfrm>
-        <a:prstGeom prst="roundRect">
-          <a:avLst>
-            <a:gd name="adj" fmla="val 10000"/>
-          </a:avLst>
-        </a:prstGeom>
-        <a:solidFill>
-          <a:schemeClr val="tx2"/>
-        </a:solidFill>
-        <a:ln>
-          <a:noFill/>
-        </a:ln>
-        <a:effectLst>
-          <a:outerShdw blurRad="38100" dist="25400" dir="2700000" algn="br" rotWithShape="0">
-            <a:srgbClr val="000000">
-              <a:alpha val="60000"/>
-            </a:srgbClr>
-          </a:outerShdw>
-        </a:effectLst>
-      </dsp:spPr>
-      <dsp:style>
-        <a:lnRef idx="0">
-          <a:scrgbClr r="0" g="0" b="0"/>
-        </a:lnRef>
-        <a:fillRef idx="3">
-          <a:scrgbClr r="0" g="0" b="0"/>
-        </a:fillRef>
-        <a:effectRef idx="2">
-          <a:scrgbClr r="0" g="0" b="0"/>
-        </a:effectRef>
-        <a:fontRef idx="minor">
-          <a:schemeClr val="lt1"/>
-        </a:fontRef>
-      </dsp:style>
-      <dsp:txBody>
-        <a:bodyPr spcFirstLastPara="0" vert="horz" wrap="square" lIns="38100" tIns="38100" rIns="38100" bIns="38100" numCol="1" spcCol="1270" anchor="ctr" anchorCtr="0">
-          <a:noAutofit/>
-        </a:bodyPr>
-        <a:lstStyle/>
-        <a:p>
-          <a:pPr lvl="0" algn="ctr" defTabSz="444500">
-            <a:lnSpc>
-              <a:spcPct val="90000"/>
-            </a:lnSpc>
-            <a:spcBef>
-              <a:spcPct val="0"/>
-            </a:spcBef>
-            <a:spcAft>
-              <a:spcPct val="35000"/>
-            </a:spcAft>
-          </a:pPr>
-          <a:r>
-            <a:rPr lang="en-US" sz="1000" kern="1200" dirty="0" smtClean="0"/>
-            <a:t>Decision Tree</a:t>
-          </a:r>
-          <a:endParaRPr lang="en-US" sz="1000" kern="1200" dirty="0"/>
-        </a:p>
-      </dsp:txBody>
-      <dsp:txXfrm>
-        <a:off x="3983329" y="1792012"/>
-        <a:ext cx="929434" cy="419988"/>
-      </dsp:txXfrm>
-    </dsp:sp>
-    <dsp:sp modelId="{54255A23-D334-1341-9BF5-15EF2E4F42D3}">
-      <dsp:nvSpPr>
-        <dsp:cNvPr id="0" name=""/>
-        <dsp:cNvSpPr/>
-      </dsp:nvSpPr>
-      <dsp:spPr>
-        <a:xfrm rot="5319913">
-          <a:off x="7575366" y="4045462"/>
-          <a:ext cx="56329" cy="184396"/>
-        </a:xfrm>
-        <a:prstGeom prst="rightArrow">
-          <a:avLst>
-            <a:gd name="adj1" fmla="val 60000"/>
-            <a:gd name="adj2" fmla="val 50000"/>
-          </a:avLst>
-        </a:prstGeom>
-        <a:gradFill rotWithShape="0">
-          <a:gsLst>
-            <a:gs pos="0">
-              <a:schemeClr val="accent1">
-                <a:tint val="60000"/>
-                <a:hueOff val="0"/>
-                <a:satOff val="0"/>
-                <a:lumOff val="0"/>
-                <a:alphaOff val="0"/>
-                <a:shade val="70000"/>
-                <a:satMod val="150000"/>
-              </a:schemeClr>
-            </a:gs>
-            <a:gs pos="34000">
-              <a:schemeClr val="accent1">
-                <a:tint val="60000"/>
-                <a:hueOff val="0"/>
-                <a:satOff val="0"/>
-                <a:lumOff val="0"/>
-                <a:alphaOff val="0"/>
-                <a:shade val="70000"/>
-                <a:satMod val="140000"/>
-              </a:schemeClr>
-            </a:gs>
-            <a:gs pos="70000">
-              <a:schemeClr val="accent1">
-                <a:tint val="60000"/>
-                <a:hueOff val="0"/>
-                <a:satOff val="0"/>
-                <a:lumOff val="0"/>
-                <a:alphaOff val="0"/>
-                <a:tint val="100000"/>
-                <a:shade val="90000"/>
-                <a:satMod val="140000"/>
-              </a:schemeClr>
-            </a:gs>
-            <a:gs pos="100000">
-              <a:schemeClr val="accent1">
-                <a:tint val="60000"/>
-                <a:hueOff val="0"/>
-                <a:satOff val="0"/>
-                <a:lumOff val="0"/>
-                <a:alphaOff val="0"/>
-                <a:tint val="100000"/>
-                <a:shade val="100000"/>
-                <a:satMod val="100000"/>
-              </a:schemeClr>
-            </a:gs>
-          </a:gsLst>
-          <a:path path="circle">
-            <a:fillToRect l="100000" t="100000" r="100000" b="100000"/>
-          </a:path>
-        </a:gradFill>
-        <a:ln>
-          <a:noFill/>
-        </a:ln>
-        <a:effectLst>
-          <a:outerShdw blurRad="38100" dist="25400" dir="2700000" algn="br" rotWithShape="0">
-            <a:srgbClr val="000000">
-              <a:alpha val="60000"/>
-            </a:srgbClr>
-          </a:outerShdw>
-        </a:effectLst>
-      </dsp:spPr>
-      <dsp:style>
-        <a:lnRef idx="0">
-          <a:scrgbClr r="0" g="0" b="0"/>
-        </a:lnRef>
-        <a:fillRef idx="3">
-          <a:scrgbClr r="0" g="0" b="0"/>
-        </a:fillRef>
-        <a:effectRef idx="2">
-          <a:scrgbClr r="0" g="0" b="0"/>
-        </a:effectRef>
-        <a:fontRef idx="minor">
-          <a:schemeClr val="lt1"/>
-        </a:fontRef>
-      </dsp:style>
-      <dsp:txBody>
-        <a:bodyPr spcFirstLastPara="0" vert="horz" wrap="square" lIns="0" tIns="0" rIns="0" bIns="0" numCol="1" spcCol="1270" anchor="ctr" anchorCtr="0">
-          <a:noAutofit/>
-        </a:bodyPr>
-        <a:lstStyle/>
-        <a:p>
-          <a:pPr lvl="0" algn="ctr" defTabSz="311150">
-            <a:lnSpc>
-              <a:spcPct val="90000"/>
-            </a:lnSpc>
-            <a:spcBef>
-              <a:spcPct val="0"/>
-            </a:spcBef>
-            <a:spcAft>
-              <a:spcPct val="35000"/>
-            </a:spcAft>
-          </a:pPr>
-          <a:endParaRPr lang="en-US" sz="700" kern="1200"/>
-        </a:p>
-      </dsp:txBody>
-      <dsp:txXfrm>
-        <a:off x="7583619" y="4073894"/>
-        <a:ext cx="39430" cy="110638"/>
-      </dsp:txXfrm>
-    </dsp:sp>
-    <dsp:sp modelId="{B8F4102D-5B82-F340-BE7A-6E93499F2EE0}">
-      <dsp:nvSpPr>
-        <dsp:cNvPr id="0" name=""/>
-        <dsp:cNvSpPr/>
-      </dsp:nvSpPr>
-      <dsp:spPr>
-        <a:xfrm>
-          <a:off x="3983134" y="2331318"/>
-          <a:ext cx="955566" cy="446120"/>
-        </a:xfrm>
-        <a:prstGeom prst="roundRect">
-          <a:avLst>
-            <a:gd name="adj" fmla="val 10000"/>
-          </a:avLst>
-        </a:prstGeom>
-        <a:solidFill>
-          <a:schemeClr val="tx2"/>
-        </a:solidFill>
-        <a:ln>
-          <a:noFill/>
-        </a:ln>
-        <a:effectLst>
-          <a:outerShdw blurRad="38100" dist="25400" dir="2700000" algn="br" rotWithShape="0">
-            <a:srgbClr val="000000">
-              <a:alpha val="60000"/>
-            </a:srgbClr>
-          </a:outerShdw>
-        </a:effectLst>
-      </dsp:spPr>
-      <dsp:style>
-        <a:lnRef idx="0">
-          <a:scrgbClr r="0" g="0" b="0"/>
-        </a:lnRef>
-        <a:fillRef idx="3">
-          <a:scrgbClr r="0" g="0" b="0"/>
-        </a:fillRef>
-        <a:effectRef idx="2">
-          <a:scrgbClr r="0" g="0" b="0"/>
-        </a:effectRef>
-        <a:fontRef idx="minor">
-          <a:schemeClr val="lt1"/>
-        </a:fontRef>
-      </dsp:style>
-      <dsp:txBody>
-        <a:bodyPr spcFirstLastPara="0" vert="horz" wrap="square" lIns="38100" tIns="38100" rIns="38100" bIns="38100" numCol="1" spcCol="1270" anchor="ctr" anchorCtr="0">
-          <a:noAutofit/>
-        </a:bodyPr>
-        <a:lstStyle/>
-        <a:p>
-          <a:pPr lvl="0" algn="ctr" defTabSz="444500">
-            <a:lnSpc>
-              <a:spcPct val="90000"/>
-            </a:lnSpc>
-            <a:spcBef>
-              <a:spcPct val="0"/>
-            </a:spcBef>
-            <a:spcAft>
-              <a:spcPct val="35000"/>
-            </a:spcAft>
-          </a:pPr>
-          <a:r>
-            <a:rPr lang="en-US" sz="1000" kern="1200" dirty="0" smtClean="0"/>
-            <a:t>Neural Network</a:t>
-          </a:r>
-          <a:endParaRPr lang="en-US" sz="1000" kern="1200" dirty="0"/>
-        </a:p>
-      </dsp:txBody>
-      <dsp:txXfrm>
-        <a:off x="3996200" y="2344384"/>
-        <a:ext cx="929434" cy="419988"/>
-      </dsp:txXfrm>
-    </dsp:sp>
-    <dsp:sp modelId="{716EE824-E94E-8943-A53F-C89738FFF0C0}">
-      <dsp:nvSpPr>
-        <dsp:cNvPr id="0" name=""/>
-        <dsp:cNvSpPr/>
-      </dsp:nvSpPr>
-      <dsp:spPr>
-        <a:xfrm rot="21235282">
-          <a:off x="4963407" y="2130751"/>
-          <a:ext cx="392393" cy="184396"/>
-        </a:xfrm>
-        <a:prstGeom prst="rightArrow">
-          <a:avLst>
-            <a:gd name="adj1" fmla="val 60000"/>
-            <a:gd name="adj2" fmla="val 50000"/>
-          </a:avLst>
-        </a:prstGeom>
-        <a:gradFill rotWithShape="0">
-          <a:gsLst>
-            <a:gs pos="0">
-              <a:schemeClr val="accent1">
-                <a:tint val="60000"/>
-                <a:hueOff val="0"/>
-                <a:satOff val="0"/>
-                <a:lumOff val="0"/>
-                <a:alphaOff val="0"/>
-                <a:shade val="70000"/>
-                <a:satMod val="150000"/>
-              </a:schemeClr>
-            </a:gs>
-            <a:gs pos="34000">
-              <a:schemeClr val="accent1">
-                <a:tint val="60000"/>
-                <a:hueOff val="0"/>
-                <a:satOff val="0"/>
-                <a:lumOff val="0"/>
-                <a:alphaOff val="0"/>
-                <a:shade val="70000"/>
-                <a:satMod val="140000"/>
-              </a:schemeClr>
-            </a:gs>
-            <a:gs pos="70000">
-              <a:schemeClr val="accent1">
-                <a:tint val="60000"/>
-                <a:hueOff val="0"/>
-                <a:satOff val="0"/>
-                <a:lumOff val="0"/>
-                <a:alphaOff val="0"/>
-                <a:tint val="100000"/>
-                <a:shade val="90000"/>
-                <a:satMod val="140000"/>
-              </a:schemeClr>
-            </a:gs>
-            <a:gs pos="100000">
-              <a:schemeClr val="accent1">
-                <a:tint val="60000"/>
-                <a:hueOff val="0"/>
-                <a:satOff val="0"/>
-                <a:lumOff val="0"/>
-                <a:alphaOff val="0"/>
-                <a:tint val="100000"/>
-                <a:shade val="100000"/>
-                <a:satMod val="100000"/>
-              </a:schemeClr>
-            </a:gs>
-          </a:gsLst>
-          <a:path path="circle">
-            <a:fillToRect l="100000" t="100000" r="100000" b="100000"/>
-          </a:path>
-        </a:gradFill>
-        <a:ln>
-          <a:noFill/>
-        </a:ln>
-        <a:effectLst>
-          <a:outerShdw blurRad="38100" dist="25400" dir="2700000" algn="br" rotWithShape="0">
-            <a:srgbClr val="000000">
-              <a:alpha val="60000"/>
-            </a:srgbClr>
-          </a:outerShdw>
-        </a:effectLst>
-      </dsp:spPr>
-      <dsp:style>
-        <a:lnRef idx="0">
-          <a:scrgbClr r="0" g="0" b="0"/>
-        </a:lnRef>
-        <a:fillRef idx="3">
-          <a:scrgbClr r="0" g="0" b="0"/>
-        </a:fillRef>
-        <a:effectRef idx="2">
-          <a:scrgbClr r="0" g="0" b="0"/>
-        </a:effectRef>
-        <a:fontRef idx="minor">
-          <a:schemeClr val="lt1"/>
-        </a:fontRef>
-      </dsp:style>
-      <dsp:txBody>
-        <a:bodyPr spcFirstLastPara="0" vert="horz" wrap="square" lIns="0" tIns="0" rIns="0" bIns="0" numCol="1" spcCol="1270" anchor="ctr" anchorCtr="0">
-          <a:noAutofit/>
-        </a:bodyPr>
-        <a:lstStyle/>
-        <a:p>
-          <a:pPr lvl="0" algn="ctr" defTabSz="311150">
-            <a:lnSpc>
-              <a:spcPct val="90000"/>
-            </a:lnSpc>
-            <a:spcBef>
-              <a:spcPct val="0"/>
-            </a:spcBef>
-            <a:spcAft>
-              <a:spcPct val="35000"/>
-            </a:spcAft>
-          </a:pPr>
-          <a:endParaRPr lang="en-US" sz="700" kern="1200"/>
-        </a:p>
-      </dsp:txBody>
-      <dsp:txXfrm>
-        <a:off x="4963563" y="2170559"/>
-        <a:ext cx="337074" cy="110638"/>
-      </dsp:txXfrm>
-    </dsp:sp>
-    <dsp:sp modelId="{7581BEEB-9B47-1743-B461-ECCF4E799500}">
-      <dsp:nvSpPr>
-        <dsp:cNvPr id="0" name=""/>
-        <dsp:cNvSpPr/>
-      </dsp:nvSpPr>
-      <dsp:spPr>
-        <a:xfrm>
-          <a:off x="5674903" y="1942660"/>
-          <a:ext cx="1366049" cy="819402"/>
-        </a:xfrm>
-        <a:prstGeom prst="roundRect">
-          <a:avLst>
-            <a:gd name="adj" fmla="val 10000"/>
-          </a:avLst>
-        </a:prstGeom>
-        <a:gradFill rotWithShape="0">
-          <a:gsLst>
-            <a:gs pos="0">
-              <a:schemeClr val="accent1">
-                <a:hueOff val="0"/>
-                <a:satOff val="0"/>
-                <a:lumOff val="0"/>
-                <a:alphaOff val="0"/>
-                <a:shade val="70000"/>
-                <a:satMod val="150000"/>
-              </a:schemeClr>
-            </a:gs>
-            <a:gs pos="34000">
-              <a:schemeClr val="accent1">
-                <a:hueOff val="0"/>
-                <a:satOff val="0"/>
-                <a:lumOff val="0"/>
-                <a:alphaOff val="0"/>
-                <a:shade val="70000"/>
-                <a:satMod val="140000"/>
-              </a:schemeClr>
-            </a:gs>
-            <a:gs pos="70000">
-              <a:schemeClr val="accent1">
-                <a:hueOff val="0"/>
-                <a:satOff val="0"/>
-                <a:lumOff val="0"/>
-                <a:alphaOff val="0"/>
-                <a:tint val="100000"/>
-                <a:shade val="90000"/>
-                <a:satMod val="140000"/>
-              </a:schemeClr>
-            </a:gs>
-            <a:gs pos="100000">
-              <a:schemeClr val="accent1">
-                <a:hueOff val="0"/>
-                <a:satOff val="0"/>
-                <a:lumOff val="0"/>
-                <a:alphaOff val="0"/>
-                <a:tint val="100000"/>
-                <a:shade val="100000"/>
-                <a:satMod val="100000"/>
-              </a:schemeClr>
-            </a:gs>
-          </a:gsLst>
-          <a:path path="circle">
-            <a:fillToRect l="100000" t="100000" r="100000" b="100000"/>
-          </a:path>
-        </a:gradFill>
-        <a:ln>
-          <a:noFill/>
-        </a:ln>
-        <a:effectLst>
-          <a:outerShdw blurRad="38100" dist="25400" dir="2700000" algn="br" rotWithShape="0">
-            <a:srgbClr val="000000">
-              <a:alpha val="60000"/>
-            </a:srgbClr>
-          </a:outerShdw>
-        </a:effectLst>
-      </dsp:spPr>
-      <dsp:style>
-        <a:lnRef idx="0">
-          <a:scrgbClr r="0" g="0" b="0"/>
-        </a:lnRef>
-        <a:fillRef idx="3">
-          <a:scrgbClr r="0" g="0" b="0"/>
-        </a:fillRef>
-        <a:effectRef idx="2">
-          <a:scrgbClr r="0" g="0" b="0"/>
-        </a:effectRef>
-        <a:fontRef idx="minor">
-          <a:schemeClr val="lt1"/>
-        </a:fontRef>
-      </dsp:style>
-      <dsp:txBody>
-        <a:bodyPr spcFirstLastPara="0" vert="horz" wrap="square" lIns="38100" tIns="38100" rIns="38100" bIns="38100" numCol="1" spcCol="1270" anchor="ctr" anchorCtr="0">
-          <a:noAutofit/>
-        </a:bodyPr>
-        <a:lstStyle/>
-        <a:p>
-          <a:pPr lvl="0" algn="ctr" defTabSz="444500">
-            <a:lnSpc>
-              <a:spcPct val="90000"/>
-            </a:lnSpc>
-            <a:spcBef>
-              <a:spcPct val="0"/>
-            </a:spcBef>
-            <a:spcAft>
-              <a:spcPct val="35000"/>
-            </a:spcAft>
-          </a:pPr>
-          <a:r>
-            <a:rPr lang="en-US" sz="1000" kern="1200" dirty="0" smtClean="0"/>
-            <a:t>Output</a:t>
-          </a:r>
-          <a:endParaRPr lang="en-US" sz="1000" kern="1200" dirty="0"/>
-        </a:p>
-      </dsp:txBody>
-      <dsp:txXfrm>
-        <a:off x="5698902" y="1966659"/>
-        <a:ext cx="1318051" cy="771404"/>
-      </dsp:txXfrm>
-    </dsp:sp>
-  </dsp:spTree>
-</dsp:drawing>
-</file>
-
-<file path=ppt/diagrams/layout1.xml><?xml version="1.0" encoding="utf-8"?>
-<dgm:layoutDef xmlns:dgm="http://schemas.openxmlformats.org/drawingml/2006/diagram" xmlns:a="http://schemas.openxmlformats.org/drawingml/2006/main" uniqueId="urn:microsoft.com/office/officeart/2005/8/layout/process1">
-  <dgm:title val=""/>
-  <dgm:desc val=""/>
-  <dgm:catLst>
-    <dgm:cat type="process" pri="1000"/>
-    <dgm:cat type="convert" pri="15000"/>
-  </dgm:catLst>
-  <dgm:sampData useDef="1">
-    <dgm:dataModel>
-      <dgm:ptLst/>
-      <dgm:bg/>
-      <dgm:whole/>
-    </dgm:dataModel>
-  </dgm:sampData>
-  <dgm:styleData>
-    <dgm:dataModel>
-      <dgm:ptLst>
-        <dgm:pt modelId="0" type="doc"/>
-        <dgm:pt modelId="1"/>
-        <dgm:pt modelId="2"/>
-      </dgm:ptLst>
-      <dgm:cxnLst>
-        <dgm:cxn modelId="3" srcId="0" destId="1" srcOrd="0" destOrd="0"/>
-        <dgm:cxn modelId="4" srcId="0" destId="2" srcOrd="1" destOrd="0"/>
-      </dgm:cxnLst>
-      <dgm:bg/>
-      <dgm:whole/>
-    </dgm:dataModel>
-  </dgm:styleData>
-  <dgm:clrData>
-    <dgm:dataModel>
-      <dgm:ptLst>
-        <dgm:pt modelId="0" type="doc"/>
-        <dgm:pt modelId="1"/>
-        <dgm:pt modelId="2"/>
-        <dgm:pt modelId="3"/>
-        <dgm:pt modelId="4"/>
-      </dgm:ptLst>
-      <dgm:cxnLst>
-        <dgm:cxn modelId="5" srcId="0" destId="1" srcOrd="0" destOrd="0"/>
-        <dgm:cxn modelId="6" srcId="0" destId="2" srcOrd="1" destOrd="0"/>
-        <dgm:cxn modelId="7" srcId="0" destId="3" srcOrd="2" destOrd="0"/>
-        <dgm:cxn modelId="8" srcId="0" destId="4" srcOrd="3" destOrd="0"/>
-      </dgm:cxnLst>
-      <dgm:bg/>
-      <dgm:whole/>
-    </dgm:dataModel>
-  </dgm:clrData>
-  <dgm:layoutNode name="Name0">
-    <dgm:varLst>
-      <dgm:dir/>
-      <dgm:resizeHandles val="exact"/>
-    </dgm:varLst>
-    <dgm:choose name="Name1">
-      <dgm:if name="Name2" func="var" arg="dir" op="equ" val="norm">
-        <dgm:alg type="lin"/>
-      </dgm:if>
-      <dgm:else name="Name3">
-        <dgm:alg type="lin">
-          <dgm:param type="linDir" val="fromR"/>
-        </dgm:alg>
-      </dgm:else>
-    </dgm:choose>
-    <dgm:shape xmlns:r="http://schemas.openxmlformats.org/officeDocument/2006/relationships" r:blip="">
-      <dgm:adjLst/>
-    </dgm:shape>
-    <dgm:presOf/>
-    <dgm:constrLst>
-      <dgm:constr type="w" for="ch" ptType="node" refType="w"/>
-      <dgm:constr type="h" for="ch" ptType="node" op="equ"/>
-      <dgm:constr type="primFontSz" for="ch" ptType="node" op="equ" val="65"/>
-      <dgm:constr type="w" for="ch" ptType="sibTrans" refType="w" refFor="ch" refPtType="node" op="equ" fact="0.4"/>
-      <dgm:constr type="h" for="ch" ptType="sibTrans" op="equ"/>
-      <dgm:constr type="primFontSz" for="des" forName="connectorText" op="equ" val="55"/>
-      <dgm:constr type="primFontSz" for="des" forName="connectorText" refType="primFontSz" refFor="ch" refPtType="node" op="lte" fact="0.8"/>
-    </dgm:constrLst>
-    <dgm:ruleLst/>
-    <dgm:forEach name="nodesForEach" axis="ch" ptType="node">
-      <dgm:layoutNode name="node">
-        <dgm:varLst>
-          <dgm:bulletEnabled val="1"/>
-        </dgm:varLst>
-        <dgm:alg type="tx"/>
-        <dgm:shape xmlns:r="http://schemas.openxmlformats.org/officeDocument/2006/relationships" type="roundRect" r:blip="">
-          <dgm:adjLst>
-            <dgm:adj idx="1" val="0.1"/>
-          </dgm:adjLst>
-        </dgm:shape>
-        <dgm:presOf axis="desOrSelf" ptType="node"/>
-        <dgm:constrLst>
-          <dgm:constr type="h" refType="w" fact="0.6"/>
-          <dgm:constr type="tMarg" refType="primFontSz" fact="0.3"/>
-          <dgm:constr type="bMarg" refType="primFontSz" fact="0.3"/>
-          <dgm:constr type="lMarg" refType="primFontSz" fact="0.3"/>
-          <dgm:constr type="rMarg" refType="primFontSz" fact="0.3"/>
-        </dgm:constrLst>
-        <dgm:ruleLst>
-          <dgm:rule type="primFontSz" val="18" fact="NaN" max="NaN"/>
-          <dgm:rule type="h" val="NaN" fact="1.5" max="NaN"/>
-          <dgm:rule type="primFontSz" val="5" fact="NaN" max="NaN"/>
-          <dgm:rule type="h" val="INF" fact="NaN" max="NaN"/>
-        </dgm:ruleLst>
-      </dgm:layoutNode>
-      <dgm:forEach name="sibTransForEach" axis="followSib" ptType="sibTrans" cnt="1">
-        <dgm:layoutNode name="sibTrans">
-          <dgm:alg type="conn">
-            <dgm:param type="begPts" val="auto"/>
-            <dgm:param type="endPts" val="auto"/>
-          </dgm:alg>
-          <dgm:shape xmlns:r="http://schemas.openxmlformats.org/officeDocument/2006/relationships" type="conn" r:blip="">
-            <dgm:adjLst/>
-          </dgm:shape>
-          <dgm:presOf axis="self"/>
-          <dgm:constrLst>
-            <dgm:constr type="h" refType="w" fact="0.62"/>
-            <dgm:constr type="connDist"/>
-            <dgm:constr type="begPad" refType="connDist" fact="0.25"/>
-            <dgm:constr type="endPad" refType="connDist" fact="0.22"/>
-          </dgm:constrLst>
-          <dgm:ruleLst/>
-          <dgm:layoutNode name="connectorText">
-            <dgm:alg type="tx">
-              <dgm:param type="autoTxRot" val="grav"/>
-            </dgm:alg>
-            <dgm:shape xmlns:r="http://schemas.openxmlformats.org/officeDocument/2006/relationships" type="conn" r:blip="" hideGeom="1">
-              <dgm:adjLst/>
-            </dgm:shape>
-            <dgm:presOf axis="self"/>
-            <dgm:constrLst>
-              <dgm:constr type="lMarg"/>
-              <dgm:constr type="rMarg"/>
-              <dgm:constr type="tMarg"/>
-              <dgm:constr type="bMarg"/>
-            </dgm:constrLst>
-            <dgm:ruleLst>
-              <dgm:rule type="primFontSz" val="5" fact="NaN" max="NaN"/>
-            </dgm:ruleLst>
-          </dgm:layoutNode>
-        </dgm:layoutNode>
-      </dgm:forEach>
-    </dgm:forEach>
-  </dgm:layoutNode>
-</dgm:layoutDef>
-</file>
-
-<file path=ppt/diagrams/quickStyle1.xml><?xml version="1.0" encoding="utf-8"?>
-<dgm:styleDef xmlns:dgm="http://schemas.openxmlformats.org/drawingml/2006/diagram" xmlns:a="http://schemas.openxmlformats.org/drawingml/2006/main" uniqueId="urn:microsoft.com/office/officeart/2005/8/quickstyle/simple4">
-  <dgm:title val=""/>
-  <dgm:desc val=""/>
-  <dgm:catLst>
-    <dgm:cat type="simple" pri="10400"/>
-  </dgm:catLst>
-  <dgm:scene3d>
-    <a:camera prst="orthographicFront"/>
-    <a:lightRig rig="threePt" dir="t"/>
-  </dgm:scene3d>
-  <dgm:styleLbl name="node0">
-    <dgm:scene3d>
-      <a:camera prst="orthographicFront"/>
-      <a:lightRig rig="threePt" dir="t"/>
-    </dgm:scene3d>
-    <dgm:sp3d/>
-    <dgm:txPr/>
-    <dgm:style>
-      <a:lnRef idx="0">
-        <a:scrgbClr r="0" g="0" b="0"/>
-      </a:lnRef>
-      <a:fillRef idx="3">
-        <a:scrgbClr r="0" g="0" b="0"/>
-      </a:fillRef>
-      <a:effectRef idx="2">
-        <a:scrgbClr r="0" g="0" b="0"/>
-      </a:effectRef>
-      <a:fontRef idx="minor">
-        <a:schemeClr val="lt1"/>
-      </a:fontRef>
-    </dgm:style>
-  </dgm:styleLbl>
-  <dgm:styleLbl name="lnNode1">
-    <dgm:scene3d>
-      <a:camera prst="orthographicFront"/>
-      <a:lightRig rig="threePt" dir="t"/>
-    </dgm:scene3d>
-    <dgm:sp3d/>
-    <dgm:txPr/>
-    <dgm:style>
-      <a:lnRef idx="1">
-        <a:scrgbClr r="0" g="0" b="0"/>
-      </a:lnRef>
-      <a:fillRef idx="3">
-        <a:scrgbClr r="0" g="0" b="0"/>
-      </a:fillRef>
-      <a:effectRef idx="2">
-        <a:scrgbClr r="0" g="0" b="0"/>
-      </a:effectRef>
-      <a:fontRef idx="minor">
-        <a:schemeClr val="lt1"/>
-      </a:fontRef>
-    </dgm:style>
-  </dgm:styleLbl>
-  <dgm:styleLbl name="vennNode1">
-    <dgm:scene3d>
-      <a:camera prst="orthographicFront"/>
-      <a:lightRig rig="threePt" dir="t"/>
-    </dgm:scene3d>
-    <dgm:sp3d/>
-    <dgm:txPr/>
-    <dgm:style>
-      <a:lnRef idx="0">
-        <a:scrgbClr r="0" g="0" b="0"/>
-      </a:lnRef>
-      <a:fillRef idx="3">
-        <a:scrgbClr r="0" g="0" b="0"/>
-      </a:fillRef>
-      <a:effectRef idx="0">
-        <a:scrgbClr r="0" g="0" b="0"/>
-      </a:effectRef>
-      <a:fontRef idx="minor">
-        <a:schemeClr val="tx1"/>
-      </a:fontRef>
-    </dgm:style>
-  </dgm:styleLbl>
-  <dgm:styleLbl name="alignNode1">
-    <dgm:scene3d>
-      <a:camera prst="orthographicFront"/>
-      <a:lightRig rig="threePt" dir="t"/>
-    </dgm:scene3d>
-    <dgm:sp3d/>
-    <dgm:txPr/>
-    <dgm:style>
-      <a:lnRef idx="1">
-        <a:scrgbClr r="0" g="0" b="0"/>
-      </a:lnRef>
-      <a:fillRef idx="3">
-        <a:scrgbClr r="0" g="0" b="0"/>
-      </a:fillRef>
-      <a:effectRef idx="2">
-        <a:scrgbClr r="0" g="0" b="0"/>
-      </a:effectRef>
-      <a:fontRef idx="minor">
-        <a:schemeClr val="lt1"/>
-      </a:fontRef>
-    </dgm:style>
-  </dgm:styleLbl>
-  <dgm:styleLbl name="node1">
-    <dgm:scene3d>
-      <a:camera prst="orthographicFront"/>
-      <a:lightRig rig="threePt" dir="t"/>
-    </dgm:scene3d>
-    <dgm:sp3d/>
-    <dgm:txPr/>
-    <dgm:style>
-      <a:lnRef idx="0">
-        <a:scrgbClr r="0" g="0" b="0"/>
-      </a:lnRef>
-      <a:fillRef idx="3">
-        <a:scrgbClr r="0" g="0" b="0"/>
-      </a:fillRef>
-      <a:effectRef idx="2">
-        <a:scrgbClr r="0" g="0" b="0"/>
-      </a:effectRef>
-      <a:fontRef idx="minor">
-        <a:schemeClr val="lt1"/>
-      </a:fontRef>
-    </dgm:style>
-  </dgm:styleLbl>
-  <dgm:styleLbl name="node2">
-    <dgm:scene3d>
-      <a:camera prst="orthographicFront"/>
-      <a:lightRig rig="threePt" dir="t"/>
-    </dgm:scene3d>
-    <dgm:sp3d/>
-    <dgm:txPr/>
-    <dgm:style>
-      <a:lnRef idx="0">
-        <a:scrgbClr r="0" g="0" b="0"/>
-      </a:lnRef>
-      <a:fillRef idx="3">
-        <a:scrgbClr r="0" g="0" b="0"/>
-      </a:fillRef>
-      <a:effectRef idx="2">
-        <a:scrgbClr r="0" g="0" b="0"/>
-      </a:effectRef>
-      <a:fontRef idx="minor">
-        <a:schemeClr val="lt1"/>
-      </a:fontRef>
-    </dgm:style>
-  </dgm:styleLbl>
-  <dgm:styleLbl name="node3">
-    <dgm:scene3d>
-      <a:camera prst="orthographicFront"/>
-      <a:lightRig rig="threePt" dir="t"/>
-    </dgm:scene3d>
-    <dgm:sp3d/>
-    <dgm:txPr/>
-    <dgm:style>
-      <a:lnRef idx="0">
-        <a:scrgbClr r="0" g="0" b="0"/>
-      </a:lnRef>
-      <a:fillRef idx="3">
-        <a:scrgbClr r="0" g="0" b="0"/>
-      </a:fillRef>
-      <a:effectRef idx="2">
-        <a:scrgbClr r="0" g="0" b="0"/>
-      </a:effectRef>
-      <a:fontRef idx="minor">
-        <a:schemeClr val="lt1"/>
-      </a:fontRef>
-    </dgm:style>
-  </dgm:styleLbl>
-  <dgm:styleLbl name="node4">
-    <dgm:scene3d>
-      <a:camera prst="orthographicFront"/>
-      <a:lightRig rig="threePt" dir="t"/>
-    </dgm:scene3d>
-    <dgm:sp3d/>
-    <dgm:txPr/>
-    <dgm:style>
-      <a:lnRef idx="0">
-        <a:scrgbClr r="0" g="0" b="0"/>
-      </a:lnRef>
-      <a:fillRef idx="3">
-        <a:scrgbClr r="0" g="0" b="0"/>
-      </a:fillRef>
-      <a:effectRef idx="2">
-        <a:scrgbClr r="0" g="0" b="0"/>
-      </a:effectRef>
-      <a:fontRef idx="minor">
-        <a:schemeClr val="lt1"/>
-      </a:fontRef>
-    </dgm:style>
-  </dgm:styleLbl>
-  <dgm:styleLbl name="fgImgPlace1">
-    <dgm:scene3d>
-      <a:camera prst="orthographicFront"/>
-      <a:lightRig rig="threePt" dir="t"/>
-    </dgm:scene3d>
-    <dgm:sp3d/>
-    <dgm:txPr/>
-    <dgm:style>
-      <a:lnRef idx="0">
-        <a:scrgbClr r="0" g="0" b="0"/>
-      </a:lnRef>
-      <a:fillRef idx="1">
-        <a:scrgbClr r="0" g="0" b="0"/>
-      </a:fillRef>
-      <a:effectRef idx="2">
-        <a:scrgbClr r="0" g="0" b="0"/>
-      </a:effectRef>
-      <a:fontRef idx="minor"/>
-    </dgm:style>
-  </dgm:styleLbl>
-  <dgm:styleLbl name="alignImgPlace1">
-    <dgm:scene3d>
-      <a:camera prst="orthographicFront"/>
-      <a:lightRig rig="threePt" dir="t"/>
-    </dgm:scene3d>
-    <dgm:sp3d/>
-    <dgm:txPr/>
-    <dgm:style>
-      <a:lnRef idx="0">
-        <a:scrgbClr r="0" g="0" b="0"/>
-      </a:lnRef>
-      <a:fillRef idx="1">
-        <a:scrgbClr r="0" g="0" b="0"/>
-      </a:fillRef>
-      <a:effectRef idx="2">
-        <a:scrgbClr r="0" g="0" b="0"/>
-      </a:effectRef>
-      <a:fontRef idx="minor"/>
-    </dgm:style>
-  </dgm:styleLbl>
-  <dgm:styleLbl name="bgImgPlace1">
-    <dgm:scene3d>
-      <a:camera prst="orthographicFront"/>
-      <a:lightRig rig="threePt" dir="t"/>
-    </dgm:scene3d>
-    <dgm:sp3d/>
-    <dgm:txPr/>
-    <dgm:style>
-      <a:lnRef idx="0">
-        <a:scrgbClr r="0" g="0" b="0"/>
-      </a:lnRef>
-      <a:fillRef idx="1">
-        <a:scrgbClr r="0" g="0" b="0"/>
-      </a:fillRef>
-      <a:effectRef idx="2">
-        <a:scrgbClr r="0" g="0" b="0"/>
-      </a:effectRef>
-      <a:fontRef idx="minor"/>
-    </dgm:style>
-  </dgm:styleLbl>
-  <dgm:styleLbl name="sibTrans2D1">
-    <dgm:scene3d>
-      <a:camera prst="orthographicFront"/>
-      <a:lightRig rig="threePt" dir="t"/>
-    </dgm:scene3d>
-    <dgm:sp3d/>
-    <dgm:txPr/>
-    <dgm:style>
-      <a:lnRef idx="0">
-        <a:scrgbClr r="0" g="0" b="0"/>
-      </a:lnRef>
-      <a:fillRef idx="3">
-        <a:scrgbClr r="0" g="0" b="0"/>
-      </a:fillRef>
-      <a:effectRef idx="2">
-        <a:scrgbClr r="0" g="0" b="0"/>
-      </a:effectRef>
-      <a:fontRef idx="minor">
-        <a:schemeClr val="lt1"/>
-      </a:fontRef>
-    </dgm:style>
-  </dgm:styleLbl>
-  <dgm:styleLbl name="fgSibTrans2D1">
-    <dgm:scene3d>
-      <a:camera prst="orthographicFront"/>
-      <a:lightRig rig="threePt" dir="t"/>
-    </dgm:scene3d>
-    <dgm:sp3d/>
-    <dgm:txPr/>
-    <dgm:style>
-      <a:lnRef idx="0">
-        <a:scrgbClr r="0" g="0" b="0"/>
-      </a:lnRef>
-      <a:fillRef idx="3">
-        <a:scrgbClr r="0" g="0" b="0"/>
-      </a:fillRef>
-      <a:effectRef idx="2">
-        <a:scrgbClr r="0" g="0" b="0"/>
-      </a:effectRef>
-      <a:fontRef idx="minor">
-        <a:schemeClr val="lt1"/>
-      </a:fontRef>
-    </dgm:style>
-  </dgm:styleLbl>
-  <dgm:styleLbl name="bgSibTrans2D1">
-    <dgm:scene3d>
-      <a:camera prst="orthographicFront"/>
-      <a:lightRig rig="threePt" dir="t"/>
-    </dgm:scene3d>
-    <dgm:sp3d/>
-    <dgm:txPr/>
-    <dgm:style>
-      <a:lnRef idx="0">
-        <a:scrgbClr r="0" g="0" b="0"/>
-      </a:lnRef>
-      <a:fillRef idx="3">
-        <a:scrgbClr r="0" g="0" b="0"/>
-      </a:fillRef>
-      <a:effectRef idx="2">
-        <a:scrgbClr r="0" g="0" b="0"/>
-      </a:effectRef>
-      <a:fontRef idx="minor">
-        <a:schemeClr val="lt1"/>
-      </a:fontRef>
-    </dgm:style>
-  </dgm:styleLbl>
-  <dgm:styleLbl name="sibTrans1D1">
-    <dgm:scene3d>
-      <a:camera prst="orthographicFront"/>
-      <a:lightRig rig="threePt" dir="t"/>
-    </dgm:scene3d>
-    <dgm:sp3d/>
-    <dgm:txPr/>
-    <dgm:style>
-      <a:lnRef idx="1">
-        <a:scrgbClr r="0" g="0" b="0"/>
-      </a:lnRef>
-      <a:fillRef idx="0">
-        <a:scrgbClr r="0" g="0" b="0"/>
-      </a:fillRef>
-      <a:effectRef idx="0">
-        <a:scrgbClr r="0" g="0" b="0"/>
-      </a:effectRef>
-      <a:fontRef idx="minor"/>
-    </dgm:style>
-  </dgm:styleLbl>
-  <dgm:styleLbl name="callout">
-    <dgm:scene3d>
-      <a:camera prst="orthographicFront"/>
-      <a:lightRig rig="threePt" dir="t"/>
-    </dgm:scene3d>
-    <dgm:sp3d/>
-    <dgm:txPr/>
-    <dgm:style>
-      <a:lnRef idx="2">
-        <a:scrgbClr r="0" g="0" b="0"/>
-      </a:lnRef>
-      <a:fillRef idx="1">
-        <a:scrgbClr r="0" g="0" b="0"/>
-      </a:fillRef>
-      <a:effectRef idx="1">
-        <a:scrgbClr r="0" g="0" b="0"/>
-      </a:effectRef>
-      <a:fontRef idx="minor"/>
-    </dgm:style>
-  </dgm:styleLbl>
-  <dgm:styleLbl name="asst0">
-    <dgm:scene3d>
-      <a:camera prst="orthographicFront"/>
-      <a:lightRig rig="threePt" dir="t"/>
-    </dgm:scene3d>
-    <dgm:sp3d/>
-    <dgm:txPr/>
-    <dgm:style>
-      <a:lnRef idx="0">
-        <a:scrgbClr r="0" g="0" b="0"/>
-      </a:lnRef>
-      <a:fillRef idx="3">
-        <a:scrgbClr r="0" g="0" b="0"/>
-      </a:fillRef>
-      <a:effectRef idx="2">
-        <a:scrgbClr r="0" g="0" b="0"/>
-      </a:effectRef>
-      <a:fontRef idx="minor">
-        <a:schemeClr val="lt1"/>
-      </a:fontRef>
-    </dgm:style>
-  </dgm:styleLbl>
-  <dgm:styleLbl name="asst1">
-    <dgm:scene3d>
-      <a:camera prst="orthographicFront"/>
-      <a:lightRig rig="threePt" dir="t"/>
-    </dgm:scene3d>
-    <dgm:sp3d/>
-    <dgm:txPr/>
-    <dgm:style>
-      <a:lnRef idx="0">
-        <a:scrgbClr r="0" g="0" b="0"/>
-      </a:lnRef>
-      <a:fillRef idx="3">
-        <a:scrgbClr r="0" g="0" b="0"/>
-      </a:fillRef>
-      <a:effectRef idx="2">
-        <a:scrgbClr r="0" g="0" b="0"/>
-      </a:effectRef>
-      <a:fontRef idx="minor">
-        <a:schemeClr val="lt1"/>
-      </a:fontRef>
-    </dgm:style>
-  </dgm:styleLbl>
-  <dgm:styleLbl name="asst2">
-    <dgm:scene3d>
-      <a:camera prst="orthographicFront"/>
-      <a:lightRig rig="threePt" dir="t"/>
-    </dgm:scene3d>
-    <dgm:sp3d/>
-    <dgm:txPr/>
-    <dgm:style>
-      <a:lnRef idx="0">
-        <a:scrgbClr r="0" g="0" b="0"/>
-      </a:lnRef>
-      <a:fillRef idx="3">
-        <a:scrgbClr r="0" g="0" b="0"/>
-      </a:fillRef>
-      <a:effectRef idx="2">
-        <a:scrgbClr r="0" g="0" b="0"/>
-      </a:effectRef>
-      <a:fontRef idx="minor">
-        <a:schemeClr val="lt1"/>
-      </a:fontRef>
-    </dgm:style>
-  </dgm:styleLbl>
-  <dgm:styleLbl name="asst3">
-    <dgm:scene3d>
-      <a:camera prst="orthographicFront"/>
-      <a:lightRig rig="threePt" dir="t"/>
-    </dgm:scene3d>
-    <dgm:sp3d/>
-    <dgm:txPr/>
-    <dgm:style>
-      <a:lnRef idx="0">
-        <a:scrgbClr r="0" g="0" b="0"/>
-      </a:lnRef>
-      <a:fillRef idx="3">
-        <a:scrgbClr r="0" g="0" b="0"/>
-      </a:fillRef>
-      <a:effectRef idx="2">
-        <a:scrgbClr r="0" g="0" b="0"/>
-      </a:effectRef>
-      <a:fontRef idx="minor">
-        <a:schemeClr val="lt1"/>
-      </a:fontRef>
-    </dgm:style>
-  </dgm:styleLbl>
-  <dgm:styleLbl name="asst4">
-    <dgm:scene3d>
-      <a:camera prst="orthographicFront"/>
-      <a:lightRig rig="threePt" dir="t"/>
-    </dgm:scene3d>
-    <dgm:sp3d/>
-    <dgm:txPr/>
-    <dgm:style>
-      <a:lnRef idx="0">
-        <a:scrgbClr r="0" g="0" b="0"/>
-      </a:lnRef>
-      <a:fillRef idx="3">
-        <a:scrgbClr r="0" g="0" b="0"/>
-      </a:fillRef>
-      <a:effectRef idx="2">
-        <a:scrgbClr r="0" g="0" b="0"/>
-      </a:effectRef>
-      <a:fontRef idx="minor">
-        <a:schemeClr val="lt1"/>
-      </a:fontRef>
-    </dgm:style>
-  </dgm:styleLbl>
-  <dgm:styleLbl name="parChTrans2D1">
-    <dgm:scene3d>
-      <a:camera prst="orthographicFront"/>
-      <a:lightRig rig="threePt" dir="t"/>
-    </dgm:scene3d>
-    <dgm:sp3d/>
-    <dgm:txPr/>
-    <dgm:style>
-      <a:lnRef idx="0">
-        <a:scrgbClr r="0" g="0" b="0"/>
-      </a:lnRef>
-      <a:fillRef idx="3">
-        <a:scrgbClr r="0" g="0" b="0"/>
-      </a:fillRef>
-      <a:effectRef idx="2">
-        <a:scrgbClr r="0" g="0" b="0"/>
-      </a:effectRef>
-      <a:fontRef idx="minor">
-        <a:schemeClr val="lt1"/>
-      </a:fontRef>
-    </dgm:style>
-  </dgm:styleLbl>
-  <dgm:styleLbl name="parChTrans2D2">
-    <dgm:scene3d>
-      <a:camera prst="orthographicFront"/>
-      <a:lightRig rig="threePt" dir="t"/>
-    </dgm:scene3d>
-    <dgm:sp3d/>
-    <dgm:txPr/>
-    <dgm:style>
-      <a:lnRef idx="0">
-        <a:scrgbClr r="0" g="0" b="0"/>
-      </a:lnRef>
-      <a:fillRef idx="3">
-        <a:scrgbClr r="0" g="0" b="0"/>
-      </a:fillRef>
-      <a:effectRef idx="2">
-        <a:scrgbClr r="0" g="0" b="0"/>
-      </a:effectRef>
-      <a:fontRef idx="minor">
-        <a:schemeClr val="lt1"/>
-      </a:fontRef>
-    </dgm:style>
-  </dgm:styleLbl>
-  <dgm:styleLbl name="parChTrans2D3">
-    <dgm:scene3d>
-      <a:camera prst="orthographicFront"/>
-      <a:lightRig rig="threePt" dir="t"/>
-    </dgm:scene3d>
-    <dgm:sp3d/>
-    <dgm:txPr/>
-    <dgm:style>
-      <a:lnRef idx="1">
-        <a:scrgbClr r="0" g="0" b="0"/>
-      </a:lnRef>
-      <a:fillRef idx="3">
-        <a:scrgbClr r="0" g="0" b="0"/>
-      </a:fillRef>
-      <a:effectRef idx="2">
-        <a:scrgbClr r="0" g="0" b="0"/>
-      </a:effectRef>
-      <a:fontRef idx="minor">
-        <a:schemeClr val="lt1"/>
-      </a:fontRef>
-    </dgm:style>
-  </dgm:styleLbl>
-  <dgm:styleLbl name="parChTrans2D4">
-    <dgm:scene3d>
-      <a:camera prst="orthographicFront"/>
-      <a:lightRig rig="threePt" dir="t"/>
-    </dgm:scene3d>
-    <dgm:sp3d/>
-    <dgm:txPr/>
-    <dgm:style>
-      <a:lnRef idx="1">
-        <a:scrgbClr r="0" g="0" b="0"/>
-      </a:lnRef>
-      <a:fillRef idx="3">
-        <a:scrgbClr r="0" g="0" b="0"/>
-      </a:fillRef>
-      <a:effectRef idx="2">
-        <a:scrgbClr r="0" g="0" b="0"/>
-      </a:effectRef>
-      <a:fontRef idx="minor">
-        <a:schemeClr val="lt1"/>
-      </a:fontRef>
-    </dgm:style>
-  </dgm:styleLbl>
-  <dgm:styleLbl name="parChTrans1D1">
-    <dgm:scene3d>
-      <a:camera prst="orthographicFront"/>
-      <a:lightRig rig="threePt" dir="t"/>
-    </dgm:scene3d>
-    <dgm:sp3d/>
-    <dgm:txPr/>
-    <dgm:style>
-      <a:lnRef idx="1">
-        <a:scrgbClr r="0" g="0" b="0"/>
-      </a:lnRef>
-      <a:fillRef idx="0">
-        <a:scrgbClr r="0" g="0" b="0"/>
-      </a:fillRef>
-      <a:effectRef idx="0">
-        <a:scrgbClr r="0" g="0" b="0"/>
-      </a:effectRef>
-      <a:fontRef idx="minor"/>
-    </dgm:style>
-  </dgm:styleLbl>
-  <dgm:styleLbl name="parChTrans1D2">
-    <dgm:scene3d>
-      <a:camera prst="orthographicFront"/>
-      <a:lightRig rig="threePt" dir="t"/>
-    </dgm:scene3d>
-    <dgm:sp3d/>
-    <dgm:txPr/>
-    <dgm:style>
-      <a:lnRef idx="1">
-        <a:scrgbClr r="0" g="0" b="0"/>
-      </a:lnRef>
-      <a:fillRef idx="0">
-        <a:scrgbClr r="0" g="0" b="0"/>
-      </a:fillRef>
-      <a:effectRef idx="0">
-        <a:scrgbClr r="0" g="0" b="0"/>
-      </a:effectRef>
-      <a:fontRef idx="minor"/>
-    </dgm:style>
-  </dgm:styleLbl>
-  <dgm:styleLbl name="parChTrans1D3">
-    <dgm:scene3d>
-      <a:camera prst="orthographicFront"/>
-      <a:lightRig rig="threePt" dir="t"/>
-    </dgm:scene3d>
-    <dgm:sp3d/>
-    <dgm:txPr/>
-    <dgm:style>
-      <a:lnRef idx="1">
-        <a:scrgbClr r="0" g="0" b="0"/>
-      </a:lnRef>
-      <a:fillRef idx="0">
-        <a:scrgbClr r="0" g="0" b="0"/>
-      </a:fillRef>
-      <a:effectRef idx="0">
-        <a:scrgbClr r="0" g="0" b="0"/>
-      </a:effectRef>
-      <a:fontRef idx="minor"/>
-    </dgm:style>
-  </dgm:styleLbl>
-  <dgm:styleLbl name="parChTrans1D4">
-    <dgm:scene3d>
-      <a:camera prst="orthographicFront"/>
-      <a:lightRig rig="threePt" dir="t"/>
-    </dgm:scene3d>
-    <dgm:sp3d/>
-    <dgm:txPr/>
-    <dgm:style>
-      <a:lnRef idx="1">
-        <a:scrgbClr r="0" g="0" b="0"/>
-      </a:lnRef>
-      <a:fillRef idx="0">
-        <a:scrgbClr r="0" g="0" b="0"/>
-      </a:fillRef>
-      <a:effectRef idx="0">
-        <a:scrgbClr r="0" g="0" b="0"/>
-      </a:effectRef>
-      <a:fontRef idx="minor"/>
-    </dgm:style>
-  </dgm:styleLbl>
-  <dgm:styleLbl name="fgAcc1">
-    <dgm:scene3d>
-      <a:camera prst="orthographicFront"/>
-      <a:lightRig rig="threePt" dir="t"/>
-    </dgm:scene3d>
-    <dgm:sp3d/>
-    <dgm:txPr/>
-    <dgm:style>
-      <a:lnRef idx="1">
-        <a:scrgbClr r="0" g="0" b="0"/>
-      </a:lnRef>
-      <a:fillRef idx="1">
-        <a:scrgbClr r="0" g="0" b="0"/>
-      </a:fillRef>
-      <a:effectRef idx="0">
-        <a:scrgbClr r="0" g="0" b="0"/>
-      </a:effectRef>
-      <a:fontRef idx="minor"/>
-    </dgm:style>
-  </dgm:styleLbl>
-  <dgm:styleLbl name="conFgAcc1">
-    <dgm:scene3d>
-      <a:camera prst="orthographicFront"/>
-      <a:lightRig rig="threePt" dir="t"/>
-    </dgm:scene3d>
-    <dgm:sp3d/>
-    <dgm:txPr/>
-    <dgm:style>
-      <a:lnRef idx="1">
-        <a:scrgbClr r="0" g="0" b="0"/>
-      </a:lnRef>
-      <a:fillRef idx="1">
-        <a:scrgbClr r="0" g="0" b="0"/>
-      </a:fillRef>
-      <a:effectRef idx="0">
-        <a:scrgbClr r="0" g="0" b="0"/>
-      </a:effectRef>
-      <a:fontRef idx="minor"/>
-    </dgm:style>
-  </dgm:styleLbl>
-  <dgm:styleLbl name="alignAcc1">
-    <dgm:scene3d>
-      <a:camera prst="orthographicFront"/>
-      <a:lightRig rig="threePt" dir="t"/>
-    </dgm:scene3d>
-    <dgm:sp3d/>
-    <dgm:txPr/>
-    <dgm:style>
-      <a:lnRef idx="1">
-        <a:scrgbClr r="0" g="0" b="0"/>
-      </a:lnRef>
-      <a:fillRef idx="1">
-        <a:scrgbClr r="0" g="0" b="0"/>
-      </a:fillRef>
-      <a:effectRef idx="0">
-        <a:scrgbClr r="0" g="0" b="0"/>
-      </a:effectRef>
-      <a:fontRef idx="minor"/>
-    </dgm:style>
-  </dgm:styleLbl>
-  <dgm:styleLbl name="trAlignAcc1">
-    <dgm:scene3d>
-      <a:camera prst="orthographicFront"/>
-      <a:lightRig rig="threePt" dir="t"/>
-    </dgm:scene3d>
-    <dgm:sp3d/>
-    <dgm:txPr/>
-    <dgm:style>
-      <a:lnRef idx="1">
-        <a:scrgbClr r="0" g="0" b="0"/>
-      </a:lnRef>
-      <a:fillRef idx="1">
-        <a:scrgbClr r="0" g="0" b="0"/>
-      </a:fillRef>
-      <a:effectRef idx="0">
-        <a:scrgbClr r="0" g="0" b="0"/>
-      </a:effectRef>
-      <a:fontRef idx="minor"/>
-    </dgm:style>
-  </dgm:styleLbl>
-  <dgm:styleLbl name="bgAcc1">
-    <dgm:scene3d>
-      <a:camera prst="orthographicFront"/>
-      <a:lightRig rig="threePt" dir="t"/>
-    </dgm:scene3d>
-    <dgm:sp3d/>
-    <dgm:txPr/>
-    <dgm:style>
-      <a:lnRef idx="1">
-        <a:scrgbClr r="0" g="0" b="0"/>
-      </a:lnRef>
-      <a:fillRef idx="1">
-        <a:scrgbClr r="0" g="0" b="0"/>
-      </a:fillRef>
-      <a:effectRef idx="0">
-        <a:scrgbClr r="0" g="0" b="0"/>
-      </a:effectRef>
-      <a:fontRef idx="minor"/>
-    </dgm:style>
-  </dgm:styleLbl>
-  <dgm:styleLbl name="solidFgAcc1">
-    <dgm:scene3d>
-      <a:camera prst="orthographicFront"/>
-      <a:lightRig rig="threePt" dir="t"/>
-    </dgm:scene3d>
-    <dgm:sp3d/>
-    <dgm:txPr/>
-    <dgm:style>
-      <a:lnRef idx="1">
-        <a:scrgbClr r="0" g="0" b="0"/>
-      </a:lnRef>
-      <a:fillRef idx="1">
-        <a:scrgbClr r="0" g="0" b="0"/>
-      </a:fillRef>
-      <a:effectRef idx="0">
-        <a:scrgbClr r="0" g="0" b="0"/>
-      </a:effectRef>
-      <a:fontRef idx="minor"/>
-    </dgm:style>
-  </dgm:styleLbl>
-  <dgm:styleLbl name="solidAlignAcc1">
-    <dgm:scene3d>
-      <a:camera prst="orthographicFront"/>
-      <a:lightRig rig="threePt" dir="t"/>
-    </dgm:scene3d>
-    <dgm:sp3d/>
-    <dgm:txPr/>
-    <dgm:style>
-      <a:lnRef idx="1">
-        <a:scrgbClr r="0" g="0" b="0"/>
-      </a:lnRef>
-      <a:fillRef idx="1">
-        <a:scrgbClr r="0" g="0" b="0"/>
-      </a:fillRef>
-      <a:effectRef idx="0">
-        <a:scrgbClr r="0" g="0" b="0"/>
-      </a:effectRef>
-      <a:fontRef idx="minor"/>
-    </dgm:style>
-  </dgm:styleLbl>
-  <dgm:styleLbl name="solidBgAcc1">
-    <dgm:scene3d>
-      <a:camera prst="orthographicFront"/>
-      <a:lightRig rig="threePt" dir="t"/>
-    </dgm:scene3d>
-    <dgm:sp3d/>
-    <dgm:txPr/>
-    <dgm:style>
-      <a:lnRef idx="1">
-        <a:scrgbClr r="0" g="0" b="0"/>
-      </a:lnRef>
-      <a:fillRef idx="1">
-        <a:scrgbClr r="0" g="0" b="0"/>
-      </a:fillRef>
-      <a:effectRef idx="0">
-        <a:scrgbClr r="0" g="0" b="0"/>
-      </a:effectRef>
-      <a:fontRef idx="minor"/>
-    </dgm:style>
-  </dgm:styleLbl>
-  <dgm:styleLbl name="fgAccFollowNode1">
-    <dgm:scene3d>
-      <a:camera prst="orthographicFront"/>
-      <a:lightRig rig="threePt" dir="t"/>
-    </dgm:scene3d>
-    <dgm:sp3d/>
-    <dgm:txPr/>
-    <dgm:style>
-      <a:lnRef idx="1">
-        <a:scrgbClr r="0" g="0" b="0"/>
-      </a:lnRef>
-      <a:fillRef idx="1">
-        <a:scrgbClr r="0" g="0" b="0"/>
-      </a:fillRef>
-      <a:effectRef idx="0">
-        <a:scrgbClr r="0" g="0" b="0"/>
-      </a:effectRef>
-      <a:fontRef idx="minor"/>
-    </dgm:style>
-  </dgm:styleLbl>
-  <dgm:styleLbl name="alignAccFollowNode1">
-    <dgm:scene3d>
-      <a:camera prst="orthographicFront"/>
-      <a:lightRig rig="threePt" dir="t"/>
-    </dgm:scene3d>
-    <dgm:sp3d/>
-    <dgm:txPr/>
-    <dgm:style>
-      <a:lnRef idx="1">
-        <a:scrgbClr r="0" g="0" b="0"/>
-      </a:lnRef>
-      <a:fillRef idx="1">
-        <a:scrgbClr r="0" g="0" b="0"/>
-      </a:fillRef>
-      <a:effectRef idx="0">
-        <a:scrgbClr r="0" g="0" b="0"/>
-      </a:effectRef>
-      <a:fontRef idx="minor"/>
-    </dgm:style>
-  </dgm:styleLbl>
-  <dgm:styleLbl name="bgAccFollowNode1">
-    <dgm:scene3d>
-      <a:camera prst="orthographicFront"/>
-      <a:lightRig rig="threePt" dir="t"/>
-    </dgm:scene3d>
-    <dgm:sp3d/>
-    <dgm:txPr/>
-    <dgm:style>
-      <a:lnRef idx="1">
-        <a:scrgbClr r="0" g="0" b="0"/>
-      </a:lnRef>
-      <a:fillRef idx="1">
-        <a:scrgbClr r="0" g="0" b="0"/>
-      </a:fillRef>
-      <a:effectRef idx="0">
-        <a:scrgbClr r="0" g="0" b="0"/>
-      </a:effectRef>
-      <a:fontRef idx="minor"/>
-    </dgm:style>
-  </dgm:styleLbl>
-  <dgm:styleLbl name="fgAcc0">
-    <dgm:scene3d>
-      <a:camera prst="orthographicFront"/>
-      <a:lightRig rig="threePt" dir="t"/>
-    </dgm:scene3d>
-    <dgm:sp3d/>
-    <dgm:txPr/>
-    <dgm:style>
-      <a:lnRef idx="1">
-        <a:scrgbClr r="0" g="0" b="0"/>
-      </a:lnRef>
-      <a:fillRef idx="1">
-        <a:scrgbClr r="0" g="0" b="0"/>
-      </a:fillRef>
-      <a:effectRef idx="0">
-        <a:scrgbClr r="0" g="0" b="0"/>
-      </a:effectRef>
-      <a:fontRef idx="minor"/>
-    </dgm:style>
-  </dgm:styleLbl>
-  <dgm:styleLbl name="fgAcc2">
-    <dgm:scene3d>
-      <a:camera prst="orthographicFront"/>
-      <a:lightRig rig="threePt" dir="t"/>
-    </dgm:scene3d>
-    <dgm:sp3d/>
-    <dgm:txPr/>
-    <dgm:style>
-      <a:lnRef idx="1">
-        <a:scrgbClr r="0" g="0" b="0"/>
-      </a:lnRef>
-      <a:fillRef idx="1">
-        <a:scrgbClr r="0" g="0" b="0"/>
-      </a:fillRef>
-      <a:effectRef idx="0">
-        <a:scrgbClr r="0" g="0" b="0"/>
-      </a:effectRef>
-      <a:fontRef idx="minor"/>
-    </dgm:style>
-  </dgm:styleLbl>
-  <dgm:styleLbl name="fgAcc3">
-    <dgm:scene3d>
-      <a:camera prst="orthographicFront"/>
-      <a:lightRig rig="threePt" dir="t"/>
-    </dgm:scene3d>
-    <dgm:sp3d/>
-    <dgm:txPr/>
-    <dgm:style>
-      <a:lnRef idx="1">
-        <a:scrgbClr r="0" g="0" b="0"/>
-      </a:lnRef>
-      <a:fillRef idx="1">
-        <a:scrgbClr r="0" g="0" b="0"/>
-      </a:fillRef>
-      <a:effectRef idx="0">
-        <a:scrgbClr r="0" g="0" b="0"/>
-      </a:effectRef>
-      <a:fontRef idx="minor"/>
-    </dgm:style>
-  </dgm:styleLbl>
-  <dgm:styleLbl name="fgAcc4">
-    <dgm:scene3d>
-      <a:camera prst="orthographicFront"/>
-      <a:lightRig rig="threePt" dir="t"/>
-    </dgm:scene3d>
-    <dgm:sp3d/>
-    <dgm:txPr/>
-    <dgm:style>
-      <a:lnRef idx="1">
-        <a:scrgbClr r="0" g="0" b="0"/>
-      </a:lnRef>
-      <a:fillRef idx="1">
-        <a:scrgbClr r="0" g="0" b="0"/>
-      </a:fillRef>
-      <a:effectRef idx="0">
-        <a:scrgbClr r="0" g="0" b="0"/>
-      </a:effectRef>
-      <a:fontRef idx="minor"/>
-    </dgm:style>
-  </dgm:styleLbl>
-  <dgm:styleLbl name="bgShp">
-    <dgm:scene3d>
-      <a:camera prst="orthographicFront"/>
-      <a:lightRig rig="threePt" dir="t"/>
-    </dgm:scene3d>
-    <dgm:sp3d/>
-    <dgm:txPr/>
-    <dgm:style>
-      <a:lnRef idx="0">
-        <a:scrgbClr r="0" g="0" b="0"/>
-      </a:lnRef>
-      <a:fillRef idx="1">
-        <a:scrgbClr r="0" g="0" b="0"/>
-      </a:fillRef>
-      <a:effectRef idx="2">
-        <a:scrgbClr r="0" g="0" b="0"/>
-      </a:effectRef>
-      <a:fontRef idx="minor"/>
-    </dgm:style>
-  </dgm:styleLbl>
-  <dgm:styleLbl name="dkBgShp">
-    <dgm:scene3d>
-      <a:camera prst="orthographicFront"/>
-      <a:lightRig rig="threePt" dir="t"/>
-    </dgm:scene3d>
-    <dgm:sp3d/>
-    <dgm:txPr/>
-    <dgm:style>
-      <a:lnRef idx="0">
-        <a:scrgbClr r="0" g="0" b="0"/>
-      </a:lnRef>
-      <a:fillRef idx="1">
-        <a:scrgbClr r="0" g="0" b="0"/>
-      </a:fillRef>
-      <a:effectRef idx="2">
-        <a:scrgbClr r="0" g="0" b="0"/>
-      </a:effectRef>
-      <a:fontRef idx="minor"/>
-    </dgm:style>
-  </dgm:styleLbl>
-  <dgm:styleLbl name="trBgShp">
-    <dgm:scene3d>
-      <a:camera prst="orthographicFront"/>
-      <a:lightRig rig="threePt" dir="t"/>
-    </dgm:scene3d>
-    <dgm:sp3d/>
-    <dgm:txPr/>
-    <dgm:style>
-      <a:lnRef idx="0">
-        <a:scrgbClr r="0" g="0" b="0"/>
-      </a:lnRef>
-      <a:fillRef idx="1">
-        <a:scrgbClr r="0" g="0" b="0"/>
-      </a:fillRef>
-      <a:effectRef idx="0">
-        <a:scrgbClr r="0" g="0" b="0"/>
-      </a:effectRef>
-      <a:fontRef idx="minor"/>
-    </dgm:style>
-  </dgm:styleLbl>
-  <dgm:styleLbl name="fgShp">
-    <dgm:scene3d>
-      <a:camera prst="orthographicFront"/>
-      <a:lightRig rig="threePt" dir="t"/>
-    </dgm:scene3d>
-    <dgm:sp3d/>
-    <dgm:txPr/>
-    <dgm:style>
-      <a:lnRef idx="0">
-        <a:scrgbClr r="0" g="0" b="0"/>
-      </a:lnRef>
-      <a:fillRef idx="3">
-        <a:scrgbClr r="0" g="0" b="0"/>
-      </a:fillRef>
-      <a:effectRef idx="2">
-        <a:scrgbClr r="0" g="0" b="0"/>
-      </a:effectRef>
-      <a:fontRef idx="minor"/>
-    </dgm:style>
-  </dgm:styleLbl>
-  <dgm:styleLbl name="revTx">
-    <dgm:scene3d>
-      <a:camera prst="orthographicFront"/>
-      <a:lightRig rig="threePt" dir="t"/>
-    </dgm:scene3d>
-    <dgm:sp3d/>
-    <dgm:txPr/>
-    <dgm:style>
-      <a:lnRef idx="0">
-        <a:scrgbClr r="0" g="0" b="0"/>
-      </a:lnRef>
-      <a:fillRef idx="0">
-        <a:scrgbClr r="0" g="0" b="0"/>
-      </a:fillRef>
-      <a:effectRef idx="0">
-        <a:scrgbClr r="0" g="0" b="0"/>
-      </a:effectRef>
-      <a:fontRef idx="minor"/>
-    </dgm:style>
-  </dgm:styleLbl>
-</dgm:styleDef>
 </file>
 
 <file path=ppt/notesMasters/notesMaster1.xml><?xml version="1.0" encoding="utf-8"?>
@@ -7954,7 +4403,7 @@
       </p:grpSpPr>
       <p:sp>
         <p:nvSpPr>
-          <p:cNvPr id="2" name="Title 1"/>
+          <p:cNvPr id="4" name="Title 3"/>
           <p:cNvSpPr>
             <a:spLocks noGrp="1"/>
           </p:cNvSpPr>
@@ -7969,38 +4418,435 @@
           <a:p>
             <a:r>
               <a:rPr lang="en-US" dirty="0" smtClean="0"/>
-              <a:t>Process</a:t>
+              <a:t>Algorithms</a:t>
             </a:r>
             <a:endParaRPr lang="en-US" dirty="0"/>
           </a:p>
         </p:txBody>
       </p:sp>
-      <p:graphicFrame>
-        <p:nvGraphicFramePr>
-          <p:cNvPr id="3" name="Diagram 2"/>
-          <p:cNvGraphicFramePr/>
-          <p:nvPr>
-            <p:extLst>
-              <p:ext uri="{D42A27DB-BD31-4B8C-83A1-F6EECF244321}">
-                <p14:modId xmlns:p14="http://schemas.microsoft.com/office/powerpoint/2010/main" val="2425851994"/>
-              </p:ext>
-            </p:extLst>
-          </p:nvPr>
-        </p:nvGraphicFramePr>
-        <p:xfrm>
-          <a:off x="465714" y="1592362"/>
-          <a:ext cx="7951732" cy="4577803"/>
-        </p:xfrm>
-        <a:graphic>
-          <a:graphicData uri="http://schemas.openxmlformats.org/drawingml/2006/diagram">
-            <dgm:relIds xmlns:dgm="http://schemas.openxmlformats.org/drawingml/2006/diagram" xmlns:r="http://schemas.openxmlformats.org/officeDocument/2006/relationships" r:dm="rId2" r:lo="rId3" r:qs="rId4" r:cs="rId5"/>
-          </a:graphicData>
-        </a:graphic>
-      </p:graphicFrame>
+      <p:sp>
+        <p:nvSpPr>
+          <p:cNvPr id="6" name="Content Placeholder 5"/>
+          <p:cNvSpPr>
+            <a:spLocks noGrp="1"/>
+          </p:cNvSpPr>
+          <p:nvPr>
+            <p:ph idx="1"/>
+          </p:nvPr>
+        </p:nvSpPr>
+        <p:spPr>
+          <a:xfrm>
+            <a:off x="457200" y="3597906"/>
+            <a:ext cx="8229600" cy="651832"/>
+          </a:xfrm>
+        </p:spPr>
+        <p:txBody>
+          <a:bodyPr/>
+          <a:lstStyle/>
+          <a:p>
+            <a:pPr marL="0" indent="0">
+              <a:buNone/>
+            </a:pPr>
+            <a:r>
+              <a:rPr lang="en-US" dirty="0" err="1" smtClean="0">
+                <a:latin typeface="Andale Mono"/>
+                <a:cs typeface="Andale Mono"/>
+              </a:rPr>
+              <a:t>rpart</a:t>
+            </a:r>
+            <a:r>
+              <a:rPr lang="en-US" dirty="0" smtClean="0"/>
+              <a:t> package</a:t>
+            </a:r>
+          </a:p>
+        </p:txBody>
+      </p:sp>
+      <p:sp>
+        <p:nvSpPr>
+          <p:cNvPr id="5" name="Text Placeholder 4"/>
+          <p:cNvSpPr>
+            <a:spLocks noGrp="1"/>
+          </p:cNvSpPr>
+          <p:nvPr>
+            <p:ph type="body" idx="4294967295"/>
+          </p:nvPr>
+        </p:nvSpPr>
+        <p:spPr>
+          <a:xfrm>
+            <a:off x="457200" y="3086100"/>
+            <a:ext cx="3932238" cy="639763"/>
+          </a:xfrm>
+        </p:spPr>
+        <p:txBody>
+          <a:bodyPr>
+            <a:normAutofit/>
+          </a:bodyPr>
+          <a:lstStyle/>
+          <a:p>
+            <a:pPr marL="0" indent="0" algn="l">
+              <a:buNone/>
+            </a:pPr>
+            <a:r>
+              <a:rPr lang="en-US" sz="2800" dirty="0" smtClean="0">
+                <a:solidFill>
+                  <a:schemeClr val="tx2"/>
+                </a:solidFill>
+              </a:rPr>
+              <a:t>Decision Tree</a:t>
+            </a:r>
+            <a:endParaRPr lang="en-US" sz="2800" dirty="0">
+              <a:solidFill>
+                <a:schemeClr val="tx2"/>
+              </a:solidFill>
+            </a:endParaRPr>
+          </a:p>
+        </p:txBody>
+      </p:sp>
+      <p:sp>
+        <p:nvSpPr>
+          <p:cNvPr id="7" name="Text Placeholder 6"/>
+          <p:cNvSpPr>
+            <a:spLocks noGrp="1"/>
+          </p:cNvSpPr>
+          <p:nvPr>
+            <p:ph type="body" sz="quarter" idx="4294967295"/>
+          </p:nvPr>
+        </p:nvSpPr>
+        <p:spPr>
+          <a:xfrm>
+            <a:off x="468303" y="4249738"/>
+            <a:ext cx="3932238" cy="639762"/>
+          </a:xfrm>
+        </p:spPr>
+        <p:txBody>
+          <a:bodyPr>
+            <a:normAutofit/>
+          </a:bodyPr>
+          <a:lstStyle/>
+          <a:p>
+            <a:pPr marL="0" indent="0" algn="l">
+              <a:buNone/>
+            </a:pPr>
+            <a:r>
+              <a:rPr lang="en-US" sz="2800" dirty="0" smtClean="0">
+                <a:solidFill>
+                  <a:srgbClr val="D2533C"/>
+                </a:solidFill>
+              </a:rPr>
+              <a:t>Neural Network</a:t>
+            </a:r>
+          </a:p>
+        </p:txBody>
+      </p:sp>
+      <p:sp>
+        <p:nvSpPr>
+          <p:cNvPr id="8" name="Content Placeholder 7"/>
+          <p:cNvSpPr>
+            <a:spLocks noGrp="1"/>
+          </p:cNvSpPr>
+          <p:nvPr>
+            <p:ph sz="quarter" idx="4294967295"/>
+          </p:nvPr>
+        </p:nvSpPr>
+        <p:spPr>
+          <a:xfrm>
+            <a:off x="468303" y="4735513"/>
+            <a:ext cx="8432800" cy="1776412"/>
+          </a:xfrm>
+        </p:spPr>
+        <p:txBody>
+          <a:bodyPr/>
+          <a:lstStyle/>
+          <a:p>
+            <a:pPr marL="0" indent="0">
+              <a:buNone/>
+            </a:pPr>
+            <a:r>
+              <a:rPr lang="en-US" dirty="0" err="1" smtClean="0">
+                <a:latin typeface="Andale Mono"/>
+                <a:cs typeface="Andale Mono"/>
+              </a:rPr>
+              <a:t>nnet</a:t>
+            </a:r>
+            <a:r>
+              <a:rPr lang="en-US" dirty="0" smtClean="0"/>
+              <a:t> package </a:t>
+            </a:r>
+          </a:p>
+          <a:p>
+            <a:pPr marL="0" indent="0">
+              <a:buNone/>
+            </a:pPr>
+            <a:r>
+              <a:rPr lang="en-US" dirty="0" smtClean="0"/>
+              <a:t>5-fold Cross Validation</a:t>
+            </a:r>
+          </a:p>
+          <a:p>
+            <a:pPr marL="0" indent="0">
+              <a:buNone/>
+            </a:pPr>
+            <a:r>
+              <a:rPr lang="en-US" dirty="0" smtClean="0"/>
+              <a:t>Runs for 100 iterations (default) or until error is no longer decreasing</a:t>
+            </a:r>
+            <a:endParaRPr lang="en-US" dirty="0"/>
+          </a:p>
+        </p:txBody>
+      </p:sp>
+      <p:pic>
+        <p:nvPicPr>
+          <p:cNvPr id="9" name="Picture 8" descr="images.jpg"/>
+          <p:cNvPicPr>
+            <a:picLocks noChangeAspect="1"/>
+          </p:cNvPicPr>
+          <p:nvPr/>
+        </p:nvPicPr>
+        <p:blipFill>
+          <a:blip r:embed="rId2">
+            <a:extLst>
+              <a:ext uri="{28A0092B-C50C-407E-A947-70E740481C1C}">
+                <a14:useLocalDpi xmlns:a14="http://schemas.microsoft.com/office/drawing/2010/main" val="0"/>
+              </a:ext>
+            </a:extLst>
+          </a:blip>
+          <a:stretch>
+            <a:fillRect/>
+          </a:stretch>
+        </p:blipFill>
+        <p:spPr>
+          <a:xfrm>
+            <a:off x="5838158" y="2061369"/>
+            <a:ext cx="2639459" cy="2049462"/>
+          </a:xfrm>
+          <a:prstGeom prst="rect">
+            <a:avLst/>
+          </a:prstGeom>
+        </p:spPr>
+      </p:pic>
+      <p:sp>
+        <p:nvSpPr>
+          <p:cNvPr id="12" name="Content Placeholder 5"/>
+          <p:cNvSpPr txBox="1">
+            <a:spLocks/>
+          </p:cNvSpPr>
+          <p:nvPr/>
+        </p:nvSpPr>
+        <p:spPr>
+          <a:xfrm>
+            <a:off x="457200" y="1744799"/>
+            <a:ext cx="5105146" cy="1341301"/>
+          </a:xfrm>
+          <a:prstGeom prst="rect">
+            <a:avLst/>
+          </a:prstGeom>
+        </p:spPr>
+        <p:txBody>
+          <a:bodyPr vert="horz" lIns="91440" tIns="45720" rIns="91440" bIns="45720" rtlCol="0">
+            <a:normAutofit/>
+          </a:bodyPr>
+          <a:lstStyle>
+            <a:lvl1pPr marL="182880" indent="-182880" algn="l" defTabSz="914400" rtl="0" eaLnBrk="1" latinLnBrk="0" hangingPunct="1">
+              <a:spcBef>
+                <a:spcPct val="20000"/>
+              </a:spcBef>
+              <a:buClr>
+                <a:schemeClr val="accent1"/>
+              </a:buClr>
+              <a:buSzPct val="85000"/>
+              <a:buFont typeface="Arial" pitchFamily="34" charset="0"/>
+              <a:buChar char="•"/>
+              <a:defRPr sz="2400" kern="1200">
+                <a:solidFill>
+                  <a:schemeClr val="tx1"/>
+                </a:solidFill>
+                <a:latin typeface="+mn-lt"/>
+                <a:ea typeface="+mn-ea"/>
+                <a:cs typeface="+mn-cs"/>
+              </a:defRPr>
+            </a:lvl1pPr>
+            <a:lvl2pPr marL="457200" indent="-182880" algn="l" defTabSz="914400" rtl="0" eaLnBrk="1" latinLnBrk="0" hangingPunct="1">
+              <a:spcBef>
+                <a:spcPct val="20000"/>
+              </a:spcBef>
+              <a:buClr>
+                <a:schemeClr val="accent1"/>
+              </a:buClr>
+              <a:buSzPct val="85000"/>
+              <a:buFont typeface="Arial" pitchFamily="34" charset="0"/>
+              <a:buChar char="•"/>
+              <a:defRPr sz="2000" kern="1200">
+                <a:solidFill>
+                  <a:schemeClr val="tx1"/>
+                </a:solidFill>
+                <a:latin typeface="+mn-lt"/>
+                <a:ea typeface="+mn-ea"/>
+                <a:cs typeface="+mn-cs"/>
+              </a:defRPr>
+            </a:lvl2pPr>
+            <a:lvl3pPr marL="731520" indent="-182880" algn="l" defTabSz="914400" rtl="0" eaLnBrk="1" latinLnBrk="0" hangingPunct="1">
+              <a:spcBef>
+                <a:spcPct val="20000"/>
+              </a:spcBef>
+              <a:buClr>
+                <a:schemeClr val="accent1"/>
+              </a:buClr>
+              <a:buSzPct val="90000"/>
+              <a:buFont typeface="Arial" pitchFamily="34" charset="0"/>
+              <a:buChar char="•"/>
+              <a:defRPr sz="1800" kern="1200">
+                <a:solidFill>
+                  <a:schemeClr val="tx1"/>
+                </a:solidFill>
+                <a:latin typeface="+mn-lt"/>
+                <a:ea typeface="+mn-ea"/>
+                <a:cs typeface="+mn-cs"/>
+              </a:defRPr>
+            </a:lvl3pPr>
+            <a:lvl4pPr marL="1005840" indent="-182880" algn="l" defTabSz="914400" rtl="0" eaLnBrk="1" latinLnBrk="0" hangingPunct="1">
+              <a:spcBef>
+                <a:spcPct val="20000"/>
+              </a:spcBef>
+              <a:buClr>
+                <a:schemeClr val="accent1"/>
+              </a:buClr>
+              <a:buFont typeface="Arial" pitchFamily="34" charset="0"/>
+              <a:buChar char="•"/>
+              <a:defRPr sz="1600" kern="1200">
+                <a:solidFill>
+                  <a:schemeClr val="tx1"/>
+                </a:solidFill>
+                <a:latin typeface="+mn-lt"/>
+                <a:ea typeface="+mn-ea"/>
+                <a:cs typeface="+mn-cs"/>
+              </a:defRPr>
+            </a:lvl4pPr>
+            <a:lvl5pPr marL="1188720" indent="-137160" algn="l" defTabSz="914400" rtl="0" eaLnBrk="1" latinLnBrk="0" hangingPunct="1">
+              <a:spcBef>
+                <a:spcPct val="20000"/>
+              </a:spcBef>
+              <a:buClr>
+                <a:schemeClr val="accent1"/>
+              </a:buClr>
+              <a:buSzPct val="100000"/>
+              <a:buFont typeface="Arial" pitchFamily="34" charset="0"/>
+              <a:buChar char="•"/>
+              <a:defRPr sz="1600" kern="1200" baseline="0">
+                <a:solidFill>
+                  <a:schemeClr val="tx1"/>
+                </a:solidFill>
+                <a:latin typeface="+mn-lt"/>
+                <a:ea typeface="+mn-ea"/>
+                <a:cs typeface="+mn-cs"/>
+              </a:defRPr>
+            </a:lvl5pPr>
+            <a:lvl6pPr marL="1371600" indent="-182880" algn="l" defTabSz="914400" rtl="0" eaLnBrk="1" latinLnBrk="0" hangingPunct="1">
+              <a:spcBef>
+                <a:spcPct val="20000"/>
+              </a:spcBef>
+              <a:buClr>
+                <a:schemeClr val="accent1"/>
+              </a:buClr>
+              <a:buFont typeface="Arial" pitchFamily="34" charset="0"/>
+              <a:buChar char="•"/>
+              <a:defRPr sz="1600" kern="1200">
+                <a:solidFill>
+                  <a:schemeClr val="tx1"/>
+                </a:solidFill>
+                <a:latin typeface="+mn-lt"/>
+                <a:ea typeface="+mn-ea"/>
+                <a:cs typeface="+mn-cs"/>
+              </a:defRPr>
+            </a:lvl6pPr>
+            <a:lvl7pPr marL="1554480" indent="-182880" algn="l" defTabSz="914400" rtl="0" eaLnBrk="1" latinLnBrk="0" hangingPunct="1">
+              <a:spcBef>
+                <a:spcPct val="20000"/>
+              </a:spcBef>
+              <a:buClr>
+                <a:schemeClr val="accent1"/>
+              </a:buClr>
+              <a:buFont typeface="Arial" pitchFamily="34" charset="0"/>
+              <a:buChar char="•"/>
+              <a:defRPr sz="1600" kern="1200">
+                <a:solidFill>
+                  <a:schemeClr val="tx1"/>
+                </a:solidFill>
+                <a:latin typeface="+mn-lt"/>
+                <a:ea typeface="+mn-ea"/>
+                <a:cs typeface="+mn-cs"/>
+              </a:defRPr>
+            </a:lvl7pPr>
+            <a:lvl8pPr marL="1737360" indent="-182880" algn="l" defTabSz="914400" rtl="0" eaLnBrk="1" latinLnBrk="0" hangingPunct="1">
+              <a:spcBef>
+                <a:spcPct val="20000"/>
+              </a:spcBef>
+              <a:buClr>
+                <a:schemeClr val="accent1"/>
+              </a:buClr>
+              <a:buFont typeface="Arial" pitchFamily="34" charset="0"/>
+              <a:buChar char="•"/>
+              <a:defRPr sz="1600" kern="1200">
+                <a:solidFill>
+                  <a:schemeClr val="tx1"/>
+                </a:solidFill>
+                <a:latin typeface="+mn-lt"/>
+                <a:ea typeface="+mn-ea"/>
+                <a:cs typeface="+mn-cs"/>
+              </a:defRPr>
+            </a:lvl8pPr>
+            <a:lvl9pPr marL="1920240" indent="-182880" algn="l" defTabSz="914400" rtl="0" eaLnBrk="1" latinLnBrk="0" hangingPunct="1">
+              <a:spcBef>
+                <a:spcPct val="20000"/>
+              </a:spcBef>
+              <a:buClr>
+                <a:schemeClr val="accent1"/>
+              </a:buClr>
+              <a:buFont typeface="Arial" pitchFamily="34" charset="0"/>
+              <a:buChar char="•"/>
+              <a:defRPr sz="1600" kern="1200">
+                <a:solidFill>
+                  <a:schemeClr val="tx1"/>
+                </a:solidFill>
+                <a:latin typeface="+mn-lt"/>
+                <a:ea typeface="+mn-ea"/>
+                <a:cs typeface="+mn-cs"/>
+              </a:defRPr>
+            </a:lvl9pPr>
+          </a:lstStyle>
+          <a:p>
+            <a:pPr marL="0" indent="0">
+              <a:buFont typeface="Arial" pitchFamily="34" charset="0"/>
+              <a:buNone/>
+            </a:pPr>
+            <a:r>
+              <a:rPr lang="en-US" dirty="0" smtClean="0"/>
+              <a:t>Multi-label classification transformed into a binary classification </a:t>
+            </a:r>
+          </a:p>
+          <a:p>
+            <a:pPr marL="0" indent="0">
+              <a:buFont typeface="Arial" pitchFamily="34" charset="0"/>
+              <a:buNone/>
+            </a:pPr>
+            <a:r>
+              <a:rPr lang="en-US" dirty="0" err="1" smtClean="0">
+                <a:latin typeface="Andale Mono"/>
+                <a:cs typeface="Andale Mono"/>
+              </a:rPr>
+              <a:t>mlr</a:t>
+            </a:r>
+            <a:r>
+              <a:rPr lang="en-US" dirty="0" smtClean="0"/>
+              <a:t> package </a:t>
+            </a:r>
+            <a:endParaRPr lang="en-US" dirty="0" smtClean="0"/>
+          </a:p>
+        </p:txBody>
+      </p:sp>
     </p:spTree>
     <p:extLst>
       <p:ext uri="{BB962C8B-B14F-4D97-AF65-F5344CB8AC3E}">
-        <p14:creationId xmlns:p14="http://schemas.microsoft.com/office/powerpoint/2010/main" val="2095355622"/>
+        <p14:creationId xmlns:p14="http://schemas.microsoft.com/office/powerpoint/2010/main" val="37337337"/>
       </p:ext>
     </p:extLst>
   </p:cSld>
@@ -8029,7 +4875,7 @@
       </p:grpSpPr>
       <p:sp>
         <p:nvSpPr>
-          <p:cNvPr id="4" name="Title 3"/>
+          <p:cNvPr id="2" name="Title 1"/>
           <p:cNvSpPr>
             <a:spLocks noGrp="1"/>
           </p:cNvSpPr>
@@ -8044,7 +4890,7 @@
           <a:p>
             <a:r>
               <a:rPr lang="en-US" dirty="0" smtClean="0"/>
-              <a:t>Algorithms</a:t>
+              <a:t>Feature Selection </a:t>
             </a:r>
             <a:endParaRPr lang="en-US" dirty="0"/>
           </a:p>
@@ -8052,141 +4898,108 @@
       </p:sp>
       <p:sp>
         <p:nvSpPr>
-          <p:cNvPr id="5" name="Text Placeholder 4"/>
-          <p:cNvSpPr>
-            <a:spLocks noGrp="1"/>
-          </p:cNvSpPr>
-          <p:nvPr>
-            <p:ph type="body" idx="1"/>
-          </p:nvPr>
-        </p:nvSpPr>
-        <p:spPr/>
+          <p:cNvPr id="5" name="Content Placeholder 4"/>
+          <p:cNvSpPr>
+            <a:spLocks noGrp="1"/>
+          </p:cNvSpPr>
+          <p:nvPr>
+            <p:ph idx="1"/>
+          </p:nvPr>
+        </p:nvSpPr>
+        <p:spPr>
+          <a:xfrm>
+            <a:off x="464060" y="4493312"/>
+            <a:ext cx="8222740" cy="2100136"/>
+          </a:xfrm>
+        </p:spPr>
         <p:txBody>
           <a:bodyPr>
-            <a:normAutofit/>
+            <a:normAutofit fontScale="92500" lnSpcReduction="20000"/>
           </a:bodyPr>
           <a:lstStyle/>
           <a:p>
-            <a:r>
-              <a:rPr lang="en-US" sz="2800" dirty="0" smtClean="0"/>
-              <a:t>Decision Tree</a:t>
-            </a:r>
-            <a:endParaRPr lang="en-US" sz="2800" dirty="0"/>
-          </a:p>
-        </p:txBody>
-      </p:sp>
-      <p:sp>
-        <p:nvSpPr>
-          <p:cNvPr id="6" name="Content Placeholder 5"/>
-          <p:cNvSpPr>
-            <a:spLocks noGrp="1"/>
-          </p:cNvSpPr>
-          <p:nvPr>
-            <p:ph sz="half" idx="2"/>
-          </p:nvPr>
-        </p:nvSpPr>
-        <p:spPr/>
-        <p:txBody>
-          <a:bodyPr/>
-          <a:lstStyle/>
-          <a:p>
             <a:pPr marL="0" indent="0">
               <a:buNone/>
             </a:pPr>
             <a:r>
-              <a:rPr lang="en-US" dirty="0" err="1" smtClean="0">
+              <a:rPr lang="en-US" b="1" dirty="0" smtClean="0"/>
+              <a:t>Final Model</a:t>
+            </a:r>
+          </a:p>
+          <a:p>
+            <a:pPr marL="0" indent="0">
+              <a:buNone/>
+            </a:pPr>
+            <a:r>
+              <a:rPr lang="en-US" dirty="0">
                 <a:latin typeface="Andale Mono"/>
                 <a:cs typeface="Andale Mono"/>
               </a:rPr>
-              <a:t>rpart</a:t>
-            </a:r>
-            <a:r>
-              <a:rPr lang="en-US" smtClean="0"/>
-              <a:t> package</a:t>
-            </a:r>
-            <a:endParaRPr lang="en-US" dirty="0" smtClean="0"/>
-          </a:p>
-        </p:txBody>
-      </p:sp>
-      <p:sp>
-        <p:nvSpPr>
-          <p:cNvPr id="7" name="Text Placeholder 6"/>
-          <p:cNvSpPr>
-            <a:spLocks noGrp="1"/>
-          </p:cNvSpPr>
-          <p:nvPr>
-            <p:ph type="body" sz="quarter" idx="3"/>
-          </p:nvPr>
-        </p:nvSpPr>
-        <p:spPr/>
-        <p:txBody>
-          <a:bodyPr>
-            <a:normAutofit/>
-          </a:bodyPr>
-          <a:lstStyle/>
-          <a:p>
-            <a:r>
-              <a:rPr lang="en-US" sz="2800" dirty="0" smtClean="0"/>
-              <a:t>Neural Network</a:t>
-            </a:r>
-          </a:p>
-        </p:txBody>
-      </p:sp>
-      <p:sp>
-        <p:nvSpPr>
-          <p:cNvPr id="8" name="Content Placeholder 7"/>
-          <p:cNvSpPr>
-            <a:spLocks noGrp="1"/>
-          </p:cNvSpPr>
-          <p:nvPr>
-            <p:ph sz="quarter" idx="4"/>
-          </p:nvPr>
-        </p:nvSpPr>
-        <p:spPr/>
-        <p:txBody>
-          <a:bodyPr/>
-          <a:lstStyle/>
+              <a:t>Target ~ character count, preposition count, char per word, has a number</a:t>
+            </a:r>
+          </a:p>
           <a:p>
             <a:pPr marL="0" indent="0">
               <a:buNone/>
             </a:pPr>
-            <a:r>
-              <a:rPr lang="en-US" dirty="0" err="1" smtClean="0">
+            <a:endParaRPr lang="en-US" dirty="0"/>
+          </a:p>
+          <a:p>
+            <a:pPr marL="0" indent="0">
+              <a:buNone/>
+            </a:pPr>
+            <a:r>
+              <a:rPr lang="en-US" dirty="0" smtClean="0"/>
+              <a:t>Target = (</a:t>
+            </a:r>
+            <a:r>
+              <a:rPr lang="en-US" sz="1800" dirty="0" smtClean="0">
                 <a:latin typeface="Andale Mono"/>
                 <a:cs typeface="Andale Mono"/>
               </a:rPr>
-              <a:t>nnet</a:t>
+              <a:t>Computers, Entertainment, Information, Living, Online Community, Shopping, Sports</a:t>
             </a:r>
             <a:r>
               <a:rPr lang="en-US" dirty="0" smtClean="0"/>
-              <a:t> package </a:t>
-            </a:r>
-          </a:p>
-          <a:p>
-            <a:pPr marL="0" indent="0">
-              <a:buNone/>
-            </a:pPr>
-            <a:r>
-              <a:rPr lang="en-US" dirty="0" smtClean="0"/>
-              <a:t>5-fold Cross Validation</a:t>
-            </a:r>
-          </a:p>
-          <a:p>
-            <a:pPr marL="0" indent="0">
-              <a:buNone/>
-            </a:pPr>
-            <a:r>
-              <a:rPr lang="en-US" dirty="0" smtClean="0"/>
-              <a:t>Runs for 100 iterations (default) or until error is no longer decreasing</a:t>
-            </a:r>
-            <a:endParaRPr lang="en-US" dirty="0"/>
-          </a:p>
-        </p:txBody>
-      </p:sp>
+              <a:t>)</a:t>
+            </a:r>
+          </a:p>
+        </p:txBody>
+      </p:sp>
+      <p:pic>
+        <p:nvPicPr>
+          <p:cNvPr id="6" name="Picture 5" descr="Screen Shot 2016-05-03 at 1.02.05 PM.png"/>
+          <p:cNvPicPr>
+            <a:picLocks noChangeAspect="1"/>
+          </p:cNvPicPr>
+          <p:nvPr/>
+        </p:nvPicPr>
+        <p:blipFill>
+          <a:blip r:embed="rId2">
+            <a:extLst>
+              <a:ext uri="{28A0092B-C50C-407E-A947-70E740481C1C}">
+                <a14:useLocalDpi xmlns:a14="http://schemas.microsoft.com/office/drawing/2010/main" val="0"/>
+              </a:ext>
+            </a:extLst>
+          </a:blip>
+          <a:stretch>
+            <a:fillRect/>
+          </a:stretch>
+        </p:blipFill>
+        <p:spPr>
+          <a:xfrm>
+            <a:off x="457201" y="1502519"/>
+            <a:ext cx="4964482" cy="2696067"/>
+          </a:xfrm>
+          <a:prstGeom prst="rect">
+            <a:avLst/>
+          </a:prstGeom>
+        </p:spPr>
+      </p:pic>
     </p:spTree>
     <p:extLst>
       <p:ext uri="{BB962C8B-B14F-4D97-AF65-F5344CB8AC3E}">
-        <p14:creationId xmlns:p14="http://schemas.microsoft.com/office/powerpoint/2010/main" val="37337337"/>
+        <p14:creationId xmlns:p14="http://schemas.microsoft.com/office/powerpoint/2010/main" val="2494718803"/>
       </p:ext>
     </p:extLst>
   </p:cSld>

--- a/presentation.pptx
+++ b/presentation.pptx
@@ -5,7 +5,7 @@
     <p:sldMasterId id="2147483960" r:id="rId1"/>
   </p:sldMasterIdLst>
   <p:notesMasterIdLst>
-    <p:notesMasterId r:id="rId9"/>
+    <p:notesMasterId r:id="rId11"/>
   </p:notesMasterIdLst>
   <p:sldIdLst>
     <p:sldId id="256" r:id="rId2"/>
@@ -15,6 +15,8 @@
     <p:sldId id="260" r:id="rId6"/>
     <p:sldId id="261" r:id="rId7"/>
     <p:sldId id="262" r:id="rId8"/>
+    <p:sldId id="263" r:id="rId9"/>
+    <p:sldId id="264" r:id="rId10"/>
   </p:sldIdLst>
   <p:sldSz cx="9144000" cy="6858000" type="screen4x3"/>
   <p:notesSz cx="6858000" cy="9144000"/>
@@ -125,6 +127,8 @@
             <p14:sldId id="260"/>
             <p14:sldId id="261"/>
             <p14:sldId id="262"/>
+            <p14:sldId id="263"/>
+            <p14:sldId id="264"/>
           </p14:sldIdLst>
         </p14:section>
       </p14:sectionLst>
@@ -4367,10 +4371,71 @@
               <a:rPr lang="en-US" dirty="0" smtClean="0"/>
               <a:t>2400 Queries </a:t>
             </a:r>
+          </a:p>
+          <a:p>
+            <a:pPr marL="0" indent="0">
+              <a:buNone/>
+            </a:pPr>
+            <a:r>
+              <a:rPr lang="en-US" dirty="0" smtClean="0"/>
+              <a:t>Up to 5 manually assigned categories labels/query</a:t>
+            </a:r>
+          </a:p>
+          <a:p>
+            <a:pPr marL="0" indent="0">
+              <a:buNone/>
+            </a:pPr>
+            <a:r>
+              <a:rPr lang="en-US" dirty="0" smtClean="0"/>
+              <a:t>7 super-categories = </a:t>
+            </a:r>
+            <a:r>
+              <a:rPr lang="en-US" sz="1800" dirty="0">
+                <a:latin typeface="Andale Mono"/>
+                <a:cs typeface="Andale Mono"/>
+              </a:rPr>
+              <a:t>Computers, Entertainment, Information, Living, Online Community, Shopping, Sports</a:t>
+            </a:r>
+            <a:endParaRPr lang="en-US" sz="1800" dirty="0" smtClean="0"/>
+          </a:p>
+          <a:p>
+            <a:pPr marL="0" indent="0">
+              <a:buNone/>
+            </a:pPr>
             <a:endParaRPr lang="en-US" dirty="0"/>
           </a:p>
         </p:txBody>
       </p:sp>
+      <p:pic>
+        <p:nvPicPr>
+          <p:cNvPr id="6" name="Picture 5" descr="Screen Shot 2016-05-03 at 10.09.05 AM.png"/>
+          <p:cNvPicPr>
+            <a:picLocks noChangeAspect="1"/>
+          </p:cNvPicPr>
+          <p:nvPr/>
+        </p:nvPicPr>
+        <p:blipFill>
+          <a:blip r:embed="rId2">
+            <a:extLst>
+              <a:ext uri="{28A0092B-C50C-407E-A947-70E740481C1C}">
+                <a14:useLocalDpi xmlns:a14="http://schemas.microsoft.com/office/drawing/2010/main" val="0"/>
+              </a:ext>
+            </a:extLst>
+          </a:blip>
+          <a:stretch>
+            <a:fillRect/>
+          </a:stretch>
+        </p:blipFill>
+        <p:spPr>
+          <a:xfrm>
+            <a:off x="173585" y="3630466"/>
+            <a:ext cx="8855124" cy="2637380"/>
+          </a:xfrm>
+          <a:prstGeom prst="rect">
+            <a:avLst/>
+          </a:prstGeom>
+        </p:spPr>
+      </p:pic>
     </p:spTree>
     <p:extLst>
       <p:ext uri="{BB962C8B-B14F-4D97-AF65-F5344CB8AC3E}">
@@ -4381,6 +4446,13 @@
   <p:clrMapOvr>
     <a:masterClrMapping/>
   </p:clrMapOvr>
+  <p:timing>
+    <p:tnLst>
+      <p:par>
+        <p:cTn xmlns:p14="http://schemas.microsoft.com/office/powerpoint/2010/main" id="1" dur="indefinite" restart="never" nodeType="tmRoot"/>
+      </p:par>
+    </p:tnLst>
+  </p:timing>
 </p:sld>
 </file>
 
@@ -4853,6 +4925,13 @@
   <p:clrMapOvr>
     <a:masterClrMapping/>
   </p:clrMapOvr>
+  <p:timing>
+    <p:tnLst>
+      <p:par>
+        <p:cTn xmlns:p14="http://schemas.microsoft.com/office/powerpoint/2010/main" id="1" dur="indefinite" restart="never" nodeType="tmRoot"/>
+      </p:par>
+    </p:tnLst>
+  </p:timing>
 </p:sld>
 </file>
 
@@ -5006,6 +5085,252 @@
   <p:clrMapOvr>
     <a:masterClrMapping/>
   </p:clrMapOvr>
+  <p:timing>
+    <p:tnLst>
+      <p:par>
+        <p:cTn xmlns:p14="http://schemas.microsoft.com/office/powerpoint/2010/main" id="1" dur="indefinite" restart="never" nodeType="tmRoot"/>
+      </p:par>
+    </p:tnLst>
+  </p:timing>
+</p:sld>
+</file>
+
+<file path=ppt/slides/slide8.xml><?xml version="1.0" encoding="utf-8"?>
+<p:sld xmlns:a="http://schemas.openxmlformats.org/drawingml/2006/main" xmlns:r="http://schemas.openxmlformats.org/officeDocument/2006/relationships" xmlns:p="http://schemas.openxmlformats.org/presentationml/2006/main">
+  <p:cSld>
+    <p:spTree>
+      <p:nvGrpSpPr>
+        <p:cNvPr id="1" name=""/>
+        <p:cNvGrpSpPr/>
+        <p:nvPr/>
+      </p:nvGrpSpPr>
+      <p:grpSpPr>
+        <a:xfrm>
+          <a:off x="0" y="0"/>
+          <a:ext cx="0" cy="0"/>
+          <a:chOff x="0" y="0"/>
+          <a:chExt cx="0" cy="0"/>
+        </a:xfrm>
+      </p:grpSpPr>
+      <p:sp>
+        <p:nvSpPr>
+          <p:cNvPr id="2" name="Title 1"/>
+          <p:cNvSpPr>
+            <a:spLocks noGrp="1"/>
+          </p:cNvSpPr>
+          <p:nvPr>
+            <p:ph type="title"/>
+          </p:nvPr>
+        </p:nvSpPr>
+        <p:spPr/>
+        <p:txBody>
+          <a:bodyPr/>
+          <a:lstStyle/>
+          <a:p>
+            <a:r>
+              <a:rPr lang="en-US" dirty="0" smtClean="0"/>
+              <a:t>Results</a:t>
+            </a:r>
+            <a:endParaRPr lang="en-US" dirty="0"/>
+          </a:p>
+        </p:txBody>
+      </p:sp>
+      <p:pic>
+        <p:nvPicPr>
+          <p:cNvPr id="4" name="Picture 3" descr="Screen Shot 2016-05-03 at 3.00.17 PM.png"/>
+          <p:cNvPicPr>
+            <a:picLocks noChangeAspect="1"/>
+          </p:cNvPicPr>
+          <p:nvPr/>
+        </p:nvPicPr>
+        <p:blipFill>
+          <a:blip r:embed="rId2">
+            <a:extLst>
+              <a:ext uri="{28A0092B-C50C-407E-A947-70E740481C1C}">
+                <a14:useLocalDpi xmlns:a14="http://schemas.microsoft.com/office/drawing/2010/main" val="0"/>
+              </a:ext>
+            </a:extLst>
+          </a:blip>
+          <a:stretch>
+            <a:fillRect/>
+          </a:stretch>
+        </p:blipFill>
+        <p:spPr>
+          <a:xfrm>
+            <a:off x="0" y="2303766"/>
+            <a:ext cx="9144000" cy="3540796"/>
+          </a:xfrm>
+          <a:prstGeom prst="rect">
+            <a:avLst/>
+          </a:prstGeom>
+        </p:spPr>
+      </p:pic>
+      <p:sp>
+        <p:nvSpPr>
+          <p:cNvPr id="5" name="TextBox 4"/>
+          <p:cNvSpPr txBox="1"/>
+          <p:nvPr/>
+        </p:nvSpPr>
+        <p:spPr>
+          <a:xfrm>
+            <a:off x="457200" y="1540280"/>
+            <a:ext cx="4535266" cy="523220"/>
+          </a:xfrm>
+          <a:prstGeom prst="rect">
+            <a:avLst/>
+          </a:prstGeom>
+          <a:noFill/>
+        </p:spPr>
+        <p:txBody>
+          <a:bodyPr wrap="none" rtlCol="0">
+            <a:spAutoFit/>
+          </a:bodyPr>
+          <a:lstStyle/>
+          <a:p>
+            <a:r>
+              <a:rPr lang="en-US" sz="2800" dirty="0" smtClean="0"/>
+              <a:t>Decision Tree Performance</a:t>
+            </a:r>
+            <a:endParaRPr lang="en-US" sz="2800" dirty="0"/>
+          </a:p>
+        </p:txBody>
+      </p:sp>
+    </p:spTree>
+    <p:extLst>
+      <p:ext uri="{BB962C8B-B14F-4D97-AF65-F5344CB8AC3E}">
+        <p14:creationId xmlns:p14="http://schemas.microsoft.com/office/powerpoint/2010/main" val="631733834"/>
+      </p:ext>
+    </p:extLst>
+  </p:cSld>
+  <p:clrMapOvr>
+    <a:masterClrMapping/>
+  </p:clrMapOvr>
+  <p:timing>
+    <p:tnLst>
+      <p:par>
+        <p:cTn xmlns:p14="http://schemas.microsoft.com/office/powerpoint/2010/main" id="1" dur="indefinite" restart="never" nodeType="tmRoot"/>
+      </p:par>
+    </p:tnLst>
+  </p:timing>
+</p:sld>
+</file>
+
+<file path=ppt/slides/slide9.xml><?xml version="1.0" encoding="utf-8"?>
+<p:sld xmlns:a="http://schemas.openxmlformats.org/drawingml/2006/main" xmlns:r="http://schemas.openxmlformats.org/officeDocument/2006/relationships" xmlns:p="http://schemas.openxmlformats.org/presentationml/2006/main">
+  <p:cSld>
+    <p:spTree>
+      <p:nvGrpSpPr>
+        <p:cNvPr id="1" name=""/>
+        <p:cNvGrpSpPr/>
+        <p:nvPr/>
+      </p:nvGrpSpPr>
+      <p:grpSpPr>
+        <a:xfrm>
+          <a:off x="0" y="0"/>
+          <a:ext cx="0" cy="0"/>
+          <a:chOff x="0" y="0"/>
+          <a:chExt cx="0" cy="0"/>
+        </a:xfrm>
+      </p:grpSpPr>
+      <p:sp>
+        <p:nvSpPr>
+          <p:cNvPr id="2" name="Title 1"/>
+          <p:cNvSpPr>
+            <a:spLocks noGrp="1"/>
+          </p:cNvSpPr>
+          <p:nvPr>
+            <p:ph type="title"/>
+          </p:nvPr>
+        </p:nvSpPr>
+        <p:spPr/>
+        <p:txBody>
+          <a:bodyPr/>
+          <a:lstStyle/>
+          <a:p>
+            <a:r>
+              <a:rPr lang="en-US" dirty="0" smtClean="0"/>
+              <a:t>Results</a:t>
+            </a:r>
+            <a:endParaRPr lang="en-US" dirty="0"/>
+          </a:p>
+        </p:txBody>
+      </p:sp>
+      <p:pic>
+        <p:nvPicPr>
+          <p:cNvPr id="4" name="Picture 3" descr="Screen Shot 2016-05-03 at 3.02.27 PM.png"/>
+          <p:cNvPicPr>
+            <a:picLocks noChangeAspect="1"/>
+          </p:cNvPicPr>
+          <p:nvPr/>
+        </p:nvPicPr>
+        <p:blipFill>
+          <a:blip r:embed="rId2">
+            <a:extLst>
+              <a:ext uri="{28A0092B-C50C-407E-A947-70E740481C1C}">
+                <a14:useLocalDpi xmlns:a14="http://schemas.microsoft.com/office/drawing/2010/main" val="0"/>
+              </a:ext>
+            </a:extLst>
+          </a:blip>
+          <a:stretch>
+            <a:fillRect/>
+          </a:stretch>
+        </p:blipFill>
+        <p:spPr>
+          <a:xfrm>
+            <a:off x="0" y="2637378"/>
+            <a:ext cx="9144000" cy="3337425"/>
+          </a:xfrm>
+          <a:prstGeom prst="rect">
+            <a:avLst/>
+          </a:prstGeom>
+        </p:spPr>
+      </p:pic>
+      <p:sp>
+        <p:nvSpPr>
+          <p:cNvPr id="5" name="TextBox 4"/>
+          <p:cNvSpPr txBox="1"/>
+          <p:nvPr/>
+        </p:nvSpPr>
+        <p:spPr>
+          <a:xfrm>
+            <a:off x="457199" y="1535442"/>
+            <a:ext cx="5224983" cy="523220"/>
+          </a:xfrm>
+          <a:prstGeom prst="rect">
+            <a:avLst/>
+          </a:prstGeom>
+          <a:noFill/>
+        </p:spPr>
+        <p:txBody>
+          <a:bodyPr wrap="square" rtlCol="0">
+            <a:spAutoFit/>
+          </a:bodyPr>
+          <a:lstStyle/>
+          <a:p>
+            <a:r>
+              <a:rPr lang="en-US" sz="2800" dirty="0" smtClean="0"/>
+              <a:t>Neural Network Performance</a:t>
+            </a:r>
+          </a:p>
+        </p:txBody>
+      </p:sp>
+    </p:spTree>
+    <p:extLst>
+      <p:ext uri="{BB962C8B-B14F-4D97-AF65-F5344CB8AC3E}">
+        <p14:creationId xmlns:p14="http://schemas.microsoft.com/office/powerpoint/2010/main" val="3568103725"/>
+      </p:ext>
+    </p:extLst>
+  </p:cSld>
+  <p:clrMapOvr>
+    <a:masterClrMapping/>
+  </p:clrMapOvr>
+  <p:timing>
+    <p:tnLst>
+      <p:par>
+        <p:cTn xmlns:p14="http://schemas.microsoft.com/office/powerpoint/2010/main" id="1" dur="indefinite" restart="never" nodeType="tmRoot"/>
+      </p:par>
+    </p:tnLst>
+  </p:timing>
 </p:sld>
 </file>
 

--- a/presentation.pptx
+++ b/presentation.pptx
@@ -5,7 +5,7 @@
     <p:sldMasterId id="2147483960" r:id="rId1"/>
   </p:sldMasterIdLst>
   <p:notesMasterIdLst>
-    <p:notesMasterId r:id="rId11"/>
+    <p:notesMasterId r:id="rId12"/>
   </p:notesMasterIdLst>
   <p:sldIdLst>
     <p:sldId id="256" r:id="rId2"/>
@@ -13,10 +13,11 @@
     <p:sldId id="258" r:id="rId4"/>
     <p:sldId id="259" r:id="rId5"/>
     <p:sldId id="260" r:id="rId6"/>
-    <p:sldId id="261" r:id="rId7"/>
-    <p:sldId id="262" r:id="rId8"/>
-    <p:sldId id="263" r:id="rId9"/>
-    <p:sldId id="264" r:id="rId10"/>
+    <p:sldId id="265" r:id="rId7"/>
+    <p:sldId id="261" r:id="rId8"/>
+    <p:sldId id="262" r:id="rId9"/>
+    <p:sldId id="263" r:id="rId10"/>
+    <p:sldId id="264" r:id="rId11"/>
   </p:sldIdLst>
   <p:sldSz cx="9144000" cy="6858000" type="screen4x3"/>
   <p:notesSz cx="6858000" cy="9144000"/>
@@ -125,6 +126,7 @@
             <p14:sldId id="258"/>
             <p14:sldId id="259"/>
             <p14:sldId id="260"/>
+            <p14:sldId id="265"/>
             <p14:sldId id="261"/>
             <p14:sldId id="262"/>
             <p14:sldId id="263"/>
@@ -3888,6 +3890,125 @@
 </p:sld>
 </file>
 
+<file path=ppt/slides/slide10.xml><?xml version="1.0" encoding="utf-8"?>
+<p:sld xmlns:a="http://schemas.openxmlformats.org/drawingml/2006/main" xmlns:r="http://schemas.openxmlformats.org/officeDocument/2006/relationships" xmlns:p="http://schemas.openxmlformats.org/presentationml/2006/main">
+  <p:cSld>
+    <p:spTree>
+      <p:nvGrpSpPr>
+        <p:cNvPr id="1" name=""/>
+        <p:cNvGrpSpPr/>
+        <p:nvPr/>
+      </p:nvGrpSpPr>
+      <p:grpSpPr>
+        <a:xfrm>
+          <a:off x="0" y="0"/>
+          <a:ext cx="0" cy="0"/>
+          <a:chOff x="0" y="0"/>
+          <a:chExt cx="0" cy="0"/>
+        </a:xfrm>
+      </p:grpSpPr>
+      <p:sp>
+        <p:nvSpPr>
+          <p:cNvPr id="2" name="Title 1"/>
+          <p:cNvSpPr>
+            <a:spLocks noGrp="1"/>
+          </p:cNvSpPr>
+          <p:nvPr>
+            <p:ph type="title"/>
+          </p:nvPr>
+        </p:nvSpPr>
+        <p:spPr/>
+        <p:txBody>
+          <a:bodyPr/>
+          <a:lstStyle/>
+          <a:p>
+            <a:r>
+              <a:rPr lang="en-US" dirty="0" smtClean="0"/>
+              <a:t>Results</a:t>
+            </a:r>
+            <a:endParaRPr lang="en-US" dirty="0"/>
+          </a:p>
+        </p:txBody>
+      </p:sp>
+      <p:pic>
+        <p:nvPicPr>
+          <p:cNvPr id="4" name="Picture 3" descr="Screen Shot 2016-05-03 at 3.02.27 PM.png"/>
+          <p:cNvPicPr>
+            <a:picLocks noChangeAspect="1"/>
+          </p:cNvPicPr>
+          <p:nvPr/>
+        </p:nvPicPr>
+        <p:blipFill>
+          <a:blip r:embed="rId2">
+            <a:extLst>
+              <a:ext uri="{28A0092B-C50C-407E-A947-70E740481C1C}">
+                <a14:useLocalDpi xmlns:a14="http://schemas.microsoft.com/office/drawing/2010/main" val="0"/>
+              </a:ext>
+            </a:extLst>
+          </a:blip>
+          <a:stretch>
+            <a:fillRect/>
+          </a:stretch>
+        </p:blipFill>
+        <p:spPr>
+          <a:xfrm>
+            <a:off x="0" y="2637378"/>
+            <a:ext cx="9144000" cy="3337425"/>
+          </a:xfrm>
+          <a:prstGeom prst="rect">
+            <a:avLst/>
+          </a:prstGeom>
+        </p:spPr>
+      </p:pic>
+      <p:sp>
+        <p:nvSpPr>
+          <p:cNvPr id="5" name="TextBox 4"/>
+          <p:cNvSpPr txBox="1"/>
+          <p:nvPr/>
+        </p:nvSpPr>
+        <p:spPr>
+          <a:xfrm>
+            <a:off x="457199" y="1535442"/>
+            <a:ext cx="5224983" cy="523220"/>
+          </a:xfrm>
+          <a:prstGeom prst="rect">
+            <a:avLst/>
+          </a:prstGeom>
+          <a:noFill/>
+        </p:spPr>
+        <p:txBody>
+          <a:bodyPr wrap="square" rtlCol="0">
+            <a:spAutoFit/>
+          </a:bodyPr>
+          <a:lstStyle/>
+          <a:p>
+            <a:r>
+              <a:rPr lang="en-US" sz="2800" dirty="0" smtClean="0"/>
+              <a:t>Neural Network Performance</a:t>
+            </a:r>
+          </a:p>
+        </p:txBody>
+      </p:sp>
+    </p:spTree>
+    <p:extLst>
+      <p:ext uri="{BB962C8B-B14F-4D97-AF65-F5344CB8AC3E}">
+        <p14:creationId xmlns:p14="http://schemas.microsoft.com/office/powerpoint/2010/main" val="3568103725"/>
+      </p:ext>
+    </p:extLst>
+  </p:cSld>
+  <p:clrMapOvr>
+    <a:masterClrMapping/>
+  </p:clrMapOvr>
+  <p:timing>
+    <p:tnLst>
+      <p:par>
+        <p:cTn xmlns:p14="http://schemas.microsoft.com/office/powerpoint/2010/main" id="1" dur="indefinite" restart="never" nodeType="tmRoot"/>
+      </p:par>
+    </p:tnLst>
+  </p:timing>
+</p:sld>
+</file>
+
 <file path=ppt/slides/slide2.xml><?xml version="1.0" encoding="utf-8"?>
 <p:sld xmlns:a="http://schemas.openxmlformats.org/drawingml/2006/main" xmlns:r="http://schemas.openxmlformats.org/officeDocument/2006/relationships" xmlns:p="http://schemas.openxmlformats.org/presentationml/2006/main">
   <p:cSld>
@@ -4457,6 +4578,228 @@
 </file>
 
 <file path=ppt/slides/slide6.xml><?xml version="1.0" encoding="utf-8"?>
+<p:sld xmlns:a="http://schemas.openxmlformats.org/drawingml/2006/main" xmlns:r="http://schemas.openxmlformats.org/officeDocument/2006/relationships" xmlns:p="http://schemas.openxmlformats.org/presentationml/2006/main">
+  <p:cSld>
+    <p:spTree>
+      <p:nvGrpSpPr>
+        <p:cNvPr id="1" name=""/>
+        <p:cNvGrpSpPr/>
+        <p:nvPr/>
+      </p:nvGrpSpPr>
+      <p:grpSpPr>
+        <a:xfrm>
+          <a:off x="0" y="0"/>
+          <a:ext cx="0" cy="0"/>
+          <a:chOff x="0" y="0"/>
+          <a:chExt cx="0" cy="0"/>
+        </a:xfrm>
+      </p:grpSpPr>
+      <p:sp>
+        <p:nvSpPr>
+          <p:cNvPr id="2" name="Title 1"/>
+          <p:cNvSpPr>
+            <a:spLocks noGrp="1"/>
+          </p:cNvSpPr>
+          <p:nvPr>
+            <p:ph type="title"/>
+          </p:nvPr>
+        </p:nvSpPr>
+        <p:spPr/>
+        <p:txBody>
+          <a:bodyPr/>
+          <a:lstStyle/>
+          <a:p>
+            <a:r>
+              <a:rPr lang="en-US" dirty="0" smtClean="0"/>
+              <a:t>Feature Generation</a:t>
+            </a:r>
+            <a:endParaRPr lang="en-US" dirty="0"/>
+          </a:p>
+        </p:txBody>
+      </p:sp>
+      <p:sp>
+        <p:nvSpPr>
+          <p:cNvPr id="3" name="Content Placeholder 2"/>
+          <p:cNvSpPr>
+            <a:spLocks noGrp="1"/>
+          </p:cNvSpPr>
+          <p:nvPr>
+            <p:ph idx="1"/>
+          </p:nvPr>
+        </p:nvSpPr>
+        <p:spPr/>
+        <p:txBody>
+          <a:bodyPr/>
+          <a:lstStyle/>
+          <a:p>
+            <a:r>
+              <a:rPr lang="en-US" dirty="0" smtClean="0"/>
+              <a:t>Counted the number of words in a query</a:t>
+            </a:r>
+          </a:p>
+          <a:p>
+            <a:r>
+              <a:rPr lang="en-US" dirty="0" smtClean="0"/>
+              <a:t>Number of characters</a:t>
+            </a:r>
+          </a:p>
+          <a:p>
+            <a:r>
+              <a:rPr lang="en-US" dirty="0" smtClean="0"/>
+              <a:t>Number of characters per word</a:t>
+            </a:r>
+          </a:p>
+          <a:p>
+            <a:r>
+              <a:rPr lang="en-US" dirty="0" smtClean="0"/>
+              <a:t>Number of nouns</a:t>
+            </a:r>
+          </a:p>
+          <a:p>
+            <a:r>
+              <a:rPr lang="en-US" dirty="0" smtClean="0"/>
+              <a:t>Number of prepositions</a:t>
+            </a:r>
+          </a:p>
+          <a:p>
+            <a:r>
+              <a:rPr lang="en-US" dirty="0" smtClean="0"/>
+              <a:t>Number of verbs</a:t>
+            </a:r>
+          </a:p>
+          <a:p>
+            <a:r>
+              <a:rPr lang="en-US" dirty="0" smtClean="0"/>
+              <a:t>Whether or not the query contained a number</a:t>
+            </a:r>
+          </a:p>
+          <a:p>
+            <a:endParaRPr lang="en-US" dirty="0"/>
+          </a:p>
+          <a:p>
+            <a:pPr marL="0" indent="0">
+              <a:buNone/>
+            </a:pPr>
+            <a:r>
+              <a:rPr lang="en-US" dirty="0" smtClean="0"/>
+              <a:t>Libraries: </a:t>
+            </a:r>
+            <a:r>
+              <a:rPr lang="en-US" dirty="0" smtClean="0">
+                <a:latin typeface="Andale Mono"/>
+                <a:cs typeface="Andale Mono"/>
+              </a:rPr>
+              <a:t>pandas, </a:t>
+            </a:r>
+            <a:r>
+              <a:rPr lang="en-US" dirty="0" err="1" smtClean="0">
+                <a:latin typeface="Andale Mono"/>
+                <a:cs typeface="Andale Mono"/>
+              </a:rPr>
+              <a:t>numpy</a:t>
+            </a:r>
+            <a:r>
+              <a:rPr lang="en-US" dirty="0" smtClean="0">
+                <a:latin typeface="Andale Mono"/>
+                <a:cs typeface="Andale Mono"/>
+              </a:rPr>
+              <a:t>, re, </a:t>
+            </a:r>
+            <a:r>
+              <a:rPr lang="en-US" dirty="0" err="1" smtClean="0">
+                <a:latin typeface="Andale Mono"/>
+                <a:cs typeface="Andale Mono"/>
+              </a:rPr>
+              <a:t>nltk</a:t>
+            </a:r>
+            <a:endParaRPr lang="en-US" dirty="0">
+              <a:latin typeface="Andale Mono"/>
+              <a:cs typeface="Andale Mono"/>
+            </a:endParaRPr>
+          </a:p>
+        </p:txBody>
+      </p:sp>
+      <p:pic>
+        <p:nvPicPr>
+          <p:cNvPr id="4" name="Picture 3" descr="imgres.jpg"/>
+          <p:cNvPicPr>
+            <a:picLocks noChangeAspect="1"/>
+          </p:cNvPicPr>
+          <p:nvPr/>
+        </p:nvPicPr>
+        <p:blipFill>
+          <a:blip r:embed="rId2">
+            <a:extLst>
+              <a:ext uri="{28A0092B-C50C-407E-A947-70E740481C1C}">
+                <a14:useLocalDpi xmlns:a14="http://schemas.microsoft.com/office/drawing/2010/main" val="0"/>
+              </a:ext>
+            </a:extLst>
+          </a:blip>
+          <a:stretch>
+            <a:fillRect/>
+          </a:stretch>
+        </p:blipFill>
+        <p:spPr>
+          <a:xfrm>
+            <a:off x="6549526" y="2024585"/>
+            <a:ext cx="2137274" cy="2137274"/>
+          </a:xfrm>
+          <a:prstGeom prst="rect">
+            <a:avLst/>
+          </a:prstGeom>
+        </p:spPr>
+      </p:pic>
+      <p:pic>
+        <p:nvPicPr>
+          <p:cNvPr id="5" name="Picture 4" descr="imgres.png"/>
+          <p:cNvPicPr>
+            <a:picLocks noChangeAspect="1"/>
+          </p:cNvPicPr>
+          <p:nvPr/>
+        </p:nvPicPr>
+        <p:blipFill>
+          <a:blip r:embed="rId3">
+            <a:extLst>
+              <a:ext uri="{28A0092B-C50C-407E-A947-70E740481C1C}">
+                <a14:useLocalDpi xmlns:a14="http://schemas.microsoft.com/office/drawing/2010/main" val="0"/>
+              </a:ext>
+            </a:extLst>
+          </a:blip>
+          <a:stretch>
+            <a:fillRect/>
+          </a:stretch>
+        </p:blipFill>
+        <p:spPr>
+          <a:xfrm>
+            <a:off x="6349716" y="5004090"/>
+            <a:ext cx="2647751" cy="1106409"/>
+          </a:xfrm>
+          <a:prstGeom prst="rect">
+            <a:avLst/>
+          </a:prstGeom>
+        </p:spPr>
+      </p:pic>
+    </p:spTree>
+    <p:extLst>
+      <p:ext uri="{BB962C8B-B14F-4D97-AF65-F5344CB8AC3E}">
+        <p14:creationId xmlns:p14="http://schemas.microsoft.com/office/powerpoint/2010/main" val="891799924"/>
+      </p:ext>
+    </p:extLst>
+  </p:cSld>
+  <p:clrMapOvr>
+    <a:masterClrMapping/>
+  </p:clrMapOvr>
+  <p:timing>
+    <p:tnLst>
+      <p:par>
+        <p:cTn xmlns:p14="http://schemas.microsoft.com/office/powerpoint/2010/main" id="1" dur="indefinite" restart="never" nodeType="tmRoot"/>
+      </p:par>
+    </p:tnLst>
+  </p:timing>
+</p:sld>
+</file>
+
+<file path=ppt/slides/slide7.xml><?xml version="1.0" encoding="utf-8"?>
 <p:sld xmlns:a="http://schemas.openxmlformats.org/drawingml/2006/main" xmlns:r="http://schemas.openxmlformats.org/officeDocument/2006/relationships" xmlns:p="http://schemas.openxmlformats.org/presentationml/2006/main">
   <p:cSld>
     <p:spTree>
@@ -4935,7 +5278,7 @@
 </p:sld>
 </file>
 
-<file path=ppt/slides/slide7.xml><?xml version="1.0" encoding="utf-8"?>
+<file path=ppt/slides/slide8.xml><?xml version="1.0" encoding="utf-8"?>
 <p:sld xmlns:a="http://schemas.openxmlformats.org/drawingml/2006/main" xmlns:r="http://schemas.openxmlformats.org/officeDocument/2006/relationships" xmlns:p="http://schemas.openxmlformats.org/presentationml/2006/main">
   <p:cSld>
     <p:spTree>
@@ -5095,7 +5438,7 @@
 </p:sld>
 </file>
 
-<file path=ppt/slides/slide8.xml><?xml version="1.0" encoding="utf-8"?>
+<file path=ppt/slides/slide9.xml><?xml version="1.0" encoding="utf-8"?>
 <p:sld xmlns:a="http://schemas.openxmlformats.org/drawingml/2006/main" xmlns:r="http://schemas.openxmlformats.org/officeDocument/2006/relationships" xmlns:p="http://schemas.openxmlformats.org/presentationml/2006/main">
   <p:cSld>
     <p:spTree>
@@ -5199,125 +5542,6 @@
     <p:extLst>
       <p:ext uri="{BB962C8B-B14F-4D97-AF65-F5344CB8AC3E}">
         <p14:creationId xmlns:p14="http://schemas.microsoft.com/office/powerpoint/2010/main" val="631733834"/>
-      </p:ext>
-    </p:extLst>
-  </p:cSld>
-  <p:clrMapOvr>
-    <a:masterClrMapping/>
-  </p:clrMapOvr>
-  <p:timing>
-    <p:tnLst>
-      <p:par>
-        <p:cTn xmlns:p14="http://schemas.microsoft.com/office/powerpoint/2010/main" id="1" dur="indefinite" restart="never" nodeType="tmRoot"/>
-      </p:par>
-    </p:tnLst>
-  </p:timing>
-</p:sld>
-</file>
-
-<file path=ppt/slides/slide9.xml><?xml version="1.0" encoding="utf-8"?>
-<p:sld xmlns:a="http://schemas.openxmlformats.org/drawingml/2006/main" xmlns:r="http://schemas.openxmlformats.org/officeDocument/2006/relationships" xmlns:p="http://schemas.openxmlformats.org/presentationml/2006/main">
-  <p:cSld>
-    <p:spTree>
-      <p:nvGrpSpPr>
-        <p:cNvPr id="1" name=""/>
-        <p:cNvGrpSpPr/>
-        <p:nvPr/>
-      </p:nvGrpSpPr>
-      <p:grpSpPr>
-        <a:xfrm>
-          <a:off x="0" y="0"/>
-          <a:ext cx="0" cy="0"/>
-          <a:chOff x="0" y="0"/>
-          <a:chExt cx="0" cy="0"/>
-        </a:xfrm>
-      </p:grpSpPr>
-      <p:sp>
-        <p:nvSpPr>
-          <p:cNvPr id="2" name="Title 1"/>
-          <p:cNvSpPr>
-            <a:spLocks noGrp="1"/>
-          </p:cNvSpPr>
-          <p:nvPr>
-            <p:ph type="title"/>
-          </p:nvPr>
-        </p:nvSpPr>
-        <p:spPr/>
-        <p:txBody>
-          <a:bodyPr/>
-          <a:lstStyle/>
-          <a:p>
-            <a:r>
-              <a:rPr lang="en-US" dirty="0" smtClean="0"/>
-              <a:t>Results</a:t>
-            </a:r>
-            <a:endParaRPr lang="en-US" dirty="0"/>
-          </a:p>
-        </p:txBody>
-      </p:sp>
-      <p:pic>
-        <p:nvPicPr>
-          <p:cNvPr id="4" name="Picture 3" descr="Screen Shot 2016-05-03 at 3.02.27 PM.png"/>
-          <p:cNvPicPr>
-            <a:picLocks noChangeAspect="1"/>
-          </p:cNvPicPr>
-          <p:nvPr/>
-        </p:nvPicPr>
-        <p:blipFill>
-          <a:blip r:embed="rId2">
-            <a:extLst>
-              <a:ext uri="{28A0092B-C50C-407E-A947-70E740481C1C}">
-                <a14:useLocalDpi xmlns:a14="http://schemas.microsoft.com/office/drawing/2010/main" val="0"/>
-              </a:ext>
-            </a:extLst>
-          </a:blip>
-          <a:stretch>
-            <a:fillRect/>
-          </a:stretch>
-        </p:blipFill>
-        <p:spPr>
-          <a:xfrm>
-            <a:off x="0" y="2637378"/>
-            <a:ext cx="9144000" cy="3337425"/>
-          </a:xfrm>
-          <a:prstGeom prst="rect">
-            <a:avLst/>
-          </a:prstGeom>
-        </p:spPr>
-      </p:pic>
-      <p:sp>
-        <p:nvSpPr>
-          <p:cNvPr id="5" name="TextBox 4"/>
-          <p:cNvSpPr txBox="1"/>
-          <p:nvPr/>
-        </p:nvSpPr>
-        <p:spPr>
-          <a:xfrm>
-            <a:off x="457199" y="1535442"/>
-            <a:ext cx="5224983" cy="523220"/>
-          </a:xfrm>
-          <a:prstGeom prst="rect">
-            <a:avLst/>
-          </a:prstGeom>
-          <a:noFill/>
-        </p:spPr>
-        <p:txBody>
-          <a:bodyPr wrap="square" rtlCol="0">
-            <a:spAutoFit/>
-          </a:bodyPr>
-          <a:lstStyle/>
-          <a:p>
-            <a:r>
-              <a:rPr lang="en-US" sz="2800" dirty="0" smtClean="0"/>
-              <a:t>Neural Network Performance</a:t>
-            </a:r>
-          </a:p>
-        </p:txBody>
-      </p:sp>
-    </p:spTree>
-    <p:extLst>
-      <p:ext uri="{BB962C8B-B14F-4D97-AF65-F5344CB8AC3E}">
-        <p14:creationId xmlns:p14="http://schemas.microsoft.com/office/powerpoint/2010/main" val="3568103725"/>
       </p:ext>
     </p:extLst>
   </p:cSld>

--- a/presentation.pptx
+++ b/presentation.pptx
@@ -5,7 +5,7 @@
     <p:sldMasterId id="2147483960" r:id="rId1"/>
   </p:sldMasterIdLst>
   <p:notesMasterIdLst>
-    <p:notesMasterId r:id="rId12"/>
+    <p:notesMasterId r:id="rId14"/>
   </p:notesMasterIdLst>
   <p:sldIdLst>
     <p:sldId id="256" r:id="rId2"/>
@@ -14,10 +14,12 @@
     <p:sldId id="259" r:id="rId5"/>
     <p:sldId id="260" r:id="rId6"/>
     <p:sldId id="265" r:id="rId7"/>
-    <p:sldId id="261" r:id="rId8"/>
-    <p:sldId id="262" r:id="rId9"/>
-    <p:sldId id="263" r:id="rId10"/>
-    <p:sldId id="264" r:id="rId11"/>
+    <p:sldId id="266" r:id="rId8"/>
+    <p:sldId id="267" r:id="rId9"/>
+    <p:sldId id="261" r:id="rId10"/>
+    <p:sldId id="262" r:id="rId11"/>
+    <p:sldId id="263" r:id="rId12"/>
+    <p:sldId id="264" r:id="rId13"/>
   </p:sldIdLst>
   <p:sldSz cx="9144000" cy="6858000" type="screen4x3"/>
   <p:notesSz cx="6858000" cy="9144000"/>
@@ -127,6 +129,8 @@
             <p14:sldId id="259"/>
             <p14:sldId id="260"/>
             <p14:sldId id="265"/>
+            <p14:sldId id="266"/>
+            <p14:sldId id="267"/>
             <p14:sldId id="261"/>
             <p14:sldId id="262"/>
             <p14:sldId id="263"/>
@@ -3924,6 +3928,286 @@
           <a:p>
             <a:r>
               <a:rPr lang="en-US" dirty="0" smtClean="0"/>
+              <a:t>Feature Selection </a:t>
+            </a:r>
+            <a:endParaRPr lang="en-US" dirty="0"/>
+          </a:p>
+        </p:txBody>
+      </p:sp>
+      <p:sp>
+        <p:nvSpPr>
+          <p:cNvPr id="5" name="Content Placeholder 4"/>
+          <p:cNvSpPr>
+            <a:spLocks noGrp="1"/>
+          </p:cNvSpPr>
+          <p:nvPr>
+            <p:ph idx="1"/>
+          </p:nvPr>
+        </p:nvSpPr>
+        <p:spPr>
+          <a:xfrm>
+            <a:off x="464060" y="4493312"/>
+            <a:ext cx="8222740" cy="2100136"/>
+          </a:xfrm>
+        </p:spPr>
+        <p:txBody>
+          <a:bodyPr>
+            <a:normAutofit fontScale="92500" lnSpcReduction="20000"/>
+          </a:bodyPr>
+          <a:lstStyle/>
+          <a:p>
+            <a:pPr marL="0" indent="0">
+              <a:buNone/>
+            </a:pPr>
+            <a:r>
+              <a:rPr lang="en-US" b="1" dirty="0" smtClean="0"/>
+              <a:t>Final Model</a:t>
+            </a:r>
+          </a:p>
+          <a:p>
+            <a:pPr marL="0" indent="0">
+              <a:buNone/>
+            </a:pPr>
+            <a:r>
+              <a:rPr lang="en-US" dirty="0">
+                <a:latin typeface="Andale Mono"/>
+                <a:cs typeface="Andale Mono"/>
+              </a:rPr>
+              <a:t>Target ~ character count, preposition count, char per word, has a number</a:t>
+            </a:r>
+          </a:p>
+          <a:p>
+            <a:pPr marL="0" indent="0">
+              <a:buNone/>
+            </a:pPr>
+            <a:endParaRPr lang="en-US" dirty="0"/>
+          </a:p>
+          <a:p>
+            <a:pPr marL="0" indent="0">
+              <a:buNone/>
+            </a:pPr>
+            <a:r>
+              <a:rPr lang="en-US" dirty="0" smtClean="0"/>
+              <a:t>Target = (</a:t>
+            </a:r>
+            <a:r>
+              <a:rPr lang="en-US" sz="1800" dirty="0" smtClean="0">
+                <a:latin typeface="Andale Mono"/>
+                <a:cs typeface="Andale Mono"/>
+              </a:rPr>
+              <a:t>Computers, Entertainment, Information, Living, Online Community, Shopping, Sports</a:t>
+            </a:r>
+            <a:r>
+              <a:rPr lang="en-US" dirty="0" smtClean="0"/>
+              <a:t>)</a:t>
+            </a:r>
+          </a:p>
+        </p:txBody>
+      </p:sp>
+      <p:pic>
+        <p:nvPicPr>
+          <p:cNvPr id="6" name="Picture 5" descr="Screen Shot 2016-05-03 at 1.02.05 PM.png"/>
+          <p:cNvPicPr>
+            <a:picLocks noChangeAspect="1"/>
+          </p:cNvPicPr>
+          <p:nvPr/>
+        </p:nvPicPr>
+        <p:blipFill>
+          <a:blip r:embed="rId2">
+            <a:extLst>
+              <a:ext uri="{28A0092B-C50C-407E-A947-70E740481C1C}">
+                <a14:useLocalDpi xmlns:a14="http://schemas.microsoft.com/office/drawing/2010/main" val="0"/>
+              </a:ext>
+            </a:extLst>
+          </a:blip>
+          <a:stretch>
+            <a:fillRect/>
+          </a:stretch>
+        </p:blipFill>
+        <p:spPr>
+          <a:xfrm>
+            <a:off x="457201" y="1502519"/>
+            <a:ext cx="4964482" cy="2696067"/>
+          </a:xfrm>
+          <a:prstGeom prst="rect">
+            <a:avLst/>
+          </a:prstGeom>
+        </p:spPr>
+      </p:pic>
+    </p:spTree>
+    <p:extLst>
+      <p:ext uri="{BB962C8B-B14F-4D97-AF65-F5344CB8AC3E}">
+        <p14:creationId xmlns:p14="http://schemas.microsoft.com/office/powerpoint/2010/main" val="2494718803"/>
+      </p:ext>
+    </p:extLst>
+  </p:cSld>
+  <p:clrMapOvr>
+    <a:masterClrMapping/>
+  </p:clrMapOvr>
+  <p:timing>
+    <p:tnLst>
+      <p:par>
+        <p:cTn xmlns:p14="http://schemas.microsoft.com/office/powerpoint/2010/main" id="1" dur="indefinite" restart="never" nodeType="tmRoot"/>
+      </p:par>
+    </p:tnLst>
+  </p:timing>
+</p:sld>
+</file>
+
+<file path=ppt/slides/slide11.xml><?xml version="1.0" encoding="utf-8"?>
+<p:sld xmlns:a="http://schemas.openxmlformats.org/drawingml/2006/main" xmlns:r="http://schemas.openxmlformats.org/officeDocument/2006/relationships" xmlns:p="http://schemas.openxmlformats.org/presentationml/2006/main">
+  <p:cSld>
+    <p:spTree>
+      <p:nvGrpSpPr>
+        <p:cNvPr id="1" name=""/>
+        <p:cNvGrpSpPr/>
+        <p:nvPr/>
+      </p:nvGrpSpPr>
+      <p:grpSpPr>
+        <a:xfrm>
+          <a:off x="0" y="0"/>
+          <a:ext cx="0" cy="0"/>
+          <a:chOff x="0" y="0"/>
+          <a:chExt cx="0" cy="0"/>
+        </a:xfrm>
+      </p:grpSpPr>
+      <p:sp>
+        <p:nvSpPr>
+          <p:cNvPr id="2" name="Title 1"/>
+          <p:cNvSpPr>
+            <a:spLocks noGrp="1"/>
+          </p:cNvSpPr>
+          <p:nvPr>
+            <p:ph type="title"/>
+          </p:nvPr>
+        </p:nvSpPr>
+        <p:spPr/>
+        <p:txBody>
+          <a:bodyPr/>
+          <a:lstStyle/>
+          <a:p>
+            <a:r>
+              <a:rPr lang="en-US" dirty="0" smtClean="0"/>
+              <a:t>Results</a:t>
+            </a:r>
+            <a:endParaRPr lang="en-US" dirty="0"/>
+          </a:p>
+        </p:txBody>
+      </p:sp>
+      <p:pic>
+        <p:nvPicPr>
+          <p:cNvPr id="4" name="Picture 3" descr="Screen Shot 2016-05-03 at 3.00.17 PM.png"/>
+          <p:cNvPicPr>
+            <a:picLocks noChangeAspect="1"/>
+          </p:cNvPicPr>
+          <p:nvPr/>
+        </p:nvPicPr>
+        <p:blipFill>
+          <a:blip r:embed="rId2">
+            <a:extLst>
+              <a:ext uri="{28A0092B-C50C-407E-A947-70E740481C1C}">
+                <a14:useLocalDpi xmlns:a14="http://schemas.microsoft.com/office/drawing/2010/main" val="0"/>
+              </a:ext>
+            </a:extLst>
+          </a:blip>
+          <a:stretch>
+            <a:fillRect/>
+          </a:stretch>
+        </p:blipFill>
+        <p:spPr>
+          <a:xfrm>
+            <a:off x="0" y="2303766"/>
+            <a:ext cx="9144000" cy="3540796"/>
+          </a:xfrm>
+          <a:prstGeom prst="rect">
+            <a:avLst/>
+          </a:prstGeom>
+        </p:spPr>
+      </p:pic>
+      <p:sp>
+        <p:nvSpPr>
+          <p:cNvPr id="5" name="TextBox 4"/>
+          <p:cNvSpPr txBox="1"/>
+          <p:nvPr/>
+        </p:nvSpPr>
+        <p:spPr>
+          <a:xfrm>
+            <a:off x="457200" y="1540280"/>
+            <a:ext cx="4535266" cy="523220"/>
+          </a:xfrm>
+          <a:prstGeom prst="rect">
+            <a:avLst/>
+          </a:prstGeom>
+          <a:noFill/>
+        </p:spPr>
+        <p:txBody>
+          <a:bodyPr wrap="none" rtlCol="0">
+            <a:spAutoFit/>
+          </a:bodyPr>
+          <a:lstStyle/>
+          <a:p>
+            <a:r>
+              <a:rPr lang="en-US" sz="2800" dirty="0" smtClean="0"/>
+              <a:t>Decision Tree Performance</a:t>
+            </a:r>
+            <a:endParaRPr lang="en-US" sz="2800" dirty="0"/>
+          </a:p>
+        </p:txBody>
+      </p:sp>
+    </p:spTree>
+    <p:extLst>
+      <p:ext uri="{BB962C8B-B14F-4D97-AF65-F5344CB8AC3E}">
+        <p14:creationId xmlns:p14="http://schemas.microsoft.com/office/powerpoint/2010/main" val="631733834"/>
+      </p:ext>
+    </p:extLst>
+  </p:cSld>
+  <p:clrMapOvr>
+    <a:masterClrMapping/>
+  </p:clrMapOvr>
+  <p:timing>
+    <p:tnLst>
+      <p:par>
+        <p:cTn xmlns:p14="http://schemas.microsoft.com/office/powerpoint/2010/main" id="1" dur="indefinite" restart="never" nodeType="tmRoot"/>
+      </p:par>
+    </p:tnLst>
+  </p:timing>
+</p:sld>
+</file>
+
+<file path=ppt/slides/slide12.xml><?xml version="1.0" encoding="utf-8"?>
+<p:sld xmlns:a="http://schemas.openxmlformats.org/drawingml/2006/main" xmlns:r="http://schemas.openxmlformats.org/officeDocument/2006/relationships" xmlns:p="http://schemas.openxmlformats.org/presentationml/2006/main">
+  <p:cSld>
+    <p:spTree>
+      <p:nvGrpSpPr>
+        <p:cNvPr id="1" name=""/>
+        <p:cNvGrpSpPr/>
+        <p:nvPr/>
+      </p:nvGrpSpPr>
+      <p:grpSpPr>
+        <a:xfrm>
+          <a:off x="0" y="0"/>
+          <a:ext cx="0" cy="0"/>
+          <a:chOff x="0" y="0"/>
+          <a:chExt cx="0" cy="0"/>
+        </a:xfrm>
+      </p:grpSpPr>
+      <p:sp>
+        <p:nvSpPr>
+          <p:cNvPr id="2" name="Title 1"/>
+          <p:cNvSpPr>
+            <a:spLocks noGrp="1"/>
+          </p:cNvSpPr>
+          <p:nvPr>
+            <p:ph type="title"/>
+          </p:nvPr>
+        </p:nvSpPr>
+        <p:spPr/>
+        <p:txBody>
+          <a:bodyPr/>
+          <a:lstStyle/>
+          <a:p>
+            <a:r>
+              <a:rPr lang="en-US" dirty="0" smtClean="0"/>
               <a:t>Results</a:t>
             </a:r>
             <a:endParaRPr lang="en-US" dirty="0"/>
@@ -4236,7 +4520,7 @@
             </a:pPr>
             <a:r>
               <a:rPr lang="en-US" dirty="0" smtClean="0"/>
-              <a:t>Web queries are often short (between 3 and 5 words)</a:t>
+              <a:t>Web queries are often short (between 1 and 5 words)</a:t>
             </a:r>
           </a:p>
           <a:p>
@@ -4800,6 +5084,367 @@
 </file>
 
 <file path=ppt/slides/slide7.xml><?xml version="1.0" encoding="utf-8"?>
+<p:sld xmlns:a="http://schemas.openxmlformats.org/drawingml/2006/main" xmlns:r="http://schemas.openxmlformats.org/officeDocument/2006/relationships" xmlns:p="http://schemas.openxmlformats.org/presentationml/2006/main">
+  <p:cSld>
+    <p:spTree>
+      <p:nvGrpSpPr>
+        <p:cNvPr id="1" name=""/>
+        <p:cNvGrpSpPr/>
+        <p:nvPr/>
+      </p:nvGrpSpPr>
+      <p:grpSpPr>
+        <a:xfrm>
+          <a:off x="0" y="0"/>
+          <a:ext cx="0" cy="0"/>
+          <a:chOff x="0" y="0"/>
+          <a:chExt cx="0" cy="0"/>
+        </a:xfrm>
+      </p:grpSpPr>
+      <p:sp>
+        <p:nvSpPr>
+          <p:cNvPr id="7" name="Text Placeholder 6"/>
+          <p:cNvSpPr>
+            <a:spLocks noGrp="1"/>
+          </p:cNvSpPr>
+          <p:nvPr>
+            <p:ph type="body" idx="1"/>
+          </p:nvPr>
+        </p:nvSpPr>
+        <p:spPr/>
+        <p:txBody>
+          <a:bodyPr/>
+          <a:lstStyle/>
+          <a:p>
+            <a:r>
+              <a:rPr lang="en-US" dirty="0" smtClean="0"/>
+              <a:t>Number of Words per Query</a:t>
+            </a:r>
+            <a:endParaRPr lang="en-US" dirty="0"/>
+          </a:p>
+        </p:txBody>
+      </p:sp>
+      <p:sp>
+        <p:nvSpPr>
+          <p:cNvPr id="9" name="Text Placeholder 8"/>
+          <p:cNvSpPr>
+            <a:spLocks noGrp="1"/>
+          </p:cNvSpPr>
+          <p:nvPr>
+            <p:ph type="body" sz="quarter" idx="3"/>
+          </p:nvPr>
+        </p:nvSpPr>
+        <p:spPr/>
+        <p:txBody>
+          <a:bodyPr>
+            <a:normAutofit fontScale="92500" lnSpcReduction="10000"/>
+          </a:bodyPr>
+          <a:lstStyle/>
+          <a:p>
+            <a:r>
+              <a:rPr lang="en-US" dirty="0" smtClean="0"/>
+              <a:t>Number of Meanings Assigned to Query</a:t>
+            </a:r>
+            <a:endParaRPr lang="en-US" dirty="0"/>
+          </a:p>
+        </p:txBody>
+      </p:sp>
+      <p:pic>
+        <p:nvPicPr>
+          <p:cNvPr id="4" name="Picture 3" descr="meaning_count_bar.png"/>
+          <p:cNvPicPr>
+            <a:picLocks noChangeAspect="1"/>
+          </p:cNvPicPr>
+          <p:nvPr/>
+        </p:nvPicPr>
+        <p:blipFill>
+          <a:blip r:embed="rId2">
+            <a:extLst>
+              <a:ext uri="{28A0092B-C50C-407E-A947-70E740481C1C}">
+                <a14:useLocalDpi xmlns:a14="http://schemas.microsoft.com/office/drawing/2010/main" val="0"/>
+              </a:ext>
+            </a:extLst>
+          </a:blip>
+          <a:stretch>
+            <a:fillRect/>
+          </a:stretch>
+        </p:blipFill>
+        <p:spPr>
+          <a:xfrm>
+            <a:off x="4754880" y="2554817"/>
+            <a:ext cx="3931920" cy="2697876"/>
+          </a:xfrm>
+          <a:prstGeom prst="rect">
+            <a:avLst/>
+          </a:prstGeom>
+        </p:spPr>
+      </p:pic>
+      <p:pic>
+        <p:nvPicPr>
+          <p:cNvPr id="5" name="Picture 4" descr="word_count_bar.png"/>
+          <p:cNvPicPr>
+            <a:picLocks noChangeAspect="1"/>
+          </p:cNvPicPr>
+          <p:nvPr/>
+        </p:nvPicPr>
+        <p:blipFill>
+          <a:blip r:embed="rId3">
+            <a:extLst>
+              <a:ext uri="{28A0092B-C50C-407E-A947-70E740481C1C}">
+                <a14:useLocalDpi xmlns:a14="http://schemas.microsoft.com/office/drawing/2010/main" val="0"/>
+              </a:ext>
+            </a:extLst>
+          </a:blip>
+          <a:stretch>
+            <a:fillRect/>
+          </a:stretch>
+        </p:blipFill>
+        <p:spPr>
+          <a:xfrm>
+            <a:off x="457200" y="2554817"/>
+            <a:ext cx="3931920" cy="2697876"/>
+          </a:xfrm>
+          <a:prstGeom prst="rect">
+            <a:avLst/>
+          </a:prstGeom>
+        </p:spPr>
+      </p:pic>
+      <p:sp>
+        <p:nvSpPr>
+          <p:cNvPr id="11" name="TextBox 10"/>
+          <p:cNvSpPr txBox="1"/>
+          <p:nvPr/>
+        </p:nvSpPr>
+        <p:spPr>
+          <a:xfrm>
+            <a:off x="862910" y="5342315"/>
+            <a:ext cx="3526210" cy="646331"/>
+          </a:xfrm>
+          <a:prstGeom prst="rect">
+            <a:avLst/>
+          </a:prstGeom>
+          <a:noFill/>
+        </p:spPr>
+        <p:txBody>
+          <a:bodyPr wrap="square" rtlCol="0">
+            <a:spAutoFit/>
+          </a:bodyPr>
+          <a:lstStyle/>
+          <a:p>
+            <a:r>
+              <a:rPr lang="en-US" dirty="0" smtClean="0"/>
+              <a:t>Mean: 	</a:t>
+            </a:r>
+            <a:r>
+              <a:rPr lang="fi-FI" dirty="0" smtClean="0"/>
+              <a:t>2.53875</a:t>
+            </a:r>
+          </a:p>
+          <a:p>
+            <a:r>
+              <a:rPr lang="fi-FI" dirty="0" smtClean="0"/>
+              <a:t>Median: 	2</a:t>
+            </a:r>
+            <a:r>
+              <a:rPr lang="en-US" dirty="0" smtClean="0"/>
+              <a:t> </a:t>
+            </a:r>
+            <a:endParaRPr lang="en-US" dirty="0"/>
+          </a:p>
+        </p:txBody>
+      </p:sp>
+      <p:sp>
+        <p:nvSpPr>
+          <p:cNvPr id="12" name="TextBox 11"/>
+          <p:cNvSpPr txBox="1"/>
+          <p:nvPr/>
+        </p:nvSpPr>
+        <p:spPr>
+          <a:xfrm>
+            <a:off x="5063492" y="5342315"/>
+            <a:ext cx="3623307" cy="646331"/>
+          </a:xfrm>
+          <a:prstGeom prst="rect">
+            <a:avLst/>
+          </a:prstGeom>
+          <a:noFill/>
+        </p:spPr>
+        <p:txBody>
+          <a:bodyPr wrap="square" rtlCol="0">
+            <a:spAutoFit/>
+          </a:bodyPr>
+          <a:lstStyle/>
+          <a:p>
+            <a:r>
+              <a:rPr lang="en-US" dirty="0" smtClean="0"/>
+              <a:t>Mean: 	</a:t>
+            </a:r>
+            <a:r>
+              <a:rPr lang="nb-NO" dirty="0" smtClean="0"/>
+              <a:t>3.302917</a:t>
+            </a:r>
+          </a:p>
+          <a:p>
+            <a:r>
+              <a:rPr lang="nb-NO" dirty="0" smtClean="0"/>
+              <a:t>Median: 	</a:t>
+            </a:r>
+            <a:r>
+              <a:rPr lang="en-US" dirty="0" smtClean="0"/>
+              <a:t>3</a:t>
+            </a:r>
+            <a:endParaRPr lang="en-US" dirty="0"/>
+          </a:p>
+        </p:txBody>
+      </p:sp>
+    </p:spTree>
+    <p:extLst>
+      <p:ext uri="{BB962C8B-B14F-4D97-AF65-F5344CB8AC3E}">
+        <p14:creationId xmlns:p14="http://schemas.microsoft.com/office/powerpoint/2010/main" val="2246040449"/>
+      </p:ext>
+    </p:extLst>
+  </p:cSld>
+  <p:clrMapOvr>
+    <a:masterClrMapping/>
+  </p:clrMapOvr>
+</p:sld>
+</file>
+
+<file path=ppt/slides/slide8.xml><?xml version="1.0" encoding="utf-8"?>
+<p:sld xmlns:a="http://schemas.openxmlformats.org/drawingml/2006/main" xmlns:r="http://schemas.openxmlformats.org/officeDocument/2006/relationships" xmlns:p="http://schemas.openxmlformats.org/presentationml/2006/main">
+  <p:cSld>
+    <p:spTree>
+      <p:nvGrpSpPr>
+        <p:cNvPr id="1" name=""/>
+        <p:cNvGrpSpPr/>
+        <p:nvPr/>
+      </p:nvGrpSpPr>
+      <p:grpSpPr>
+        <a:xfrm>
+          <a:off x="0" y="0"/>
+          <a:ext cx="0" cy="0"/>
+          <a:chOff x="0" y="0"/>
+          <a:chExt cx="0" cy="0"/>
+        </a:xfrm>
+      </p:grpSpPr>
+      <p:sp>
+        <p:nvSpPr>
+          <p:cNvPr id="7" name="Title 6"/>
+          <p:cNvSpPr>
+            <a:spLocks noGrp="1"/>
+          </p:cNvSpPr>
+          <p:nvPr>
+            <p:ph type="title"/>
+          </p:nvPr>
+        </p:nvSpPr>
+        <p:spPr/>
+        <p:txBody>
+          <a:bodyPr/>
+          <a:lstStyle/>
+          <a:p>
+            <a:r>
+              <a:rPr lang="en-US" dirty="0" smtClean="0"/>
+              <a:t>Preprocessing</a:t>
+            </a:r>
+            <a:endParaRPr lang="en-US" dirty="0"/>
+          </a:p>
+        </p:txBody>
+      </p:sp>
+      <p:sp>
+        <p:nvSpPr>
+          <p:cNvPr id="8" name="Content Placeholder 7"/>
+          <p:cNvSpPr>
+            <a:spLocks noGrp="1"/>
+          </p:cNvSpPr>
+          <p:nvPr>
+            <p:ph idx="1"/>
+          </p:nvPr>
+        </p:nvSpPr>
+        <p:spPr/>
+        <p:txBody>
+          <a:bodyPr/>
+          <a:lstStyle/>
+          <a:p>
+            <a:r>
+              <a:rPr lang="en-US" dirty="0" smtClean="0"/>
+              <a:t>Extract super-categories assigned to each query</a:t>
+            </a:r>
+          </a:p>
+          <a:p>
+            <a:pPr lvl="1"/>
+            <a:r>
+              <a:rPr lang="en-US" dirty="0" smtClean="0"/>
+              <a:t>Remember, those were (</a:t>
+            </a:r>
+            <a:r>
+              <a:rPr lang="en-US" dirty="0">
+                <a:latin typeface="Andale Mono"/>
+                <a:cs typeface="Andale Mono"/>
+              </a:rPr>
+              <a:t>Computers, Entertainment, Information, Living, Online Community, Shopping, </a:t>
+            </a:r>
+            <a:r>
+              <a:rPr lang="en-US" dirty="0" smtClean="0">
+                <a:latin typeface="Andale Mono"/>
+                <a:cs typeface="Andale Mono"/>
+              </a:rPr>
+              <a:t>Sports</a:t>
+            </a:r>
+            <a:r>
+              <a:rPr lang="en-US" dirty="0" smtClean="0"/>
+              <a:t>)</a:t>
+            </a:r>
+          </a:p>
+          <a:p>
+            <a:r>
+              <a:rPr lang="en-US" dirty="0" smtClean="0"/>
+              <a:t>Then create separate columns for each category (7 new columns)</a:t>
+            </a:r>
+          </a:p>
+          <a:p>
+            <a:r>
+              <a:rPr lang="en-US" dirty="0" smtClean="0"/>
+              <a:t>Assign</a:t>
+            </a:r>
+            <a:r>
+              <a:rPr lang="en-US" dirty="0" smtClean="0">
+                <a:latin typeface="Andale Mono"/>
+                <a:cs typeface="Andale Mono"/>
+              </a:rPr>
+              <a:t> true </a:t>
+            </a:r>
+            <a:r>
+              <a:rPr lang="en-US" dirty="0" smtClean="0"/>
+              <a:t>for that column where the query is classified as such and a </a:t>
+            </a:r>
+            <a:r>
+              <a:rPr lang="en-US" dirty="0" smtClean="0">
+                <a:latin typeface="Andale Mono"/>
+                <a:cs typeface="Andale Mono"/>
+              </a:rPr>
+              <a:t>false</a:t>
+            </a:r>
+            <a:r>
+              <a:rPr lang="en-US" dirty="0" smtClean="0"/>
+              <a:t> otherwise</a:t>
+            </a:r>
+            <a:endParaRPr lang="en-US" dirty="0"/>
+          </a:p>
+        </p:txBody>
+      </p:sp>
+    </p:spTree>
+    <p:extLst>
+      <p:ext uri="{BB962C8B-B14F-4D97-AF65-F5344CB8AC3E}">
+        <p14:creationId xmlns:p14="http://schemas.microsoft.com/office/powerpoint/2010/main" val="717197135"/>
+      </p:ext>
+    </p:extLst>
+  </p:cSld>
+  <p:clrMapOvr>
+    <a:masterClrMapping/>
+  </p:clrMapOvr>
+</p:sld>
+</file>
+
+<file path=ppt/slides/slide9.xml><?xml version="1.0" encoding="utf-8"?>
 <p:sld xmlns:a="http://schemas.openxmlformats.org/drawingml/2006/main" xmlns:r="http://schemas.openxmlformats.org/officeDocument/2006/relationships" xmlns:p="http://schemas.openxmlformats.org/presentationml/2006/main">
   <p:cSld>
     <p:spTree>
@@ -5262,286 +5907,6 @@
     <p:extLst>
       <p:ext uri="{BB962C8B-B14F-4D97-AF65-F5344CB8AC3E}">
         <p14:creationId xmlns:p14="http://schemas.microsoft.com/office/powerpoint/2010/main" val="37337337"/>
-      </p:ext>
-    </p:extLst>
-  </p:cSld>
-  <p:clrMapOvr>
-    <a:masterClrMapping/>
-  </p:clrMapOvr>
-  <p:timing>
-    <p:tnLst>
-      <p:par>
-        <p:cTn xmlns:p14="http://schemas.microsoft.com/office/powerpoint/2010/main" id="1" dur="indefinite" restart="never" nodeType="tmRoot"/>
-      </p:par>
-    </p:tnLst>
-  </p:timing>
-</p:sld>
-</file>
-
-<file path=ppt/slides/slide8.xml><?xml version="1.0" encoding="utf-8"?>
-<p:sld xmlns:a="http://schemas.openxmlformats.org/drawingml/2006/main" xmlns:r="http://schemas.openxmlformats.org/officeDocument/2006/relationships" xmlns:p="http://schemas.openxmlformats.org/presentationml/2006/main">
-  <p:cSld>
-    <p:spTree>
-      <p:nvGrpSpPr>
-        <p:cNvPr id="1" name=""/>
-        <p:cNvGrpSpPr/>
-        <p:nvPr/>
-      </p:nvGrpSpPr>
-      <p:grpSpPr>
-        <a:xfrm>
-          <a:off x="0" y="0"/>
-          <a:ext cx="0" cy="0"/>
-          <a:chOff x="0" y="0"/>
-          <a:chExt cx="0" cy="0"/>
-        </a:xfrm>
-      </p:grpSpPr>
-      <p:sp>
-        <p:nvSpPr>
-          <p:cNvPr id="2" name="Title 1"/>
-          <p:cNvSpPr>
-            <a:spLocks noGrp="1"/>
-          </p:cNvSpPr>
-          <p:nvPr>
-            <p:ph type="title"/>
-          </p:nvPr>
-        </p:nvSpPr>
-        <p:spPr/>
-        <p:txBody>
-          <a:bodyPr/>
-          <a:lstStyle/>
-          <a:p>
-            <a:r>
-              <a:rPr lang="en-US" dirty="0" smtClean="0"/>
-              <a:t>Feature Selection </a:t>
-            </a:r>
-            <a:endParaRPr lang="en-US" dirty="0"/>
-          </a:p>
-        </p:txBody>
-      </p:sp>
-      <p:sp>
-        <p:nvSpPr>
-          <p:cNvPr id="5" name="Content Placeholder 4"/>
-          <p:cNvSpPr>
-            <a:spLocks noGrp="1"/>
-          </p:cNvSpPr>
-          <p:nvPr>
-            <p:ph idx="1"/>
-          </p:nvPr>
-        </p:nvSpPr>
-        <p:spPr>
-          <a:xfrm>
-            <a:off x="464060" y="4493312"/>
-            <a:ext cx="8222740" cy="2100136"/>
-          </a:xfrm>
-        </p:spPr>
-        <p:txBody>
-          <a:bodyPr>
-            <a:normAutofit fontScale="92500" lnSpcReduction="20000"/>
-          </a:bodyPr>
-          <a:lstStyle/>
-          <a:p>
-            <a:pPr marL="0" indent="0">
-              <a:buNone/>
-            </a:pPr>
-            <a:r>
-              <a:rPr lang="en-US" b="1" dirty="0" smtClean="0"/>
-              <a:t>Final Model</a:t>
-            </a:r>
-          </a:p>
-          <a:p>
-            <a:pPr marL="0" indent="0">
-              <a:buNone/>
-            </a:pPr>
-            <a:r>
-              <a:rPr lang="en-US" dirty="0">
-                <a:latin typeface="Andale Mono"/>
-                <a:cs typeface="Andale Mono"/>
-              </a:rPr>
-              <a:t>Target ~ character count, preposition count, char per word, has a number</a:t>
-            </a:r>
-          </a:p>
-          <a:p>
-            <a:pPr marL="0" indent="0">
-              <a:buNone/>
-            </a:pPr>
-            <a:endParaRPr lang="en-US" dirty="0"/>
-          </a:p>
-          <a:p>
-            <a:pPr marL="0" indent="0">
-              <a:buNone/>
-            </a:pPr>
-            <a:r>
-              <a:rPr lang="en-US" dirty="0" smtClean="0"/>
-              <a:t>Target = (</a:t>
-            </a:r>
-            <a:r>
-              <a:rPr lang="en-US" sz="1800" dirty="0" smtClean="0">
-                <a:latin typeface="Andale Mono"/>
-                <a:cs typeface="Andale Mono"/>
-              </a:rPr>
-              <a:t>Computers, Entertainment, Information, Living, Online Community, Shopping, Sports</a:t>
-            </a:r>
-            <a:r>
-              <a:rPr lang="en-US" dirty="0" smtClean="0"/>
-              <a:t>)</a:t>
-            </a:r>
-          </a:p>
-        </p:txBody>
-      </p:sp>
-      <p:pic>
-        <p:nvPicPr>
-          <p:cNvPr id="6" name="Picture 5" descr="Screen Shot 2016-05-03 at 1.02.05 PM.png"/>
-          <p:cNvPicPr>
-            <a:picLocks noChangeAspect="1"/>
-          </p:cNvPicPr>
-          <p:nvPr/>
-        </p:nvPicPr>
-        <p:blipFill>
-          <a:blip r:embed="rId2">
-            <a:extLst>
-              <a:ext uri="{28A0092B-C50C-407E-A947-70E740481C1C}">
-                <a14:useLocalDpi xmlns:a14="http://schemas.microsoft.com/office/drawing/2010/main" val="0"/>
-              </a:ext>
-            </a:extLst>
-          </a:blip>
-          <a:stretch>
-            <a:fillRect/>
-          </a:stretch>
-        </p:blipFill>
-        <p:spPr>
-          <a:xfrm>
-            <a:off x="457201" y="1502519"/>
-            <a:ext cx="4964482" cy="2696067"/>
-          </a:xfrm>
-          <a:prstGeom prst="rect">
-            <a:avLst/>
-          </a:prstGeom>
-        </p:spPr>
-      </p:pic>
-    </p:spTree>
-    <p:extLst>
-      <p:ext uri="{BB962C8B-B14F-4D97-AF65-F5344CB8AC3E}">
-        <p14:creationId xmlns:p14="http://schemas.microsoft.com/office/powerpoint/2010/main" val="2494718803"/>
-      </p:ext>
-    </p:extLst>
-  </p:cSld>
-  <p:clrMapOvr>
-    <a:masterClrMapping/>
-  </p:clrMapOvr>
-  <p:timing>
-    <p:tnLst>
-      <p:par>
-        <p:cTn xmlns:p14="http://schemas.microsoft.com/office/powerpoint/2010/main" id="1" dur="indefinite" restart="never" nodeType="tmRoot"/>
-      </p:par>
-    </p:tnLst>
-  </p:timing>
-</p:sld>
-</file>
-
-<file path=ppt/slides/slide9.xml><?xml version="1.0" encoding="utf-8"?>
-<p:sld xmlns:a="http://schemas.openxmlformats.org/drawingml/2006/main" xmlns:r="http://schemas.openxmlformats.org/officeDocument/2006/relationships" xmlns:p="http://schemas.openxmlformats.org/presentationml/2006/main">
-  <p:cSld>
-    <p:spTree>
-      <p:nvGrpSpPr>
-        <p:cNvPr id="1" name=""/>
-        <p:cNvGrpSpPr/>
-        <p:nvPr/>
-      </p:nvGrpSpPr>
-      <p:grpSpPr>
-        <a:xfrm>
-          <a:off x="0" y="0"/>
-          <a:ext cx="0" cy="0"/>
-          <a:chOff x="0" y="0"/>
-          <a:chExt cx="0" cy="0"/>
-        </a:xfrm>
-      </p:grpSpPr>
-      <p:sp>
-        <p:nvSpPr>
-          <p:cNvPr id="2" name="Title 1"/>
-          <p:cNvSpPr>
-            <a:spLocks noGrp="1"/>
-          </p:cNvSpPr>
-          <p:nvPr>
-            <p:ph type="title"/>
-          </p:nvPr>
-        </p:nvSpPr>
-        <p:spPr/>
-        <p:txBody>
-          <a:bodyPr/>
-          <a:lstStyle/>
-          <a:p>
-            <a:r>
-              <a:rPr lang="en-US" dirty="0" smtClean="0"/>
-              <a:t>Results</a:t>
-            </a:r>
-            <a:endParaRPr lang="en-US" dirty="0"/>
-          </a:p>
-        </p:txBody>
-      </p:sp>
-      <p:pic>
-        <p:nvPicPr>
-          <p:cNvPr id="4" name="Picture 3" descr="Screen Shot 2016-05-03 at 3.00.17 PM.png"/>
-          <p:cNvPicPr>
-            <a:picLocks noChangeAspect="1"/>
-          </p:cNvPicPr>
-          <p:nvPr/>
-        </p:nvPicPr>
-        <p:blipFill>
-          <a:blip r:embed="rId2">
-            <a:extLst>
-              <a:ext uri="{28A0092B-C50C-407E-A947-70E740481C1C}">
-                <a14:useLocalDpi xmlns:a14="http://schemas.microsoft.com/office/drawing/2010/main" val="0"/>
-              </a:ext>
-            </a:extLst>
-          </a:blip>
-          <a:stretch>
-            <a:fillRect/>
-          </a:stretch>
-        </p:blipFill>
-        <p:spPr>
-          <a:xfrm>
-            <a:off x="0" y="2303766"/>
-            <a:ext cx="9144000" cy="3540796"/>
-          </a:xfrm>
-          <a:prstGeom prst="rect">
-            <a:avLst/>
-          </a:prstGeom>
-        </p:spPr>
-      </p:pic>
-      <p:sp>
-        <p:nvSpPr>
-          <p:cNvPr id="5" name="TextBox 4"/>
-          <p:cNvSpPr txBox="1"/>
-          <p:nvPr/>
-        </p:nvSpPr>
-        <p:spPr>
-          <a:xfrm>
-            <a:off x="457200" y="1540280"/>
-            <a:ext cx="4535266" cy="523220"/>
-          </a:xfrm>
-          <a:prstGeom prst="rect">
-            <a:avLst/>
-          </a:prstGeom>
-          <a:noFill/>
-        </p:spPr>
-        <p:txBody>
-          <a:bodyPr wrap="none" rtlCol="0">
-            <a:spAutoFit/>
-          </a:bodyPr>
-          <a:lstStyle/>
-          <a:p>
-            <a:r>
-              <a:rPr lang="en-US" sz="2800" dirty="0" smtClean="0"/>
-              <a:t>Decision Tree Performance</a:t>
-            </a:r>
-            <a:endParaRPr lang="en-US" sz="2800" dirty="0"/>
-          </a:p>
-        </p:txBody>
-      </p:sp>
-    </p:spTree>
-    <p:extLst>
-      <p:ext uri="{BB962C8B-B14F-4D97-AF65-F5344CB8AC3E}">
-        <p14:creationId xmlns:p14="http://schemas.microsoft.com/office/powerpoint/2010/main" val="631733834"/>
       </p:ext>
     </p:extLst>
   </p:cSld>

--- a/presentation.pptx
+++ b/presentation.pptx
@@ -5,7 +5,7 @@
     <p:sldMasterId id="2147483960" r:id="rId1"/>
   </p:sldMasterIdLst>
   <p:notesMasterIdLst>
-    <p:notesMasterId r:id="rId14"/>
+    <p:notesMasterId r:id="rId15"/>
   </p:notesMasterIdLst>
   <p:sldIdLst>
     <p:sldId id="256" r:id="rId2"/>
@@ -20,6 +20,7 @@
     <p:sldId id="262" r:id="rId11"/>
     <p:sldId id="263" r:id="rId12"/>
     <p:sldId id="264" r:id="rId13"/>
+    <p:sldId id="268" r:id="rId14"/>
   </p:sldIdLst>
   <p:sldSz cx="9144000" cy="6858000" type="screen4x3"/>
   <p:notesSz cx="6858000" cy="9144000"/>
@@ -135,6 +136,7 @@
             <p14:sldId id="262"/>
             <p14:sldId id="263"/>
             <p14:sldId id="264"/>
+            <p14:sldId id="268"/>
           </p14:sldIdLst>
         </p14:section>
       </p14:sectionLst>
@@ -491,6 +493,194 @@
     </a:lvl9pPr>
   </p:notesStyle>
 </p:notesMaster>
+</file>
+
+<file path=ppt/notesSlides/notesSlide1.xml><?xml version="1.0" encoding="utf-8"?>
+<p:notes xmlns:a="http://schemas.openxmlformats.org/drawingml/2006/main" xmlns:r="http://schemas.openxmlformats.org/officeDocument/2006/relationships" xmlns:p="http://schemas.openxmlformats.org/presentationml/2006/main">
+  <p:cSld>
+    <p:spTree>
+      <p:nvGrpSpPr>
+        <p:cNvPr id="1" name=""/>
+        <p:cNvGrpSpPr/>
+        <p:nvPr/>
+      </p:nvGrpSpPr>
+      <p:grpSpPr>
+        <a:xfrm>
+          <a:off x="0" y="0"/>
+          <a:ext cx="0" cy="0"/>
+          <a:chOff x="0" y="0"/>
+          <a:chExt cx="0" cy="0"/>
+        </a:xfrm>
+      </p:grpSpPr>
+      <p:sp>
+        <p:nvSpPr>
+          <p:cNvPr id="2" name="Slide Image Placeholder 1"/>
+          <p:cNvSpPr>
+            <a:spLocks noGrp="1" noRot="1" noChangeAspect="1"/>
+          </p:cNvSpPr>
+          <p:nvPr>
+            <p:ph type="sldImg"/>
+          </p:nvPr>
+        </p:nvSpPr>
+        <p:spPr/>
+      </p:sp>
+      <p:sp>
+        <p:nvSpPr>
+          <p:cNvPr id="3" name="Notes Placeholder 2"/>
+          <p:cNvSpPr>
+            <a:spLocks noGrp="1"/>
+          </p:cNvSpPr>
+          <p:nvPr>
+            <p:ph type="body" idx="1"/>
+          </p:nvPr>
+        </p:nvSpPr>
+        <p:spPr/>
+        <p:txBody>
+          <a:bodyPr/>
+          <a:lstStyle/>
+          <a:p>
+            <a:r>
+              <a:rPr lang="en-US" dirty="0" smtClean="0"/>
+              <a:t>How much data was</a:t>
+            </a:r>
+            <a:r>
+              <a:rPr lang="en-US" baseline="0" dirty="0" smtClean="0"/>
+              <a:t> used for training </a:t>
+            </a:r>
+            <a:r>
+              <a:rPr lang="en-US" baseline="0" smtClean="0"/>
+              <a:t>and testing</a:t>
+            </a:r>
+            <a:endParaRPr lang="en-US"/>
+          </a:p>
+        </p:txBody>
+      </p:sp>
+      <p:sp>
+        <p:nvSpPr>
+          <p:cNvPr id="4" name="Slide Number Placeholder 3"/>
+          <p:cNvSpPr>
+            <a:spLocks noGrp="1"/>
+          </p:cNvSpPr>
+          <p:nvPr>
+            <p:ph type="sldNum" sz="quarter" idx="10"/>
+          </p:nvPr>
+        </p:nvSpPr>
+        <p:spPr/>
+        <p:txBody>
+          <a:bodyPr/>
+          <a:lstStyle/>
+          <a:p>
+            <a:fld id="{FF8EFE7A-F764-6C47-B644-A3645F569A8C}" type="slidenum">
+              <a:rPr lang="en-US" smtClean="0"/>
+              <a:t>9</a:t>
+            </a:fld>
+            <a:endParaRPr lang="en-US"/>
+          </a:p>
+        </p:txBody>
+      </p:sp>
+    </p:spTree>
+    <p:extLst>
+      <p:ext uri="{BB962C8B-B14F-4D97-AF65-F5344CB8AC3E}">
+        <p14:creationId xmlns:p14="http://schemas.microsoft.com/office/powerpoint/2010/main" val="2853663649"/>
+      </p:ext>
+    </p:extLst>
+  </p:cSld>
+  <p:clrMapOvr>
+    <a:masterClrMapping/>
+  </p:clrMapOvr>
+</p:notes>
+</file>
+
+<file path=ppt/notesSlides/notesSlide2.xml><?xml version="1.0" encoding="utf-8"?>
+<p:notes xmlns:a="http://schemas.openxmlformats.org/drawingml/2006/main" xmlns:r="http://schemas.openxmlformats.org/officeDocument/2006/relationships" xmlns:p="http://schemas.openxmlformats.org/presentationml/2006/main">
+  <p:cSld>
+    <p:spTree>
+      <p:nvGrpSpPr>
+        <p:cNvPr id="1" name=""/>
+        <p:cNvGrpSpPr/>
+        <p:nvPr/>
+      </p:nvGrpSpPr>
+      <p:grpSpPr>
+        <a:xfrm>
+          <a:off x="0" y="0"/>
+          <a:ext cx="0" cy="0"/>
+          <a:chOff x="0" y="0"/>
+          <a:chExt cx="0" cy="0"/>
+        </a:xfrm>
+      </p:grpSpPr>
+      <p:sp>
+        <p:nvSpPr>
+          <p:cNvPr id="2" name="Slide Image Placeholder 1"/>
+          <p:cNvSpPr>
+            <a:spLocks noGrp="1" noRot="1" noChangeAspect="1"/>
+          </p:cNvSpPr>
+          <p:nvPr>
+            <p:ph type="sldImg"/>
+          </p:nvPr>
+        </p:nvSpPr>
+        <p:spPr/>
+      </p:sp>
+      <p:sp>
+        <p:nvSpPr>
+          <p:cNvPr id="3" name="Notes Placeholder 2"/>
+          <p:cNvSpPr>
+            <a:spLocks noGrp="1"/>
+          </p:cNvSpPr>
+          <p:nvPr>
+            <p:ph type="body" idx="1"/>
+          </p:nvPr>
+        </p:nvSpPr>
+        <p:spPr/>
+        <p:txBody>
+          <a:bodyPr/>
+          <a:lstStyle/>
+          <a:p>
+            <a:r>
+              <a:rPr lang="en-US" dirty="0" smtClean="0"/>
+              <a:t>Precision</a:t>
+            </a:r>
+            <a:r>
+              <a:rPr lang="en-US" baseline="0" dirty="0" smtClean="0"/>
+              <a:t> and recall</a:t>
+            </a:r>
+            <a:endParaRPr lang="en-US" dirty="0"/>
+          </a:p>
+        </p:txBody>
+      </p:sp>
+      <p:sp>
+        <p:nvSpPr>
+          <p:cNvPr id="4" name="Slide Number Placeholder 3"/>
+          <p:cNvSpPr>
+            <a:spLocks noGrp="1"/>
+          </p:cNvSpPr>
+          <p:nvPr>
+            <p:ph type="sldNum" sz="quarter" idx="10"/>
+          </p:nvPr>
+        </p:nvSpPr>
+        <p:spPr/>
+        <p:txBody>
+          <a:bodyPr/>
+          <a:lstStyle/>
+          <a:p>
+            <a:fld id="{FF8EFE7A-F764-6C47-B644-A3645F569A8C}" type="slidenum">
+              <a:rPr lang="en-US" smtClean="0"/>
+              <a:t>11</a:t>
+            </a:fld>
+            <a:endParaRPr lang="en-US"/>
+          </a:p>
+        </p:txBody>
+      </p:sp>
+    </p:spTree>
+    <p:extLst>
+      <p:ext uri="{BB962C8B-B14F-4D97-AF65-F5344CB8AC3E}">
+        <p14:creationId xmlns:p14="http://schemas.microsoft.com/office/powerpoint/2010/main" val="2783168290"/>
+      </p:ext>
+    </p:extLst>
+  </p:cSld>
+  <p:clrMapOvr>
+    <a:masterClrMapping/>
+  </p:clrMapOvr>
+</p:notes>
 </file>
 
 <file path=ppt/slideLayouts/slideLayout1.xml><?xml version="1.0" encoding="utf-8"?>
@@ -4103,7 +4293,7 @@
           <p:nvPr/>
         </p:nvPicPr>
         <p:blipFill>
-          <a:blip r:embed="rId2">
+          <a:blip r:embed="rId3">
             <a:extLst>
               <a:ext uri="{28A0092B-C50C-407E-A947-70E740481C1C}">
                 <a14:useLocalDpi xmlns:a14="http://schemas.microsoft.com/office/drawing/2010/main" val="0"/>
@@ -4277,6 +4467,138 @@
     <p:extLst>
       <p:ext uri="{BB962C8B-B14F-4D97-AF65-F5344CB8AC3E}">
         <p14:creationId xmlns:p14="http://schemas.microsoft.com/office/powerpoint/2010/main" val="3568103725"/>
+      </p:ext>
+    </p:extLst>
+  </p:cSld>
+  <p:clrMapOvr>
+    <a:masterClrMapping/>
+  </p:clrMapOvr>
+  <p:timing>
+    <p:tnLst>
+      <p:par>
+        <p:cTn xmlns:p14="http://schemas.microsoft.com/office/powerpoint/2010/main" id="1" dur="indefinite" restart="never" nodeType="tmRoot"/>
+      </p:par>
+    </p:tnLst>
+  </p:timing>
+</p:sld>
+</file>
+
+<file path=ppt/slides/slide13.xml><?xml version="1.0" encoding="utf-8"?>
+<p:sld xmlns:a="http://schemas.openxmlformats.org/drawingml/2006/main" xmlns:r="http://schemas.openxmlformats.org/officeDocument/2006/relationships" xmlns:p="http://schemas.openxmlformats.org/presentationml/2006/main">
+  <p:cSld>
+    <p:spTree>
+      <p:nvGrpSpPr>
+        <p:cNvPr id="1" name=""/>
+        <p:cNvGrpSpPr/>
+        <p:nvPr/>
+      </p:nvGrpSpPr>
+      <p:grpSpPr>
+        <a:xfrm>
+          <a:off x="0" y="0"/>
+          <a:ext cx="0" cy="0"/>
+          <a:chOff x="0" y="0"/>
+          <a:chExt cx="0" cy="0"/>
+        </a:xfrm>
+      </p:grpSpPr>
+      <p:sp>
+        <p:nvSpPr>
+          <p:cNvPr id="2" name="Title 1"/>
+          <p:cNvSpPr>
+            <a:spLocks noGrp="1"/>
+          </p:cNvSpPr>
+          <p:nvPr>
+            <p:ph type="title"/>
+          </p:nvPr>
+        </p:nvSpPr>
+        <p:spPr/>
+        <p:txBody>
+          <a:bodyPr/>
+          <a:lstStyle/>
+          <a:p>
+            <a:r>
+              <a:rPr lang="en-US" dirty="0" smtClean="0"/>
+              <a:t>Conclusion </a:t>
+            </a:r>
+            <a:endParaRPr lang="en-US" dirty="0"/>
+          </a:p>
+        </p:txBody>
+      </p:sp>
+      <p:sp>
+        <p:nvSpPr>
+          <p:cNvPr id="3" name="Content Placeholder 2"/>
+          <p:cNvSpPr>
+            <a:spLocks noGrp="1"/>
+          </p:cNvSpPr>
+          <p:nvPr>
+            <p:ph idx="1"/>
+          </p:nvPr>
+        </p:nvSpPr>
+        <p:spPr/>
+        <p:txBody>
+          <a:bodyPr/>
+          <a:lstStyle/>
+          <a:p>
+            <a:r>
+              <a:rPr lang="en-US" dirty="0" smtClean="0"/>
+              <a:t>Neural Network outperforms Decision Tree</a:t>
+            </a:r>
+          </a:p>
+          <a:p>
+            <a:r>
+              <a:rPr lang="en-US" dirty="0" smtClean="0"/>
+              <a:t>General structure of the query has some predictive capabilities</a:t>
+            </a:r>
+          </a:p>
+          <a:p>
+            <a:r>
+              <a:rPr lang="en-US" dirty="0" smtClean="0"/>
+              <a:t>More features would be useful (</a:t>
+            </a:r>
+            <a:r>
+              <a:rPr lang="en-US" dirty="0" err="1" smtClean="0"/>
+              <a:t>ie</a:t>
+            </a:r>
+            <a:r>
+              <a:rPr lang="en-US" dirty="0" smtClean="0"/>
+              <a:t>. session data)</a:t>
+            </a:r>
+          </a:p>
+          <a:p>
+            <a:endParaRPr lang="en-US" dirty="0"/>
+          </a:p>
+          <a:p>
+            <a:pPr marL="0" indent="0">
+              <a:buNone/>
+            </a:pPr>
+            <a:r>
+              <a:rPr lang="en-US" dirty="0" smtClean="0"/>
+              <a:t>Future Work</a:t>
+            </a:r>
+          </a:p>
+          <a:p>
+            <a:r>
+              <a:rPr lang="en-US" dirty="0" smtClean="0"/>
+              <a:t>Take into account sub-categorizations </a:t>
+            </a:r>
+          </a:p>
+          <a:p>
+            <a:r>
+              <a:rPr lang="en-US" dirty="0" smtClean="0"/>
+              <a:t>More feature generation (parts of speech per query rather than absolute number)</a:t>
+            </a:r>
+          </a:p>
+          <a:p>
+            <a:endParaRPr lang="en-US" dirty="0" smtClean="0"/>
+          </a:p>
+          <a:p>
+            <a:endParaRPr lang="en-US" dirty="0"/>
+          </a:p>
+        </p:txBody>
+      </p:sp>
+    </p:spTree>
+    <p:extLst>
+      <p:ext uri="{BB962C8B-B14F-4D97-AF65-F5344CB8AC3E}">
+        <p14:creationId xmlns:p14="http://schemas.microsoft.com/office/powerpoint/2010/main" val="280306750"/>
       </p:ext>
     </p:extLst>
   </p:cSld>
@@ -5306,6 +5628,13 @@
   <p:clrMapOvr>
     <a:masterClrMapping/>
   </p:clrMapOvr>
+  <p:timing>
+    <p:tnLst>
+      <p:par>
+        <p:cTn xmlns:p14="http://schemas.microsoft.com/office/powerpoint/2010/main" id="1" dur="indefinite" restart="never" nodeType="tmRoot"/>
+      </p:par>
+    </p:tnLst>
+  </p:timing>
 </p:sld>
 </file>
 
@@ -5441,6 +5770,13 @@
   <p:clrMapOvr>
     <a:masterClrMapping/>
   </p:clrMapOvr>
+  <p:timing>
+    <p:tnLst>
+      <p:par>
+        <p:cTn xmlns:p14="http://schemas.microsoft.com/office/powerpoint/2010/main" id="1" dur="indefinite" restart="never" nodeType="tmRoot"/>
+      </p:par>
+    </p:tnLst>
+  </p:timing>
 </p:sld>
 </file>
 
@@ -5663,7 +5999,7 @@
           <p:nvPr/>
         </p:nvPicPr>
         <p:blipFill>
-          <a:blip r:embed="rId2">
+          <a:blip r:embed="rId3">
             <a:extLst>
               <a:ext uri="{28A0092B-C50C-407E-A947-70E740481C1C}">
                 <a14:useLocalDpi xmlns:a14="http://schemas.microsoft.com/office/drawing/2010/main" val="0"/>
@@ -5899,7 +6235,6 @@
               <a:rPr lang="en-US" dirty="0" smtClean="0"/>
               <a:t> package </a:t>
             </a:r>
-            <a:endParaRPr lang="en-US" dirty="0" smtClean="0"/>
           </a:p>
         </p:txBody>
       </p:sp>

--- a/presentation.pptx
+++ b/presentation.pptx
@@ -227,7 +227,7 @@
           <a:p>
             <a:fld id="{20314F4A-DE5A-5F4D-86AF-1D5A1B6C1BA3}" type="datetimeFigureOut">
               <a:rPr lang="en-US" smtClean="0"/>
-              <a:t>5/3/16</a:t>
+              <a:t>5/4/16</a:t>
             </a:fld>
             <a:endParaRPr lang="en-US"/>
           </a:p>
@@ -637,12 +637,25 @@
           <a:p>
             <a:r>
               <a:rPr lang="en-US" dirty="0" smtClean="0"/>
-              <a:t>Precision</a:t>
+              <a:t>Precision: TP/(TP/FP) percent of predictions</a:t>
             </a:r>
             <a:r>
               <a:rPr lang="en-US" baseline="0" dirty="0" smtClean="0"/>
-              <a:t> and recall</a:t>
-            </a:r>
+              <a:t> correct</a:t>
+            </a:r>
+            <a:endParaRPr lang="en-US" dirty="0" smtClean="0"/>
+          </a:p>
+          <a:p>
+            <a:r>
+              <a:rPr lang="en-US" dirty="0" smtClean="0"/>
+              <a:t>Recall: TP/(</a:t>
+            </a:r>
+            <a:r>
+              <a:rPr lang="en-US" baseline="0" dirty="0" smtClean="0"/>
+              <a:t>TP+FN) percent of positive cases caught</a:t>
+            </a:r>
+          </a:p>
+          <a:p>
             <a:endParaRPr lang="en-US" dirty="0"/>
           </a:p>
         </p:txBody>
@@ -674,6 +687,111 @@
     <p:extLst>
       <p:ext uri="{BB962C8B-B14F-4D97-AF65-F5344CB8AC3E}">
         <p14:creationId xmlns:p14="http://schemas.microsoft.com/office/powerpoint/2010/main" val="2783168290"/>
+      </p:ext>
+    </p:extLst>
+  </p:cSld>
+  <p:clrMapOvr>
+    <a:masterClrMapping/>
+  </p:clrMapOvr>
+</p:notes>
+</file>
+
+<file path=ppt/notesSlides/notesSlide3.xml><?xml version="1.0" encoding="utf-8"?>
+<p:notes xmlns:a="http://schemas.openxmlformats.org/drawingml/2006/main" xmlns:r="http://schemas.openxmlformats.org/officeDocument/2006/relationships" xmlns:p="http://schemas.openxmlformats.org/presentationml/2006/main">
+  <p:cSld>
+    <p:spTree>
+      <p:nvGrpSpPr>
+        <p:cNvPr id="1" name=""/>
+        <p:cNvGrpSpPr/>
+        <p:nvPr/>
+      </p:nvGrpSpPr>
+      <p:grpSpPr>
+        <a:xfrm>
+          <a:off x="0" y="0"/>
+          <a:ext cx="0" cy="0"/>
+          <a:chOff x="0" y="0"/>
+          <a:chExt cx="0" cy="0"/>
+        </a:xfrm>
+      </p:grpSpPr>
+      <p:sp>
+        <p:nvSpPr>
+          <p:cNvPr id="2" name="Slide Image Placeholder 1"/>
+          <p:cNvSpPr>
+            <a:spLocks noGrp="1" noRot="1" noChangeAspect="1"/>
+          </p:cNvSpPr>
+          <p:nvPr>
+            <p:ph type="sldImg"/>
+          </p:nvPr>
+        </p:nvSpPr>
+        <p:spPr/>
+      </p:sp>
+      <p:sp>
+        <p:nvSpPr>
+          <p:cNvPr id="3" name="Notes Placeholder 2"/>
+          <p:cNvSpPr>
+            <a:spLocks noGrp="1"/>
+          </p:cNvSpPr>
+          <p:nvPr>
+            <p:ph type="body" idx="1"/>
+          </p:nvPr>
+        </p:nvSpPr>
+        <p:spPr/>
+        <p:txBody>
+          <a:bodyPr/>
+          <a:lstStyle/>
+          <a:p>
+            <a:r>
+              <a:rPr lang="en-US" dirty="0" smtClean="0"/>
+              <a:t>Precision: TP/(TP/FP) percent of predictions</a:t>
+            </a:r>
+            <a:r>
+              <a:rPr lang="en-US" baseline="0" dirty="0" smtClean="0"/>
+              <a:t> correct</a:t>
+            </a:r>
+            <a:endParaRPr lang="en-US" dirty="0" smtClean="0"/>
+          </a:p>
+          <a:p>
+            <a:r>
+              <a:rPr lang="en-US" dirty="0" smtClean="0"/>
+              <a:t>Recall: TP/(</a:t>
+            </a:r>
+            <a:r>
+              <a:rPr lang="en-US" baseline="0" dirty="0" smtClean="0"/>
+              <a:t>TP+FN) percent of positive cases caught</a:t>
+            </a:r>
+          </a:p>
+          <a:p>
+            <a:endParaRPr lang="en-US" dirty="0"/>
+          </a:p>
+        </p:txBody>
+      </p:sp>
+      <p:sp>
+        <p:nvSpPr>
+          <p:cNvPr id="4" name="Slide Number Placeholder 3"/>
+          <p:cNvSpPr>
+            <a:spLocks noGrp="1"/>
+          </p:cNvSpPr>
+          <p:nvPr>
+            <p:ph type="sldNum" sz="quarter" idx="10"/>
+          </p:nvPr>
+        </p:nvSpPr>
+        <p:spPr/>
+        <p:txBody>
+          <a:bodyPr/>
+          <a:lstStyle/>
+          <a:p>
+            <a:fld id="{FF8EFE7A-F764-6C47-B644-A3645F569A8C}" type="slidenum">
+              <a:rPr lang="en-US" smtClean="0"/>
+              <a:t>12</a:t>
+            </a:fld>
+            <a:endParaRPr lang="en-US"/>
+          </a:p>
+        </p:txBody>
+      </p:sp>
+    </p:spTree>
+    <p:extLst>
+      <p:ext uri="{BB962C8B-B14F-4D97-AF65-F5344CB8AC3E}">
+        <p14:creationId xmlns:p14="http://schemas.microsoft.com/office/powerpoint/2010/main" val="328411667"/>
       </p:ext>
     </p:extLst>
   </p:cSld>
@@ -871,7 +989,7 @@
           <a:p>
             <a:fld id="{C8A432C8-69A7-458B-9684-2BFA64B31948}" type="datetime2">
               <a:rPr lang="en-US" smtClean="0"/>
-              <a:t>Tuesday, May 3, 16</a:t>
+              <a:t>Wednesday, May 4, 16</a:t>
             </a:fld>
             <a:endParaRPr lang="en-US"/>
           </a:p>
@@ -1073,7 +1191,7 @@
           <a:p>
             <a:fld id="{8CC057FC-95B6-4D89-AFDA-ABA33EE921E5}" type="datetime2">
               <a:rPr lang="en-US" smtClean="0"/>
-              <a:t>Tuesday, May 3, 16</a:t>
+              <a:t>Wednesday, May 4, 16</a:t>
             </a:fld>
             <a:endParaRPr lang="en-US"/>
           </a:p>
@@ -1250,7 +1368,7 @@
           <a:p>
             <a:fld id="{EC4549AC-EB31-477F-92A9-B1988E232878}" type="datetime2">
               <a:rPr lang="en-US" smtClean="0"/>
-              <a:t>Tuesday, May 3, 16</a:t>
+              <a:t>Wednesday, May 4, 16</a:t>
             </a:fld>
             <a:endParaRPr lang="en-US"/>
           </a:p>
@@ -1417,7 +1535,7 @@
           <a:p>
             <a:fld id="{6396A3A3-94A6-4E5B-AF39-173ACA3E61CC}" type="datetime2">
               <a:rPr lang="en-US" smtClean="0"/>
-              <a:t>Tuesday, May 3, 16</a:t>
+              <a:t>Wednesday, May 4, 16</a:t>
             </a:fld>
             <a:endParaRPr lang="en-US"/>
           </a:p>
@@ -1667,7 +1785,7 @@
           <a:p>
             <a:fld id="{9933D019-A32C-4EAD-B8E6-DBDA699692FD}" type="datetime2">
               <a:rPr lang="en-US" smtClean="0"/>
-              <a:t>Tuesday, May 3, 16</a:t>
+              <a:t>Wednesday, May 4, 16</a:t>
             </a:fld>
             <a:endParaRPr lang="en-US"/>
           </a:p>
@@ -1987,7 +2105,7 @@
           <a:p>
             <a:fld id="{CCEBA98F-560C-4997-81C4-81D4D9187EAB}" type="datetime2">
               <a:rPr lang="en-US" smtClean="0"/>
-              <a:t>Tuesday, May 3, 16</a:t>
+              <a:t>Wednesday, May 4, 16</a:t>
             </a:fld>
             <a:endParaRPr lang="en-US"/>
           </a:p>
@@ -2455,7 +2573,7 @@
           <a:p>
             <a:fld id="{150972B2-CA5C-437D-87D0-8081271A9E4B}" type="datetime2">
               <a:rPr lang="en-US" smtClean="0"/>
-              <a:t>Tuesday, May 3, 16</a:t>
+              <a:t>Wednesday, May 4, 16</a:t>
             </a:fld>
             <a:endParaRPr lang="en-US"/>
           </a:p>
@@ -2605,7 +2723,7 @@
           <a:p>
             <a:fld id="{79CD4847-11EF-4466-A8AD-85CDB7B49118}" type="datetime2">
               <a:rPr lang="en-US" smtClean="0"/>
-              <a:t>Tuesday, May 3, 16</a:t>
+              <a:t>Wednesday, May 4, 16</a:t>
             </a:fld>
             <a:endParaRPr lang="en-US"/>
           </a:p>
@@ -2697,7 +2815,7 @@
           <a:p>
             <a:fld id="{F168457A-3AB9-4880-8A0C-9F8524491207}" type="datetime2">
               <a:rPr lang="en-US" smtClean="0"/>
-              <a:t>Tuesday, May 3, 16</a:t>
+              <a:t>Wednesday, May 4, 16</a:t>
             </a:fld>
             <a:endParaRPr lang="en-US"/>
           </a:p>
@@ -2973,7 +3091,7 @@
           <a:p>
             <a:fld id="{3FE976D3-5B7F-4300-ABED-C91F1B2AE209}" type="datetime2">
               <a:rPr lang="en-US" smtClean="0"/>
-              <a:t>Tuesday, May 3, 16</a:t>
+              <a:t>Wednesday, May 4, 16</a:t>
             </a:fld>
             <a:endParaRPr lang="en-US"/>
           </a:p>
@@ -3280,7 +3398,7 @@
           <a:p>
             <a:fld id="{EBDC1E59-17DD-41CE-97CA-624A472382D4}" type="datetime2">
               <a:rPr lang="en-US" smtClean="0"/>
-              <a:t>Tuesday, May 3, 16</a:t>
+              <a:t>Wednesday, May 4, 16</a:t>
             </a:fld>
             <a:endParaRPr lang="en-US"/>
           </a:p>
@@ -3580,7 +3698,7 @@
           <a:p>
             <a:fld id="{A80CB818-7379-467D-8E76-EF9D9074A26C}" type="datetime2">
               <a:rPr lang="en-US" smtClean="0"/>
-              <a:t>Tuesday, May 3, 16</a:t>
+              <a:t>Wednesday, May 4, 16</a:t>
             </a:fld>
             <a:endParaRPr lang="en-US" dirty="0"/>
           </a:p>
@@ -4413,7 +4531,7 @@
           <p:nvPr/>
         </p:nvPicPr>
         <p:blipFill>
-          <a:blip r:embed="rId2">
+          <a:blip r:embed="rId3">
             <a:extLst>
               <a:ext uri="{28A0092B-C50C-407E-A947-70E740481C1C}">
                 <a14:useLocalDpi xmlns:a14="http://schemas.microsoft.com/office/drawing/2010/main" val="0"/>
@@ -4842,7 +4960,19 @@
             </a:pPr>
             <a:r>
               <a:rPr lang="en-US" dirty="0" smtClean="0"/>
-              <a:t>Web queries are often short (between 1 and 5 words)</a:t>
+              <a:t>Web queries are often short (between 1 </a:t>
+            </a:r>
+            <a:r>
+              <a:rPr lang="en-US" smtClean="0"/>
+              <a:t>and </a:t>
+            </a:r>
+            <a:r>
+              <a:rPr lang="en-US" smtClean="0"/>
+              <a:t>3 </a:t>
+            </a:r>
+            <a:r>
+              <a:rPr lang="en-US" dirty="0" smtClean="0"/>
+              <a:t>words)</a:t>
             </a:r>
           </a:p>
           <a:p>
